--- a/METADATA CODEBOOK.pptx
+++ b/METADATA CODEBOOK.pptx
@@ -10,14 +10,16 @@
     <p:sldId id="257" r:id="rId4"/>
     <p:sldId id="258" r:id="rId5"/>
     <p:sldId id="263" r:id="rId6"/>
-    <p:sldId id="264" r:id="rId7"/>
-    <p:sldId id="265" r:id="rId8"/>
-    <p:sldId id="266" r:id="rId9"/>
-    <p:sldId id="268" r:id="rId10"/>
-    <p:sldId id="272" r:id="rId11"/>
-    <p:sldId id="270" r:id="rId12"/>
-    <p:sldId id="271" r:id="rId13"/>
-    <p:sldId id="269" r:id="rId14"/>
+    <p:sldId id="274" r:id="rId7"/>
+    <p:sldId id="264" r:id="rId8"/>
+    <p:sldId id="265" r:id="rId9"/>
+    <p:sldId id="266" r:id="rId10"/>
+    <p:sldId id="273" r:id="rId11"/>
+    <p:sldId id="268" r:id="rId12"/>
+    <p:sldId id="272" r:id="rId13"/>
+    <p:sldId id="270" r:id="rId14"/>
+    <p:sldId id="271" r:id="rId15"/>
+    <p:sldId id="269" r:id="rId16"/>
   </p:sldIdLst>
   <p:sldSz cx="12192000" cy="6858000"/>
   <p:notesSz cx="6858000" cy="9144000"/>
@@ -116,6 +118,11 @@
       </a:defRPr>
     </a:lvl9pPr>
   </p:defaultTextStyle>
+  <p:extLst>
+    <p:ext uri="{EFAFB233-063F-42B5-8137-9DF3F51BA10A}">
+      <p15:sldGuideLst xmlns:p15="http://schemas.microsoft.com/office/powerpoint/2012/main"/>
+    </p:ext>
+  </p:extLst>
 </p:presentation>
 </file>
 
@@ -266,7 +273,7 @@
           <a:p>
             <a:fld id="{11643408-86C7-463A-8958-51E660E829DA}" type="datetimeFigureOut">
               <a:rPr lang="en-US" smtClean="0"/>
-              <a:t>3/19/2024</a:t>
+              <a:t>3/20/2024</a:t>
             </a:fld>
             <a:endParaRPr lang="en-US"/>
           </a:p>
@@ -464,7 +471,7 @@
           <a:p>
             <a:fld id="{11643408-86C7-463A-8958-51E660E829DA}" type="datetimeFigureOut">
               <a:rPr lang="en-US" smtClean="0"/>
-              <a:t>3/19/2024</a:t>
+              <a:t>3/20/2024</a:t>
             </a:fld>
             <a:endParaRPr lang="en-US"/>
           </a:p>
@@ -672,7 +679,7 @@
           <a:p>
             <a:fld id="{11643408-86C7-463A-8958-51E660E829DA}" type="datetimeFigureOut">
               <a:rPr lang="en-US" smtClean="0"/>
-              <a:t>3/19/2024</a:t>
+              <a:t>3/20/2024</a:t>
             </a:fld>
             <a:endParaRPr lang="en-US"/>
           </a:p>
@@ -892,7 +899,7 @@
           <a:p>
             <a:fld id="{22E6D245-D3C3-40F1-9538-2046B7199377}" type="datetimeFigureOut">
               <a:rPr lang="en-US" smtClean="0"/>
-              <a:t>3/19/2024</a:t>
+              <a:t>3/20/2024</a:t>
             </a:fld>
             <a:endParaRPr lang="en-US"/>
           </a:p>
@@ -1090,7 +1097,7 @@
           <a:p>
             <a:fld id="{22E6D245-D3C3-40F1-9538-2046B7199377}" type="datetimeFigureOut">
               <a:rPr lang="en-US" smtClean="0"/>
-              <a:t>3/19/2024</a:t>
+              <a:t>3/20/2024</a:t>
             </a:fld>
             <a:endParaRPr lang="en-US"/>
           </a:p>
@@ -1365,7 +1372,7 @@
           <a:p>
             <a:fld id="{22E6D245-D3C3-40F1-9538-2046B7199377}" type="datetimeFigureOut">
               <a:rPr lang="en-US" smtClean="0"/>
-              <a:t>3/19/2024</a:t>
+              <a:t>3/20/2024</a:t>
             </a:fld>
             <a:endParaRPr lang="en-US"/>
           </a:p>
@@ -1630,7 +1637,7 @@
           <a:p>
             <a:fld id="{22E6D245-D3C3-40F1-9538-2046B7199377}" type="datetimeFigureOut">
               <a:rPr lang="en-US" smtClean="0"/>
-              <a:t>3/19/2024</a:t>
+              <a:t>3/20/2024</a:t>
             </a:fld>
             <a:endParaRPr lang="en-US"/>
           </a:p>
@@ -2042,7 +2049,7 @@
           <a:p>
             <a:fld id="{22E6D245-D3C3-40F1-9538-2046B7199377}" type="datetimeFigureOut">
               <a:rPr lang="en-US" smtClean="0"/>
-              <a:t>3/19/2024</a:t>
+              <a:t>3/20/2024</a:t>
             </a:fld>
             <a:endParaRPr lang="en-US"/>
           </a:p>
@@ -2183,7 +2190,7 @@
           <a:p>
             <a:fld id="{22E6D245-D3C3-40F1-9538-2046B7199377}" type="datetimeFigureOut">
               <a:rPr lang="en-US" smtClean="0"/>
-              <a:t>3/19/2024</a:t>
+              <a:t>3/20/2024</a:t>
             </a:fld>
             <a:endParaRPr lang="en-US"/>
           </a:p>
@@ -2296,7 +2303,7 @@
           <a:p>
             <a:fld id="{22E6D245-D3C3-40F1-9538-2046B7199377}" type="datetimeFigureOut">
               <a:rPr lang="en-US" smtClean="0"/>
-              <a:t>3/19/2024</a:t>
+              <a:t>3/20/2024</a:t>
             </a:fld>
             <a:endParaRPr lang="en-US"/>
           </a:p>
@@ -2607,7 +2614,7 @@
           <a:p>
             <a:fld id="{22E6D245-D3C3-40F1-9538-2046B7199377}" type="datetimeFigureOut">
               <a:rPr lang="en-US" smtClean="0"/>
-              <a:t>3/19/2024</a:t>
+              <a:t>3/20/2024</a:t>
             </a:fld>
             <a:endParaRPr lang="en-US"/>
           </a:p>
@@ -2805,7 +2812,7 @@
           <a:p>
             <a:fld id="{11643408-86C7-463A-8958-51E660E829DA}" type="datetimeFigureOut">
               <a:rPr lang="en-US" smtClean="0"/>
-              <a:t>3/19/2024</a:t>
+              <a:t>3/20/2024</a:t>
             </a:fld>
             <a:endParaRPr lang="en-US"/>
           </a:p>
@@ -3093,7 +3100,7 @@
           <a:p>
             <a:fld id="{22E6D245-D3C3-40F1-9538-2046B7199377}" type="datetimeFigureOut">
               <a:rPr lang="en-US" smtClean="0"/>
-              <a:t>3/19/2024</a:t>
+              <a:t>3/20/2024</a:t>
             </a:fld>
             <a:endParaRPr lang="en-US"/>
           </a:p>
@@ -3291,7 +3298,7 @@
           <a:p>
             <a:fld id="{22E6D245-D3C3-40F1-9538-2046B7199377}" type="datetimeFigureOut">
               <a:rPr lang="en-US" smtClean="0"/>
-              <a:t>3/19/2024</a:t>
+              <a:t>3/20/2024</a:t>
             </a:fld>
             <a:endParaRPr lang="en-US"/>
           </a:p>
@@ -3499,7 +3506,7 @@
           <a:p>
             <a:fld id="{22E6D245-D3C3-40F1-9538-2046B7199377}" type="datetimeFigureOut">
               <a:rPr lang="en-US" smtClean="0"/>
-              <a:t>3/19/2024</a:t>
+              <a:t>3/20/2024</a:t>
             </a:fld>
             <a:endParaRPr lang="en-US"/>
           </a:p>
@@ -3774,7 +3781,7 @@
           <a:p>
             <a:fld id="{11643408-86C7-463A-8958-51E660E829DA}" type="datetimeFigureOut">
               <a:rPr lang="en-US" smtClean="0"/>
-              <a:t>3/19/2024</a:t>
+              <a:t>3/20/2024</a:t>
             </a:fld>
             <a:endParaRPr lang="en-US"/>
           </a:p>
@@ -4039,7 +4046,7 @@
           <a:p>
             <a:fld id="{11643408-86C7-463A-8958-51E660E829DA}" type="datetimeFigureOut">
               <a:rPr lang="en-US" smtClean="0"/>
-              <a:t>3/19/2024</a:t>
+              <a:t>3/20/2024</a:t>
             </a:fld>
             <a:endParaRPr lang="en-US"/>
           </a:p>
@@ -4451,7 +4458,7 @@
           <a:p>
             <a:fld id="{11643408-86C7-463A-8958-51E660E829DA}" type="datetimeFigureOut">
               <a:rPr lang="en-US" smtClean="0"/>
-              <a:t>3/19/2024</a:t>
+              <a:t>3/20/2024</a:t>
             </a:fld>
             <a:endParaRPr lang="en-US"/>
           </a:p>
@@ -4592,7 +4599,7 @@
           <a:p>
             <a:fld id="{11643408-86C7-463A-8958-51E660E829DA}" type="datetimeFigureOut">
               <a:rPr lang="en-US" smtClean="0"/>
-              <a:t>3/19/2024</a:t>
+              <a:t>3/20/2024</a:t>
             </a:fld>
             <a:endParaRPr lang="en-US"/>
           </a:p>
@@ -4705,7 +4712,7 @@
           <a:p>
             <a:fld id="{11643408-86C7-463A-8958-51E660E829DA}" type="datetimeFigureOut">
               <a:rPr lang="en-US" smtClean="0"/>
-              <a:t>3/19/2024</a:t>
+              <a:t>3/20/2024</a:t>
             </a:fld>
             <a:endParaRPr lang="en-US"/>
           </a:p>
@@ -5016,7 +5023,7 @@
           <a:p>
             <a:fld id="{11643408-86C7-463A-8958-51E660E829DA}" type="datetimeFigureOut">
               <a:rPr lang="en-US" smtClean="0"/>
-              <a:t>3/19/2024</a:t>
+              <a:t>3/20/2024</a:t>
             </a:fld>
             <a:endParaRPr lang="en-US"/>
           </a:p>
@@ -5304,7 +5311,7 @@
           <a:p>
             <a:fld id="{11643408-86C7-463A-8958-51E660E829DA}" type="datetimeFigureOut">
               <a:rPr lang="en-US" smtClean="0"/>
-              <a:t>3/19/2024</a:t>
+              <a:t>3/20/2024</a:t>
             </a:fld>
             <a:endParaRPr lang="en-US"/>
           </a:p>
@@ -5545,7 +5552,7 @@
           <a:p>
             <a:fld id="{11643408-86C7-463A-8958-51E660E829DA}" type="datetimeFigureOut">
               <a:rPr lang="en-US" smtClean="0"/>
-              <a:t>3/19/2024</a:t>
+              <a:t>3/20/2024</a:t>
             </a:fld>
             <a:endParaRPr lang="en-US"/>
           </a:p>
@@ -6113,7 +6120,7 @@
           <a:p>
             <a:fld id="{22E6D245-D3C3-40F1-9538-2046B7199377}" type="datetimeFigureOut">
               <a:rPr lang="en-US" smtClean="0"/>
-              <a:t>3/19/2024</a:t>
+              <a:t>3/20/2024</a:t>
             </a:fld>
             <a:endParaRPr lang="en-US"/>
           </a:p>
@@ -6636,6 +6643,648 @@
           <a:p>
             <a:r>
               <a:rPr lang="en-US" dirty="0"/>
+              <a:t>LOCATION</a:t>
+            </a:r>
+          </a:p>
+        </p:txBody>
+      </p:sp>
+      <p:sp>
+        <p:nvSpPr>
+          <p:cNvPr id="62" name="TextBox 61">
+            <a:extLst>
+              <a:ext uri="{FF2B5EF4-FFF2-40B4-BE49-F238E27FC236}">
+                <a16:creationId xmlns:a16="http://schemas.microsoft.com/office/drawing/2014/main" id="{A9619149-1A96-5BDE-ED78-B399E9AF3C7E}"/>
+              </a:ext>
+            </a:extLst>
+          </p:cNvPr>
+          <p:cNvSpPr txBox="1"/>
+          <p:nvPr/>
+        </p:nvSpPr>
+        <p:spPr>
+          <a:xfrm>
+            <a:off x="10076738" y="5131442"/>
+            <a:ext cx="1693156" cy="1200329"/>
+          </a:xfrm>
+          <a:prstGeom prst="rect">
+            <a:avLst/>
+          </a:prstGeom>
+          <a:noFill/>
+        </p:spPr>
+        <p:txBody>
+          <a:bodyPr wrap="none" rtlCol="0">
+            <a:spAutoFit/>
+          </a:bodyPr>
+          <a:lstStyle/>
+          <a:p>
+            <a:r>
+              <a:rPr lang="en-US" u="sng" dirty="0"/>
+              <a:t>Source:</a:t>
+            </a:r>
+            <a:br>
+              <a:rPr lang="en-US" dirty="0">
+                <a:solidFill>
+                  <a:schemeClr val="accent2"/>
+                </a:solidFill>
+              </a:rPr>
+            </a:br>
+            <a:r>
+              <a:rPr lang="en-US" dirty="0">
+                <a:solidFill>
+                  <a:schemeClr val="accent2"/>
+                </a:solidFill>
+              </a:rPr>
+              <a:t>IRS BMF/1023</a:t>
+            </a:r>
+          </a:p>
+          <a:p>
+            <a:r>
+              <a:rPr lang="en-US" dirty="0">
+                <a:solidFill>
+                  <a:schemeClr val="accent1"/>
+                </a:solidFill>
+              </a:rPr>
+              <a:t>NCCS</a:t>
+            </a:r>
+          </a:p>
+          <a:p>
+            <a:r>
+              <a:rPr lang="en-US" dirty="0">
+                <a:solidFill>
+                  <a:schemeClr val="tx1">
+                    <a:lumMod val="50000"/>
+                    <a:lumOff val="50000"/>
+                  </a:schemeClr>
+                </a:solidFill>
+              </a:rPr>
+              <a:t>Quality Control</a:t>
+            </a:r>
+          </a:p>
+        </p:txBody>
+      </p:sp>
+      <p:sp>
+        <p:nvSpPr>
+          <p:cNvPr id="11" name="TextBox 10">
+            <a:extLst>
+              <a:ext uri="{FF2B5EF4-FFF2-40B4-BE49-F238E27FC236}">
+                <a16:creationId xmlns:a16="http://schemas.microsoft.com/office/drawing/2014/main" id="{9CAC24C9-FB81-07E9-D6FC-ED38DB954DAD}"/>
+              </a:ext>
+            </a:extLst>
+          </p:cNvPr>
+          <p:cNvSpPr txBox="1"/>
+          <p:nvPr/>
+        </p:nvSpPr>
+        <p:spPr>
+          <a:xfrm>
+            <a:off x="3342079" y="3209271"/>
+            <a:ext cx="1356045" cy="1200329"/>
+          </a:xfrm>
+          <a:prstGeom prst="rect">
+            <a:avLst/>
+          </a:prstGeom>
+          <a:noFill/>
+        </p:spPr>
+        <p:txBody>
+          <a:bodyPr wrap="square">
+            <a:spAutoFit/>
+          </a:bodyPr>
+          <a:lstStyle/>
+          <a:p>
+            <a:r>
+              <a:rPr lang="en-US" dirty="0">
+                <a:solidFill>
+                  <a:schemeClr val="accent2"/>
+                </a:solidFill>
+              </a:rPr>
+              <a:t>ADDRESS</a:t>
+            </a:r>
+            <a:br>
+              <a:rPr lang="en-US" dirty="0">
+                <a:solidFill>
+                  <a:schemeClr val="accent2"/>
+                </a:solidFill>
+              </a:rPr>
+            </a:br>
+            <a:r>
+              <a:rPr lang="en-US" dirty="0">
+                <a:solidFill>
+                  <a:schemeClr val="accent2"/>
+                </a:solidFill>
+              </a:rPr>
+              <a:t>CITY</a:t>
+            </a:r>
+            <a:br>
+              <a:rPr lang="en-US" dirty="0">
+                <a:solidFill>
+                  <a:schemeClr val="accent2"/>
+                </a:solidFill>
+              </a:rPr>
+            </a:br>
+            <a:r>
+              <a:rPr lang="en-US" dirty="0">
+                <a:solidFill>
+                  <a:schemeClr val="accent2"/>
+                </a:solidFill>
+              </a:rPr>
+              <a:t>ZIP</a:t>
+            </a:r>
+            <a:br>
+              <a:rPr lang="en-US" dirty="0">
+                <a:solidFill>
+                  <a:schemeClr val="accent2"/>
+                </a:solidFill>
+              </a:rPr>
+            </a:br>
+            <a:r>
+              <a:rPr lang="en-US" dirty="0">
+                <a:solidFill>
+                  <a:schemeClr val="accent2"/>
+                </a:solidFill>
+              </a:rPr>
+              <a:t>STATE</a:t>
+            </a:r>
+          </a:p>
+        </p:txBody>
+      </p:sp>
+      <p:cxnSp>
+        <p:nvCxnSpPr>
+          <p:cNvPr id="65" name="Straight Arrow Connector 64">
+            <a:extLst>
+              <a:ext uri="{FF2B5EF4-FFF2-40B4-BE49-F238E27FC236}">
+                <a16:creationId xmlns:a16="http://schemas.microsoft.com/office/drawing/2014/main" id="{C26AF9C6-BD8E-8E81-2060-371278360E5C}"/>
+              </a:ext>
+            </a:extLst>
+          </p:cNvPr>
+          <p:cNvCxnSpPr>
+            <a:cxnSpLocks/>
+            <a:stCxn id="11" idx="3"/>
+            <a:endCxn id="2" idx="1"/>
+          </p:cNvCxnSpPr>
+          <p:nvPr/>
+        </p:nvCxnSpPr>
+        <p:spPr>
+          <a:xfrm flipV="1">
+            <a:off x="4698124" y="3809435"/>
+            <a:ext cx="1767515" cy="1"/>
+          </a:xfrm>
+          <a:prstGeom prst="straightConnector1">
+            <a:avLst/>
+          </a:prstGeom>
+          <a:ln w="28575">
+            <a:tailEnd type="triangle" w="lg" len="med"/>
+          </a:ln>
+        </p:spPr>
+        <p:style>
+          <a:lnRef idx="2">
+            <a:schemeClr val="accent1"/>
+          </a:lnRef>
+          <a:fillRef idx="0">
+            <a:schemeClr val="accent1"/>
+          </a:fillRef>
+          <a:effectRef idx="1">
+            <a:schemeClr val="accent1"/>
+          </a:effectRef>
+          <a:fontRef idx="minor">
+            <a:schemeClr val="tx1"/>
+          </a:fontRef>
+        </p:style>
+      </p:cxnSp>
+      <p:sp>
+        <p:nvSpPr>
+          <p:cNvPr id="2" name="TextBox 1">
+            <a:extLst>
+              <a:ext uri="{FF2B5EF4-FFF2-40B4-BE49-F238E27FC236}">
+                <a16:creationId xmlns:a16="http://schemas.microsoft.com/office/drawing/2014/main" id="{03CFC9B6-2E5D-408C-1028-D1F0DDF9446A}"/>
+              </a:ext>
+            </a:extLst>
+          </p:cNvPr>
+          <p:cNvSpPr txBox="1"/>
+          <p:nvPr/>
+        </p:nvSpPr>
+        <p:spPr>
+          <a:xfrm>
+            <a:off x="6465639" y="2932272"/>
+            <a:ext cx="766300" cy="1754326"/>
+          </a:xfrm>
+          <a:prstGeom prst="rect">
+            <a:avLst/>
+          </a:prstGeom>
+          <a:noFill/>
+        </p:spPr>
+        <p:txBody>
+          <a:bodyPr wrap="none" rtlCol="0">
+            <a:spAutoFit/>
+          </a:bodyPr>
+          <a:lstStyle/>
+          <a:p>
+            <a:r>
+              <a:rPr lang="en-US" dirty="0">
+                <a:solidFill>
+                  <a:schemeClr val="accent1"/>
+                </a:solidFill>
+              </a:rPr>
+              <a:t>LAT</a:t>
+            </a:r>
+            <a:br>
+              <a:rPr lang="en-US" dirty="0">
+                <a:solidFill>
+                  <a:schemeClr val="accent1"/>
+                </a:solidFill>
+              </a:rPr>
+            </a:br>
+            <a:r>
+              <a:rPr lang="en-US" dirty="0">
+                <a:solidFill>
+                  <a:schemeClr val="accent1"/>
+                </a:solidFill>
+              </a:rPr>
+              <a:t>LON</a:t>
+            </a:r>
+            <a:br>
+              <a:rPr lang="en-US" dirty="0">
+                <a:solidFill>
+                  <a:schemeClr val="accent1"/>
+                </a:solidFill>
+              </a:rPr>
+            </a:br>
+            <a:r>
+              <a:rPr lang="en-US" dirty="0">
+                <a:solidFill>
+                  <a:schemeClr val="accent1"/>
+                </a:solidFill>
+              </a:rPr>
+              <a:t>FIPS</a:t>
+            </a:r>
+            <a:br>
+              <a:rPr lang="en-US" dirty="0">
+                <a:solidFill>
+                  <a:schemeClr val="accent1"/>
+                </a:solidFill>
+              </a:rPr>
+            </a:br>
+            <a:r>
+              <a:rPr lang="en-US" dirty="0">
+                <a:solidFill>
+                  <a:schemeClr val="accent1"/>
+                </a:solidFill>
+              </a:rPr>
+              <a:t>MSA</a:t>
+            </a:r>
+            <a:br>
+              <a:rPr lang="en-US" dirty="0">
+                <a:solidFill>
+                  <a:schemeClr val="accent1"/>
+                </a:solidFill>
+              </a:rPr>
+            </a:br>
+            <a:r>
+              <a:rPr lang="en-US" dirty="0">
+                <a:solidFill>
+                  <a:schemeClr val="accent1"/>
+                </a:solidFill>
+              </a:rPr>
+              <a:t>CBSA</a:t>
+            </a:r>
+          </a:p>
+          <a:p>
+            <a:r>
+              <a:rPr lang="en-US" dirty="0">
+                <a:solidFill>
+                  <a:schemeClr val="accent1"/>
+                </a:solidFill>
+              </a:rPr>
+              <a:t>PMSA</a:t>
+            </a:r>
+          </a:p>
+        </p:txBody>
+      </p:sp>
+      <p:sp>
+        <p:nvSpPr>
+          <p:cNvPr id="5" name="TextBox 4">
+            <a:extLst>
+              <a:ext uri="{FF2B5EF4-FFF2-40B4-BE49-F238E27FC236}">
+                <a16:creationId xmlns:a16="http://schemas.microsoft.com/office/drawing/2014/main" id="{B094CC2B-281A-D552-8ABE-4E435BEFF5FB}"/>
+              </a:ext>
+            </a:extLst>
+          </p:cNvPr>
+          <p:cNvSpPr txBox="1"/>
+          <p:nvPr/>
+        </p:nvSpPr>
+        <p:spPr>
+          <a:xfrm>
+            <a:off x="4661019" y="2135531"/>
+            <a:ext cx="1876096" cy="646331"/>
+          </a:xfrm>
+          <a:prstGeom prst="rect">
+            <a:avLst/>
+          </a:prstGeom>
+          <a:noFill/>
+        </p:spPr>
+        <p:txBody>
+          <a:bodyPr wrap="square">
+            <a:spAutoFit/>
+          </a:bodyPr>
+          <a:lstStyle/>
+          <a:p>
+            <a:r>
+              <a:rPr lang="en-US" dirty="0">
+                <a:solidFill>
+                  <a:schemeClr val="tx1">
+                    <a:lumMod val="50000"/>
+                    <a:lumOff val="50000"/>
+                  </a:schemeClr>
+                </a:solidFill>
+              </a:rPr>
+              <a:t>GEOCD</a:t>
+            </a:r>
+            <a:br>
+              <a:rPr lang="en-US" dirty="0">
+                <a:solidFill>
+                  <a:schemeClr val="tx1">
+                    <a:lumMod val="50000"/>
+                    <a:lumOff val="50000"/>
+                  </a:schemeClr>
+                </a:solidFill>
+              </a:rPr>
+            </a:br>
+            <a:r>
+              <a:rPr lang="en-US" dirty="0">
+                <a:solidFill>
+                  <a:schemeClr val="tx1">
+                    <a:lumMod val="50000"/>
+                    <a:lumOff val="50000"/>
+                  </a:schemeClr>
+                </a:solidFill>
+              </a:rPr>
+              <a:t>GEOEXCLUDE</a:t>
+            </a:r>
+          </a:p>
+        </p:txBody>
+      </p:sp>
+      <p:cxnSp>
+        <p:nvCxnSpPr>
+          <p:cNvPr id="20" name="Straight Arrow Connector 19">
+            <a:extLst>
+              <a:ext uri="{FF2B5EF4-FFF2-40B4-BE49-F238E27FC236}">
+                <a16:creationId xmlns:a16="http://schemas.microsoft.com/office/drawing/2014/main" id="{00CBE046-D491-9BE7-EA76-97756C04C0CF}"/>
+              </a:ext>
+            </a:extLst>
+          </p:cNvPr>
+          <p:cNvCxnSpPr>
+            <a:cxnSpLocks/>
+            <a:stCxn id="5" idx="2"/>
+          </p:cNvCxnSpPr>
+          <p:nvPr/>
+        </p:nvCxnSpPr>
+        <p:spPr>
+          <a:xfrm>
+            <a:off x="5599067" y="2781862"/>
+            <a:ext cx="11763" cy="921758"/>
+          </a:xfrm>
+          <a:prstGeom prst="straightConnector1">
+            <a:avLst/>
+          </a:prstGeom>
+          <a:ln w="28575">
+            <a:solidFill>
+              <a:schemeClr val="bg2">
+                <a:lumMod val="75000"/>
+              </a:schemeClr>
+            </a:solidFill>
+            <a:tailEnd type="triangle" w="lg" len="med"/>
+          </a:ln>
+        </p:spPr>
+        <p:style>
+          <a:lnRef idx="2">
+            <a:schemeClr val="accent1"/>
+          </a:lnRef>
+          <a:fillRef idx="0">
+            <a:schemeClr val="accent1"/>
+          </a:fillRef>
+          <a:effectRef idx="1">
+            <a:schemeClr val="accent1"/>
+          </a:effectRef>
+          <a:fontRef idx="minor">
+            <a:schemeClr val="tx1"/>
+          </a:fontRef>
+        </p:style>
+      </p:cxnSp>
+      <p:sp>
+        <p:nvSpPr>
+          <p:cNvPr id="24" name="TextBox 23">
+            <a:extLst>
+              <a:ext uri="{FF2B5EF4-FFF2-40B4-BE49-F238E27FC236}">
+                <a16:creationId xmlns:a16="http://schemas.microsoft.com/office/drawing/2014/main" id="{3B380AC4-AE23-7DFC-859C-0B7CE87FFEDE}"/>
+              </a:ext>
+            </a:extLst>
+          </p:cNvPr>
+          <p:cNvSpPr txBox="1"/>
+          <p:nvPr/>
+        </p:nvSpPr>
+        <p:spPr>
+          <a:xfrm>
+            <a:off x="3710561" y="5030859"/>
+            <a:ext cx="619080" cy="369332"/>
+          </a:xfrm>
+          <a:prstGeom prst="rect">
+            <a:avLst/>
+          </a:prstGeom>
+          <a:noFill/>
+        </p:spPr>
+        <p:txBody>
+          <a:bodyPr wrap="none" rtlCol="0">
+            <a:spAutoFit/>
+          </a:bodyPr>
+          <a:lstStyle/>
+          <a:p>
+            <a:r>
+              <a:rPr lang="en-US" dirty="0">
+                <a:solidFill>
+                  <a:schemeClr val="accent1"/>
+                </a:solidFill>
+              </a:rPr>
+              <a:t>ZIP5</a:t>
+            </a:r>
+          </a:p>
+        </p:txBody>
+      </p:sp>
+      <p:cxnSp>
+        <p:nvCxnSpPr>
+          <p:cNvPr id="25" name="Straight Arrow Connector 24">
+            <a:extLst>
+              <a:ext uri="{FF2B5EF4-FFF2-40B4-BE49-F238E27FC236}">
+                <a16:creationId xmlns:a16="http://schemas.microsoft.com/office/drawing/2014/main" id="{49930298-C914-607A-B8FF-10E28E52CA5F}"/>
+              </a:ext>
+            </a:extLst>
+          </p:cNvPr>
+          <p:cNvCxnSpPr>
+            <a:cxnSpLocks/>
+            <a:stCxn id="11" idx="2"/>
+            <a:endCxn id="24" idx="0"/>
+          </p:cNvCxnSpPr>
+          <p:nvPr/>
+        </p:nvCxnSpPr>
+        <p:spPr>
+          <a:xfrm flipH="1">
+            <a:off x="4020101" y="4409600"/>
+            <a:ext cx="1" cy="621259"/>
+          </a:xfrm>
+          <a:prstGeom prst="straightConnector1">
+            <a:avLst/>
+          </a:prstGeom>
+          <a:ln w="28575">
+            <a:tailEnd type="triangle" w="lg" len="med"/>
+          </a:ln>
+        </p:spPr>
+        <p:style>
+          <a:lnRef idx="2">
+            <a:schemeClr val="accent1"/>
+          </a:lnRef>
+          <a:fillRef idx="0">
+            <a:schemeClr val="accent1"/>
+          </a:fillRef>
+          <a:effectRef idx="1">
+            <a:schemeClr val="accent1"/>
+          </a:effectRef>
+          <a:fontRef idx="minor">
+            <a:schemeClr val="tx1"/>
+          </a:fontRef>
+        </p:style>
+      </p:cxnSp>
+    </p:spTree>
+    <p:extLst>
+      <p:ext uri="{BB962C8B-B14F-4D97-AF65-F5344CB8AC3E}">
+        <p14:creationId xmlns:p14="http://schemas.microsoft.com/office/powerpoint/2010/main" val="3241341571"/>
+      </p:ext>
+    </p:extLst>
+  </p:cSld>
+  <p:clrMapOvr>
+    <a:masterClrMapping/>
+  </p:clrMapOvr>
+</p:sld>
+</file>
+
+<file path=ppt/slides/slide11.xml><?xml version="1.0" encoding="utf-8"?>
+<p:sld xmlns:a="http://schemas.openxmlformats.org/drawingml/2006/main" xmlns:r="http://schemas.openxmlformats.org/officeDocument/2006/relationships" xmlns:p="http://schemas.openxmlformats.org/presentationml/2006/main">
+  <p:cSld>
+    <p:spTree>
+      <p:nvGrpSpPr>
+        <p:cNvPr id="1" name=""/>
+        <p:cNvGrpSpPr/>
+        <p:nvPr/>
+      </p:nvGrpSpPr>
+      <p:grpSpPr>
+        <a:xfrm>
+          <a:off x="0" y="0"/>
+          <a:ext cx="0" cy="0"/>
+          <a:chOff x="0" y="0"/>
+          <a:chExt cx="0" cy="0"/>
+        </a:xfrm>
+      </p:grpSpPr>
+      <p:sp>
+        <p:nvSpPr>
+          <p:cNvPr id="2" name="Title 1">
+            <a:extLst>
+              <a:ext uri="{FF2B5EF4-FFF2-40B4-BE49-F238E27FC236}">
+                <a16:creationId xmlns:a16="http://schemas.microsoft.com/office/drawing/2014/main" id="{8122DBF5-DD84-0A30-CB66-24CDB6C4B6EA}"/>
+              </a:ext>
+            </a:extLst>
+          </p:cNvPr>
+          <p:cNvSpPr>
+            <a:spLocks noGrp="1"/>
+          </p:cNvSpPr>
+          <p:nvPr>
+            <p:ph type="title"/>
+          </p:nvPr>
+        </p:nvSpPr>
+        <p:spPr/>
+        <p:txBody>
+          <a:bodyPr/>
+          <a:lstStyle/>
+          <a:p>
+            <a:r>
+              <a:rPr lang="en-US" dirty="0"/>
+              <a:t>NEW METADATA ATTRIBUTES</a:t>
+            </a:r>
+          </a:p>
+        </p:txBody>
+      </p:sp>
+      <p:sp>
+        <p:nvSpPr>
+          <p:cNvPr id="3" name="Text Placeholder 2">
+            <a:extLst>
+              <a:ext uri="{FF2B5EF4-FFF2-40B4-BE49-F238E27FC236}">
+                <a16:creationId xmlns:a16="http://schemas.microsoft.com/office/drawing/2014/main" id="{AC942865-F68E-D438-25CE-EE75D990DB50}"/>
+              </a:ext>
+            </a:extLst>
+          </p:cNvPr>
+          <p:cNvSpPr>
+            <a:spLocks noGrp="1"/>
+          </p:cNvSpPr>
+          <p:nvPr>
+            <p:ph type="body" idx="1"/>
+          </p:nvPr>
+        </p:nvSpPr>
+        <p:spPr/>
+        <p:txBody>
+          <a:bodyPr/>
+          <a:lstStyle/>
+          <a:p>
+            <a:endParaRPr lang="en-US"/>
+          </a:p>
+        </p:txBody>
+      </p:sp>
+    </p:spTree>
+    <p:extLst>
+      <p:ext uri="{BB962C8B-B14F-4D97-AF65-F5344CB8AC3E}">
+        <p14:creationId xmlns:p14="http://schemas.microsoft.com/office/powerpoint/2010/main" val="1079999595"/>
+      </p:ext>
+    </p:extLst>
+  </p:cSld>
+  <p:clrMapOvr>
+    <a:masterClrMapping/>
+  </p:clrMapOvr>
+</p:sld>
+</file>
+
+<file path=ppt/slides/slide12.xml><?xml version="1.0" encoding="utf-8"?>
+<p:sld xmlns:a="http://schemas.openxmlformats.org/drawingml/2006/main" xmlns:r="http://schemas.openxmlformats.org/officeDocument/2006/relationships" xmlns:p="http://schemas.openxmlformats.org/presentationml/2006/main">
+  <p:cSld>
+    <p:spTree>
+      <p:nvGrpSpPr>
+        <p:cNvPr id="1" name=""/>
+        <p:cNvGrpSpPr/>
+        <p:nvPr/>
+      </p:nvGrpSpPr>
+      <p:grpSpPr>
+        <a:xfrm>
+          <a:off x="0" y="0"/>
+          <a:ext cx="0" cy="0"/>
+          <a:chOff x="0" y="0"/>
+          <a:chExt cx="0" cy="0"/>
+        </a:xfrm>
+      </p:grpSpPr>
+      <p:sp>
+        <p:nvSpPr>
+          <p:cNvPr id="27" name="Title 26">
+            <a:extLst>
+              <a:ext uri="{FF2B5EF4-FFF2-40B4-BE49-F238E27FC236}">
+                <a16:creationId xmlns:a16="http://schemas.microsoft.com/office/drawing/2014/main" id="{416CD5C7-F95B-6DEC-1AD2-4FC5EBA05258}"/>
+              </a:ext>
+            </a:extLst>
+          </p:cNvPr>
+          <p:cNvSpPr>
+            <a:spLocks noGrp="1"/>
+          </p:cNvSpPr>
+          <p:nvPr>
+            <p:ph type="title"/>
+          </p:nvPr>
+        </p:nvSpPr>
+        <p:spPr/>
+        <p:txBody>
+          <a:bodyPr/>
+          <a:lstStyle/>
+          <a:p>
+            <a:r>
+              <a:rPr lang="en-US" dirty="0"/>
               <a:t>TAX EXEMPT PURPOSE TYPES</a:t>
             </a:r>
           </a:p>
@@ -6775,7 +7424,7 @@
 </p:sld>
 </file>
 
-<file path=ppt/slides/slide11.xml><?xml version="1.0" encoding="utf-8"?>
+<file path=ppt/slides/slide13.xml><?xml version="1.0" encoding="utf-8"?>
 <p:sld xmlns:a="http://schemas.openxmlformats.org/drawingml/2006/main" xmlns:r="http://schemas.openxmlformats.org/officeDocument/2006/relationships" xmlns:p="http://schemas.openxmlformats.org/presentationml/2006/main">
   <p:cSld>
     <p:spTree>
@@ -7288,7 +7937,7 @@
 </p:sld>
 </file>
 
-<file path=ppt/slides/slide12.xml><?xml version="1.0" encoding="utf-8"?>
+<file path=ppt/slides/slide14.xml><?xml version="1.0" encoding="utf-8"?>
 <p:sld xmlns:a="http://schemas.openxmlformats.org/drawingml/2006/main" xmlns:r="http://schemas.openxmlformats.org/officeDocument/2006/relationships" xmlns:p="http://schemas.openxmlformats.org/presentationml/2006/main">
   <p:cSld>
     <p:spTree>
@@ -13774,38 +14423,10 @@
       </p:grpSpPr>
       <p:sp>
         <p:nvSpPr>
-          <p:cNvPr id="2" name="Title 1">
-            <a:extLst>
-              <a:ext uri="{FF2B5EF4-FFF2-40B4-BE49-F238E27FC236}">
-                <a16:creationId xmlns:a16="http://schemas.microsoft.com/office/drawing/2014/main" id="{227AB769-DD5E-231E-6B45-289D6DE64C43}"/>
-              </a:ext>
-            </a:extLst>
-          </p:cNvPr>
-          <p:cNvSpPr>
-            <a:spLocks noGrp="1"/>
-          </p:cNvSpPr>
-          <p:nvPr>
-            <p:ph type="title"/>
-          </p:nvPr>
-        </p:nvSpPr>
-        <p:spPr/>
-        <p:txBody>
-          <a:bodyPr/>
-          <a:lstStyle/>
-          <a:p>
-            <a:r>
-              <a:rPr lang="en-US" dirty="0"/>
-              <a:t>LEVEL1</a:t>
-            </a:r>
-          </a:p>
-        </p:txBody>
-      </p:sp>
-      <p:sp>
-        <p:nvSpPr>
-          <p:cNvPr id="4" name="TextBox 3">
-            <a:extLst>
-              <a:ext uri="{FF2B5EF4-FFF2-40B4-BE49-F238E27FC236}">
-                <a16:creationId xmlns:a16="http://schemas.microsoft.com/office/drawing/2014/main" id="{2BC12262-14AA-334D-40C6-29AA6A0B5932}"/>
+          <p:cNvPr id="3" name="TextBox 2">
+            <a:extLst>
+              <a:ext uri="{FF2B5EF4-FFF2-40B4-BE49-F238E27FC236}">
+                <a16:creationId xmlns:a16="http://schemas.microsoft.com/office/drawing/2014/main" id="{1FC5E3BD-DF52-8A26-EC31-1592D97DF786}"/>
               </a:ext>
             </a:extLst>
           </p:cNvPr>
@@ -13814,8 +14435,8 @@
         </p:nvSpPr>
         <p:spPr>
           <a:xfrm>
-            <a:off x="4103914" y="706676"/>
-            <a:ext cx="6096000" cy="5786199"/>
+            <a:off x="838200" y="1464389"/>
+            <a:ext cx="10663238" cy="5047536"/>
           </a:xfrm>
           <a:prstGeom prst="rect">
             <a:avLst/>
@@ -13828,927 +14449,304 @@
           </a:bodyPr>
           <a:lstStyle/>
           <a:p>
-            <a:r>
-              <a:rPr lang="en-US" sz="1000" dirty="0">
-                <a:latin typeface="Cascadia Mono Light" panose="020B0609020000020004" pitchFamily="49" charset="0"/>
-                <a:ea typeface="Cascadia Mono Light" panose="020B0609020000020004" pitchFamily="49" charset="0"/>
-                <a:cs typeface="Cascadia Mono Light" panose="020B0609020000020004" pitchFamily="49" charset="0"/>
-              </a:rPr>
-              <a:t> def all_level1(self, </a:t>
-            </a:r>
-            <a:r>
-              <a:rPr lang="en-US" sz="1000" dirty="0" err="1">
-                <a:latin typeface="Cascadia Mono Light" panose="020B0609020000020004" pitchFamily="49" charset="0"/>
-                <a:ea typeface="Cascadia Mono Light" panose="020B0609020000020004" pitchFamily="49" charset="0"/>
-                <a:cs typeface="Cascadia Mono Light" panose="020B0609020000020004" pitchFamily="49" charset="0"/>
-              </a:rPr>
-              <a:t>df</a:t>
-            </a:r>
-            <a:r>
-              <a:rPr lang="en-US" sz="1000" dirty="0">
-                <a:latin typeface="Cascadia Mono Light" panose="020B0609020000020004" pitchFamily="49" charset="0"/>
-                <a:ea typeface="Cascadia Mono Light" panose="020B0609020000020004" pitchFamily="49" charset="0"/>
-                <a:cs typeface="Cascadia Mono Light" panose="020B0609020000020004" pitchFamily="49" charset="0"/>
-              </a:rPr>
-              <a:t>, name):</a:t>
-            </a:r>
-          </a:p>
-          <a:p>
-            <a:r>
-              <a:rPr lang="en-US" sz="1000" dirty="0">
-                <a:latin typeface="Cascadia Mono Light" panose="020B0609020000020004" pitchFamily="49" charset="0"/>
-                <a:ea typeface="Cascadia Mono Light" panose="020B0609020000020004" pitchFamily="49" charset="0"/>
-                <a:cs typeface="Cascadia Mono Light" panose="020B0609020000020004" pitchFamily="49" charset="0"/>
-              </a:rPr>
-              <a:t>        """</a:t>
-            </a:r>
-          </a:p>
-          <a:p>
-            <a:r>
-              <a:rPr lang="en-US" sz="1000" dirty="0">
-                <a:latin typeface="Cascadia Mono Light" panose="020B0609020000020004" pitchFamily="49" charset="0"/>
-                <a:ea typeface="Cascadia Mono Light" panose="020B0609020000020004" pitchFamily="49" charset="0"/>
-                <a:cs typeface="Cascadia Mono Light" panose="020B0609020000020004" pitchFamily="49" charset="0"/>
-              </a:rPr>
-              <a:t>        Generates a piecewise value based on SUBSECCD and FNDNCD.</a:t>
-            </a:r>
-          </a:p>
-          <a:p>
-            <a:endParaRPr lang="en-US" sz="1000" dirty="0">
-              <a:latin typeface="Cascadia Mono Light" panose="020B0609020000020004" pitchFamily="49" charset="0"/>
-              <a:ea typeface="Cascadia Mono Light" panose="020B0609020000020004" pitchFamily="49" charset="0"/>
-              <a:cs typeface="Cascadia Mono Light" panose="020B0609020000020004" pitchFamily="49" charset="0"/>
-            </a:endParaRPr>
-          </a:p>
-          <a:p>
-            <a:r>
-              <a:rPr lang="en-US" sz="1000" dirty="0">
-                <a:latin typeface="Cascadia Mono Light" panose="020B0609020000020004" pitchFamily="49" charset="0"/>
-                <a:ea typeface="Cascadia Mono Light" panose="020B0609020000020004" pitchFamily="49" charset="0"/>
-                <a:cs typeface="Cascadia Mono Light" panose="020B0609020000020004" pitchFamily="49" charset="0"/>
-              </a:rPr>
-              <a:t>        ARGUMENTS</a:t>
-            </a:r>
-          </a:p>
-          <a:p>
-            <a:r>
-              <a:rPr lang="en-US" sz="1000" dirty="0">
-                <a:latin typeface="Cascadia Mono Light" panose="020B0609020000020004" pitchFamily="49" charset="0"/>
-                <a:ea typeface="Cascadia Mono Light" panose="020B0609020000020004" pitchFamily="49" charset="0"/>
-                <a:cs typeface="Cascadia Mono Light" panose="020B0609020000020004" pitchFamily="49" charset="0"/>
-              </a:rPr>
-              <a:t>        </a:t>
-            </a:r>
-            <a:r>
-              <a:rPr lang="en-US" sz="1000" dirty="0" err="1">
-                <a:latin typeface="Cascadia Mono Light" panose="020B0609020000020004" pitchFamily="49" charset="0"/>
-                <a:ea typeface="Cascadia Mono Light" panose="020B0609020000020004" pitchFamily="49" charset="0"/>
-                <a:cs typeface="Cascadia Mono Light" panose="020B0609020000020004" pitchFamily="49" charset="0"/>
-              </a:rPr>
-              <a:t>df</a:t>
-            </a:r>
-            <a:r>
-              <a:rPr lang="en-US" sz="1000" dirty="0">
-                <a:latin typeface="Cascadia Mono Light" panose="020B0609020000020004" pitchFamily="49" charset="0"/>
-                <a:ea typeface="Cascadia Mono Light" panose="020B0609020000020004" pitchFamily="49" charset="0"/>
-                <a:cs typeface="Cascadia Mono Light" panose="020B0609020000020004" pitchFamily="49" charset="0"/>
-              </a:rPr>
-              <a:t> (</a:t>
-            </a:r>
-            <a:r>
-              <a:rPr lang="en-US" sz="1000" dirty="0" err="1">
-                <a:latin typeface="Cascadia Mono Light" panose="020B0609020000020004" pitchFamily="49" charset="0"/>
-                <a:ea typeface="Cascadia Mono Light" panose="020B0609020000020004" pitchFamily="49" charset="0"/>
-                <a:cs typeface="Cascadia Mono Light" panose="020B0609020000020004" pitchFamily="49" charset="0"/>
-              </a:rPr>
-              <a:t>DataFrame</a:t>
-            </a:r>
-            <a:r>
-              <a:rPr lang="en-US" sz="1000" dirty="0">
-                <a:latin typeface="Cascadia Mono Light" panose="020B0609020000020004" pitchFamily="49" charset="0"/>
-                <a:ea typeface="Cascadia Mono Light" panose="020B0609020000020004" pitchFamily="49" charset="0"/>
-                <a:cs typeface="Cascadia Mono Light" panose="020B0609020000020004" pitchFamily="49" charset="0"/>
-              </a:rPr>
-              <a:t>) : Core file </a:t>
-            </a:r>
-            <a:r>
-              <a:rPr lang="en-US" sz="1000" dirty="0" err="1">
-                <a:latin typeface="Cascadia Mono Light" panose="020B0609020000020004" pitchFamily="49" charset="0"/>
-                <a:ea typeface="Cascadia Mono Light" panose="020B0609020000020004" pitchFamily="49" charset="0"/>
-                <a:cs typeface="Cascadia Mono Light" panose="020B0609020000020004" pitchFamily="49" charset="0"/>
-              </a:rPr>
-              <a:t>dataframe</a:t>
-            </a:r>
-            <a:endParaRPr lang="en-US" sz="1000" dirty="0">
-              <a:latin typeface="Cascadia Mono Light" panose="020B0609020000020004" pitchFamily="49" charset="0"/>
-              <a:ea typeface="Cascadia Mono Light" panose="020B0609020000020004" pitchFamily="49" charset="0"/>
-              <a:cs typeface="Cascadia Mono Light" panose="020B0609020000020004" pitchFamily="49" charset="0"/>
-            </a:endParaRPr>
-          </a:p>
-          <a:p>
-            <a:endParaRPr lang="en-US" sz="1000" dirty="0">
-              <a:latin typeface="Cascadia Mono Light" panose="020B0609020000020004" pitchFamily="49" charset="0"/>
-              <a:ea typeface="Cascadia Mono Light" panose="020B0609020000020004" pitchFamily="49" charset="0"/>
-              <a:cs typeface="Cascadia Mono Light" panose="020B0609020000020004" pitchFamily="49" charset="0"/>
-            </a:endParaRPr>
-          </a:p>
-          <a:p>
-            <a:r>
-              <a:rPr lang="en-US" sz="1000" dirty="0">
-                <a:latin typeface="Cascadia Mono Light" panose="020B0609020000020004" pitchFamily="49" charset="0"/>
-                <a:ea typeface="Cascadia Mono Light" panose="020B0609020000020004" pitchFamily="49" charset="0"/>
-                <a:cs typeface="Cascadia Mono Light" panose="020B0609020000020004" pitchFamily="49" charset="0"/>
-              </a:rPr>
-              <a:t>        RETURNS</a:t>
-            </a:r>
-          </a:p>
-          <a:p>
-            <a:r>
-              <a:rPr lang="en-US" sz="1000" dirty="0">
-                <a:latin typeface="Cascadia Mono Light" panose="020B0609020000020004" pitchFamily="49" charset="0"/>
-                <a:ea typeface="Cascadia Mono Light" panose="020B0609020000020004" pitchFamily="49" charset="0"/>
-                <a:cs typeface="Cascadia Mono Light" panose="020B0609020000020004" pitchFamily="49" charset="0"/>
-              </a:rPr>
-              <a:t>        Series or </a:t>
-            </a:r>
-            <a:r>
-              <a:rPr lang="en-US" sz="1000" dirty="0" err="1">
-                <a:latin typeface="Cascadia Mono Light" panose="020B0609020000020004" pitchFamily="49" charset="0"/>
-                <a:ea typeface="Cascadia Mono Light" panose="020B0609020000020004" pitchFamily="49" charset="0"/>
-                <a:cs typeface="Cascadia Mono Light" panose="020B0609020000020004" pitchFamily="49" charset="0"/>
-              </a:rPr>
-              <a:t>dask.core.DataFrame</a:t>
-            </a:r>
-            <a:endParaRPr lang="en-US" sz="1000" dirty="0">
-              <a:latin typeface="Cascadia Mono Light" panose="020B0609020000020004" pitchFamily="49" charset="0"/>
-              <a:ea typeface="Cascadia Mono Light" panose="020B0609020000020004" pitchFamily="49" charset="0"/>
-              <a:cs typeface="Cascadia Mono Light" panose="020B0609020000020004" pitchFamily="49" charset="0"/>
-            </a:endParaRPr>
-          </a:p>
-          <a:p>
-            <a:r>
-              <a:rPr lang="en-US" sz="1000" dirty="0">
-                <a:latin typeface="Cascadia Mono Light" panose="020B0609020000020004" pitchFamily="49" charset="0"/>
-                <a:ea typeface="Cascadia Mono Light" panose="020B0609020000020004" pitchFamily="49" charset="0"/>
-                <a:cs typeface="Cascadia Mono Light" panose="020B0609020000020004" pitchFamily="49" charset="0"/>
-              </a:rPr>
-              <a:t>        """</a:t>
-            </a:r>
-          </a:p>
-          <a:p>
-            <a:r>
-              <a:rPr lang="en-US" sz="1000" dirty="0">
-                <a:latin typeface="Cascadia Mono Light" panose="020B0609020000020004" pitchFamily="49" charset="0"/>
-                <a:ea typeface="Cascadia Mono Light" panose="020B0609020000020004" pitchFamily="49" charset="0"/>
-                <a:cs typeface="Cascadia Mono Light" panose="020B0609020000020004" pitchFamily="49" charset="0"/>
-              </a:rPr>
-              <a:t>        def level1(row):</a:t>
-            </a:r>
-          </a:p>
-          <a:p>
-            <a:r>
-              <a:rPr lang="en-US" sz="1000" dirty="0">
-                <a:latin typeface="Cascadia Mono Light" panose="020B0609020000020004" pitchFamily="49" charset="0"/>
-                <a:ea typeface="Cascadia Mono Light" panose="020B0609020000020004" pitchFamily="49" charset="0"/>
-                <a:cs typeface="Cascadia Mono Light" panose="020B0609020000020004" pitchFamily="49" charset="0"/>
-              </a:rPr>
-              <a:t>            </a:t>
-            </a:r>
-            <a:r>
-              <a:rPr lang="en-US" sz="1000" dirty="0" err="1">
-                <a:latin typeface="Cascadia Mono Light" panose="020B0609020000020004" pitchFamily="49" charset="0"/>
-                <a:ea typeface="Cascadia Mono Light" panose="020B0609020000020004" pitchFamily="49" charset="0"/>
-                <a:cs typeface="Cascadia Mono Light" panose="020B0609020000020004" pitchFamily="49" charset="0"/>
-              </a:rPr>
-              <a:t>sbcd</a:t>
-            </a:r>
-            <a:r>
-              <a:rPr lang="en-US" sz="1000" dirty="0">
-                <a:latin typeface="Cascadia Mono Light" panose="020B0609020000020004" pitchFamily="49" charset="0"/>
-                <a:ea typeface="Cascadia Mono Light" panose="020B0609020000020004" pitchFamily="49" charset="0"/>
-                <a:cs typeface="Cascadia Mono Light" panose="020B0609020000020004" pitchFamily="49" charset="0"/>
-              </a:rPr>
-              <a:t> = float(row['SUBSECCD'])</a:t>
-            </a:r>
-          </a:p>
-          <a:p>
-            <a:r>
-              <a:rPr lang="en-US" sz="1000" dirty="0">
-                <a:latin typeface="Cascadia Mono Light" panose="020B0609020000020004" pitchFamily="49" charset="0"/>
-                <a:ea typeface="Cascadia Mono Light" panose="020B0609020000020004" pitchFamily="49" charset="0"/>
-                <a:cs typeface="Cascadia Mono Light" panose="020B0609020000020004" pitchFamily="49" charset="0"/>
-              </a:rPr>
-              <a:t>            </a:t>
-            </a:r>
-            <a:r>
-              <a:rPr lang="en-US" sz="1000" dirty="0" err="1">
-                <a:latin typeface="Cascadia Mono Light" panose="020B0609020000020004" pitchFamily="49" charset="0"/>
-                <a:ea typeface="Cascadia Mono Light" panose="020B0609020000020004" pitchFamily="49" charset="0"/>
-                <a:cs typeface="Cascadia Mono Light" panose="020B0609020000020004" pitchFamily="49" charset="0"/>
-              </a:rPr>
-              <a:t>fndc</a:t>
-            </a:r>
-            <a:r>
-              <a:rPr lang="en-US" sz="1000" dirty="0">
-                <a:latin typeface="Cascadia Mono Light" panose="020B0609020000020004" pitchFamily="49" charset="0"/>
-                <a:ea typeface="Cascadia Mono Light" panose="020B0609020000020004" pitchFamily="49" charset="0"/>
-                <a:cs typeface="Cascadia Mono Light" panose="020B0609020000020004" pitchFamily="49" charset="0"/>
-              </a:rPr>
-              <a:t> = float(row['FNDNCD'])</a:t>
-            </a:r>
-          </a:p>
-          <a:p>
-            <a:endParaRPr lang="en-US" sz="1000" dirty="0">
-              <a:latin typeface="Cascadia Mono Light" panose="020B0609020000020004" pitchFamily="49" charset="0"/>
-              <a:ea typeface="Cascadia Mono Light" panose="020B0609020000020004" pitchFamily="49" charset="0"/>
-              <a:cs typeface="Cascadia Mono Light" panose="020B0609020000020004" pitchFamily="49" charset="0"/>
-            </a:endParaRPr>
-          </a:p>
-          <a:p>
-            <a:r>
-              <a:rPr lang="en-US" sz="1000" dirty="0">
-                <a:latin typeface="Cascadia Mono Light" panose="020B0609020000020004" pitchFamily="49" charset="0"/>
-                <a:ea typeface="Cascadia Mono Light" panose="020B0609020000020004" pitchFamily="49" charset="0"/>
-                <a:cs typeface="Cascadia Mono Light" panose="020B0609020000020004" pitchFamily="49" charset="0"/>
-              </a:rPr>
-              <a:t>            if </a:t>
-            </a:r>
-            <a:r>
-              <a:rPr lang="en-US" sz="1000" dirty="0" err="1">
-                <a:latin typeface="Cascadia Mono Light" panose="020B0609020000020004" pitchFamily="49" charset="0"/>
-                <a:ea typeface="Cascadia Mono Light" panose="020B0609020000020004" pitchFamily="49" charset="0"/>
-                <a:cs typeface="Cascadia Mono Light" panose="020B0609020000020004" pitchFamily="49" charset="0"/>
-              </a:rPr>
-              <a:t>sbcd</a:t>
-            </a:r>
-            <a:r>
-              <a:rPr lang="en-US" sz="1000" dirty="0">
-                <a:latin typeface="Cascadia Mono Light" panose="020B0609020000020004" pitchFamily="49" charset="0"/>
-                <a:ea typeface="Cascadia Mono Light" panose="020B0609020000020004" pitchFamily="49" charset="0"/>
-                <a:cs typeface="Cascadia Mono Light" panose="020B0609020000020004" pitchFamily="49" charset="0"/>
-              </a:rPr>
-              <a:t> &gt; 3 or </a:t>
-            </a:r>
-            <a:r>
-              <a:rPr lang="en-US" sz="1000" dirty="0" err="1">
-                <a:latin typeface="Cascadia Mono Light" panose="020B0609020000020004" pitchFamily="49" charset="0"/>
-                <a:ea typeface="Cascadia Mono Light" panose="020B0609020000020004" pitchFamily="49" charset="0"/>
-                <a:cs typeface="Cascadia Mono Light" panose="020B0609020000020004" pitchFamily="49" charset="0"/>
-              </a:rPr>
-              <a:t>sbcd</a:t>
-            </a:r>
-            <a:r>
-              <a:rPr lang="en-US" sz="1000" dirty="0">
-                <a:latin typeface="Cascadia Mono Light" panose="020B0609020000020004" pitchFamily="49" charset="0"/>
-                <a:ea typeface="Cascadia Mono Light" panose="020B0609020000020004" pitchFamily="49" charset="0"/>
-                <a:cs typeface="Cascadia Mono Light" panose="020B0609020000020004" pitchFamily="49" charset="0"/>
-              </a:rPr>
-              <a:t> == 1 or </a:t>
-            </a:r>
-            <a:r>
-              <a:rPr lang="en-US" sz="1000" dirty="0" err="1">
-                <a:latin typeface="Cascadia Mono Light" panose="020B0609020000020004" pitchFamily="49" charset="0"/>
-                <a:ea typeface="Cascadia Mono Light" panose="020B0609020000020004" pitchFamily="49" charset="0"/>
-                <a:cs typeface="Cascadia Mono Light" panose="020B0609020000020004" pitchFamily="49" charset="0"/>
-              </a:rPr>
-              <a:t>sbcd</a:t>
-            </a:r>
-            <a:r>
-              <a:rPr lang="en-US" sz="1000" dirty="0">
-                <a:latin typeface="Cascadia Mono Light" panose="020B0609020000020004" pitchFamily="49" charset="0"/>
-                <a:ea typeface="Cascadia Mono Light" panose="020B0609020000020004" pitchFamily="49" charset="0"/>
-                <a:cs typeface="Cascadia Mono Light" panose="020B0609020000020004" pitchFamily="49" charset="0"/>
-              </a:rPr>
-              <a:t> == 2:</a:t>
-            </a:r>
-          </a:p>
-          <a:p>
-            <a:r>
-              <a:rPr lang="en-US" sz="1000" dirty="0">
-                <a:latin typeface="Cascadia Mono Light" panose="020B0609020000020004" pitchFamily="49" charset="0"/>
-                <a:ea typeface="Cascadia Mono Light" panose="020B0609020000020004" pitchFamily="49" charset="0"/>
-                <a:cs typeface="Cascadia Mono Light" panose="020B0609020000020004" pitchFamily="49" charset="0"/>
-              </a:rPr>
-              <a:t>                return 'O'</a:t>
-            </a:r>
-          </a:p>
-          <a:p>
-            <a:r>
-              <a:rPr lang="en-US" sz="1000" dirty="0">
-                <a:latin typeface="Cascadia Mono Light" panose="020B0609020000020004" pitchFamily="49" charset="0"/>
-                <a:ea typeface="Cascadia Mono Light" panose="020B0609020000020004" pitchFamily="49" charset="0"/>
-                <a:cs typeface="Cascadia Mono Light" panose="020B0609020000020004" pitchFamily="49" charset="0"/>
-              </a:rPr>
-              <a:t>            </a:t>
-            </a:r>
-            <a:r>
-              <a:rPr lang="en-US" sz="1000" dirty="0" err="1">
-                <a:latin typeface="Cascadia Mono Light" panose="020B0609020000020004" pitchFamily="49" charset="0"/>
-                <a:ea typeface="Cascadia Mono Light" panose="020B0609020000020004" pitchFamily="49" charset="0"/>
-                <a:cs typeface="Cascadia Mono Light" panose="020B0609020000020004" pitchFamily="49" charset="0"/>
-              </a:rPr>
-              <a:t>elif</a:t>
-            </a:r>
-            <a:r>
-              <a:rPr lang="en-US" sz="1000" dirty="0">
-                <a:latin typeface="Cascadia Mono Light" panose="020B0609020000020004" pitchFamily="49" charset="0"/>
-                <a:ea typeface="Cascadia Mono Light" panose="020B0609020000020004" pitchFamily="49" charset="0"/>
-                <a:cs typeface="Cascadia Mono Light" panose="020B0609020000020004" pitchFamily="49" charset="0"/>
-              </a:rPr>
-              <a:t> </a:t>
-            </a:r>
-            <a:r>
-              <a:rPr lang="en-US" sz="1000" dirty="0" err="1">
-                <a:latin typeface="Cascadia Mono Light" panose="020B0609020000020004" pitchFamily="49" charset="0"/>
-                <a:ea typeface="Cascadia Mono Light" panose="020B0609020000020004" pitchFamily="49" charset="0"/>
-                <a:cs typeface="Cascadia Mono Light" panose="020B0609020000020004" pitchFamily="49" charset="0"/>
-              </a:rPr>
-              <a:t>sbcd</a:t>
-            </a:r>
-            <a:r>
-              <a:rPr lang="en-US" sz="1000" dirty="0">
-                <a:latin typeface="Cascadia Mono Light" panose="020B0609020000020004" pitchFamily="49" charset="0"/>
-                <a:ea typeface="Cascadia Mono Light" panose="020B0609020000020004" pitchFamily="49" charset="0"/>
-                <a:cs typeface="Cascadia Mono Light" panose="020B0609020000020004" pitchFamily="49" charset="0"/>
-              </a:rPr>
-              <a:t> == 3 and (</a:t>
-            </a:r>
-            <a:r>
-              <a:rPr lang="en-US" sz="1000" dirty="0" err="1">
-                <a:latin typeface="Cascadia Mono Light" panose="020B0609020000020004" pitchFamily="49" charset="0"/>
-                <a:ea typeface="Cascadia Mono Light" panose="020B0609020000020004" pitchFamily="49" charset="0"/>
-                <a:cs typeface="Cascadia Mono Light" panose="020B0609020000020004" pitchFamily="49" charset="0"/>
-              </a:rPr>
-              <a:t>fndc</a:t>
-            </a:r>
-            <a:r>
-              <a:rPr lang="en-US" sz="1000" dirty="0">
-                <a:latin typeface="Cascadia Mono Light" panose="020B0609020000020004" pitchFamily="49" charset="0"/>
-                <a:ea typeface="Cascadia Mono Light" panose="020B0609020000020004" pitchFamily="49" charset="0"/>
-                <a:cs typeface="Cascadia Mono Light" panose="020B0609020000020004" pitchFamily="49" charset="0"/>
-              </a:rPr>
-              <a:t> in [2, 3, 4]):</a:t>
-            </a:r>
-          </a:p>
-          <a:p>
-            <a:r>
-              <a:rPr lang="en-US" sz="1000" dirty="0">
-                <a:latin typeface="Cascadia Mono Light" panose="020B0609020000020004" pitchFamily="49" charset="0"/>
-                <a:ea typeface="Cascadia Mono Light" panose="020B0609020000020004" pitchFamily="49" charset="0"/>
-                <a:cs typeface="Cascadia Mono Light" panose="020B0609020000020004" pitchFamily="49" charset="0"/>
-              </a:rPr>
-              <a:t>                return 'PF'</a:t>
-            </a:r>
-          </a:p>
-          <a:p>
-            <a:r>
-              <a:rPr lang="en-US" sz="1000" dirty="0">
-                <a:latin typeface="Cascadia Mono Light" panose="020B0609020000020004" pitchFamily="49" charset="0"/>
-                <a:ea typeface="Cascadia Mono Light" panose="020B0609020000020004" pitchFamily="49" charset="0"/>
-                <a:cs typeface="Cascadia Mono Light" panose="020B0609020000020004" pitchFamily="49" charset="0"/>
-              </a:rPr>
-              <a:t>            </a:t>
-            </a:r>
-            <a:r>
-              <a:rPr lang="en-US" sz="1000" dirty="0" err="1">
-                <a:latin typeface="Cascadia Mono Light" panose="020B0609020000020004" pitchFamily="49" charset="0"/>
-                <a:ea typeface="Cascadia Mono Light" panose="020B0609020000020004" pitchFamily="49" charset="0"/>
-                <a:cs typeface="Cascadia Mono Light" panose="020B0609020000020004" pitchFamily="49" charset="0"/>
-              </a:rPr>
-              <a:t>elif</a:t>
-            </a:r>
-            <a:r>
-              <a:rPr lang="en-US" sz="1000" dirty="0">
-                <a:latin typeface="Cascadia Mono Light" panose="020B0609020000020004" pitchFamily="49" charset="0"/>
-                <a:ea typeface="Cascadia Mono Light" panose="020B0609020000020004" pitchFamily="49" charset="0"/>
-                <a:cs typeface="Cascadia Mono Light" panose="020B0609020000020004" pitchFamily="49" charset="0"/>
-              </a:rPr>
-              <a:t> </a:t>
-            </a:r>
-            <a:r>
-              <a:rPr lang="en-US" sz="1000" dirty="0" err="1">
-                <a:latin typeface="Cascadia Mono Light" panose="020B0609020000020004" pitchFamily="49" charset="0"/>
-                <a:ea typeface="Cascadia Mono Light" panose="020B0609020000020004" pitchFamily="49" charset="0"/>
-                <a:cs typeface="Cascadia Mono Light" panose="020B0609020000020004" pitchFamily="49" charset="0"/>
-              </a:rPr>
-              <a:t>sbcd</a:t>
-            </a:r>
-            <a:r>
-              <a:rPr lang="en-US" sz="1000" dirty="0">
-                <a:latin typeface="Cascadia Mono Light" panose="020B0609020000020004" pitchFamily="49" charset="0"/>
-                <a:ea typeface="Cascadia Mono Light" panose="020B0609020000020004" pitchFamily="49" charset="0"/>
-                <a:cs typeface="Cascadia Mono Light" panose="020B0609020000020004" pitchFamily="49" charset="0"/>
-              </a:rPr>
-              <a:t> == 3 and (</a:t>
-            </a:r>
-            <a:r>
-              <a:rPr lang="en-US" sz="1000" dirty="0" err="1">
-                <a:latin typeface="Cascadia Mono Light" panose="020B0609020000020004" pitchFamily="49" charset="0"/>
-                <a:ea typeface="Cascadia Mono Light" panose="020B0609020000020004" pitchFamily="49" charset="0"/>
-                <a:cs typeface="Cascadia Mono Light" panose="020B0609020000020004" pitchFamily="49" charset="0"/>
-              </a:rPr>
-              <a:t>fndc</a:t>
-            </a:r>
-            <a:r>
-              <a:rPr lang="en-US" sz="1000" dirty="0">
-                <a:latin typeface="Cascadia Mono Light" panose="020B0609020000020004" pitchFamily="49" charset="0"/>
-                <a:ea typeface="Cascadia Mono Light" panose="020B0609020000020004" pitchFamily="49" charset="0"/>
-                <a:cs typeface="Cascadia Mono Light" panose="020B0609020000020004" pitchFamily="49" charset="0"/>
-              </a:rPr>
-              <a:t> not in [2, 3, 4]):</a:t>
-            </a:r>
-          </a:p>
-          <a:p>
-            <a:r>
-              <a:rPr lang="en-US" sz="1000" dirty="0">
-                <a:latin typeface="Cascadia Mono Light" panose="020B0609020000020004" pitchFamily="49" charset="0"/>
-                <a:ea typeface="Cascadia Mono Light" panose="020B0609020000020004" pitchFamily="49" charset="0"/>
-                <a:cs typeface="Cascadia Mono Light" panose="020B0609020000020004" pitchFamily="49" charset="0"/>
-              </a:rPr>
-              <a:t>                return 'PC'</a:t>
-            </a:r>
-          </a:p>
-          <a:p>
-            <a:r>
-              <a:rPr lang="en-US" sz="1000" dirty="0">
-                <a:latin typeface="Cascadia Mono Light" panose="020B0609020000020004" pitchFamily="49" charset="0"/>
-                <a:ea typeface="Cascadia Mono Light" panose="020B0609020000020004" pitchFamily="49" charset="0"/>
-                <a:cs typeface="Cascadia Mono Light" panose="020B0609020000020004" pitchFamily="49" charset="0"/>
-              </a:rPr>
-              <a:t>            </a:t>
-            </a:r>
-            <a:r>
-              <a:rPr lang="en-US" sz="1000" dirty="0" err="1">
-                <a:latin typeface="Cascadia Mono Light" panose="020B0609020000020004" pitchFamily="49" charset="0"/>
-                <a:ea typeface="Cascadia Mono Light" panose="020B0609020000020004" pitchFamily="49" charset="0"/>
-                <a:cs typeface="Cascadia Mono Light" panose="020B0609020000020004" pitchFamily="49" charset="0"/>
-              </a:rPr>
-              <a:t>elif</a:t>
-            </a:r>
-            <a:r>
-              <a:rPr lang="en-US" sz="1000" dirty="0">
-                <a:latin typeface="Cascadia Mono Light" panose="020B0609020000020004" pitchFamily="49" charset="0"/>
-                <a:ea typeface="Cascadia Mono Light" panose="020B0609020000020004" pitchFamily="49" charset="0"/>
-                <a:cs typeface="Cascadia Mono Light" panose="020B0609020000020004" pitchFamily="49" charset="0"/>
-              </a:rPr>
-              <a:t> (</a:t>
-            </a:r>
-            <a:r>
-              <a:rPr lang="en-US" sz="1000" dirty="0" err="1">
-                <a:latin typeface="Cascadia Mono Light" panose="020B0609020000020004" pitchFamily="49" charset="0"/>
-                <a:ea typeface="Cascadia Mono Light" panose="020B0609020000020004" pitchFamily="49" charset="0"/>
-                <a:cs typeface="Cascadia Mono Light" panose="020B0609020000020004" pitchFamily="49" charset="0"/>
-              </a:rPr>
-              <a:t>sbcd</a:t>
-            </a:r>
-            <a:r>
-              <a:rPr lang="en-US" sz="1000" dirty="0">
-                <a:latin typeface="Cascadia Mono Light" panose="020B0609020000020004" pitchFamily="49" charset="0"/>
-                <a:ea typeface="Cascadia Mono Light" panose="020B0609020000020004" pitchFamily="49" charset="0"/>
-                <a:cs typeface="Cascadia Mono Light" panose="020B0609020000020004" pitchFamily="49" charset="0"/>
-              </a:rPr>
-              <a:t> not in [0, 3, </a:t>
-            </a:r>
-            <a:r>
-              <a:rPr lang="en-US" sz="1000" dirty="0" err="1">
-                <a:latin typeface="Cascadia Mono Light" panose="020B0609020000020004" pitchFamily="49" charset="0"/>
-                <a:ea typeface="Cascadia Mono Light" panose="020B0609020000020004" pitchFamily="49" charset="0"/>
-                <a:cs typeface="Cascadia Mono Light" panose="020B0609020000020004" pitchFamily="49" charset="0"/>
-              </a:rPr>
-              <a:t>np.NaN</a:t>
-            </a:r>
-            <a:r>
-              <a:rPr lang="en-US" sz="1000" dirty="0">
-                <a:latin typeface="Cascadia Mono Light" panose="020B0609020000020004" pitchFamily="49" charset="0"/>
-                <a:ea typeface="Cascadia Mono Light" panose="020B0609020000020004" pitchFamily="49" charset="0"/>
-                <a:cs typeface="Cascadia Mono Light" panose="020B0609020000020004" pitchFamily="49" charset="0"/>
-              </a:rPr>
-              <a:t>]) and (</a:t>
-            </a:r>
-            <a:r>
-              <a:rPr lang="en-US" sz="1000" dirty="0" err="1">
-                <a:latin typeface="Cascadia Mono Light" panose="020B0609020000020004" pitchFamily="49" charset="0"/>
-                <a:ea typeface="Cascadia Mono Light" panose="020B0609020000020004" pitchFamily="49" charset="0"/>
-                <a:cs typeface="Cascadia Mono Light" panose="020B0609020000020004" pitchFamily="49" charset="0"/>
-              </a:rPr>
-              <a:t>fndc</a:t>
-            </a:r>
-            <a:r>
-              <a:rPr lang="en-US" sz="1000" dirty="0">
-                <a:latin typeface="Cascadia Mono Light" panose="020B0609020000020004" pitchFamily="49" charset="0"/>
-                <a:ea typeface="Cascadia Mono Light" panose="020B0609020000020004" pitchFamily="49" charset="0"/>
-                <a:cs typeface="Cascadia Mono Light" panose="020B0609020000020004" pitchFamily="49" charset="0"/>
-              </a:rPr>
-              <a:t> in [0, </a:t>
-            </a:r>
-            <a:r>
-              <a:rPr lang="en-US" sz="1000" dirty="0" err="1">
-                <a:latin typeface="Cascadia Mono Light" panose="020B0609020000020004" pitchFamily="49" charset="0"/>
-                <a:ea typeface="Cascadia Mono Light" panose="020B0609020000020004" pitchFamily="49" charset="0"/>
-                <a:cs typeface="Cascadia Mono Light" panose="020B0609020000020004" pitchFamily="49" charset="0"/>
-              </a:rPr>
-              <a:t>np.NaN</a:t>
-            </a:r>
-            <a:r>
-              <a:rPr lang="en-US" sz="1000" dirty="0">
-                <a:latin typeface="Cascadia Mono Light" panose="020B0609020000020004" pitchFamily="49" charset="0"/>
-                <a:ea typeface="Cascadia Mono Light" panose="020B0609020000020004" pitchFamily="49" charset="0"/>
-                <a:cs typeface="Cascadia Mono Light" panose="020B0609020000020004" pitchFamily="49" charset="0"/>
-              </a:rPr>
-              <a:t>]):</a:t>
-            </a:r>
-          </a:p>
-          <a:p>
-            <a:r>
-              <a:rPr lang="en-US" sz="1000" dirty="0">
-                <a:latin typeface="Cascadia Mono Light" panose="020B0609020000020004" pitchFamily="49" charset="0"/>
-                <a:ea typeface="Cascadia Mono Light" panose="020B0609020000020004" pitchFamily="49" charset="0"/>
-                <a:cs typeface="Cascadia Mono Light" panose="020B0609020000020004" pitchFamily="49" charset="0"/>
-              </a:rPr>
-              <a:t>                return 'O'</a:t>
-            </a:r>
-          </a:p>
-          <a:p>
-            <a:r>
-              <a:rPr lang="en-US" sz="1000" dirty="0">
-                <a:latin typeface="Cascadia Mono Light" panose="020B0609020000020004" pitchFamily="49" charset="0"/>
-                <a:ea typeface="Cascadia Mono Light" panose="020B0609020000020004" pitchFamily="49" charset="0"/>
-                <a:cs typeface="Cascadia Mono Light" panose="020B0609020000020004" pitchFamily="49" charset="0"/>
-              </a:rPr>
-              <a:t>            </a:t>
-            </a:r>
-            <a:r>
-              <a:rPr lang="en-US" sz="1000" dirty="0" err="1">
-                <a:latin typeface="Cascadia Mono Light" panose="020B0609020000020004" pitchFamily="49" charset="0"/>
-                <a:ea typeface="Cascadia Mono Light" panose="020B0609020000020004" pitchFamily="49" charset="0"/>
-                <a:cs typeface="Cascadia Mono Light" panose="020B0609020000020004" pitchFamily="49" charset="0"/>
-              </a:rPr>
-              <a:t>elif</a:t>
-            </a:r>
-            <a:r>
-              <a:rPr lang="en-US" sz="1000" dirty="0">
-                <a:latin typeface="Cascadia Mono Light" panose="020B0609020000020004" pitchFamily="49" charset="0"/>
-                <a:ea typeface="Cascadia Mono Light" panose="020B0609020000020004" pitchFamily="49" charset="0"/>
-                <a:cs typeface="Cascadia Mono Light" panose="020B0609020000020004" pitchFamily="49" charset="0"/>
-              </a:rPr>
-              <a:t> (</a:t>
-            </a:r>
-            <a:r>
-              <a:rPr lang="en-US" sz="1000" dirty="0" err="1">
-                <a:latin typeface="Cascadia Mono Light" panose="020B0609020000020004" pitchFamily="49" charset="0"/>
-                <a:ea typeface="Cascadia Mono Light" panose="020B0609020000020004" pitchFamily="49" charset="0"/>
-                <a:cs typeface="Cascadia Mono Light" panose="020B0609020000020004" pitchFamily="49" charset="0"/>
-              </a:rPr>
-              <a:t>sbcd</a:t>
-            </a:r>
-            <a:r>
-              <a:rPr lang="en-US" sz="1000" dirty="0">
-                <a:latin typeface="Cascadia Mono Light" panose="020B0609020000020004" pitchFamily="49" charset="0"/>
-                <a:ea typeface="Cascadia Mono Light" panose="020B0609020000020004" pitchFamily="49" charset="0"/>
-                <a:cs typeface="Cascadia Mono Light" panose="020B0609020000020004" pitchFamily="49" charset="0"/>
-              </a:rPr>
-              <a:t> in [0, </a:t>
-            </a:r>
-            <a:r>
-              <a:rPr lang="en-US" sz="1000" dirty="0" err="1">
-                <a:latin typeface="Cascadia Mono Light" panose="020B0609020000020004" pitchFamily="49" charset="0"/>
-                <a:ea typeface="Cascadia Mono Light" panose="020B0609020000020004" pitchFamily="49" charset="0"/>
-                <a:cs typeface="Cascadia Mono Light" panose="020B0609020000020004" pitchFamily="49" charset="0"/>
-              </a:rPr>
-              <a:t>np.NaN</a:t>
-            </a:r>
-            <a:r>
-              <a:rPr lang="en-US" sz="1000" dirty="0">
-                <a:latin typeface="Cascadia Mono Light" panose="020B0609020000020004" pitchFamily="49" charset="0"/>
-                <a:ea typeface="Cascadia Mono Light" panose="020B0609020000020004" pitchFamily="49" charset="0"/>
-                <a:cs typeface="Cascadia Mono Light" panose="020B0609020000020004" pitchFamily="49" charset="0"/>
-              </a:rPr>
-              <a:t>]) and (</a:t>
-            </a:r>
-            <a:r>
-              <a:rPr lang="en-US" sz="1000" dirty="0" err="1">
-                <a:latin typeface="Cascadia Mono Light" panose="020B0609020000020004" pitchFamily="49" charset="0"/>
-                <a:ea typeface="Cascadia Mono Light" panose="020B0609020000020004" pitchFamily="49" charset="0"/>
-                <a:cs typeface="Cascadia Mono Light" panose="020B0609020000020004" pitchFamily="49" charset="0"/>
-              </a:rPr>
-              <a:t>fndc</a:t>
-            </a:r>
-            <a:r>
-              <a:rPr lang="en-US" sz="1000" dirty="0">
-                <a:latin typeface="Cascadia Mono Light" panose="020B0609020000020004" pitchFamily="49" charset="0"/>
-                <a:ea typeface="Cascadia Mono Light" panose="020B0609020000020004" pitchFamily="49" charset="0"/>
-                <a:cs typeface="Cascadia Mono Light" panose="020B0609020000020004" pitchFamily="49" charset="0"/>
-              </a:rPr>
-              <a:t> not in [0, 2, 3, 4, 9, </a:t>
-            </a:r>
-            <a:r>
-              <a:rPr lang="en-US" sz="1000" dirty="0" err="1">
-                <a:latin typeface="Cascadia Mono Light" panose="020B0609020000020004" pitchFamily="49" charset="0"/>
-                <a:ea typeface="Cascadia Mono Light" panose="020B0609020000020004" pitchFamily="49" charset="0"/>
-                <a:cs typeface="Cascadia Mono Light" panose="020B0609020000020004" pitchFamily="49" charset="0"/>
-              </a:rPr>
-              <a:t>np.NaN</a:t>
-            </a:r>
-            <a:r>
-              <a:rPr lang="en-US" sz="1000" dirty="0">
-                <a:latin typeface="Cascadia Mono Light" panose="020B0609020000020004" pitchFamily="49" charset="0"/>
-                <a:ea typeface="Cascadia Mono Light" panose="020B0609020000020004" pitchFamily="49" charset="0"/>
-                <a:cs typeface="Cascadia Mono Light" panose="020B0609020000020004" pitchFamily="49" charset="0"/>
-              </a:rPr>
-              <a:t>]):</a:t>
-            </a:r>
-          </a:p>
-          <a:p>
-            <a:r>
-              <a:rPr lang="en-US" sz="1000" dirty="0">
-                <a:latin typeface="Cascadia Mono Light" panose="020B0609020000020004" pitchFamily="49" charset="0"/>
-                <a:ea typeface="Cascadia Mono Light" panose="020B0609020000020004" pitchFamily="49" charset="0"/>
-                <a:cs typeface="Cascadia Mono Light" panose="020B0609020000020004" pitchFamily="49" charset="0"/>
-              </a:rPr>
-              <a:t>                return 'PC'</a:t>
-            </a:r>
-          </a:p>
-          <a:p>
-            <a:r>
-              <a:rPr lang="en-US" sz="1000" dirty="0">
-                <a:latin typeface="Cascadia Mono Light" panose="020B0609020000020004" pitchFamily="49" charset="0"/>
-                <a:ea typeface="Cascadia Mono Light" panose="020B0609020000020004" pitchFamily="49" charset="0"/>
-                <a:cs typeface="Cascadia Mono Light" panose="020B0609020000020004" pitchFamily="49" charset="0"/>
-              </a:rPr>
-              <a:t>            </a:t>
-            </a:r>
-            <a:r>
-              <a:rPr lang="en-US" sz="1000" dirty="0" err="1">
-                <a:latin typeface="Cascadia Mono Light" panose="020B0609020000020004" pitchFamily="49" charset="0"/>
-                <a:ea typeface="Cascadia Mono Light" panose="020B0609020000020004" pitchFamily="49" charset="0"/>
-                <a:cs typeface="Cascadia Mono Light" panose="020B0609020000020004" pitchFamily="49" charset="0"/>
-              </a:rPr>
-              <a:t>elif</a:t>
-            </a:r>
-            <a:r>
-              <a:rPr lang="en-US" sz="1000" dirty="0">
-                <a:latin typeface="Cascadia Mono Light" panose="020B0609020000020004" pitchFamily="49" charset="0"/>
-                <a:ea typeface="Cascadia Mono Light" panose="020B0609020000020004" pitchFamily="49" charset="0"/>
-                <a:cs typeface="Cascadia Mono Light" panose="020B0609020000020004" pitchFamily="49" charset="0"/>
-              </a:rPr>
-              <a:t> (</a:t>
-            </a:r>
-            <a:r>
-              <a:rPr lang="en-US" sz="1000" dirty="0" err="1">
-                <a:latin typeface="Cascadia Mono Light" panose="020B0609020000020004" pitchFamily="49" charset="0"/>
-                <a:ea typeface="Cascadia Mono Light" panose="020B0609020000020004" pitchFamily="49" charset="0"/>
-                <a:cs typeface="Cascadia Mono Light" panose="020B0609020000020004" pitchFamily="49" charset="0"/>
-              </a:rPr>
-              <a:t>sbcd</a:t>
-            </a:r>
-            <a:r>
-              <a:rPr lang="en-US" sz="1000" dirty="0">
-                <a:latin typeface="Cascadia Mono Light" panose="020B0609020000020004" pitchFamily="49" charset="0"/>
-                <a:ea typeface="Cascadia Mono Light" panose="020B0609020000020004" pitchFamily="49" charset="0"/>
-                <a:cs typeface="Cascadia Mono Light" panose="020B0609020000020004" pitchFamily="49" charset="0"/>
-              </a:rPr>
-              <a:t> in [0, </a:t>
-            </a:r>
-            <a:r>
-              <a:rPr lang="en-US" sz="1000" dirty="0" err="1">
-                <a:latin typeface="Cascadia Mono Light" panose="020B0609020000020004" pitchFamily="49" charset="0"/>
-                <a:ea typeface="Cascadia Mono Light" panose="020B0609020000020004" pitchFamily="49" charset="0"/>
-                <a:cs typeface="Cascadia Mono Light" panose="020B0609020000020004" pitchFamily="49" charset="0"/>
-              </a:rPr>
-              <a:t>np.NaN</a:t>
-            </a:r>
-            <a:r>
-              <a:rPr lang="en-US" sz="1000" dirty="0">
-                <a:latin typeface="Cascadia Mono Light" panose="020B0609020000020004" pitchFamily="49" charset="0"/>
-                <a:ea typeface="Cascadia Mono Light" panose="020B0609020000020004" pitchFamily="49" charset="0"/>
-                <a:cs typeface="Cascadia Mono Light" panose="020B0609020000020004" pitchFamily="49" charset="0"/>
-              </a:rPr>
-              <a:t>]) and (</a:t>
-            </a:r>
-            <a:r>
-              <a:rPr lang="en-US" sz="1000" dirty="0" err="1">
-                <a:latin typeface="Cascadia Mono Light" panose="020B0609020000020004" pitchFamily="49" charset="0"/>
-                <a:ea typeface="Cascadia Mono Light" panose="020B0609020000020004" pitchFamily="49" charset="0"/>
-                <a:cs typeface="Cascadia Mono Light" panose="020B0609020000020004" pitchFamily="49" charset="0"/>
-              </a:rPr>
-              <a:t>fndc</a:t>
-            </a:r>
-            <a:r>
-              <a:rPr lang="en-US" sz="1000" dirty="0">
-                <a:latin typeface="Cascadia Mono Light" panose="020B0609020000020004" pitchFamily="49" charset="0"/>
-                <a:ea typeface="Cascadia Mono Light" panose="020B0609020000020004" pitchFamily="49" charset="0"/>
-                <a:cs typeface="Cascadia Mono Light" panose="020B0609020000020004" pitchFamily="49" charset="0"/>
-              </a:rPr>
-              <a:t> in [2, 3, 4]):</a:t>
-            </a:r>
-          </a:p>
-          <a:p>
-            <a:r>
-              <a:rPr lang="en-US" sz="1000" dirty="0">
-                <a:latin typeface="Cascadia Mono Light" panose="020B0609020000020004" pitchFamily="49" charset="0"/>
-                <a:ea typeface="Cascadia Mono Light" panose="020B0609020000020004" pitchFamily="49" charset="0"/>
-                <a:cs typeface="Cascadia Mono Light" panose="020B0609020000020004" pitchFamily="49" charset="0"/>
-              </a:rPr>
-              <a:t>                return 'PF'</a:t>
-            </a:r>
-          </a:p>
-          <a:p>
-            <a:r>
-              <a:rPr lang="en-US" sz="1000" dirty="0">
-                <a:latin typeface="Cascadia Mono Light" panose="020B0609020000020004" pitchFamily="49" charset="0"/>
-                <a:ea typeface="Cascadia Mono Light" panose="020B0609020000020004" pitchFamily="49" charset="0"/>
-                <a:cs typeface="Cascadia Mono Light" panose="020B0609020000020004" pitchFamily="49" charset="0"/>
-              </a:rPr>
-              <a:t>            else:</a:t>
-            </a:r>
-          </a:p>
-          <a:p>
-            <a:r>
-              <a:rPr lang="en-US" sz="1000" dirty="0">
-                <a:latin typeface="Cascadia Mono Light" panose="020B0609020000020004" pitchFamily="49" charset="0"/>
-                <a:ea typeface="Cascadia Mono Light" panose="020B0609020000020004" pitchFamily="49" charset="0"/>
-                <a:cs typeface="Cascadia Mono Light" panose="020B0609020000020004" pitchFamily="49" charset="0"/>
-              </a:rPr>
-              <a:t>                return 'U'</a:t>
-            </a:r>
-          </a:p>
-          <a:p>
-            <a:endParaRPr lang="en-US" sz="1000" dirty="0">
-              <a:latin typeface="Cascadia Mono Light" panose="020B0609020000020004" pitchFamily="49" charset="0"/>
-              <a:ea typeface="Cascadia Mono Light" panose="020B0609020000020004" pitchFamily="49" charset="0"/>
-              <a:cs typeface="Cascadia Mono Light" panose="020B0609020000020004" pitchFamily="49" charset="0"/>
-            </a:endParaRPr>
-          </a:p>
-          <a:p>
-            <a:r>
-              <a:rPr lang="en-US" sz="1000" dirty="0">
-                <a:latin typeface="Cascadia Mono Light" panose="020B0609020000020004" pitchFamily="49" charset="0"/>
-                <a:ea typeface="Cascadia Mono Light" panose="020B0609020000020004" pitchFamily="49" charset="0"/>
-                <a:cs typeface="Cascadia Mono Light" panose="020B0609020000020004" pitchFamily="49" charset="0"/>
-              </a:rPr>
-              <a:t>        </a:t>
-            </a:r>
-            <a:r>
-              <a:rPr lang="en-US" sz="1000" dirty="0" err="1">
-                <a:latin typeface="Cascadia Mono Light" panose="020B0609020000020004" pitchFamily="49" charset="0"/>
-                <a:ea typeface="Cascadia Mono Light" panose="020B0609020000020004" pitchFamily="49" charset="0"/>
-                <a:cs typeface="Cascadia Mono Light" panose="020B0609020000020004" pitchFamily="49" charset="0"/>
-              </a:rPr>
-              <a:t>data_dict_entry</a:t>
-            </a:r>
-            <a:r>
-              <a:rPr lang="en-US" sz="1000" dirty="0">
-                <a:latin typeface="Cascadia Mono Light" panose="020B0609020000020004" pitchFamily="49" charset="0"/>
-                <a:ea typeface="Cascadia Mono Light" panose="020B0609020000020004" pitchFamily="49" charset="0"/>
-                <a:cs typeface="Cascadia Mono Light" panose="020B0609020000020004" pitchFamily="49" charset="0"/>
-              </a:rPr>
-              <a:t> = ''</a:t>
-            </a:r>
-          </a:p>
-          <a:p>
-            <a:r>
-              <a:rPr lang="en-US" sz="1000" dirty="0">
-                <a:latin typeface="Cascadia Mono Light" panose="020B0609020000020004" pitchFamily="49" charset="0"/>
-                <a:ea typeface="Cascadia Mono Light" panose="020B0609020000020004" pitchFamily="49" charset="0"/>
-                <a:cs typeface="Cascadia Mono Light" panose="020B0609020000020004" pitchFamily="49" charset="0"/>
-              </a:rPr>
-              <a:t>        </a:t>
-            </a:r>
-            <a:r>
-              <a:rPr lang="en-US" sz="1000" dirty="0" err="1">
-                <a:latin typeface="Cascadia Mono Light" panose="020B0609020000020004" pitchFamily="49" charset="0"/>
-                <a:ea typeface="Cascadia Mono Light" panose="020B0609020000020004" pitchFamily="49" charset="0"/>
-                <a:cs typeface="Cascadia Mono Light" panose="020B0609020000020004" pitchFamily="49" charset="0"/>
-              </a:rPr>
-              <a:t>self.main.data_dict.report_column</a:t>
-            </a:r>
-            <a:r>
-              <a:rPr lang="en-US" sz="1000" dirty="0">
-                <a:latin typeface="Cascadia Mono Light" panose="020B0609020000020004" pitchFamily="49" charset="0"/>
-                <a:ea typeface="Cascadia Mono Light" panose="020B0609020000020004" pitchFamily="49" charset="0"/>
-                <a:cs typeface="Cascadia Mono Light" panose="020B0609020000020004" pitchFamily="49" charset="0"/>
-              </a:rPr>
-              <a:t>(name, </a:t>
-            </a:r>
-            <a:r>
-              <a:rPr lang="en-US" sz="1000" dirty="0" err="1">
-                <a:latin typeface="Cascadia Mono Light" panose="020B0609020000020004" pitchFamily="49" charset="0"/>
-                <a:ea typeface="Cascadia Mono Light" panose="020B0609020000020004" pitchFamily="49" charset="0"/>
-                <a:cs typeface="Cascadia Mono Light" panose="020B0609020000020004" pitchFamily="49" charset="0"/>
-              </a:rPr>
-              <a:t>data_dict_entry</a:t>
-            </a:r>
-            <a:r>
-              <a:rPr lang="en-US" sz="1000" dirty="0">
-                <a:latin typeface="Cascadia Mono Light" panose="020B0609020000020004" pitchFamily="49" charset="0"/>
-                <a:ea typeface="Cascadia Mono Light" panose="020B0609020000020004" pitchFamily="49" charset="0"/>
-                <a:cs typeface="Cascadia Mono Light" panose="020B0609020000020004" pitchFamily="49" charset="0"/>
-              </a:rPr>
-              <a:t>, 'Calculated', ['CO', 'PC', 'PF'])</a:t>
-            </a:r>
-          </a:p>
-          <a:p>
-            <a:r>
-              <a:rPr lang="en-US" sz="1000" dirty="0">
-                <a:latin typeface="Cascadia Mono Light" panose="020B0609020000020004" pitchFamily="49" charset="0"/>
-                <a:ea typeface="Cascadia Mono Light" panose="020B0609020000020004" pitchFamily="49" charset="0"/>
-                <a:cs typeface="Cascadia Mono Light" panose="020B0609020000020004" pitchFamily="49" charset="0"/>
-              </a:rPr>
-              <a:t>        if </a:t>
-            </a:r>
-            <a:r>
-              <a:rPr lang="en-US" sz="1000" dirty="0" err="1">
-                <a:latin typeface="Cascadia Mono Light" panose="020B0609020000020004" pitchFamily="49" charset="0"/>
-                <a:ea typeface="Cascadia Mono Light" panose="020B0609020000020004" pitchFamily="49" charset="0"/>
-                <a:cs typeface="Cascadia Mono Light" panose="020B0609020000020004" pitchFamily="49" charset="0"/>
-              </a:rPr>
-              <a:t>self.parallelize</a:t>
-            </a:r>
-            <a:r>
-              <a:rPr lang="en-US" sz="1000" dirty="0">
-                <a:latin typeface="Cascadia Mono Light" panose="020B0609020000020004" pitchFamily="49" charset="0"/>
-                <a:ea typeface="Cascadia Mono Light" panose="020B0609020000020004" pitchFamily="49" charset="0"/>
-                <a:cs typeface="Cascadia Mono Light" panose="020B0609020000020004" pitchFamily="49" charset="0"/>
-              </a:rPr>
-              <a:t>:</a:t>
-            </a:r>
-          </a:p>
-          <a:p>
-            <a:r>
-              <a:rPr lang="en-US" sz="1000" dirty="0">
-                <a:latin typeface="Cascadia Mono Light" panose="020B0609020000020004" pitchFamily="49" charset="0"/>
-                <a:ea typeface="Cascadia Mono Light" panose="020B0609020000020004" pitchFamily="49" charset="0"/>
-                <a:cs typeface="Cascadia Mono Light" panose="020B0609020000020004" pitchFamily="49" charset="0"/>
-              </a:rPr>
-              <a:t>            return </a:t>
-            </a:r>
-            <a:r>
-              <a:rPr lang="en-US" sz="1000" dirty="0" err="1">
-                <a:latin typeface="Cascadia Mono Light" panose="020B0609020000020004" pitchFamily="49" charset="0"/>
-                <a:ea typeface="Cascadia Mono Light" panose="020B0609020000020004" pitchFamily="49" charset="0"/>
-                <a:cs typeface="Cascadia Mono Light" panose="020B0609020000020004" pitchFamily="49" charset="0"/>
-              </a:rPr>
-              <a:t>self.parallel_apply</a:t>
-            </a:r>
-            <a:r>
-              <a:rPr lang="en-US" sz="1000" dirty="0">
-                <a:latin typeface="Cascadia Mono Light" panose="020B0609020000020004" pitchFamily="49" charset="0"/>
-                <a:ea typeface="Cascadia Mono Light" panose="020B0609020000020004" pitchFamily="49" charset="0"/>
-                <a:cs typeface="Cascadia Mono Light" panose="020B0609020000020004" pitchFamily="49" charset="0"/>
-              </a:rPr>
-              <a:t>(</a:t>
-            </a:r>
-            <a:r>
-              <a:rPr lang="en-US" sz="1000" dirty="0" err="1">
-                <a:latin typeface="Cascadia Mono Light" panose="020B0609020000020004" pitchFamily="49" charset="0"/>
-                <a:ea typeface="Cascadia Mono Light" panose="020B0609020000020004" pitchFamily="49" charset="0"/>
-                <a:cs typeface="Cascadia Mono Light" panose="020B0609020000020004" pitchFamily="49" charset="0"/>
-              </a:rPr>
-              <a:t>df</a:t>
-            </a:r>
-            <a:r>
-              <a:rPr lang="en-US" sz="1000" dirty="0">
-                <a:latin typeface="Cascadia Mono Light" panose="020B0609020000020004" pitchFamily="49" charset="0"/>
-                <a:ea typeface="Cascadia Mono Light" panose="020B0609020000020004" pitchFamily="49" charset="0"/>
-                <a:cs typeface="Cascadia Mono Light" panose="020B0609020000020004" pitchFamily="49" charset="0"/>
-              </a:rPr>
-              <a:t>, level1)</a:t>
-            </a:r>
-          </a:p>
-          <a:p>
-            <a:r>
-              <a:rPr lang="en-US" sz="1000" dirty="0">
-                <a:latin typeface="Cascadia Mono Light" panose="020B0609020000020004" pitchFamily="49" charset="0"/>
-                <a:ea typeface="Cascadia Mono Light" panose="020B0609020000020004" pitchFamily="49" charset="0"/>
-                <a:cs typeface="Cascadia Mono Light" panose="020B0609020000020004" pitchFamily="49" charset="0"/>
-              </a:rPr>
-              <a:t>        else:</a:t>
-            </a:r>
-          </a:p>
-          <a:p>
-            <a:r>
-              <a:rPr lang="en-US" sz="1000" dirty="0">
-                <a:latin typeface="Cascadia Mono Light" panose="020B0609020000020004" pitchFamily="49" charset="0"/>
-                <a:ea typeface="Cascadia Mono Light" panose="020B0609020000020004" pitchFamily="49" charset="0"/>
-                <a:cs typeface="Cascadia Mono Light" panose="020B0609020000020004" pitchFamily="49" charset="0"/>
-              </a:rPr>
-              <a:t>            return </a:t>
-            </a:r>
-            <a:r>
-              <a:rPr lang="en-US" sz="1000" dirty="0" err="1">
-                <a:latin typeface="Cascadia Mono Light" panose="020B0609020000020004" pitchFamily="49" charset="0"/>
-                <a:ea typeface="Cascadia Mono Light" panose="020B0609020000020004" pitchFamily="49" charset="0"/>
-                <a:cs typeface="Cascadia Mono Light" panose="020B0609020000020004" pitchFamily="49" charset="0"/>
-              </a:rPr>
-              <a:t>df.apply</a:t>
-            </a:r>
-            <a:r>
-              <a:rPr lang="en-US" sz="1000" dirty="0">
-                <a:latin typeface="Cascadia Mono Light" panose="020B0609020000020004" pitchFamily="49" charset="0"/>
-                <a:ea typeface="Cascadia Mono Light" panose="020B0609020000020004" pitchFamily="49" charset="0"/>
-                <a:cs typeface="Cascadia Mono Light" panose="020B0609020000020004" pitchFamily="49" charset="0"/>
-              </a:rPr>
-              <a:t>(lambda r: level1(r), axis=1)</a:t>
+            <a:pPr marL="171450" indent="-171450">
+              <a:buFont typeface="Arial" panose="020B0604020202020204" pitchFamily="34" charset="0"/>
+              <a:buChar char="•"/>
+            </a:pPr>
+            <a:r>
+              <a:rPr lang="en-US" sz="1400" dirty="0">
+                <a:latin typeface="Cascadia Code Light" panose="020B0609020000020004" pitchFamily="49" charset="0"/>
+                <a:ea typeface="Cascadia Code Light" panose="020B0609020000020004" pitchFamily="49" charset="0"/>
+                <a:cs typeface="Cascadia Code Light" panose="020B0609020000020004" pitchFamily="49" charset="0"/>
+              </a:rPr>
+              <a:t>00 All organizations except 501(c)(3)</a:t>
+            </a:r>
+          </a:p>
+          <a:p>
+            <a:pPr marL="171450" indent="-171450">
+              <a:buFont typeface="Arial" panose="020B0604020202020204" pitchFamily="34" charset="0"/>
+              <a:buChar char="•"/>
+            </a:pPr>
+            <a:r>
+              <a:rPr lang="en-US" sz="1400" dirty="0">
+                <a:latin typeface="Cascadia Code Light" panose="020B0609020000020004" pitchFamily="49" charset="0"/>
+                <a:ea typeface="Cascadia Code Light" panose="020B0609020000020004" pitchFamily="49" charset="0"/>
+                <a:cs typeface="Cascadia Code Light" panose="020B0609020000020004" pitchFamily="49" charset="0"/>
+              </a:rPr>
+              <a:t>02 Private operating foundation exempt from paying excise taxes on investment income</a:t>
+            </a:r>
+          </a:p>
+          <a:p>
+            <a:pPr marL="171450" indent="-171450">
+              <a:buFont typeface="Arial" panose="020B0604020202020204" pitchFamily="34" charset="0"/>
+              <a:buChar char="•"/>
+            </a:pPr>
+            <a:r>
+              <a:rPr lang="en-US" sz="1400" dirty="0">
+                <a:latin typeface="Cascadia Code Light" panose="020B0609020000020004" pitchFamily="49" charset="0"/>
+                <a:ea typeface="Cascadia Code Light" panose="020B0609020000020004" pitchFamily="49" charset="0"/>
+                <a:cs typeface="Cascadia Code Light" panose="020B0609020000020004" pitchFamily="49" charset="0"/>
+              </a:rPr>
+              <a:t>03 Private operating foundation (other)</a:t>
+            </a:r>
+          </a:p>
+          <a:p>
+            <a:pPr marL="171450" indent="-171450">
+              <a:buFont typeface="Arial" panose="020B0604020202020204" pitchFamily="34" charset="0"/>
+              <a:buChar char="•"/>
+            </a:pPr>
+            <a:r>
+              <a:rPr lang="en-US" sz="1400" dirty="0">
+                <a:latin typeface="Cascadia Code Light" panose="020B0609020000020004" pitchFamily="49" charset="0"/>
+                <a:ea typeface="Cascadia Code Light" panose="020B0609020000020004" pitchFamily="49" charset="0"/>
+                <a:cs typeface="Cascadia Code Light" panose="020B0609020000020004" pitchFamily="49" charset="0"/>
+              </a:rPr>
+              <a:t>04 Private non-operating foundation</a:t>
+            </a:r>
+          </a:p>
+          <a:p>
+            <a:pPr marL="171450" indent="-171450">
+              <a:buFont typeface="Arial" panose="020B0604020202020204" pitchFamily="34" charset="0"/>
+              <a:buChar char="•"/>
+            </a:pPr>
+            <a:r>
+              <a:rPr lang="en-US" sz="1400" dirty="0">
+                <a:latin typeface="Cascadia Code Light" panose="020B0609020000020004" pitchFamily="49" charset="0"/>
+                <a:ea typeface="Cascadia Code Light" panose="020B0609020000020004" pitchFamily="49" charset="0"/>
+                <a:cs typeface="Cascadia Code Light" panose="020B0609020000020004" pitchFamily="49" charset="0"/>
+              </a:rPr>
+              <a:t>09 Suspense</a:t>
+            </a:r>
+          </a:p>
+          <a:p>
+            <a:pPr marL="171450" indent="-171450">
+              <a:buFont typeface="Arial" panose="020B0604020202020204" pitchFamily="34" charset="0"/>
+              <a:buChar char="•"/>
+            </a:pPr>
+            <a:r>
+              <a:rPr lang="en-US" sz="1400" dirty="0">
+                <a:latin typeface="Cascadia Code Light" panose="020B0609020000020004" pitchFamily="49" charset="0"/>
+                <a:ea typeface="Cascadia Code Light" panose="020B0609020000020004" pitchFamily="49" charset="0"/>
+                <a:cs typeface="Cascadia Code Light" panose="020B0609020000020004" pitchFamily="49" charset="0"/>
+              </a:rPr>
+              <a:t>10 Church 170(b)(1)(A)(</a:t>
+            </a:r>
+            <a:r>
+              <a:rPr lang="en-US" sz="1400" dirty="0" err="1">
+                <a:latin typeface="Cascadia Code Light" panose="020B0609020000020004" pitchFamily="49" charset="0"/>
+                <a:ea typeface="Cascadia Code Light" panose="020B0609020000020004" pitchFamily="49" charset="0"/>
+                <a:cs typeface="Cascadia Code Light" panose="020B0609020000020004" pitchFamily="49" charset="0"/>
+              </a:rPr>
+              <a:t>i</a:t>
+            </a:r>
+            <a:r>
+              <a:rPr lang="en-US" sz="1400" dirty="0">
+                <a:latin typeface="Cascadia Code Light" panose="020B0609020000020004" pitchFamily="49" charset="0"/>
+                <a:ea typeface="Cascadia Code Light" panose="020B0609020000020004" pitchFamily="49" charset="0"/>
+                <a:cs typeface="Cascadia Code Light" panose="020B0609020000020004" pitchFamily="49" charset="0"/>
+              </a:rPr>
+              <a:t>)</a:t>
+            </a:r>
+          </a:p>
+          <a:p>
+            <a:pPr marL="171450" indent="-171450">
+              <a:buFont typeface="Arial" panose="020B0604020202020204" pitchFamily="34" charset="0"/>
+              <a:buChar char="•"/>
+            </a:pPr>
+            <a:r>
+              <a:rPr lang="en-US" sz="1400" dirty="0">
+                <a:latin typeface="Cascadia Code Light" panose="020B0609020000020004" pitchFamily="49" charset="0"/>
+                <a:ea typeface="Cascadia Code Light" panose="020B0609020000020004" pitchFamily="49" charset="0"/>
+                <a:cs typeface="Cascadia Code Light" panose="020B0609020000020004" pitchFamily="49" charset="0"/>
+              </a:rPr>
+              <a:t>11 School 170(b)(1)(A)(ii)</a:t>
+            </a:r>
+          </a:p>
+          <a:p>
+            <a:pPr marL="171450" indent="-171450">
+              <a:buFont typeface="Arial" panose="020B0604020202020204" pitchFamily="34" charset="0"/>
+              <a:buChar char="•"/>
+            </a:pPr>
+            <a:r>
+              <a:rPr lang="en-US" sz="1400" dirty="0">
+                <a:latin typeface="Cascadia Code Light" panose="020B0609020000020004" pitchFamily="49" charset="0"/>
+                <a:ea typeface="Cascadia Code Light" panose="020B0609020000020004" pitchFamily="49" charset="0"/>
+                <a:cs typeface="Cascadia Code Light" panose="020B0609020000020004" pitchFamily="49" charset="0"/>
+              </a:rPr>
+              <a:t>12 Hospital or medical research organization 170(b)(1)(A)(iii)</a:t>
+            </a:r>
+          </a:p>
+          <a:p>
+            <a:pPr marL="171450" indent="-171450">
+              <a:buFont typeface="Arial" panose="020B0604020202020204" pitchFamily="34" charset="0"/>
+              <a:buChar char="•"/>
+            </a:pPr>
+            <a:r>
+              <a:rPr lang="en-US" sz="1400" dirty="0">
+                <a:latin typeface="Cascadia Code Light" panose="020B0609020000020004" pitchFamily="49" charset="0"/>
+                <a:ea typeface="Cascadia Code Light" panose="020B0609020000020004" pitchFamily="49" charset="0"/>
+                <a:cs typeface="Cascadia Code Light" panose="020B0609020000020004" pitchFamily="49" charset="0"/>
+              </a:rPr>
+              <a:t>13 Organization that operates for the benefit of a college or university and is owned or operated by a governmental unit 170(b)(1)(A)(iv)</a:t>
+            </a:r>
+          </a:p>
+          <a:p>
+            <a:pPr marL="171450" indent="-171450">
+              <a:buFont typeface="Arial" panose="020B0604020202020204" pitchFamily="34" charset="0"/>
+              <a:buChar char="•"/>
+            </a:pPr>
+            <a:r>
+              <a:rPr lang="en-US" sz="1400" dirty="0">
+                <a:latin typeface="Cascadia Code Light" panose="020B0609020000020004" pitchFamily="49" charset="0"/>
+                <a:ea typeface="Cascadia Code Light" panose="020B0609020000020004" pitchFamily="49" charset="0"/>
+                <a:cs typeface="Cascadia Code Light" panose="020B0609020000020004" pitchFamily="49" charset="0"/>
+              </a:rPr>
+              <a:t>14 Governmental unit 170(b)(1)(A)(v)</a:t>
+            </a:r>
+          </a:p>
+          <a:p>
+            <a:pPr marL="171450" indent="-171450">
+              <a:buFont typeface="Arial" panose="020B0604020202020204" pitchFamily="34" charset="0"/>
+              <a:buChar char="•"/>
+            </a:pPr>
+            <a:r>
+              <a:rPr lang="en-US" sz="1400" dirty="0">
+                <a:latin typeface="Cascadia Code Light" panose="020B0609020000020004" pitchFamily="49" charset="0"/>
+                <a:ea typeface="Cascadia Code Light" panose="020B0609020000020004" pitchFamily="49" charset="0"/>
+                <a:cs typeface="Cascadia Code Light" panose="020B0609020000020004" pitchFamily="49" charset="0"/>
+              </a:rPr>
+              <a:t>15 Organization that receives a substantial part of its support from a governmental unit or the general public 170(b)(1)(A)(vi)</a:t>
+            </a:r>
+          </a:p>
+          <a:p>
+            <a:pPr marL="171450" indent="-171450">
+              <a:buFont typeface="Arial" panose="020B0604020202020204" pitchFamily="34" charset="0"/>
+              <a:buChar char="•"/>
+            </a:pPr>
+            <a:r>
+              <a:rPr lang="en-US" sz="1400" dirty="0">
+                <a:latin typeface="Cascadia Code Light" panose="020B0609020000020004" pitchFamily="49" charset="0"/>
+                <a:ea typeface="Cascadia Code Light" panose="020B0609020000020004" pitchFamily="49" charset="0"/>
+                <a:cs typeface="Cascadia Code Light" panose="020B0609020000020004" pitchFamily="49" charset="0"/>
+              </a:rPr>
+              <a:t>16 Organization that normally receives no more than one-third of its support from gross investment income and unrelated business income and at the same time more than one-third of its support from contributions, fees, and gross receipts related to exempt purposes 509(a)(2)</a:t>
+            </a:r>
+          </a:p>
+          <a:p>
+            <a:pPr marL="171450" indent="-171450">
+              <a:buFont typeface="Arial" panose="020B0604020202020204" pitchFamily="34" charset="0"/>
+              <a:buChar char="•"/>
+            </a:pPr>
+            <a:r>
+              <a:rPr lang="en-US" sz="1400" dirty="0">
+                <a:latin typeface="Cascadia Code Light" panose="020B0609020000020004" pitchFamily="49" charset="0"/>
+                <a:ea typeface="Cascadia Code Light" panose="020B0609020000020004" pitchFamily="49" charset="0"/>
+                <a:cs typeface="Cascadia Code Light" panose="020B0609020000020004" pitchFamily="49" charset="0"/>
+              </a:rPr>
+              <a:t>17 Organizations operated solely for the benefit of and in conjunction with organizations described in 10 through 16 above 509(a)(3)</a:t>
+            </a:r>
+          </a:p>
+          <a:p>
+            <a:pPr marL="171450" indent="-171450">
+              <a:buFont typeface="Arial" panose="020B0604020202020204" pitchFamily="34" charset="0"/>
+              <a:buChar char="•"/>
+            </a:pPr>
+            <a:r>
+              <a:rPr lang="en-US" sz="1400" dirty="0">
+                <a:latin typeface="Cascadia Code Light" panose="020B0609020000020004" pitchFamily="49" charset="0"/>
+                <a:ea typeface="Cascadia Code Light" panose="020B0609020000020004" pitchFamily="49" charset="0"/>
+                <a:cs typeface="Cascadia Code Light" panose="020B0609020000020004" pitchFamily="49" charset="0"/>
+              </a:rPr>
+              <a:t>18 Organization organized and operated to test for public safety 509(a)(4)</a:t>
+            </a:r>
+          </a:p>
+          <a:p>
+            <a:pPr marL="171450" indent="-171450">
+              <a:buFont typeface="Arial" panose="020B0604020202020204" pitchFamily="34" charset="0"/>
+              <a:buChar char="•"/>
+            </a:pPr>
+            <a:r>
+              <a:rPr lang="en-US" sz="1400" dirty="0">
+                <a:latin typeface="Cascadia Code Light" panose="020B0609020000020004" pitchFamily="49" charset="0"/>
+                <a:ea typeface="Cascadia Code Light" panose="020B0609020000020004" pitchFamily="49" charset="0"/>
+                <a:cs typeface="Cascadia Code Light" panose="020B0609020000020004" pitchFamily="49" charset="0"/>
+              </a:rPr>
+              <a:t>21 509(a)(3) Type I</a:t>
+            </a:r>
+          </a:p>
+          <a:p>
+            <a:pPr marL="171450" indent="-171450">
+              <a:buFont typeface="Arial" panose="020B0604020202020204" pitchFamily="34" charset="0"/>
+              <a:buChar char="•"/>
+            </a:pPr>
+            <a:r>
+              <a:rPr lang="en-US" sz="1400" dirty="0">
+                <a:latin typeface="Cascadia Code Light" panose="020B0609020000020004" pitchFamily="49" charset="0"/>
+                <a:ea typeface="Cascadia Code Light" panose="020B0609020000020004" pitchFamily="49" charset="0"/>
+                <a:cs typeface="Cascadia Code Light" panose="020B0609020000020004" pitchFamily="49" charset="0"/>
+              </a:rPr>
+              <a:t>22 509(a)(3) Type II</a:t>
+            </a:r>
+          </a:p>
+          <a:p>
+            <a:pPr marL="171450" indent="-171450">
+              <a:buFont typeface="Arial" panose="020B0604020202020204" pitchFamily="34" charset="0"/>
+              <a:buChar char="•"/>
+            </a:pPr>
+            <a:r>
+              <a:rPr lang="en-US" sz="1400" dirty="0">
+                <a:latin typeface="Cascadia Code Light" panose="020B0609020000020004" pitchFamily="49" charset="0"/>
+                <a:ea typeface="Cascadia Code Light" panose="020B0609020000020004" pitchFamily="49" charset="0"/>
+                <a:cs typeface="Cascadia Code Light" panose="020B0609020000020004" pitchFamily="49" charset="0"/>
+              </a:rPr>
+              <a:t>23 509(a)(3) Type III functionally integrated</a:t>
+            </a:r>
+          </a:p>
+          <a:p>
+            <a:pPr marL="171450" indent="-171450">
+              <a:buFont typeface="Arial" panose="020B0604020202020204" pitchFamily="34" charset="0"/>
+              <a:buChar char="•"/>
+            </a:pPr>
+            <a:r>
+              <a:rPr lang="en-US" sz="1400" dirty="0">
+                <a:latin typeface="Cascadia Code Light" panose="020B0609020000020004" pitchFamily="49" charset="0"/>
+                <a:ea typeface="Cascadia Code Light" panose="020B0609020000020004" pitchFamily="49" charset="0"/>
+                <a:cs typeface="Cascadia Code Light" panose="020B0609020000020004" pitchFamily="49" charset="0"/>
+              </a:rPr>
+              <a:t>24 509(a)(3) Type III not functionally integrated</a:t>
+            </a:r>
+          </a:p>
+        </p:txBody>
+      </p:sp>
+      <p:sp>
+        <p:nvSpPr>
+          <p:cNvPr id="4" name="Title 3">
+            <a:extLst>
+              <a:ext uri="{FF2B5EF4-FFF2-40B4-BE49-F238E27FC236}">
+                <a16:creationId xmlns:a16="http://schemas.microsoft.com/office/drawing/2014/main" id="{4E691AC2-4535-995D-BA06-100CF64BE61D}"/>
+              </a:ext>
+            </a:extLst>
+          </p:cNvPr>
+          <p:cNvSpPr>
+            <a:spLocks noGrp="1"/>
+          </p:cNvSpPr>
+          <p:nvPr>
+            <p:ph type="title"/>
+          </p:nvPr>
+        </p:nvSpPr>
+        <p:spPr>
+          <a:xfrm>
+            <a:off x="838200" y="250825"/>
+            <a:ext cx="10515600" cy="1325563"/>
+          </a:xfrm>
+        </p:spPr>
+        <p:txBody>
+          <a:bodyPr/>
+          <a:lstStyle/>
+          <a:p>
+            <a:r>
+              <a:rPr lang="en-US" dirty="0"/>
+              <a:t>FNDCD</a:t>
             </a:r>
           </a:p>
         </p:txBody>
@@ -14756,7 +14754,7 @@
     </p:spTree>
     <p:extLst>
       <p:ext uri="{BB962C8B-B14F-4D97-AF65-F5344CB8AC3E}">
-        <p14:creationId xmlns:p14="http://schemas.microsoft.com/office/powerpoint/2010/main" val="1134050296"/>
+        <p14:creationId xmlns:p14="http://schemas.microsoft.com/office/powerpoint/2010/main" val="3671040298"/>
       </p:ext>
     </p:extLst>
   </p:cSld>
@@ -14806,7 +14804,7 @@
           <a:p>
             <a:r>
               <a:rPr lang="en-US" dirty="0"/>
-              <a:t>LEVEL2</a:t>
+              <a:t>LEVEL1</a:t>
             </a:r>
           </a:p>
         </p:txBody>
@@ -14816,7 +14814,7 @@
           <p:cNvPr id="4" name="TextBox 3">
             <a:extLst>
               <a:ext uri="{FF2B5EF4-FFF2-40B4-BE49-F238E27FC236}">
-                <a16:creationId xmlns:a16="http://schemas.microsoft.com/office/drawing/2014/main" id="{E3816168-7759-4675-BDE5-62B41A2E87DB}"/>
+                <a16:creationId xmlns:a16="http://schemas.microsoft.com/office/drawing/2014/main" id="{2BC12262-14AA-334D-40C6-29AA6A0B5932}"/>
               </a:ext>
             </a:extLst>
           </p:cNvPr>
@@ -14825,8 +14823,8 @@
         </p:nvSpPr>
         <p:spPr>
           <a:xfrm>
-            <a:off x="3069771" y="365125"/>
-            <a:ext cx="9906000" cy="6186309"/>
+            <a:off x="4103914" y="706676"/>
+            <a:ext cx="6096000" cy="5786199"/>
           </a:xfrm>
           <a:prstGeom prst="rect">
             <a:avLst/>
@@ -14840,15 +14838,15 @@
           <a:lstStyle/>
           <a:p>
             <a:r>
-              <a:rPr lang="en-US" sz="1200" dirty="0">
-                <a:latin typeface="Cascadia Mono Light" panose="020B0609020000020004" pitchFamily="49" charset="0"/>
-                <a:ea typeface="Cascadia Mono Light" panose="020B0609020000020004" pitchFamily="49" charset="0"/>
-                <a:cs typeface="Cascadia Mono Light" panose="020B0609020000020004" pitchFamily="49" charset="0"/>
-              </a:rPr>
-              <a:t> def all_level2(self, </a:t>
-            </a:r>
-            <a:r>
-              <a:rPr lang="en-US" sz="1200" dirty="0" err="1">
+              <a:rPr lang="en-US" sz="1000" dirty="0">
+                <a:latin typeface="Cascadia Mono Light" panose="020B0609020000020004" pitchFamily="49" charset="0"/>
+                <a:ea typeface="Cascadia Mono Light" panose="020B0609020000020004" pitchFamily="49" charset="0"/>
+                <a:cs typeface="Cascadia Mono Light" panose="020B0609020000020004" pitchFamily="49" charset="0"/>
+              </a:rPr>
+              <a:t> def all_level1(self, </a:t>
+            </a:r>
+            <a:r>
+              <a:rPr lang="en-US" sz="1000" dirty="0" err="1">
                 <a:latin typeface="Cascadia Mono Light" panose="020B0609020000020004" pitchFamily="49" charset="0"/>
                 <a:ea typeface="Cascadia Mono Light" panose="020B0609020000020004" pitchFamily="49" charset="0"/>
                 <a:cs typeface="Cascadia Mono Light" panose="020B0609020000020004" pitchFamily="49" charset="0"/>
@@ -14856,7 +14854,7 @@
               <a:t>df</a:t>
             </a:r>
             <a:r>
-              <a:rPr lang="en-US" sz="1200" dirty="0">
+              <a:rPr lang="en-US" sz="1000" dirty="0">
                 <a:latin typeface="Cascadia Mono Light" panose="020B0609020000020004" pitchFamily="49" charset="0"/>
                 <a:ea typeface="Cascadia Mono Light" panose="020B0609020000020004" pitchFamily="49" charset="0"/>
                 <a:cs typeface="Cascadia Mono Light" panose="020B0609020000020004" pitchFamily="49" charset="0"/>
@@ -14866,7 +14864,7 @@
           </a:p>
           <a:p>
             <a:r>
-              <a:rPr lang="en-US" sz="1200" dirty="0">
+              <a:rPr lang="en-US" sz="1000" dirty="0">
                 <a:latin typeface="Cascadia Mono Light" panose="020B0609020000020004" pitchFamily="49" charset="0"/>
                 <a:ea typeface="Cascadia Mono Light" panose="020B0609020000020004" pitchFamily="49" charset="0"/>
                 <a:cs typeface="Cascadia Mono Light" panose="020B0609020000020004" pitchFamily="49" charset="0"/>
@@ -14876,16 +14874,16 @@
           </a:p>
           <a:p>
             <a:r>
-              <a:rPr lang="en-US" sz="1200" dirty="0">
-                <a:latin typeface="Cascadia Mono Light" panose="020B0609020000020004" pitchFamily="49" charset="0"/>
-                <a:ea typeface="Cascadia Mono Light" panose="020B0609020000020004" pitchFamily="49" charset="0"/>
-                <a:cs typeface="Cascadia Mono Light" panose="020B0609020000020004" pitchFamily="49" charset="0"/>
-              </a:rPr>
-              <a:t>        Generates a piecewise value based on SUBSECCD, FNDNCD, LEVEL3 and NTEEFINAL.</a:t>
-            </a:r>
-          </a:p>
-          <a:p>
-            <a:endParaRPr lang="en-US" sz="1200" dirty="0">
+              <a:rPr lang="en-US" sz="1000" dirty="0">
+                <a:latin typeface="Cascadia Mono Light" panose="020B0609020000020004" pitchFamily="49" charset="0"/>
+                <a:ea typeface="Cascadia Mono Light" panose="020B0609020000020004" pitchFamily="49" charset="0"/>
+                <a:cs typeface="Cascadia Mono Light" panose="020B0609020000020004" pitchFamily="49" charset="0"/>
+              </a:rPr>
+              <a:t>        Generates a piecewise value based on SUBSECCD and FNDNCD.</a:t>
+            </a:r>
+          </a:p>
+          <a:p>
+            <a:endParaRPr lang="en-US" sz="1000" dirty="0">
               <a:latin typeface="Cascadia Mono Light" panose="020B0609020000020004" pitchFamily="49" charset="0"/>
               <a:ea typeface="Cascadia Mono Light" panose="020B0609020000020004" pitchFamily="49" charset="0"/>
               <a:cs typeface="Cascadia Mono Light" panose="020B0609020000020004" pitchFamily="49" charset="0"/>
@@ -14893,7 +14891,7 @@
           </a:p>
           <a:p>
             <a:r>
-              <a:rPr lang="en-US" sz="1200" dirty="0">
+              <a:rPr lang="en-US" sz="1000" dirty="0">
                 <a:latin typeface="Cascadia Mono Light" panose="020B0609020000020004" pitchFamily="49" charset="0"/>
                 <a:ea typeface="Cascadia Mono Light" panose="020B0609020000020004" pitchFamily="49" charset="0"/>
                 <a:cs typeface="Cascadia Mono Light" panose="020B0609020000020004" pitchFamily="49" charset="0"/>
@@ -14903,7 +14901,7 @@
           </a:p>
           <a:p>
             <a:r>
-              <a:rPr lang="en-US" sz="1200" dirty="0">
+              <a:rPr lang="en-US" sz="1000" dirty="0">
                 <a:latin typeface="Cascadia Mono Light" panose="020B0609020000020004" pitchFamily="49" charset="0"/>
                 <a:ea typeface="Cascadia Mono Light" panose="020B0609020000020004" pitchFamily="49" charset="0"/>
                 <a:cs typeface="Cascadia Mono Light" panose="020B0609020000020004" pitchFamily="49" charset="0"/>
@@ -14911,7 +14909,7 @@
               <a:t>        </a:t>
             </a:r>
             <a:r>
-              <a:rPr lang="en-US" sz="1200" dirty="0" err="1">
+              <a:rPr lang="en-US" sz="1000" dirty="0" err="1">
                 <a:latin typeface="Cascadia Mono Light" panose="020B0609020000020004" pitchFamily="49" charset="0"/>
                 <a:ea typeface="Cascadia Mono Light" panose="020B0609020000020004" pitchFamily="49" charset="0"/>
                 <a:cs typeface="Cascadia Mono Light" panose="020B0609020000020004" pitchFamily="49" charset="0"/>
@@ -14919,7 +14917,7 @@
               <a:t>df</a:t>
             </a:r>
             <a:r>
-              <a:rPr lang="en-US" sz="1200" dirty="0">
+              <a:rPr lang="en-US" sz="1000" dirty="0">
                 <a:latin typeface="Cascadia Mono Light" panose="020B0609020000020004" pitchFamily="49" charset="0"/>
                 <a:ea typeface="Cascadia Mono Light" panose="020B0609020000020004" pitchFamily="49" charset="0"/>
                 <a:cs typeface="Cascadia Mono Light" panose="020B0609020000020004" pitchFamily="49" charset="0"/>
@@ -14927,7 +14925,7 @@
               <a:t> (</a:t>
             </a:r>
             <a:r>
-              <a:rPr lang="en-US" sz="1200" dirty="0" err="1">
+              <a:rPr lang="en-US" sz="1000" dirty="0" err="1">
                 <a:latin typeface="Cascadia Mono Light" panose="020B0609020000020004" pitchFamily="49" charset="0"/>
                 <a:ea typeface="Cascadia Mono Light" panose="020B0609020000020004" pitchFamily="49" charset="0"/>
                 <a:cs typeface="Cascadia Mono Light" panose="020B0609020000020004" pitchFamily="49" charset="0"/>
@@ -14935,7 +14933,7 @@
               <a:t>DataFrame</a:t>
             </a:r>
             <a:r>
-              <a:rPr lang="en-US" sz="1200" dirty="0">
+              <a:rPr lang="en-US" sz="1000" dirty="0">
                 <a:latin typeface="Cascadia Mono Light" panose="020B0609020000020004" pitchFamily="49" charset="0"/>
                 <a:ea typeface="Cascadia Mono Light" panose="020B0609020000020004" pitchFamily="49" charset="0"/>
                 <a:cs typeface="Cascadia Mono Light" panose="020B0609020000020004" pitchFamily="49" charset="0"/>
@@ -14943,21 +14941,21 @@
               <a:t>) : Core file </a:t>
             </a:r>
             <a:r>
-              <a:rPr lang="en-US" sz="1200" dirty="0" err="1">
+              <a:rPr lang="en-US" sz="1000" dirty="0" err="1">
                 <a:latin typeface="Cascadia Mono Light" panose="020B0609020000020004" pitchFamily="49" charset="0"/>
                 <a:ea typeface="Cascadia Mono Light" panose="020B0609020000020004" pitchFamily="49" charset="0"/>
                 <a:cs typeface="Cascadia Mono Light" panose="020B0609020000020004" pitchFamily="49" charset="0"/>
               </a:rPr>
               <a:t>dataframe</a:t>
             </a:r>
-            <a:endParaRPr lang="en-US" sz="1200" dirty="0">
+            <a:endParaRPr lang="en-US" sz="1000" dirty="0">
               <a:latin typeface="Cascadia Mono Light" panose="020B0609020000020004" pitchFamily="49" charset="0"/>
               <a:ea typeface="Cascadia Mono Light" panose="020B0609020000020004" pitchFamily="49" charset="0"/>
               <a:cs typeface="Cascadia Mono Light" panose="020B0609020000020004" pitchFamily="49" charset="0"/>
             </a:endParaRPr>
           </a:p>
           <a:p>
-            <a:endParaRPr lang="en-US" sz="1200" dirty="0">
+            <a:endParaRPr lang="en-US" sz="1000" dirty="0">
               <a:latin typeface="Cascadia Mono Light" panose="020B0609020000020004" pitchFamily="49" charset="0"/>
               <a:ea typeface="Cascadia Mono Light" panose="020B0609020000020004" pitchFamily="49" charset="0"/>
               <a:cs typeface="Cascadia Mono Light" panose="020B0609020000020004" pitchFamily="49" charset="0"/>
@@ -14965,7 +14963,7 @@
           </a:p>
           <a:p>
             <a:r>
-              <a:rPr lang="en-US" sz="1200" dirty="0">
+              <a:rPr lang="en-US" sz="1000" dirty="0">
                 <a:latin typeface="Cascadia Mono Light" panose="020B0609020000020004" pitchFamily="49" charset="0"/>
                 <a:ea typeface="Cascadia Mono Light" panose="020B0609020000020004" pitchFamily="49" charset="0"/>
                 <a:cs typeface="Cascadia Mono Light" panose="020B0609020000020004" pitchFamily="49" charset="0"/>
@@ -14975,7 +14973,7 @@
           </a:p>
           <a:p>
             <a:r>
-              <a:rPr lang="en-US" sz="1200" dirty="0">
+              <a:rPr lang="en-US" sz="1000" dirty="0">
                 <a:latin typeface="Cascadia Mono Light" panose="020B0609020000020004" pitchFamily="49" charset="0"/>
                 <a:ea typeface="Cascadia Mono Light" panose="020B0609020000020004" pitchFamily="49" charset="0"/>
                 <a:cs typeface="Cascadia Mono Light" panose="020B0609020000020004" pitchFamily="49" charset="0"/>
@@ -14983,14 +14981,14 @@
               <a:t>        Series or </a:t>
             </a:r>
             <a:r>
-              <a:rPr lang="en-US" sz="1200" dirty="0" err="1">
+              <a:rPr lang="en-US" sz="1000" dirty="0" err="1">
                 <a:latin typeface="Cascadia Mono Light" panose="020B0609020000020004" pitchFamily="49" charset="0"/>
                 <a:ea typeface="Cascadia Mono Light" panose="020B0609020000020004" pitchFamily="49" charset="0"/>
                 <a:cs typeface="Cascadia Mono Light" panose="020B0609020000020004" pitchFamily="49" charset="0"/>
               </a:rPr>
               <a:t>dask.core.DataFrame</a:t>
             </a:r>
-            <a:endParaRPr lang="en-US" sz="1200" dirty="0">
+            <a:endParaRPr lang="en-US" sz="1000" dirty="0">
               <a:latin typeface="Cascadia Mono Light" panose="020B0609020000020004" pitchFamily="49" charset="0"/>
               <a:ea typeface="Cascadia Mono Light" panose="020B0609020000020004" pitchFamily="49" charset="0"/>
               <a:cs typeface="Cascadia Mono Light" panose="020B0609020000020004" pitchFamily="49" charset="0"/>
@@ -14998,7 +14996,7 @@
           </a:p>
           <a:p>
             <a:r>
-              <a:rPr lang="en-US" sz="1200" dirty="0">
+              <a:rPr lang="en-US" sz="1000" dirty="0">
                 <a:latin typeface="Cascadia Mono Light" panose="020B0609020000020004" pitchFamily="49" charset="0"/>
                 <a:ea typeface="Cascadia Mono Light" panose="020B0609020000020004" pitchFamily="49" charset="0"/>
                 <a:cs typeface="Cascadia Mono Light" panose="020B0609020000020004" pitchFamily="49" charset="0"/>
@@ -15008,17 +15006,17 @@
           </a:p>
           <a:p>
             <a:r>
-              <a:rPr lang="en-US" sz="1200" dirty="0">
-                <a:latin typeface="Cascadia Mono Light" panose="020B0609020000020004" pitchFamily="49" charset="0"/>
-                <a:ea typeface="Cascadia Mono Light" panose="020B0609020000020004" pitchFamily="49" charset="0"/>
-                <a:cs typeface="Cascadia Mono Light" panose="020B0609020000020004" pitchFamily="49" charset="0"/>
-              </a:rPr>
-              <a:t>        def level2(row):</a:t>
-            </a:r>
-          </a:p>
-          <a:p>
-            <a:r>
-              <a:rPr lang="en-US" sz="1200" dirty="0">
+              <a:rPr lang="en-US" sz="1000" dirty="0">
+                <a:latin typeface="Cascadia Mono Light" panose="020B0609020000020004" pitchFamily="49" charset="0"/>
+                <a:ea typeface="Cascadia Mono Light" panose="020B0609020000020004" pitchFamily="49" charset="0"/>
+                <a:cs typeface="Cascadia Mono Light" panose="020B0609020000020004" pitchFamily="49" charset="0"/>
+              </a:rPr>
+              <a:t>        def level1(row):</a:t>
+            </a:r>
+          </a:p>
+          <a:p>
+            <a:r>
+              <a:rPr lang="en-US" sz="1000" dirty="0">
                 <a:latin typeface="Cascadia Mono Light" panose="020B0609020000020004" pitchFamily="49" charset="0"/>
                 <a:ea typeface="Cascadia Mono Light" panose="020B0609020000020004" pitchFamily="49" charset="0"/>
                 <a:cs typeface="Cascadia Mono Light" panose="020B0609020000020004" pitchFamily="49" charset="0"/>
@@ -15026,7 +15024,7 @@
               <a:t>            </a:t>
             </a:r>
             <a:r>
-              <a:rPr lang="en-US" sz="1200" dirty="0" err="1">
+              <a:rPr lang="en-US" sz="1000" dirty="0" err="1">
                 <a:latin typeface="Cascadia Mono Light" panose="020B0609020000020004" pitchFamily="49" charset="0"/>
                 <a:ea typeface="Cascadia Mono Light" panose="020B0609020000020004" pitchFamily="49" charset="0"/>
                 <a:cs typeface="Cascadia Mono Light" panose="020B0609020000020004" pitchFamily="49" charset="0"/>
@@ -15034,7 +15032,7 @@
               <a:t>sbcd</a:t>
             </a:r>
             <a:r>
-              <a:rPr lang="en-US" sz="1200" dirty="0">
+              <a:rPr lang="en-US" sz="1000" dirty="0">
                 <a:latin typeface="Cascadia Mono Light" panose="020B0609020000020004" pitchFamily="49" charset="0"/>
                 <a:ea typeface="Cascadia Mono Light" panose="020B0609020000020004" pitchFamily="49" charset="0"/>
                 <a:cs typeface="Cascadia Mono Light" panose="020B0609020000020004" pitchFamily="49" charset="0"/>
@@ -15044,7 +15042,7 @@
           </a:p>
           <a:p>
             <a:r>
-              <a:rPr lang="en-US" sz="1200" dirty="0">
+              <a:rPr lang="en-US" sz="1000" dirty="0">
                 <a:latin typeface="Cascadia Mono Light" panose="020B0609020000020004" pitchFamily="49" charset="0"/>
                 <a:ea typeface="Cascadia Mono Light" panose="020B0609020000020004" pitchFamily="49" charset="0"/>
                 <a:cs typeface="Cascadia Mono Light" panose="020B0609020000020004" pitchFamily="49" charset="0"/>
@@ -15052,7 +15050,7 @@
               <a:t>            </a:t>
             </a:r>
             <a:r>
-              <a:rPr lang="en-US" sz="1200" dirty="0" err="1">
+              <a:rPr lang="en-US" sz="1000" dirty="0" err="1">
                 <a:latin typeface="Cascadia Mono Light" panose="020B0609020000020004" pitchFamily="49" charset="0"/>
                 <a:ea typeface="Cascadia Mono Light" panose="020B0609020000020004" pitchFamily="49" charset="0"/>
                 <a:cs typeface="Cascadia Mono Light" panose="020B0609020000020004" pitchFamily="49" charset="0"/>
@@ -15060,7 +15058,7 @@
               <a:t>fndc</a:t>
             </a:r>
             <a:r>
-              <a:rPr lang="en-US" sz="1200" dirty="0">
+              <a:rPr lang="en-US" sz="1000" dirty="0">
                 <a:latin typeface="Cascadia Mono Light" panose="020B0609020000020004" pitchFamily="49" charset="0"/>
                 <a:ea typeface="Cascadia Mono Light" panose="020B0609020000020004" pitchFamily="49" charset="0"/>
                 <a:cs typeface="Cascadia Mono Light" panose="020B0609020000020004" pitchFamily="49" charset="0"/>
@@ -15069,43 +15067,7 @@
             </a:r>
           </a:p>
           <a:p>
-            <a:r>
-              <a:rPr lang="en-US" sz="1200" dirty="0">
-                <a:latin typeface="Cascadia Mono Light" panose="020B0609020000020004" pitchFamily="49" charset="0"/>
-                <a:ea typeface="Cascadia Mono Light" panose="020B0609020000020004" pitchFamily="49" charset="0"/>
-                <a:cs typeface="Cascadia Mono Light" panose="020B0609020000020004" pitchFamily="49" charset="0"/>
-              </a:rPr>
-              <a:t>            lvl3 = row['LEVEL3']</a:t>
-            </a:r>
-          </a:p>
-          <a:p>
-            <a:r>
-              <a:rPr lang="en-US" sz="1200" dirty="0">
-                <a:latin typeface="Cascadia Mono Light" panose="020B0609020000020004" pitchFamily="49" charset="0"/>
-                <a:ea typeface="Cascadia Mono Light" panose="020B0609020000020004" pitchFamily="49" charset="0"/>
-                <a:cs typeface="Cascadia Mono Light" panose="020B0609020000020004" pitchFamily="49" charset="0"/>
-              </a:rPr>
-              <a:t>            </a:t>
-            </a:r>
-            <a:r>
-              <a:rPr lang="en-US" sz="1200" dirty="0" err="1">
-                <a:latin typeface="Cascadia Mono Light" panose="020B0609020000020004" pitchFamily="49" charset="0"/>
-                <a:ea typeface="Cascadia Mono Light" panose="020B0609020000020004" pitchFamily="49" charset="0"/>
-                <a:cs typeface="Cascadia Mono Light" panose="020B0609020000020004" pitchFamily="49" charset="0"/>
-              </a:rPr>
-              <a:t>ntf</a:t>
-            </a:r>
-            <a:r>
-              <a:rPr lang="en-US" sz="1200" dirty="0">
-                <a:latin typeface="Cascadia Mono Light" panose="020B0609020000020004" pitchFamily="49" charset="0"/>
-                <a:ea typeface="Cascadia Mono Light" panose="020B0609020000020004" pitchFamily="49" charset="0"/>
-                <a:cs typeface="Cascadia Mono Light" panose="020B0609020000020004" pitchFamily="49" charset="0"/>
-              </a:rPr>
-              <a:t> = row['NTEEFINAL']</a:t>
-            </a:r>
-          </a:p>
-          <a:p>
-            <a:endParaRPr lang="en-US" sz="1200" dirty="0">
+            <a:endParaRPr lang="en-US" sz="1000" dirty="0">
               <a:latin typeface="Cascadia Mono Light" panose="020B0609020000020004" pitchFamily="49" charset="0"/>
               <a:ea typeface="Cascadia Mono Light" panose="020B0609020000020004" pitchFamily="49" charset="0"/>
               <a:cs typeface="Cascadia Mono Light" panose="020B0609020000020004" pitchFamily="49" charset="0"/>
@@ -15113,7 +15075,7 @@
           </a:p>
           <a:p>
             <a:r>
-              <a:rPr lang="en-US" sz="1200" dirty="0">
+              <a:rPr lang="en-US" sz="1000" dirty="0">
                 <a:latin typeface="Cascadia Mono Light" panose="020B0609020000020004" pitchFamily="49" charset="0"/>
                 <a:ea typeface="Cascadia Mono Light" panose="020B0609020000020004" pitchFamily="49" charset="0"/>
                 <a:cs typeface="Cascadia Mono Light" panose="020B0609020000020004" pitchFamily="49" charset="0"/>
@@ -15121,7 +15083,7 @@
               <a:t>            if </a:t>
             </a:r>
             <a:r>
-              <a:rPr lang="en-US" sz="1200" dirty="0" err="1">
+              <a:rPr lang="en-US" sz="1000" dirty="0" err="1">
                 <a:latin typeface="Cascadia Mono Light" panose="020B0609020000020004" pitchFamily="49" charset="0"/>
                 <a:ea typeface="Cascadia Mono Light" panose="020B0609020000020004" pitchFamily="49" charset="0"/>
                 <a:cs typeface="Cascadia Mono Light" panose="020B0609020000020004" pitchFamily="49" charset="0"/>
@@ -15129,15 +15091,99 @@
               <a:t>sbcd</a:t>
             </a:r>
             <a:r>
-              <a:rPr lang="en-US" sz="1200" dirty="0">
-                <a:latin typeface="Cascadia Mono Light" panose="020B0609020000020004" pitchFamily="49" charset="0"/>
-                <a:ea typeface="Cascadia Mono Light" panose="020B0609020000020004" pitchFamily="49" charset="0"/>
-                <a:cs typeface="Cascadia Mono Light" panose="020B0609020000020004" pitchFamily="49" charset="0"/>
-              </a:rPr>
-              <a:t> == 3 and </a:t>
-            </a:r>
-            <a:r>
-              <a:rPr lang="en-US" sz="1200" dirty="0" err="1">
+              <a:rPr lang="en-US" sz="1000" dirty="0">
+                <a:latin typeface="Cascadia Mono Light" panose="020B0609020000020004" pitchFamily="49" charset="0"/>
+                <a:ea typeface="Cascadia Mono Light" panose="020B0609020000020004" pitchFamily="49" charset="0"/>
+                <a:cs typeface="Cascadia Mono Light" panose="020B0609020000020004" pitchFamily="49" charset="0"/>
+              </a:rPr>
+              <a:t> &gt; 3 or </a:t>
+            </a:r>
+            <a:r>
+              <a:rPr lang="en-US" sz="1000" dirty="0" err="1">
+                <a:latin typeface="Cascadia Mono Light" panose="020B0609020000020004" pitchFamily="49" charset="0"/>
+                <a:ea typeface="Cascadia Mono Light" panose="020B0609020000020004" pitchFamily="49" charset="0"/>
+                <a:cs typeface="Cascadia Mono Light" panose="020B0609020000020004" pitchFamily="49" charset="0"/>
+              </a:rPr>
+              <a:t>sbcd</a:t>
+            </a:r>
+            <a:r>
+              <a:rPr lang="en-US" sz="1000" dirty="0">
+                <a:latin typeface="Cascadia Mono Light" panose="020B0609020000020004" pitchFamily="49" charset="0"/>
+                <a:ea typeface="Cascadia Mono Light" panose="020B0609020000020004" pitchFamily="49" charset="0"/>
+                <a:cs typeface="Cascadia Mono Light" panose="020B0609020000020004" pitchFamily="49" charset="0"/>
+              </a:rPr>
+              <a:t> == 1 or </a:t>
+            </a:r>
+            <a:r>
+              <a:rPr lang="en-US" sz="1000" dirty="0" err="1">
+                <a:latin typeface="Cascadia Mono Light" panose="020B0609020000020004" pitchFamily="49" charset="0"/>
+                <a:ea typeface="Cascadia Mono Light" panose="020B0609020000020004" pitchFamily="49" charset="0"/>
+                <a:cs typeface="Cascadia Mono Light" panose="020B0609020000020004" pitchFamily="49" charset="0"/>
+              </a:rPr>
+              <a:t>sbcd</a:t>
+            </a:r>
+            <a:r>
+              <a:rPr lang="en-US" sz="1000" dirty="0">
+                <a:latin typeface="Cascadia Mono Light" panose="020B0609020000020004" pitchFamily="49" charset="0"/>
+                <a:ea typeface="Cascadia Mono Light" panose="020B0609020000020004" pitchFamily="49" charset="0"/>
+                <a:cs typeface="Cascadia Mono Light" panose="020B0609020000020004" pitchFamily="49" charset="0"/>
+              </a:rPr>
+              <a:t> == 2:</a:t>
+            </a:r>
+          </a:p>
+          <a:p>
+            <a:r>
+              <a:rPr lang="en-US" sz="1000" dirty="0">
+                <a:latin typeface="Cascadia Mono Light" panose="020B0609020000020004" pitchFamily="49" charset="0"/>
+                <a:ea typeface="Cascadia Mono Light" panose="020B0609020000020004" pitchFamily="49" charset="0"/>
+                <a:cs typeface="Cascadia Mono Light" panose="020B0609020000020004" pitchFamily="49" charset="0"/>
+              </a:rPr>
+              <a:t>                return 'O'</a:t>
+            </a:r>
+          </a:p>
+          <a:p>
+            <a:r>
+              <a:rPr lang="en-US" sz="1000" dirty="0">
+                <a:latin typeface="Cascadia Mono Light" panose="020B0609020000020004" pitchFamily="49" charset="0"/>
+                <a:ea typeface="Cascadia Mono Light" panose="020B0609020000020004" pitchFamily="49" charset="0"/>
+                <a:cs typeface="Cascadia Mono Light" panose="020B0609020000020004" pitchFamily="49" charset="0"/>
+              </a:rPr>
+              <a:t>            </a:t>
+            </a:r>
+            <a:r>
+              <a:rPr lang="en-US" sz="1000" dirty="0" err="1">
+                <a:latin typeface="Cascadia Mono Light" panose="020B0609020000020004" pitchFamily="49" charset="0"/>
+                <a:ea typeface="Cascadia Mono Light" panose="020B0609020000020004" pitchFamily="49" charset="0"/>
+                <a:cs typeface="Cascadia Mono Light" panose="020B0609020000020004" pitchFamily="49" charset="0"/>
+              </a:rPr>
+              <a:t>elif</a:t>
+            </a:r>
+            <a:r>
+              <a:rPr lang="en-US" sz="1000" dirty="0">
+                <a:latin typeface="Cascadia Mono Light" panose="020B0609020000020004" pitchFamily="49" charset="0"/>
+                <a:ea typeface="Cascadia Mono Light" panose="020B0609020000020004" pitchFamily="49" charset="0"/>
+                <a:cs typeface="Cascadia Mono Light" panose="020B0609020000020004" pitchFamily="49" charset="0"/>
+              </a:rPr>
+              <a:t> </a:t>
+            </a:r>
+            <a:r>
+              <a:rPr lang="en-US" sz="1000" dirty="0" err="1">
+                <a:latin typeface="Cascadia Mono Light" panose="020B0609020000020004" pitchFamily="49" charset="0"/>
+                <a:ea typeface="Cascadia Mono Light" panose="020B0609020000020004" pitchFamily="49" charset="0"/>
+                <a:cs typeface="Cascadia Mono Light" panose="020B0609020000020004" pitchFamily="49" charset="0"/>
+              </a:rPr>
+              <a:t>sbcd</a:t>
+            </a:r>
+            <a:r>
+              <a:rPr lang="en-US" sz="1000" dirty="0">
+                <a:latin typeface="Cascadia Mono Light" panose="020B0609020000020004" pitchFamily="49" charset="0"/>
+                <a:ea typeface="Cascadia Mono Light" panose="020B0609020000020004" pitchFamily="49" charset="0"/>
+                <a:cs typeface="Cascadia Mono Light" panose="020B0609020000020004" pitchFamily="49" charset="0"/>
+              </a:rPr>
+              <a:t> == 3 and (</a:t>
+            </a:r>
+            <a:r>
+              <a:rPr lang="en-US" sz="1000" dirty="0" err="1">
                 <a:latin typeface="Cascadia Mono Light" panose="020B0609020000020004" pitchFamily="49" charset="0"/>
                 <a:ea typeface="Cascadia Mono Light" panose="020B0609020000020004" pitchFamily="49" charset="0"/>
                 <a:cs typeface="Cascadia Mono Light" panose="020B0609020000020004" pitchFamily="49" charset="0"/>
@@ -15145,27 +15191,27 @@
               <a:t>fndc</a:t>
             </a:r>
             <a:r>
-              <a:rPr lang="en-US" sz="1200" dirty="0">
-                <a:latin typeface="Cascadia Mono Light" panose="020B0609020000020004" pitchFamily="49" charset="0"/>
-                <a:ea typeface="Cascadia Mono Light" panose="020B0609020000020004" pitchFamily="49" charset="0"/>
-                <a:cs typeface="Cascadia Mono Light" panose="020B0609020000020004" pitchFamily="49" charset="0"/>
-              </a:rPr>
-              <a:t> == 4:</a:t>
-            </a:r>
-          </a:p>
-          <a:p>
-            <a:r>
-              <a:rPr lang="en-US" sz="1200" dirty="0">
-                <a:latin typeface="Cascadia Mono Light" panose="020B0609020000020004" pitchFamily="49" charset="0"/>
-                <a:ea typeface="Cascadia Mono Light" panose="020B0609020000020004" pitchFamily="49" charset="0"/>
-                <a:cs typeface="Cascadia Mono Light" panose="020B0609020000020004" pitchFamily="49" charset="0"/>
-              </a:rPr>
-              <a:t>                return 'S'</a:t>
-            </a:r>
-          </a:p>
-          <a:p>
-            <a:r>
-              <a:rPr lang="en-US" sz="1200" dirty="0">
+              <a:rPr lang="en-US" sz="1000" dirty="0">
+                <a:latin typeface="Cascadia Mono Light" panose="020B0609020000020004" pitchFamily="49" charset="0"/>
+                <a:ea typeface="Cascadia Mono Light" panose="020B0609020000020004" pitchFamily="49" charset="0"/>
+                <a:cs typeface="Cascadia Mono Light" panose="020B0609020000020004" pitchFamily="49" charset="0"/>
+              </a:rPr>
+              <a:t> in [2, 3, 4]):</a:t>
+            </a:r>
+          </a:p>
+          <a:p>
+            <a:r>
+              <a:rPr lang="en-US" sz="1000" dirty="0">
+                <a:latin typeface="Cascadia Mono Light" panose="020B0609020000020004" pitchFamily="49" charset="0"/>
+                <a:ea typeface="Cascadia Mono Light" panose="020B0609020000020004" pitchFamily="49" charset="0"/>
+                <a:cs typeface="Cascadia Mono Light" panose="020B0609020000020004" pitchFamily="49" charset="0"/>
+              </a:rPr>
+              <a:t>                return 'PF'</a:t>
+            </a:r>
+          </a:p>
+          <a:p>
+            <a:r>
+              <a:rPr lang="en-US" sz="1000" dirty="0">
                 <a:latin typeface="Cascadia Mono Light" panose="020B0609020000020004" pitchFamily="49" charset="0"/>
                 <a:ea typeface="Cascadia Mono Light" panose="020B0609020000020004" pitchFamily="49" charset="0"/>
                 <a:cs typeface="Cascadia Mono Light" panose="020B0609020000020004" pitchFamily="49" charset="0"/>
@@ -15173,7 +15219,7 @@
               <a:t>            </a:t>
             </a:r>
             <a:r>
-              <a:rPr lang="en-US" sz="1200" dirty="0" err="1">
+              <a:rPr lang="en-US" sz="1000" dirty="0" err="1">
                 <a:latin typeface="Cascadia Mono Light" panose="020B0609020000020004" pitchFamily="49" charset="0"/>
                 <a:ea typeface="Cascadia Mono Light" panose="020B0609020000020004" pitchFamily="49" charset="0"/>
                 <a:cs typeface="Cascadia Mono Light" panose="020B0609020000020004" pitchFamily="49" charset="0"/>
@@ -15181,7 +15227,7 @@
               <a:t>elif</a:t>
             </a:r>
             <a:r>
-              <a:rPr lang="en-US" sz="1200" dirty="0">
+              <a:rPr lang="en-US" sz="1000" dirty="0">
                 <a:latin typeface="Cascadia Mono Light" panose="020B0609020000020004" pitchFamily="49" charset="0"/>
                 <a:ea typeface="Cascadia Mono Light" panose="020B0609020000020004" pitchFamily="49" charset="0"/>
                 <a:cs typeface="Cascadia Mono Light" panose="020B0609020000020004" pitchFamily="49" charset="0"/>
@@ -15189,7 +15235,7 @@
               <a:t> </a:t>
             </a:r>
             <a:r>
-              <a:rPr lang="en-US" sz="1200" dirty="0" err="1">
+              <a:rPr lang="en-US" sz="1000" dirty="0" err="1">
                 <a:latin typeface="Cascadia Mono Light" panose="020B0609020000020004" pitchFamily="49" charset="0"/>
                 <a:ea typeface="Cascadia Mono Light" panose="020B0609020000020004" pitchFamily="49" charset="0"/>
                 <a:cs typeface="Cascadia Mono Light" panose="020B0609020000020004" pitchFamily="49" charset="0"/>
@@ -15197,15 +15243,15 @@
               <a:t>sbcd</a:t>
             </a:r>
             <a:r>
-              <a:rPr lang="en-US" sz="1200" dirty="0">
-                <a:latin typeface="Cascadia Mono Light" panose="020B0609020000020004" pitchFamily="49" charset="0"/>
-                <a:ea typeface="Cascadia Mono Light" panose="020B0609020000020004" pitchFamily="49" charset="0"/>
-                <a:cs typeface="Cascadia Mono Light" panose="020B0609020000020004" pitchFamily="49" charset="0"/>
-              </a:rPr>
-              <a:t> == 3 and </a:t>
-            </a:r>
-            <a:r>
-              <a:rPr lang="en-US" sz="1200" dirty="0" err="1">
+              <a:rPr lang="en-US" sz="1000" dirty="0">
+                <a:latin typeface="Cascadia Mono Light" panose="020B0609020000020004" pitchFamily="49" charset="0"/>
+                <a:ea typeface="Cascadia Mono Light" panose="020B0609020000020004" pitchFamily="49" charset="0"/>
+                <a:cs typeface="Cascadia Mono Light" panose="020B0609020000020004" pitchFamily="49" charset="0"/>
+              </a:rPr>
+              <a:t> == 3 and (</a:t>
+            </a:r>
+            <a:r>
+              <a:rPr lang="en-US" sz="1000" dirty="0" err="1">
                 <a:latin typeface="Cascadia Mono Light" panose="020B0609020000020004" pitchFamily="49" charset="0"/>
                 <a:ea typeface="Cascadia Mono Light" panose="020B0609020000020004" pitchFamily="49" charset="0"/>
                 <a:cs typeface="Cascadia Mono Light" panose="020B0609020000020004" pitchFamily="49" charset="0"/>
@@ -15213,27 +15259,27 @@
               <a:t>fndc</a:t>
             </a:r>
             <a:r>
-              <a:rPr lang="en-US" sz="1200" dirty="0">
-                <a:latin typeface="Cascadia Mono Light" panose="020B0609020000020004" pitchFamily="49" charset="0"/>
-                <a:ea typeface="Cascadia Mono Light" panose="020B0609020000020004" pitchFamily="49" charset="0"/>
-                <a:cs typeface="Cascadia Mono Light" panose="020B0609020000020004" pitchFamily="49" charset="0"/>
-              </a:rPr>
-              <a:t> == 17:</a:t>
-            </a:r>
-          </a:p>
-          <a:p>
-            <a:r>
-              <a:rPr lang="en-US" sz="1200" dirty="0">
-                <a:latin typeface="Cascadia Mono Light" panose="020B0609020000020004" pitchFamily="49" charset="0"/>
-                <a:ea typeface="Cascadia Mono Light" panose="020B0609020000020004" pitchFamily="49" charset="0"/>
-                <a:cs typeface="Cascadia Mono Light" panose="020B0609020000020004" pitchFamily="49" charset="0"/>
-              </a:rPr>
-              <a:t>                return 'S'</a:t>
-            </a:r>
-          </a:p>
-          <a:p>
-            <a:r>
-              <a:rPr lang="en-US" sz="1200" dirty="0">
+              <a:rPr lang="en-US" sz="1000" dirty="0">
+                <a:latin typeface="Cascadia Mono Light" panose="020B0609020000020004" pitchFamily="49" charset="0"/>
+                <a:ea typeface="Cascadia Mono Light" panose="020B0609020000020004" pitchFamily="49" charset="0"/>
+                <a:cs typeface="Cascadia Mono Light" panose="020B0609020000020004" pitchFamily="49" charset="0"/>
+              </a:rPr>
+              <a:t> not in [2, 3, 4]):</a:t>
+            </a:r>
+          </a:p>
+          <a:p>
+            <a:r>
+              <a:rPr lang="en-US" sz="1000" dirty="0">
+                <a:latin typeface="Cascadia Mono Light" panose="020B0609020000020004" pitchFamily="49" charset="0"/>
+                <a:ea typeface="Cascadia Mono Light" panose="020B0609020000020004" pitchFamily="49" charset="0"/>
+                <a:cs typeface="Cascadia Mono Light" panose="020B0609020000020004" pitchFamily="49" charset="0"/>
+              </a:rPr>
+              <a:t>                return 'PC'</a:t>
+            </a:r>
+          </a:p>
+          <a:p>
+            <a:r>
+              <a:rPr lang="en-US" sz="1000" dirty="0">
                 <a:latin typeface="Cascadia Mono Light" panose="020B0609020000020004" pitchFamily="49" charset="0"/>
                 <a:ea typeface="Cascadia Mono Light" panose="020B0609020000020004" pitchFamily="49" charset="0"/>
                 <a:cs typeface="Cascadia Mono Light" panose="020B0609020000020004" pitchFamily="49" charset="0"/>
@@ -15241,7 +15287,7 @@
               <a:t>            </a:t>
             </a:r>
             <a:r>
-              <a:rPr lang="en-US" sz="1200" dirty="0" err="1">
+              <a:rPr lang="en-US" sz="1000" dirty="0" err="1">
                 <a:latin typeface="Cascadia Mono Light" panose="020B0609020000020004" pitchFamily="49" charset="0"/>
                 <a:ea typeface="Cascadia Mono Light" panose="020B0609020000020004" pitchFamily="49" charset="0"/>
                 <a:cs typeface="Cascadia Mono Light" panose="020B0609020000020004" pitchFamily="49" charset="0"/>
@@ -15249,15 +15295,31 @@
               <a:t>elif</a:t>
             </a:r>
             <a:r>
-              <a:rPr lang="en-US" sz="1200" dirty="0">
-                <a:latin typeface="Cascadia Mono Light" panose="020B0609020000020004" pitchFamily="49" charset="0"/>
-                <a:ea typeface="Cascadia Mono Light" panose="020B0609020000020004" pitchFamily="49" charset="0"/>
-                <a:cs typeface="Cascadia Mono Light" panose="020B0609020000020004" pitchFamily="49" charset="0"/>
-              </a:rPr>
-              <a:t> lvl3 is not </a:t>
-            </a:r>
-            <a:r>
-              <a:rPr lang="en-US" sz="1200" dirty="0" err="1">
+              <a:rPr lang="en-US" sz="1000" dirty="0">
+                <a:latin typeface="Cascadia Mono Light" panose="020B0609020000020004" pitchFamily="49" charset="0"/>
+                <a:ea typeface="Cascadia Mono Light" panose="020B0609020000020004" pitchFamily="49" charset="0"/>
+                <a:cs typeface="Cascadia Mono Light" panose="020B0609020000020004" pitchFamily="49" charset="0"/>
+              </a:rPr>
+              <a:t> (</a:t>
+            </a:r>
+            <a:r>
+              <a:rPr lang="en-US" sz="1000" dirty="0" err="1">
+                <a:latin typeface="Cascadia Mono Light" panose="020B0609020000020004" pitchFamily="49" charset="0"/>
+                <a:ea typeface="Cascadia Mono Light" panose="020B0609020000020004" pitchFamily="49" charset="0"/>
+                <a:cs typeface="Cascadia Mono Light" panose="020B0609020000020004" pitchFamily="49" charset="0"/>
+              </a:rPr>
+              <a:t>sbcd</a:t>
+            </a:r>
+            <a:r>
+              <a:rPr lang="en-US" sz="1000" dirty="0">
+                <a:latin typeface="Cascadia Mono Light" panose="020B0609020000020004" pitchFamily="49" charset="0"/>
+                <a:ea typeface="Cascadia Mono Light" panose="020B0609020000020004" pitchFamily="49" charset="0"/>
+                <a:cs typeface="Cascadia Mono Light" panose="020B0609020000020004" pitchFamily="49" charset="0"/>
+              </a:rPr>
+              <a:t> not in [0, 3, </a:t>
+            </a:r>
+            <a:r>
+              <a:rPr lang="en-US" sz="1000" dirty="0" err="1">
                 <a:latin typeface="Cascadia Mono Light" panose="020B0609020000020004" pitchFamily="49" charset="0"/>
                 <a:ea typeface="Cascadia Mono Light" panose="020B0609020000020004" pitchFamily="49" charset="0"/>
                 <a:cs typeface="Cascadia Mono Light" panose="020B0609020000020004" pitchFamily="49" charset="0"/>
@@ -15265,27 +15327,59 @@
               <a:t>np.NaN</a:t>
             </a:r>
             <a:r>
-              <a:rPr lang="en-US" sz="1200" dirty="0">
-                <a:latin typeface="Cascadia Mono Light" panose="020B0609020000020004" pitchFamily="49" charset="0"/>
-                <a:ea typeface="Cascadia Mono Light" panose="020B0609020000020004" pitchFamily="49" charset="0"/>
-                <a:cs typeface="Cascadia Mono Light" panose="020B0609020000020004" pitchFamily="49" charset="0"/>
-              </a:rPr>
-              <a:t> and lvl3 is not '' and lvl3[0] == 'Z':</a:t>
-            </a:r>
-          </a:p>
-          <a:p>
-            <a:r>
-              <a:rPr lang="en-US" sz="1200" dirty="0">
-                <a:latin typeface="Cascadia Mono Light" panose="020B0609020000020004" pitchFamily="49" charset="0"/>
-                <a:ea typeface="Cascadia Mono Light" panose="020B0609020000020004" pitchFamily="49" charset="0"/>
-                <a:cs typeface="Cascadia Mono Light" panose="020B0609020000020004" pitchFamily="49" charset="0"/>
-              </a:rPr>
-              <a:t>                return 'S'</a:t>
-            </a:r>
-          </a:p>
-          <a:p>
-            <a:r>
-              <a:rPr lang="en-US" sz="1200" dirty="0">
+              <a:rPr lang="en-US" sz="1000" dirty="0">
+                <a:latin typeface="Cascadia Mono Light" panose="020B0609020000020004" pitchFamily="49" charset="0"/>
+                <a:ea typeface="Cascadia Mono Light" panose="020B0609020000020004" pitchFamily="49" charset="0"/>
+                <a:cs typeface="Cascadia Mono Light" panose="020B0609020000020004" pitchFamily="49" charset="0"/>
+              </a:rPr>
+              <a:t>]) and (</a:t>
+            </a:r>
+            <a:r>
+              <a:rPr lang="en-US" sz="1000" dirty="0" err="1">
+                <a:latin typeface="Cascadia Mono Light" panose="020B0609020000020004" pitchFamily="49" charset="0"/>
+                <a:ea typeface="Cascadia Mono Light" panose="020B0609020000020004" pitchFamily="49" charset="0"/>
+                <a:cs typeface="Cascadia Mono Light" panose="020B0609020000020004" pitchFamily="49" charset="0"/>
+              </a:rPr>
+              <a:t>fndc</a:t>
+            </a:r>
+            <a:r>
+              <a:rPr lang="en-US" sz="1000" dirty="0">
+                <a:latin typeface="Cascadia Mono Light" panose="020B0609020000020004" pitchFamily="49" charset="0"/>
+                <a:ea typeface="Cascadia Mono Light" panose="020B0609020000020004" pitchFamily="49" charset="0"/>
+                <a:cs typeface="Cascadia Mono Light" panose="020B0609020000020004" pitchFamily="49" charset="0"/>
+              </a:rPr>
+              <a:t> in [0, </a:t>
+            </a:r>
+            <a:r>
+              <a:rPr lang="en-US" sz="1000" dirty="0" err="1">
+                <a:latin typeface="Cascadia Mono Light" panose="020B0609020000020004" pitchFamily="49" charset="0"/>
+                <a:ea typeface="Cascadia Mono Light" panose="020B0609020000020004" pitchFamily="49" charset="0"/>
+                <a:cs typeface="Cascadia Mono Light" panose="020B0609020000020004" pitchFamily="49" charset="0"/>
+              </a:rPr>
+              <a:t>np.NaN</a:t>
+            </a:r>
+            <a:r>
+              <a:rPr lang="en-US" sz="1000" dirty="0">
+                <a:latin typeface="Cascadia Mono Light" panose="020B0609020000020004" pitchFamily="49" charset="0"/>
+                <a:ea typeface="Cascadia Mono Light" panose="020B0609020000020004" pitchFamily="49" charset="0"/>
+                <a:cs typeface="Cascadia Mono Light" panose="020B0609020000020004" pitchFamily="49" charset="0"/>
+              </a:rPr>
+              <a:t>]):</a:t>
+            </a:r>
+          </a:p>
+          <a:p>
+            <a:r>
+              <a:rPr lang="en-US" sz="1000" dirty="0">
+                <a:latin typeface="Cascadia Mono Light" panose="020B0609020000020004" pitchFamily="49" charset="0"/>
+                <a:ea typeface="Cascadia Mono Light" panose="020B0609020000020004" pitchFamily="49" charset="0"/>
+                <a:cs typeface="Cascadia Mono Light" panose="020B0609020000020004" pitchFamily="49" charset="0"/>
+              </a:rPr>
+              <a:t>                return 'O'</a:t>
+            </a:r>
+          </a:p>
+          <a:p>
+            <a:r>
+              <a:rPr lang="en-US" sz="1000" dirty="0">
                 <a:latin typeface="Cascadia Mono Light" panose="020B0609020000020004" pitchFamily="49" charset="0"/>
                 <a:ea typeface="Cascadia Mono Light" panose="020B0609020000020004" pitchFamily="49" charset="0"/>
                 <a:cs typeface="Cascadia Mono Light" panose="020B0609020000020004" pitchFamily="49" charset="0"/>
@@ -15293,7 +15387,7 @@
               <a:t>            </a:t>
             </a:r>
             <a:r>
-              <a:rPr lang="en-US" sz="1200" dirty="0" err="1">
+              <a:rPr lang="en-US" sz="1000" dirty="0" err="1">
                 <a:latin typeface="Cascadia Mono Light" panose="020B0609020000020004" pitchFamily="49" charset="0"/>
                 <a:ea typeface="Cascadia Mono Light" panose="020B0609020000020004" pitchFamily="49" charset="0"/>
                 <a:cs typeface="Cascadia Mono Light" panose="020B0609020000020004" pitchFamily="49" charset="0"/>
@@ -15301,31 +15395,31 @@
               <a:t>elif</a:t>
             </a:r>
             <a:r>
-              <a:rPr lang="en-US" sz="1200" dirty="0">
-                <a:latin typeface="Cascadia Mono Light" panose="020B0609020000020004" pitchFamily="49" charset="0"/>
-                <a:ea typeface="Cascadia Mono Light" panose="020B0609020000020004" pitchFamily="49" charset="0"/>
-                <a:cs typeface="Cascadia Mono Light" panose="020B0609020000020004" pitchFamily="49" charset="0"/>
-              </a:rPr>
-              <a:t> </a:t>
-            </a:r>
-            <a:r>
-              <a:rPr lang="en-US" sz="1200" dirty="0" err="1">
-                <a:latin typeface="Cascadia Mono Light" panose="020B0609020000020004" pitchFamily="49" charset="0"/>
-                <a:ea typeface="Cascadia Mono Light" panose="020B0609020000020004" pitchFamily="49" charset="0"/>
-                <a:cs typeface="Cascadia Mono Light" panose="020B0609020000020004" pitchFamily="49" charset="0"/>
-              </a:rPr>
-              <a:t>ntf</a:t>
-            </a:r>
-            <a:r>
-              <a:rPr lang="en-US" sz="1200" dirty="0">
-                <a:latin typeface="Cascadia Mono Light" panose="020B0609020000020004" pitchFamily="49" charset="0"/>
-                <a:ea typeface="Cascadia Mono Light" panose="020B0609020000020004" pitchFamily="49" charset="0"/>
-                <a:cs typeface="Cascadia Mono Light" panose="020B0609020000020004" pitchFamily="49" charset="0"/>
-              </a:rPr>
-              <a:t> is not </a:t>
-            </a:r>
-            <a:r>
-              <a:rPr lang="en-US" sz="1200" dirty="0" err="1">
+              <a:rPr lang="en-US" sz="1000" dirty="0">
+                <a:latin typeface="Cascadia Mono Light" panose="020B0609020000020004" pitchFamily="49" charset="0"/>
+                <a:ea typeface="Cascadia Mono Light" panose="020B0609020000020004" pitchFamily="49" charset="0"/>
+                <a:cs typeface="Cascadia Mono Light" panose="020B0609020000020004" pitchFamily="49" charset="0"/>
+              </a:rPr>
+              <a:t> (</a:t>
+            </a:r>
+            <a:r>
+              <a:rPr lang="en-US" sz="1000" dirty="0" err="1">
+                <a:latin typeface="Cascadia Mono Light" panose="020B0609020000020004" pitchFamily="49" charset="0"/>
+                <a:ea typeface="Cascadia Mono Light" panose="020B0609020000020004" pitchFamily="49" charset="0"/>
+                <a:cs typeface="Cascadia Mono Light" panose="020B0609020000020004" pitchFamily="49" charset="0"/>
+              </a:rPr>
+              <a:t>sbcd</a:t>
+            </a:r>
+            <a:r>
+              <a:rPr lang="en-US" sz="1000" dirty="0">
+                <a:latin typeface="Cascadia Mono Light" panose="020B0609020000020004" pitchFamily="49" charset="0"/>
+                <a:ea typeface="Cascadia Mono Light" panose="020B0609020000020004" pitchFamily="49" charset="0"/>
+                <a:cs typeface="Cascadia Mono Light" panose="020B0609020000020004" pitchFamily="49" charset="0"/>
+              </a:rPr>
+              <a:t> in [0, </a:t>
+            </a:r>
+            <a:r>
+              <a:rPr lang="en-US" sz="1000" dirty="0" err="1">
                 <a:latin typeface="Cascadia Mono Light" panose="020B0609020000020004" pitchFamily="49" charset="0"/>
                 <a:ea typeface="Cascadia Mono Light" panose="020B0609020000020004" pitchFamily="49" charset="0"/>
                 <a:cs typeface="Cascadia Mono Light" panose="020B0609020000020004" pitchFamily="49" charset="0"/>
@@ -15333,59 +15427,143 @@
               <a:t>np.NaN</a:t>
             </a:r>
             <a:r>
-              <a:rPr lang="en-US" sz="1200" dirty="0">
-                <a:latin typeface="Cascadia Mono Light" panose="020B0609020000020004" pitchFamily="49" charset="0"/>
-                <a:ea typeface="Cascadia Mono Light" panose="020B0609020000020004" pitchFamily="49" charset="0"/>
-                <a:cs typeface="Cascadia Mono Light" panose="020B0609020000020004" pitchFamily="49" charset="0"/>
-              </a:rPr>
-              <a:t> and </a:t>
-            </a:r>
-            <a:r>
-              <a:rPr lang="en-US" sz="1200" dirty="0" err="1">
-                <a:latin typeface="Cascadia Mono Light" panose="020B0609020000020004" pitchFamily="49" charset="0"/>
-                <a:ea typeface="Cascadia Mono Light" panose="020B0609020000020004" pitchFamily="49" charset="0"/>
-                <a:cs typeface="Cascadia Mono Light" panose="020B0609020000020004" pitchFamily="49" charset="0"/>
-              </a:rPr>
-              <a:t>ntf</a:t>
-            </a:r>
-            <a:r>
-              <a:rPr lang="en-US" sz="1200" dirty="0">
-                <a:latin typeface="Cascadia Mono Light" panose="020B0609020000020004" pitchFamily="49" charset="0"/>
-                <a:ea typeface="Cascadia Mono Light" panose="020B0609020000020004" pitchFamily="49" charset="0"/>
-                <a:cs typeface="Cascadia Mono Light" panose="020B0609020000020004" pitchFamily="49" charset="0"/>
-              </a:rPr>
-              <a:t> is not '' and </a:t>
-            </a:r>
-            <a:r>
-              <a:rPr lang="en-US" sz="1200" dirty="0" err="1">
-                <a:latin typeface="Cascadia Mono Light" panose="020B0609020000020004" pitchFamily="49" charset="0"/>
-                <a:ea typeface="Cascadia Mono Light" panose="020B0609020000020004" pitchFamily="49" charset="0"/>
-                <a:cs typeface="Cascadia Mono Light" panose="020B0609020000020004" pitchFamily="49" charset="0"/>
-              </a:rPr>
-              <a:t>ntf</a:t>
-            </a:r>
-            <a:r>
-              <a:rPr lang="en-US" sz="1200" dirty="0">
-                <a:latin typeface="Cascadia Mono Light" panose="020B0609020000020004" pitchFamily="49" charset="0"/>
-                <a:ea typeface="Cascadia Mono Light" panose="020B0609020000020004" pitchFamily="49" charset="0"/>
-                <a:cs typeface="Cascadia Mono Light" panose="020B0609020000020004" pitchFamily="49" charset="0"/>
-              </a:rPr>
-              <a:t>[0] == 'Y':</a:t>
-            </a:r>
-          </a:p>
-          <a:p>
-            <a:r>
-              <a:rPr lang="en-US" sz="1200" dirty="0">
-                <a:latin typeface="Cascadia Mono Light" panose="020B0609020000020004" pitchFamily="49" charset="0"/>
-                <a:ea typeface="Cascadia Mono Light" panose="020B0609020000020004" pitchFamily="49" charset="0"/>
-                <a:cs typeface="Cascadia Mono Light" panose="020B0609020000020004" pitchFamily="49" charset="0"/>
-              </a:rPr>
-              <a:t>                return 'M'</a:t>
-            </a:r>
-          </a:p>
-          <a:p>
-            <a:r>
-              <a:rPr lang="en-US" sz="1200" dirty="0">
+              <a:rPr lang="en-US" sz="1000" dirty="0">
+                <a:latin typeface="Cascadia Mono Light" panose="020B0609020000020004" pitchFamily="49" charset="0"/>
+                <a:ea typeface="Cascadia Mono Light" panose="020B0609020000020004" pitchFamily="49" charset="0"/>
+                <a:cs typeface="Cascadia Mono Light" panose="020B0609020000020004" pitchFamily="49" charset="0"/>
+              </a:rPr>
+              <a:t>]) and (</a:t>
+            </a:r>
+            <a:r>
+              <a:rPr lang="en-US" sz="1000" dirty="0" err="1">
+                <a:latin typeface="Cascadia Mono Light" panose="020B0609020000020004" pitchFamily="49" charset="0"/>
+                <a:ea typeface="Cascadia Mono Light" panose="020B0609020000020004" pitchFamily="49" charset="0"/>
+                <a:cs typeface="Cascadia Mono Light" panose="020B0609020000020004" pitchFamily="49" charset="0"/>
+              </a:rPr>
+              <a:t>fndc</a:t>
+            </a:r>
+            <a:r>
+              <a:rPr lang="en-US" sz="1000" dirty="0">
+                <a:latin typeface="Cascadia Mono Light" panose="020B0609020000020004" pitchFamily="49" charset="0"/>
+                <a:ea typeface="Cascadia Mono Light" panose="020B0609020000020004" pitchFamily="49" charset="0"/>
+                <a:cs typeface="Cascadia Mono Light" panose="020B0609020000020004" pitchFamily="49" charset="0"/>
+              </a:rPr>
+              <a:t> not in [0, 2, 3, 4, 9, </a:t>
+            </a:r>
+            <a:r>
+              <a:rPr lang="en-US" sz="1000" dirty="0" err="1">
+                <a:latin typeface="Cascadia Mono Light" panose="020B0609020000020004" pitchFamily="49" charset="0"/>
+                <a:ea typeface="Cascadia Mono Light" panose="020B0609020000020004" pitchFamily="49" charset="0"/>
+                <a:cs typeface="Cascadia Mono Light" panose="020B0609020000020004" pitchFamily="49" charset="0"/>
+              </a:rPr>
+              <a:t>np.NaN</a:t>
+            </a:r>
+            <a:r>
+              <a:rPr lang="en-US" sz="1000" dirty="0">
+                <a:latin typeface="Cascadia Mono Light" panose="020B0609020000020004" pitchFamily="49" charset="0"/>
+                <a:ea typeface="Cascadia Mono Light" panose="020B0609020000020004" pitchFamily="49" charset="0"/>
+                <a:cs typeface="Cascadia Mono Light" panose="020B0609020000020004" pitchFamily="49" charset="0"/>
+              </a:rPr>
+              <a:t>]):</a:t>
+            </a:r>
+          </a:p>
+          <a:p>
+            <a:r>
+              <a:rPr lang="en-US" sz="1000" dirty="0">
+                <a:latin typeface="Cascadia Mono Light" panose="020B0609020000020004" pitchFamily="49" charset="0"/>
+                <a:ea typeface="Cascadia Mono Light" panose="020B0609020000020004" pitchFamily="49" charset="0"/>
+                <a:cs typeface="Cascadia Mono Light" panose="020B0609020000020004" pitchFamily="49" charset="0"/>
+              </a:rPr>
+              <a:t>                return 'PC'</a:t>
+            </a:r>
+          </a:p>
+          <a:p>
+            <a:r>
+              <a:rPr lang="en-US" sz="1000" dirty="0">
+                <a:latin typeface="Cascadia Mono Light" panose="020B0609020000020004" pitchFamily="49" charset="0"/>
+                <a:ea typeface="Cascadia Mono Light" panose="020B0609020000020004" pitchFamily="49" charset="0"/>
+                <a:cs typeface="Cascadia Mono Light" panose="020B0609020000020004" pitchFamily="49" charset="0"/>
+              </a:rPr>
+              <a:t>            </a:t>
+            </a:r>
+            <a:r>
+              <a:rPr lang="en-US" sz="1000" dirty="0" err="1">
+                <a:latin typeface="Cascadia Mono Light" panose="020B0609020000020004" pitchFamily="49" charset="0"/>
+                <a:ea typeface="Cascadia Mono Light" panose="020B0609020000020004" pitchFamily="49" charset="0"/>
+                <a:cs typeface="Cascadia Mono Light" panose="020B0609020000020004" pitchFamily="49" charset="0"/>
+              </a:rPr>
+              <a:t>elif</a:t>
+            </a:r>
+            <a:r>
+              <a:rPr lang="en-US" sz="1000" dirty="0">
+                <a:latin typeface="Cascadia Mono Light" panose="020B0609020000020004" pitchFamily="49" charset="0"/>
+                <a:ea typeface="Cascadia Mono Light" panose="020B0609020000020004" pitchFamily="49" charset="0"/>
+                <a:cs typeface="Cascadia Mono Light" panose="020B0609020000020004" pitchFamily="49" charset="0"/>
+              </a:rPr>
+              <a:t> (</a:t>
+            </a:r>
+            <a:r>
+              <a:rPr lang="en-US" sz="1000" dirty="0" err="1">
+                <a:latin typeface="Cascadia Mono Light" panose="020B0609020000020004" pitchFamily="49" charset="0"/>
+                <a:ea typeface="Cascadia Mono Light" panose="020B0609020000020004" pitchFamily="49" charset="0"/>
+                <a:cs typeface="Cascadia Mono Light" panose="020B0609020000020004" pitchFamily="49" charset="0"/>
+              </a:rPr>
+              <a:t>sbcd</a:t>
+            </a:r>
+            <a:r>
+              <a:rPr lang="en-US" sz="1000" dirty="0">
+                <a:latin typeface="Cascadia Mono Light" panose="020B0609020000020004" pitchFamily="49" charset="0"/>
+                <a:ea typeface="Cascadia Mono Light" panose="020B0609020000020004" pitchFamily="49" charset="0"/>
+                <a:cs typeface="Cascadia Mono Light" panose="020B0609020000020004" pitchFamily="49" charset="0"/>
+              </a:rPr>
+              <a:t> in [0, </a:t>
+            </a:r>
+            <a:r>
+              <a:rPr lang="en-US" sz="1000" dirty="0" err="1">
+                <a:latin typeface="Cascadia Mono Light" panose="020B0609020000020004" pitchFamily="49" charset="0"/>
+                <a:ea typeface="Cascadia Mono Light" panose="020B0609020000020004" pitchFamily="49" charset="0"/>
+                <a:cs typeface="Cascadia Mono Light" panose="020B0609020000020004" pitchFamily="49" charset="0"/>
+              </a:rPr>
+              <a:t>np.NaN</a:t>
+            </a:r>
+            <a:r>
+              <a:rPr lang="en-US" sz="1000" dirty="0">
+                <a:latin typeface="Cascadia Mono Light" panose="020B0609020000020004" pitchFamily="49" charset="0"/>
+                <a:ea typeface="Cascadia Mono Light" panose="020B0609020000020004" pitchFamily="49" charset="0"/>
+                <a:cs typeface="Cascadia Mono Light" panose="020B0609020000020004" pitchFamily="49" charset="0"/>
+              </a:rPr>
+              <a:t>]) and (</a:t>
+            </a:r>
+            <a:r>
+              <a:rPr lang="en-US" sz="1000" dirty="0" err="1">
+                <a:latin typeface="Cascadia Mono Light" panose="020B0609020000020004" pitchFamily="49" charset="0"/>
+                <a:ea typeface="Cascadia Mono Light" panose="020B0609020000020004" pitchFamily="49" charset="0"/>
+                <a:cs typeface="Cascadia Mono Light" panose="020B0609020000020004" pitchFamily="49" charset="0"/>
+              </a:rPr>
+              <a:t>fndc</a:t>
+            </a:r>
+            <a:r>
+              <a:rPr lang="en-US" sz="1000" dirty="0">
+                <a:latin typeface="Cascadia Mono Light" panose="020B0609020000020004" pitchFamily="49" charset="0"/>
+                <a:ea typeface="Cascadia Mono Light" panose="020B0609020000020004" pitchFamily="49" charset="0"/>
+                <a:cs typeface="Cascadia Mono Light" panose="020B0609020000020004" pitchFamily="49" charset="0"/>
+              </a:rPr>
+              <a:t> in [2, 3, 4]):</a:t>
+            </a:r>
+          </a:p>
+          <a:p>
+            <a:r>
+              <a:rPr lang="en-US" sz="1000" dirty="0">
+                <a:latin typeface="Cascadia Mono Light" panose="020B0609020000020004" pitchFamily="49" charset="0"/>
+                <a:ea typeface="Cascadia Mono Light" panose="020B0609020000020004" pitchFamily="49" charset="0"/>
+                <a:cs typeface="Cascadia Mono Light" panose="020B0609020000020004" pitchFamily="49" charset="0"/>
+              </a:rPr>
+              <a:t>                return 'PF'</a:t>
+            </a:r>
+          </a:p>
+          <a:p>
+            <a:r>
+              <a:rPr lang="en-US" sz="1000" dirty="0">
                 <a:latin typeface="Cascadia Mono Light" panose="020B0609020000020004" pitchFamily="49" charset="0"/>
                 <a:ea typeface="Cascadia Mono Light" panose="020B0609020000020004" pitchFamily="49" charset="0"/>
                 <a:cs typeface="Cascadia Mono Light" panose="020B0609020000020004" pitchFamily="49" charset="0"/>
@@ -15395,16 +15573,16 @@
           </a:p>
           <a:p>
             <a:r>
-              <a:rPr lang="en-US" sz="1200" dirty="0">
-                <a:latin typeface="Cascadia Mono Light" panose="020B0609020000020004" pitchFamily="49" charset="0"/>
-                <a:ea typeface="Cascadia Mono Light" panose="020B0609020000020004" pitchFamily="49" charset="0"/>
-                <a:cs typeface="Cascadia Mono Light" panose="020B0609020000020004" pitchFamily="49" charset="0"/>
-              </a:rPr>
-              <a:t>                return 'O'</a:t>
-            </a:r>
-          </a:p>
-          <a:p>
-            <a:endParaRPr lang="en-US" sz="1200" dirty="0">
+              <a:rPr lang="en-US" sz="1000" dirty="0">
+                <a:latin typeface="Cascadia Mono Light" panose="020B0609020000020004" pitchFamily="49" charset="0"/>
+                <a:ea typeface="Cascadia Mono Light" panose="020B0609020000020004" pitchFamily="49" charset="0"/>
+                <a:cs typeface="Cascadia Mono Light" panose="020B0609020000020004" pitchFamily="49" charset="0"/>
+              </a:rPr>
+              <a:t>                return 'U'</a:t>
+            </a:r>
+          </a:p>
+          <a:p>
+            <a:endParaRPr lang="en-US" sz="1000" dirty="0">
               <a:latin typeface="Cascadia Mono Light" panose="020B0609020000020004" pitchFamily="49" charset="0"/>
               <a:ea typeface="Cascadia Mono Light" panose="020B0609020000020004" pitchFamily="49" charset="0"/>
               <a:cs typeface="Cascadia Mono Light" panose="020B0609020000020004" pitchFamily="49" charset="0"/>
@@ -15412,7 +15590,7 @@
           </a:p>
           <a:p>
             <a:r>
-              <a:rPr lang="en-US" sz="1200" dirty="0">
+              <a:rPr lang="en-US" sz="1000" dirty="0">
                 <a:latin typeface="Cascadia Mono Light" panose="020B0609020000020004" pitchFamily="49" charset="0"/>
                 <a:ea typeface="Cascadia Mono Light" panose="020B0609020000020004" pitchFamily="49" charset="0"/>
                 <a:cs typeface="Cascadia Mono Light" panose="020B0609020000020004" pitchFamily="49" charset="0"/>
@@ -15420,7 +15598,7 @@
               <a:t>        </a:t>
             </a:r>
             <a:r>
-              <a:rPr lang="en-US" sz="1200" dirty="0" err="1">
+              <a:rPr lang="en-US" sz="1000" dirty="0" err="1">
                 <a:latin typeface="Cascadia Mono Light" panose="020B0609020000020004" pitchFamily="49" charset="0"/>
                 <a:ea typeface="Cascadia Mono Light" panose="020B0609020000020004" pitchFamily="49" charset="0"/>
                 <a:cs typeface="Cascadia Mono Light" panose="020B0609020000020004" pitchFamily="49" charset="0"/>
@@ -15428,7 +15606,7 @@
               <a:t>data_dict_entry</a:t>
             </a:r>
             <a:r>
-              <a:rPr lang="en-US" sz="1200" dirty="0">
+              <a:rPr lang="en-US" sz="1000" dirty="0">
                 <a:latin typeface="Cascadia Mono Light" panose="020B0609020000020004" pitchFamily="49" charset="0"/>
                 <a:ea typeface="Cascadia Mono Light" panose="020B0609020000020004" pitchFamily="49" charset="0"/>
                 <a:cs typeface="Cascadia Mono Light" panose="020B0609020000020004" pitchFamily="49" charset="0"/>
@@ -15438,7 +15616,7 @@
           </a:p>
           <a:p>
             <a:r>
-              <a:rPr lang="en-US" sz="1200" dirty="0">
+              <a:rPr lang="en-US" sz="1000" dirty="0">
                 <a:latin typeface="Cascadia Mono Light" panose="020B0609020000020004" pitchFamily="49" charset="0"/>
                 <a:ea typeface="Cascadia Mono Light" panose="020B0609020000020004" pitchFamily="49" charset="0"/>
                 <a:cs typeface="Cascadia Mono Light" panose="020B0609020000020004" pitchFamily="49" charset="0"/>
@@ -15446,7 +15624,7 @@
               <a:t>        </a:t>
             </a:r>
             <a:r>
-              <a:rPr lang="en-US" sz="1200" dirty="0" err="1">
+              <a:rPr lang="en-US" sz="1000" dirty="0" err="1">
                 <a:latin typeface="Cascadia Mono Light" panose="020B0609020000020004" pitchFamily="49" charset="0"/>
                 <a:ea typeface="Cascadia Mono Light" panose="020B0609020000020004" pitchFamily="49" charset="0"/>
                 <a:cs typeface="Cascadia Mono Light" panose="020B0609020000020004" pitchFamily="49" charset="0"/>
@@ -15454,7 +15632,7 @@
               <a:t>self.main.data_dict.report_column</a:t>
             </a:r>
             <a:r>
-              <a:rPr lang="en-US" sz="1200" dirty="0">
+              <a:rPr lang="en-US" sz="1000" dirty="0">
                 <a:latin typeface="Cascadia Mono Light" panose="020B0609020000020004" pitchFamily="49" charset="0"/>
                 <a:ea typeface="Cascadia Mono Light" panose="020B0609020000020004" pitchFamily="49" charset="0"/>
                 <a:cs typeface="Cascadia Mono Light" panose="020B0609020000020004" pitchFamily="49" charset="0"/>
@@ -15462,7 +15640,7 @@
               <a:t>(name, </a:t>
             </a:r>
             <a:r>
-              <a:rPr lang="en-US" sz="1200" dirty="0" err="1">
+              <a:rPr lang="en-US" sz="1000" dirty="0" err="1">
                 <a:latin typeface="Cascadia Mono Light" panose="020B0609020000020004" pitchFamily="49" charset="0"/>
                 <a:ea typeface="Cascadia Mono Light" panose="020B0609020000020004" pitchFamily="49" charset="0"/>
                 <a:cs typeface="Cascadia Mono Light" panose="020B0609020000020004" pitchFamily="49" charset="0"/>
@@ -15470,7 +15648,7 @@
               <a:t>data_dict_entry</a:t>
             </a:r>
             <a:r>
-              <a:rPr lang="en-US" sz="1200" dirty="0">
+              <a:rPr lang="en-US" sz="1000" dirty="0">
                 <a:latin typeface="Cascadia Mono Light" panose="020B0609020000020004" pitchFamily="49" charset="0"/>
                 <a:ea typeface="Cascadia Mono Light" panose="020B0609020000020004" pitchFamily="49" charset="0"/>
                 <a:cs typeface="Cascadia Mono Light" panose="020B0609020000020004" pitchFamily="49" charset="0"/>
@@ -15480,7 +15658,7 @@
           </a:p>
           <a:p>
             <a:r>
-              <a:rPr lang="en-US" sz="1200" dirty="0">
+              <a:rPr lang="en-US" sz="1000" dirty="0">
                 <a:latin typeface="Cascadia Mono Light" panose="020B0609020000020004" pitchFamily="49" charset="0"/>
                 <a:ea typeface="Cascadia Mono Light" panose="020B0609020000020004" pitchFamily="49" charset="0"/>
                 <a:cs typeface="Cascadia Mono Light" panose="020B0609020000020004" pitchFamily="49" charset="0"/>
@@ -15488,7 +15666,7 @@
               <a:t>        if </a:t>
             </a:r>
             <a:r>
-              <a:rPr lang="en-US" sz="1200" dirty="0" err="1">
+              <a:rPr lang="en-US" sz="1000" dirty="0" err="1">
                 <a:latin typeface="Cascadia Mono Light" panose="020B0609020000020004" pitchFamily="49" charset="0"/>
                 <a:ea typeface="Cascadia Mono Light" panose="020B0609020000020004" pitchFamily="49" charset="0"/>
                 <a:cs typeface="Cascadia Mono Light" panose="020B0609020000020004" pitchFamily="49" charset="0"/>
@@ -15496,7 +15674,7 @@
               <a:t>self.parallelize</a:t>
             </a:r>
             <a:r>
-              <a:rPr lang="en-US" sz="1200" dirty="0">
+              <a:rPr lang="en-US" sz="1000" dirty="0">
                 <a:latin typeface="Cascadia Mono Light" panose="020B0609020000020004" pitchFamily="49" charset="0"/>
                 <a:ea typeface="Cascadia Mono Light" panose="020B0609020000020004" pitchFamily="49" charset="0"/>
                 <a:cs typeface="Cascadia Mono Light" panose="020B0609020000020004" pitchFamily="49" charset="0"/>
@@ -15506,7 +15684,7 @@
           </a:p>
           <a:p>
             <a:r>
-              <a:rPr lang="en-US" sz="1200" dirty="0">
+              <a:rPr lang="en-US" sz="1000" dirty="0">
                 <a:latin typeface="Cascadia Mono Light" panose="020B0609020000020004" pitchFamily="49" charset="0"/>
                 <a:ea typeface="Cascadia Mono Light" panose="020B0609020000020004" pitchFamily="49" charset="0"/>
                 <a:cs typeface="Cascadia Mono Light" panose="020B0609020000020004" pitchFamily="49" charset="0"/>
@@ -15514,7 +15692,7 @@
               <a:t>            return </a:t>
             </a:r>
             <a:r>
-              <a:rPr lang="en-US" sz="1200" dirty="0" err="1">
+              <a:rPr lang="en-US" sz="1000" dirty="0" err="1">
                 <a:latin typeface="Cascadia Mono Light" panose="020B0609020000020004" pitchFamily="49" charset="0"/>
                 <a:ea typeface="Cascadia Mono Light" panose="020B0609020000020004" pitchFamily="49" charset="0"/>
                 <a:cs typeface="Cascadia Mono Light" panose="020B0609020000020004" pitchFamily="49" charset="0"/>
@@ -15522,7 +15700,7 @@
               <a:t>self.parallel_apply</a:t>
             </a:r>
             <a:r>
-              <a:rPr lang="en-US" sz="1200" dirty="0">
+              <a:rPr lang="en-US" sz="1000" dirty="0">
                 <a:latin typeface="Cascadia Mono Light" panose="020B0609020000020004" pitchFamily="49" charset="0"/>
                 <a:ea typeface="Cascadia Mono Light" panose="020B0609020000020004" pitchFamily="49" charset="0"/>
                 <a:cs typeface="Cascadia Mono Light" panose="020B0609020000020004" pitchFamily="49" charset="0"/>
@@ -15530,7 +15708,7 @@
               <a:t>(</a:t>
             </a:r>
             <a:r>
-              <a:rPr lang="en-US" sz="1200" dirty="0" err="1">
+              <a:rPr lang="en-US" sz="1000" dirty="0" err="1">
                 <a:latin typeface="Cascadia Mono Light" panose="020B0609020000020004" pitchFamily="49" charset="0"/>
                 <a:ea typeface="Cascadia Mono Light" panose="020B0609020000020004" pitchFamily="49" charset="0"/>
                 <a:cs typeface="Cascadia Mono Light" panose="020B0609020000020004" pitchFamily="49" charset="0"/>
@@ -15538,17 +15716,17 @@
               <a:t>df</a:t>
             </a:r>
             <a:r>
-              <a:rPr lang="en-US" sz="1200" dirty="0">
-                <a:latin typeface="Cascadia Mono Light" panose="020B0609020000020004" pitchFamily="49" charset="0"/>
-                <a:ea typeface="Cascadia Mono Light" panose="020B0609020000020004" pitchFamily="49" charset="0"/>
-                <a:cs typeface="Cascadia Mono Light" panose="020B0609020000020004" pitchFamily="49" charset="0"/>
-              </a:rPr>
-              <a:t>, level2)</a:t>
-            </a:r>
-          </a:p>
-          <a:p>
-            <a:r>
-              <a:rPr lang="en-US" sz="1200" dirty="0">
+              <a:rPr lang="en-US" sz="1000" dirty="0">
+                <a:latin typeface="Cascadia Mono Light" panose="020B0609020000020004" pitchFamily="49" charset="0"/>
+                <a:ea typeface="Cascadia Mono Light" panose="020B0609020000020004" pitchFamily="49" charset="0"/>
+                <a:cs typeface="Cascadia Mono Light" panose="020B0609020000020004" pitchFamily="49" charset="0"/>
+              </a:rPr>
+              <a:t>, level1)</a:t>
+            </a:r>
+          </a:p>
+          <a:p>
+            <a:r>
+              <a:rPr lang="en-US" sz="1000" dirty="0">
                 <a:latin typeface="Cascadia Mono Light" panose="020B0609020000020004" pitchFamily="49" charset="0"/>
                 <a:ea typeface="Cascadia Mono Light" panose="020B0609020000020004" pitchFamily="49" charset="0"/>
                 <a:cs typeface="Cascadia Mono Light" panose="020B0609020000020004" pitchFamily="49" charset="0"/>
@@ -15558,7 +15736,7 @@
           </a:p>
           <a:p>
             <a:r>
-              <a:rPr lang="en-US" sz="1200" dirty="0">
+              <a:rPr lang="en-US" sz="1000" dirty="0">
                 <a:latin typeface="Cascadia Mono Light" panose="020B0609020000020004" pitchFamily="49" charset="0"/>
                 <a:ea typeface="Cascadia Mono Light" panose="020B0609020000020004" pitchFamily="49" charset="0"/>
                 <a:cs typeface="Cascadia Mono Light" panose="020B0609020000020004" pitchFamily="49" charset="0"/>
@@ -15566,7 +15744,7 @@
               <a:t>            return </a:t>
             </a:r>
             <a:r>
-              <a:rPr lang="en-US" sz="1200" dirty="0" err="1">
+              <a:rPr lang="en-US" sz="1000" dirty="0" err="1">
                 <a:latin typeface="Cascadia Mono Light" panose="020B0609020000020004" pitchFamily="49" charset="0"/>
                 <a:ea typeface="Cascadia Mono Light" panose="020B0609020000020004" pitchFamily="49" charset="0"/>
                 <a:cs typeface="Cascadia Mono Light" panose="020B0609020000020004" pitchFamily="49" charset="0"/>
@@ -15574,12 +15752,12 @@
               <a:t>df.apply</a:t>
             </a:r>
             <a:r>
-              <a:rPr lang="en-US" sz="1200" dirty="0">
-                <a:latin typeface="Cascadia Mono Light" panose="020B0609020000020004" pitchFamily="49" charset="0"/>
-                <a:ea typeface="Cascadia Mono Light" panose="020B0609020000020004" pitchFamily="49" charset="0"/>
-                <a:cs typeface="Cascadia Mono Light" panose="020B0609020000020004" pitchFamily="49" charset="0"/>
-              </a:rPr>
-              <a:t>(lambda r: level2(r), axis=1)</a:t>
+              <a:rPr lang="en-US" sz="1000" dirty="0">
+                <a:latin typeface="Cascadia Mono Light" panose="020B0609020000020004" pitchFamily="49" charset="0"/>
+                <a:ea typeface="Cascadia Mono Light" panose="020B0609020000020004" pitchFamily="49" charset="0"/>
+                <a:cs typeface="Cascadia Mono Light" panose="020B0609020000020004" pitchFamily="49" charset="0"/>
+              </a:rPr>
+              <a:t>(lambda r: level1(r), axis=1)</a:t>
             </a:r>
           </a:p>
         </p:txBody>
@@ -15587,7 +15765,7 @@
     </p:spTree>
     <p:extLst>
       <p:ext uri="{BB962C8B-B14F-4D97-AF65-F5344CB8AC3E}">
-        <p14:creationId xmlns:p14="http://schemas.microsoft.com/office/powerpoint/2010/main" val="2595011101"/>
+        <p14:creationId xmlns:p14="http://schemas.microsoft.com/office/powerpoint/2010/main" val="1134050296"/>
       </p:ext>
     </p:extLst>
   </p:cSld>
@@ -15637,7 +15815,7 @@
           <a:p>
             <a:r>
               <a:rPr lang="en-US" dirty="0"/>
-              <a:t>LEVEL3</a:t>
+              <a:t>LEVEL2</a:t>
             </a:r>
           </a:p>
         </p:txBody>
@@ -15647,7 +15825,7 @@
           <p:cNvPr id="4" name="TextBox 3">
             <a:extLst>
               <a:ext uri="{FF2B5EF4-FFF2-40B4-BE49-F238E27FC236}">
-                <a16:creationId xmlns:a16="http://schemas.microsoft.com/office/drawing/2014/main" id="{0FAEB9AF-ACE6-7C43-FFA3-1233712201D2}"/>
+                <a16:creationId xmlns:a16="http://schemas.microsoft.com/office/drawing/2014/main" id="{E3816168-7759-4675-BDE5-62B41A2E87DB}"/>
               </a:ext>
             </a:extLst>
           </p:cNvPr>
@@ -15656,8 +15834,8 @@
         </p:nvSpPr>
         <p:spPr>
           <a:xfrm>
-            <a:off x="4267200" y="191985"/>
-            <a:ext cx="6096000" cy="7478970"/>
+            <a:off x="3069771" y="365125"/>
+            <a:ext cx="9906000" cy="6186309"/>
           </a:xfrm>
           <a:prstGeom prst="rect">
             <a:avLst/>
@@ -15671,15 +15849,15 @@
           <a:lstStyle/>
           <a:p>
             <a:r>
-              <a:rPr lang="en-US" sz="800" dirty="0">
-                <a:latin typeface="Cascadia Mono Light" panose="020B0609020000020004" pitchFamily="49" charset="0"/>
-                <a:ea typeface="Cascadia Mono Light" panose="020B0609020000020004" pitchFamily="49" charset="0"/>
-                <a:cs typeface="Cascadia Mono Light" panose="020B0609020000020004" pitchFamily="49" charset="0"/>
-              </a:rPr>
-              <a:t> def all_level3(self, </a:t>
-            </a:r>
-            <a:r>
-              <a:rPr lang="en-US" sz="800" dirty="0" err="1">
+              <a:rPr lang="en-US" sz="1200" dirty="0">
+                <a:latin typeface="Cascadia Mono Light" panose="020B0609020000020004" pitchFamily="49" charset="0"/>
+                <a:ea typeface="Cascadia Mono Light" panose="020B0609020000020004" pitchFamily="49" charset="0"/>
+                <a:cs typeface="Cascadia Mono Light" panose="020B0609020000020004" pitchFamily="49" charset="0"/>
+              </a:rPr>
+              <a:t> def all_level2(self, </a:t>
+            </a:r>
+            <a:r>
+              <a:rPr lang="en-US" sz="1200" dirty="0" err="1">
                 <a:latin typeface="Cascadia Mono Light" panose="020B0609020000020004" pitchFamily="49" charset="0"/>
                 <a:ea typeface="Cascadia Mono Light" panose="020B0609020000020004" pitchFamily="49" charset="0"/>
                 <a:cs typeface="Cascadia Mono Light" panose="020B0609020000020004" pitchFamily="49" charset="0"/>
@@ -15687,7 +15865,7 @@
               <a:t>df</a:t>
             </a:r>
             <a:r>
-              <a:rPr lang="en-US" sz="800" dirty="0">
+              <a:rPr lang="en-US" sz="1200" dirty="0">
                 <a:latin typeface="Cascadia Mono Light" panose="020B0609020000020004" pitchFamily="49" charset="0"/>
                 <a:ea typeface="Cascadia Mono Light" panose="020B0609020000020004" pitchFamily="49" charset="0"/>
                 <a:cs typeface="Cascadia Mono Light" panose="020B0609020000020004" pitchFamily="49" charset="0"/>
@@ -15697,7 +15875,7 @@
           </a:p>
           <a:p>
             <a:r>
-              <a:rPr lang="en-US" sz="800" dirty="0">
+              <a:rPr lang="en-US" sz="1200" dirty="0">
                 <a:latin typeface="Cascadia Mono Light" panose="020B0609020000020004" pitchFamily="49" charset="0"/>
                 <a:ea typeface="Cascadia Mono Light" panose="020B0609020000020004" pitchFamily="49" charset="0"/>
                 <a:cs typeface="Cascadia Mono Light" panose="020B0609020000020004" pitchFamily="49" charset="0"/>
@@ -15707,16 +15885,16 @@
           </a:p>
           <a:p>
             <a:r>
-              <a:rPr lang="en-US" sz="800" dirty="0">
-                <a:latin typeface="Cascadia Mono Light" panose="020B0609020000020004" pitchFamily="49" charset="0"/>
-                <a:ea typeface="Cascadia Mono Light" panose="020B0609020000020004" pitchFamily="49" charset="0"/>
-                <a:cs typeface="Cascadia Mono Light" panose="020B0609020000020004" pitchFamily="49" charset="0"/>
-              </a:rPr>
-              <a:t>        Generates a piecewise value based on NTEEFINAL.</a:t>
-            </a:r>
-          </a:p>
-          <a:p>
-            <a:endParaRPr lang="en-US" sz="800" dirty="0">
+              <a:rPr lang="en-US" sz="1200" dirty="0">
+                <a:latin typeface="Cascadia Mono Light" panose="020B0609020000020004" pitchFamily="49" charset="0"/>
+                <a:ea typeface="Cascadia Mono Light" panose="020B0609020000020004" pitchFamily="49" charset="0"/>
+                <a:cs typeface="Cascadia Mono Light" panose="020B0609020000020004" pitchFamily="49" charset="0"/>
+              </a:rPr>
+              <a:t>        Generates a piecewise value based on SUBSECCD, FNDNCD, LEVEL3 and NTEEFINAL.</a:t>
+            </a:r>
+          </a:p>
+          <a:p>
+            <a:endParaRPr lang="en-US" sz="1200" dirty="0">
               <a:latin typeface="Cascadia Mono Light" panose="020B0609020000020004" pitchFamily="49" charset="0"/>
               <a:ea typeface="Cascadia Mono Light" panose="020B0609020000020004" pitchFamily="49" charset="0"/>
               <a:cs typeface="Cascadia Mono Light" panose="020B0609020000020004" pitchFamily="49" charset="0"/>
@@ -15724,7 +15902,7 @@
           </a:p>
           <a:p>
             <a:r>
-              <a:rPr lang="en-US" sz="800" dirty="0">
+              <a:rPr lang="en-US" sz="1200" dirty="0">
                 <a:latin typeface="Cascadia Mono Light" panose="020B0609020000020004" pitchFamily="49" charset="0"/>
                 <a:ea typeface="Cascadia Mono Light" panose="020B0609020000020004" pitchFamily="49" charset="0"/>
                 <a:cs typeface="Cascadia Mono Light" panose="020B0609020000020004" pitchFamily="49" charset="0"/>
@@ -15734,7 +15912,7 @@
           </a:p>
           <a:p>
             <a:r>
-              <a:rPr lang="en-US" sz="800" dirty="0">
+              <a:rPr lang="en-US" sz="1200" dirty="0">
                 <a:latin typeface="Cascadia Mono Light" panose="020B0609020000020004" pitchFamily="49" charset="0"/>
                 <a:ea typeface="Cascadia Mono Light" panose="020B0609020000020004" pitchFamily="49" charset="0"/>
                 <a:cs typeface="Cascadia Mono Light" panose="020B0609020000020004" pitchFamily="49" charset="0"/>
@@ -15742,7 +15920,7 @@
               <a:t>        </a:t>
             </a:r>
             <a:r>
-              <a:rPr lang="en-US" sz="800" dirty="0" err="1">
+              <a:rPr lang="en-US" sz="1200" dirty="0" err="1">
                 <a:latin typeface="Cascadia Mono Light" panose="020B0609020000020004" pitchFamily="49" charset="0"/>
                 <a:ea typeface="Cascadia Mono Light" panose="020B0609020000020004" pitchFamily="49" charset="0"/>
                 <a:cs typeface="Cascadia Mono Light" panose="020B0609020000020004" pitchFamily="49" charset="0"/>
@@ -15750,7 +15928,7 @@
               <a:t>df</a:t>
             </a:r>
             <a:r>
-              <a:rPr lang="en-US" sz="800" dirty="0">
+              <a:rPr lang="en-US" sz="1200" dirty="0">
                 <a:latin typeface="Cascadia Mono Light" panose="020B0609020000020004" pitchFamily="49" charset="0"/>
                 <a:ea typeface="Cascadia Mono Light" panose="020B0609020000020004" pitchFamily="49" charset="0"/>
                 <a:cs typeface="Cascadia Mono Light" panose="020B0609020000020004" pitchFamily="49" charset="0"/>
@@ -15758,7 +15936,7 @@
               <a:t> (</a:t>
             </a:r>
             <a:r>
-              <a:rPr lang="en-US" sz="800" dirty="0" err="1">
+              <a:rPr lang="en-US" sz="1200" dirty="0" err="1">
                 <a:latin typeface="Cascadia Mono Light" panose="020B0609020000020004" pitchFamily="49" charset="0"/>
                 <a:ea typeface="Cascadia Mono Light" panose="020B0609020000020004" pitchFamily="49" charset="0"/>
                 <a:cs typeface="Cascadia Mono Light" panose="020B0609020000020004" pitchFamily="49" charset="0"/>
@@ -15766,7 +15944,7 @@
               <a:t>DataFrame</a:t>
             </a:r>
             <a:r>
-              <a:rPr lang="en-US" sz="800" dirty="0">
+              <a:rPr lang="en-US" sz="1200" dirty="0">
                 <a:latin typeface="Cascadia Mono Light" panose="020B0609020000020004" pitchFamily="49" charset="0"/>
                 <a:ea typeface="Cascadia Mono Light" panose="020B0609020000020004" pitchFamily="49" charset="0"/>
                 <a:cs typeface="Cascadia Mono Light" panose="020B0609020000020004" pitchFamily="49" charset="0"/>
@@ -15774,21 +15952,21 @@
               <a:t>) : Core file </a:t>
             </a:r>
             <a:r>
-              <a:rPr lang="en-US" sz="800" dirty="0" err="1">
+              <a:rPr lang="en-US" sz="1200" dirty="0" err="1">
                 <a:latin typeface="Cascadia Mono Light" panose="020B0609020000020004" pitchFamily="49" charset="0"/>
                 <a:ea typeface="Cascadia Mono Light" panose="020B0609020000020004" pitchFamily="49" charset="0"/>
                 <a:cs typeface="Cascadia Mono Light" panose="020B0609020000020004" pitchFamily="49" charset="0"/>
               </a:rPr>
               <a:t>dataframe</a:t>
             </a:r>
-            <a:endParaRPr lang="en-US" sz="800" dirty="0">
+            <a:endParaRPr lang="en-US" sz="1200" dirty="0">
               <a:latin typeface="Cascadia Mono Light" panose="020B0609020000020004" pitchFamily="49" charset="0"/>
               <a:ea typeface="Cascadia Mono Light" panose="020B0609020000020004" pitchFamily="49" charset="0"/>
               <a:cs typeface="Cascadia Mono Light" panose="020B0609020000020004" pitchFamily="49" charset="0"/>
             </a:endParaRPr>
           </a:p>
           <a:p>
-            <a:endParaRPr lang="en-US" sz="800" dirty="0">
+            <a:endParaRPr lang="en-US" sz="1200" dirty="0">
               <a:latin typeface="Cascadia Mono Light" panose="020B0609020000020004" pitchFamily="49" charset="0"/>
               <a:ea typeface="Cascadia Mono Light" panose="020B0609020000020004" pitchFamily="49" charset="0"/>
               <a:cs typeface="Cascadia Mono Light" panose="020B0609020000020004" pitchFamily="49" charset="0"/>
@@ -15796,7 +15974,7 @@
           </a:p>
           <a:p>
             <a:r>
-              <a:rPr lang="en-US" sz="800" dirty="0">
+              <a:rPr lang="en-US" sz="1200" dirty="0">
                 <a:latin typeface="Cascadia Mono Light" panose="020B0609020000020004" pitchFamily="49" charset="0"/>
                 <a:ea typeface="Cascadia Mono Light" panose="020B0609020000020004" pitchFamily="49" charset="0"/>
                 <a:cs typeface="Cascadia Mono Light" panose="020B0609020000020004" pitchFamily="49" charset="0"/>
@@ -15806,7 +15984,7 @@
           </a:p>
           <a:p>
             <a:r>
-              <a:rPr lang="en-US" sz="800" dirty="0">
+              <a:rPr lang="en-US" sz="1200" dirty="0">
                 <a:latin typeface="Cascadia Mono Light" panose="020B0609020000020004" pitchFamily="49" charset="0"/>
                 <a:ea typeface="Cascadia Mono Light" panose="020B0609020000020004" pitchFamily="49" charset="0"/>
                 <a:cs typeface="Cascadia Mono Light" panose="020B0609020000020004" pitchFamily="49" charset="0"/>
@@ -15814,14 +15992,14 @@
               <a:t>        Series or </a:t>
             </a:r>
             <a:r>
-              <a:rPr lang="en-US" sz="800" dirty="0" err="1">
+              <a:rPr lang="en-US" sz="1200" dirty="0" err="1">
                 <a:latin typeface="Cascadia Mono Light" panose="020B0609020000020004" pitchFamily="49" charset="0"/>
                 <a:ea typeface="Cascadia Mono Light" panose="020B0609020000020004" pitchFamily="49" charset="0"/>
                 <a:cs typeface="Cascadia Mono Light" panose="020B0609020000020004" pitchFamily="49" charset="0"/>
               </a:rPr>
               <a:t>dask.core.DataFrame</a:t>
             </a:r>
-            <a:endParaRPr lang="en-US" sz="800" dirty="0">
+            <a:endParaRPr lang="en-US" sz="1200" dirty="0">
               <a:latin typeface="Cascadia Mono Light" panose="020B0609020000020004" pitchFamily="49" charset="0"/>
               <a:ea typeface="Cascadia Mono Light" panose="020B0609020000020004" pitchFamily="49" charset="0"/>
               <a:cs typeface="Cascadia Mono Light" panose="020B0609020000020004" pitchFamily="49" charset="0"/>
@@ -15829,7 +16007,7 @@
           </a:p>
           <a:p>
             <a:r>
-              <a:rPr lang="en-US" sz="800" dirty="0">
+              <a:rPr lang="en-US" sz="1200" dirty="0">
                 <a:latin typeface="Cascadia Mono Light" panose="020B0609020000020004" pitchFamily="49" charset="0"/>
                 <a:ea typeface="Cascadia Mono Light" panose="020B0609020000020004" pitchFamily="49" charset="0"/>
                 <a:cs typeface="Cascadia Mono Light" panose="020B0609020000020004" pitchFamily="49" charset="0"/>
@@ -15839,17 +16017,17 @@
           </a:p>
           <a:p>
             <a:r>
-              <a:rPr lang="en-US" sz="800" dirty="0">
-                <a:latin typeface="Cascadia Mono Light" panose="020B0609020000020004" pitchFamily="49" charset="0"/>
-                <a:ea typeface="Cascadia Mono Light" panose="020B0609020000020004" pitchFamily="49" charset="0"/>
-                <a:cs typeface="Cascadia Mono Light" panose="020B0609020000020004" pitchFamily="49" charset="0"/>
-              </a:rPr>
-              <a:t>        def level3(row):</a:t>
-            </a:r>
-          </a:p>
-          <a:p>
-            <a:r>
-              <a:rPr lang="en-US" sz="800" dirty="0">
+              <a:rPr lang="en-US" sz="1200" dirty="0">
+                <a:latin typeface="Cascadia Mono Light" panose="020B0609020000020004" pitchFamily="49" charset="0"/>
+                <a:ea typeface="Cascadia Mono Light" panose="020B0609020000020004" pitchFamily="49" charset="0"/>
+                <a:cs typeface="Cascadia Mono Light" panose="020B0609020000020004" pitchFamily="49" charset="0"/>
+              </a:rPr>
+              <a:t>        def level2(row):</a:t>
+            </a:r>
+          </a:p>
+          <a:p>
+            <a:r>
+              <a:rPr lang="en-US" sz="1200" dirty="0">
                 <a:latin typeface="Cascadia Mono Light" panose="020B0609020000020004" pitchFamily="49" charset="0"/>
                 <a:ea typeface="Cascadia Mono Light" panose="020B0609020000020004" pitchFamily="49" charset="0"/>
                 <a:cs typeface="Cascadia Mono Light" panose="020B0609020000020004" pitchFamily="49" charset="0"/>
@@ -15857,7 +16035,69 @@
               <a:t>            </a:t>
             </a:r>
             <a:r>
-              <a:rPr lang="en-US" sz="800" dirty="0" err="1">
+              <a:rPr lang="en-US" sz="1200" dirty="0" err="1">
+                <a:latin typeface="Cascadia Mono Light" panose="020B0609020000020004" pitchFamily="49" charset="0"/>
+                <a:ea typeface="Cascadia Mono Light" panose="020B0609020000020004" pitchFamily="49" charset="0"/>
+                <a:cs typeface="Cascadia Mono Light" panose="020B0609020000020004" pitchFamily="49" charset="0"/>
+              </a:rPr>
+              <a:t>sbcd</a:t>
+            </a:r>
+            <a:r>
+              <a:rPr lang="en-US" sz="1200" dirty="0">
+                <a:latin typeface="Cascadia Mono Light" panose="020B0609020000020004" pitchFamily="49" charset="0"/>
+                <a:ea typeface="Cascadia Mono Light" panose="020B0609020000020004" pitchFamily="49" charset="0"/>
+                <a:cs typeface="Cascadia Mono Light" panose="020B0609020000020004" pitchFamily="49" charset="0"/>
+              </a:rPr>
+              <a:t> = float(row['SUBSECCD'])</a:t>
+            </a:r>
+          </a:p>
+          <a:p>
+            <a:r>
+              <a:rPr lang="en-US" sz="1200" dirty="0">
+                <a:latin typeface="Cascadia Mono Light" panose="020B0609020000020004" pitchFamily="49" charset="0"/>
+                <a:ea typeface="Cascadia Mono Light" panose="020B0609020000020004" pitchFamily="49" charset="0"/>
+                <a:cs typeface="Cascadia Mono Light" panose="020B0609020000020004" pitchFamily="49" charset="0"/>
+              </a:rPr>
+              <a:t>            </a:t>
+            </a:r>
+            <a:r>
+              <a:rPr lang="en-US" sz="1200" dirty="0" err="1">
+                <a:latin typeface="Cascadia Mono Light" panose="020B0609020000020004" pitchFamily="49" charset="0"/>
+                <a:ea typeface="Cascadia Mono Light" panose="020B0609020000020004" pitchFamily="49" charset="0"/>
+                <a:cs typeface="Cascadia Mono Light" panose="020B0609020000020004" pitchFamily="49" charset="0"/>
+              </a:rPr>
+              <a:t>fndc</a:t>
+            </a:r>
+            <a:r>
+              <a:rPr lang="en-US" sz="1200" dirty="0">
+                <a:latin typeface="Cascadia Mono Light" panose="020B0609020000020004" pitchFamily="49" charset="0"/>
+                <a:ea typeface="Cascadia Mono Light" panose="020B0609020000020004" pitchFamily="49" charset="0"/>
+                <a:cs typeface="Cascadia Mono Light" panose="020B0609020000020004" pitchFamily="49" charset="0"/>
+              </a:rPr>
+              <a:t> = float(row['FNDNCD'])</a:t>
+            </a:r>
+          </a:p>
+          <a:p>
+            <a:r>
+              <a:rPr lang="en-US" sz="1200" dirty="0">
+                <a:latin typeface="Cascadia Mono Light" panose="020B0609020000020004" pitchFamily="49" charset="0"/>
+                <a:ea typeface="Cascadia Mono Light" panose="020B0609020000020004" pitchFamily="49" charset="0"/>
+                <a:cs typeface="Cascadia Mono Light" panose="020B0609020000020004" pitchFamily="49" charset="0"/>
+              </a:rPr>
+              <a:t>            lvl3 = row['LEVEL3']</a:t>
+            </a:r>
+          </a:p>
+          <a:p>
+            <a:r>
+              <a:rPr lang="en-US" sz="1200" dirty="0">
+                <a:latin typeface="Cascadia Mono Light" panose="020B0609020000020004" pitchFamily="49" charset="0"/>
+                <a:ea typeface="Cascadia Mono Light" panose="020B0609020000020004" pitchFamily="49" charset="0"/>
+                <a:cs typeface="Cascadia Mono Light" panose="020B0609020000020004" pitchFamily="49" charset="0"/>
+              </a:rPr>
+              <a:t>            </a:t>
+            </a:r>
+            <a:r>
+              <a:rPr lang="en-US" sz="1200" dirty="0" err="1">
                 <a:latin typeface="Cascadia Mono Light" panose="020B0609020000020004" pitchFamily="49" charset="0"/>
                 <a:ea typeface="Cascadia Mono Light" panose="020B0609020000020004" pitchFamily="49" charset="0"/>
                 <a:cs typeface="Cascadia Mono Light" panose="020B0609020000020004" pitchFamily="49" charset="0"/>
@@ -15865,7 +16105,7 @@
               <a:t>ntf</a:t>
             </a:r>
             <a:r>
-              <a:rPr lang="en-US" sz="800" dirty="0">
+              <a:rPr lang="en-US" sz="1200" dirty="0">
                 <a:latin typeface="Cascadia Mono Light" panose="020B0609020000020004" pitchFamily="49" charset="0"/>
                 <a:ea typeface="Cascadia Mono Light" panose="020B0609020000020004" pitchFamily="49" charset="0"/>
                 <a:cs typeface="Cascadia Mono Light" panose="020B0609020000020004" pitchFamily="49" charset="0"/>
@@ -15874,7 +16114,7 @@
             </a:r>
           </a:p>
           <a:p>
-            <a:endParaRPr lang="en-US" sz="800" dirty="0">
+            <a:endParaRPr lang="en-US" sz="1200" dirty="0">
               <a:latin typeface="Cascadia Mono Light" panose="020B0609020000020004" pitchFamily="49" charset="0"/>
               <a:ea typeface="Cascadia Mono Light" panose="020B0609020000020004" pitchFamily="49" charset="0"/>
               <a:cs typeface="Cascadia Mono Light" panose="020B0609020000020004" pitchFamily="49" charset="0"/>
@@ -15882,7 +16122,7 @@
           </a:p>
           <a:p>
             <a:r>
-              <a:rPr lang="en-US" sz="800" dirty="0">
+              <a:rPr lang="en-US" sz="1200" dirty="0">
                 <a:latin typeface="Cascadia Mono Light" panose="020B0609020000020004" pitchFamily="49" charset="0"/>
                 <a:ea typeface="Cascadia Mono Light" panose="020B0609020000020004" pitchFamily="49" charset="0"/>
                 <a:cs typeface="Cascadia Mono Light" panose="020B0609020000020004" pitchFamily="49" charset="0"/>
@@ -15890,7 +16130,195 @@
               <a:t>            if </a:t>
             </a:r>
             <a:r>
-              <a:rPr lang="en-US" sz="800" dirty="0" err="1">
+              <a:rPr lang="en-US" sz="1200" dirty="0" err="1">
+                <a:latin typeface="Cascadia Mono Light" panose="020B0609020000020004" pitchFamily="49" charset="0"/>
+                <a:ea typeface="Cascadia Mono Light" panose="020B0609020000020004" pitchFamily="49" charset="0"/>
+                <a:cs typeface="Cascadia Mono Light" panose="020B0609020000020004" pitchFamily="49" charset="0"/>
+              </a:rPr>
+              <a:t>sbcd</a:t>
+            </a:r>
+            <a:r>
+              <a:rPr lang="en-US" sz="1200" dirty="0">
+                <a:latin typeface="Cascadia Mono Light" panose="020B0609020000020004" pitchFamily="49" charset="0"/>
+                <a:ea typeface="Cascadia Mono Light" panose="020B0609020000020004" pitchFamily="49" charset="0"/>
+                <a:cs typeface="Cascadia Mono Light" panose="020B0609020000020004" pitchFamily="49" charset="0"/>
+              </a:rPr>
+              <a:t> == 3 and </a:t>
+            </a:r>
+            <a:r>
+              <a:rPr lang="en-US" sz="1200" dirty="0" err="1">
+                <a:latin typeface="Cascadia Mono Light" panose="020B0609020000020004" pitchFamily="49" charset="0"/>
+                <a:ea typeface="Cascadia Mono Light" panose="020B0609020000020004" pitchFamily="49" charset="0"/>
+                <a:cs typeface="Cascadia Mono Light" panose="020B0609020000020004" pitchFamily="49" charset="0"/>
+              </a:rPr>
+              <a:t>fndc</a:t>
+            </a:r>
+            <a:r>
+              <a:rPr lang="en-US" sz="1200" dirty="0">
+                <a:latin typeface="Cascadia Mono Light" panose="020B0609020000020004" pitchFamily="49" charset="0"/>
+                <a:ea typeface="Cascadia Mono Light" panose="020B0609020000020004" pitchFamily="49" charset="0"/>
+                <a:cs typeface="Cascadia Mono Light" panose="020B0609020000020004" pitchFamily="49" charset="0"/>
+              </a:rPr>
+              <a:t> == 4:</a:t>
+            </a:r>
+          </a:p>
+          <a:p>
+            <a:r>
+              <a:rPr lang="en-US" sz="1200" dirty="0">
+                <a:latin typeface="Cascadia Mono Light" panose="020B0609020000020004" pitchFamily="49" charset="0"/>
+                <a:ea typeface="Cascadia Mono Light" panose="020B0609020000020004" pitchFamily="49" charset="0"/>
+                <a:cs typeface="Cascadia Mono Light" panose="020B0609020000020004" pitchFamily="49" charset="0"/>
+              </a:rPr>
+              <a:t>                return 'S'</a:t>
+            </a:r>
+          </a:p>
+          <a:p>
+            <a:r>
+              <a:rPr lang="en-US" sz="1200" dirty="0">
+                <a:latin typeface="Cascadia Mono Light" panose="020B0609020000020004" pitchFamily="49" charset="0"/>
+                <a:ea typeface="Cascadia Mono Light" panose="020B0609020000020004" pitchFamily="49" charset="0"/>
+                <a:cs typeface="Cascadia Mono Light" panose="020B0609020000020004" pitchFamily="49" charset="0"/>
+              </a:rPr>
+              <a:t>            </a:t>
+            </a:r>
+            <a:r>
+              <a:rPr lang="en-US" sz="1200" dirty="0" err="1">
+                <a:latin typeface="Cascadia Mono Light" panose="020B0609020000020004" pitchFamily="49" charset="0"/>
+                <a:ea typeface="Cascadia Mono Light" panose="020B0609020000020004" pitchFamily="49" charset="0"/>
+                <a:cs typeface="Cascadia Mono Light" panose="020B0609020000020004" pitchFamily="49" charset="0"/>
+              </a:rPr>
+              <a:t>elif</a:t>
+            </a:r>
+            <a:r>
+              <a:rPr lang="en-US" sz="1200" dirty="0">
+                <a:latin typeface="Cascadia Mono Light" panose="020B0609020000020004" pitchFamily="49" charset="0"/>
+                <a:ea typeface="Cascadia Mono Light" panose="020B0609020000020004" pitchFamily="49" charset="0"/>
+                <a:cs typeface="Cascadia Mono Light" panose="020B0609020000020004" pitchFamily="49" charset="0"/>
+              </a:rPr>
+              <a:t> </a:t>
+            </a:r>
+            <a:r>
+              <a:rPr lang="en-US" sz="1200" dirty="0" err="1">
+                <a:latin typeface="Cascadia Mono Light" panose="020B0609020000020004" pitchFamily="49" charset="0"/>
+                <a:ea typeface="Cascadia Mono Light" panose="020B0609020000020004" pitchFamily="49" charset="0"/>
+                <a:cs typeface="Cascadia Mono Light" panose="020B0609020000020004" pitchFamily="49" charset="0"/>
+              </a:rPr>
+              <a:t>sbcd</a:t>
+            </a:r>
+            <a:r>
+              <a:rPr lang="en-US" sz="1200" dirty="0">
+                <a:latin typeface="Cascadia Mono Light" panose="020B0609020000020004" pitchFamily="49" charset="0"/>
+                <a:ea typeface="Cascadia Mono Light" panose="020B0609020000020004" pitchFamily="49" charset="0"/>
+                <a:cs typeface="Cascadia Mono Light" panose="020B0609020000020004" pitchFamily="49" charset="0"/>
+              </a:rPr>
+              <a:t> == 3 and </a:t>
+            </a:r>
+            <a:r>
+              <a:rPr lang="en-US" sz="1200" dirty="0" err="1">
+                <a:latin typeface="Cascadia Mono Light" panose="020B0609020000020004" pitchFamily="49" charset="0"/>
+                <a:ea typeface="Cascadia Mono Light" panose="020B0609020000020004" pitchFamily="49" charset="0"/>
+                <a:cs typeface="Cascadia Mono Light" panose="020B0609020000020004" pitchFamily="49" charset="0"/>
+              </a:rPr>
+              <a:t>fndc</a:t>
+            </a:r>
+            <a:r>
+              <a:rPr lang="en-US" sz="1200" dirty="0">
+                <a:latin typeface="Cascadia Mono Light" panose="020B0609020000020004" pitchFamily="49" charset="0"/>
+                <a:ea typeface="Cascadia Mono Light" panose="020B0609020000020004" pitchFamily="49" charset="0"/>
+                <a:cs typeface="Cascadia Mono Light" panose="020B0609020000020004" pitchFamily="49" charset="0"/>
+              </a:rPr>
+              <a:t> == 17:</a:t>
+            </a:r>
+          </a:p>
+          <a:p>
+            <a:r>
+              <a:rPr lang="en-US" sz="1200" dirty="0">
+                <a:latin typeface="Cascadia Mono Light" panose="020B0609020000020004" pitchFamily="49" charset="0"/>
+                <a:ea typeface="Cascadia Mono Light" panose="020B0609020000020004" pitchFamily="49" charset="0"/>
+                <a:cs typeface="Cascadia Mono Light" panose="020B0609020000020004" pitchFamily="49" charset="0"/>
+              </a:rPr>
+              <a:t>                return 'S'</a:t>
+            </a:r>
+          </a:p>
+          <a:p>
+            <a:r>
+              <a:rPr lang="en-US" sz="1200" dirty="0">
+                <a:latin typeface="Cascadia Mono Light" panose="020B0609020000020004" pitchFamily="49" charset="0"/>
+                <a:ea typeface="Cascadia Mono Light" panose="020B0609020000020004" pitchFamily="49" charset="0"/>
+                <a:cs typeface="Cascadia Mono Light" panose="020B0609020000020004" pitchFamily="49" charset="0"/>
+              </a:rPr>
+              <a:t>            </a:t>
+            </a:r>
+            <a:r>
+              <a:rPr lang="en-US" sz="1200" dirty="0" err="1">
+                <a:latin typeface="Cascadia Mono Light" panose="020B0609020000020004" pitchFamily="49" charset="0"/>
+                <a:ea typeface="Cascadia Mono Light" panose="020B0609020000020004" pitchFamily="49" charset="0"/>
+                <a:cs typeface="Cascadia Mono Light" panose="020B0609020000020004" pitchFamily="49" charset="0"/>
+              </a:rPr>
+              <a:t>elif</a:t>
+            </a:r>
+            <a:r>
+              <a:rPr lang="en-US" sz="1200" dirty="0">
+                <a:latin typeface="Cascadia Mono Light" panose="020B0609020000020004" pitchFamily="49" charset="0"/>
+                <a:ea typeface="Cascadia Mono Light" panose="020B0609020000020004" pitchFamily="49" charset="0"/>
+                <a:cs typeface="Cascadia Mono Light" panose="020B0609020000020004" pitchFamily="49" charset="0"/>
+              </a:rPr>
+              <a:t> lvl3 is not </a:t>
+            </a:r>
+            <a:r>
+              <a:rPr lang="en-US" sz="1200" dirty="0" err="1">
+                <a:latin typeface="Cascadia Mono Light" panose="020B0609020000020004" pitchFamily="49" charset="0"/>
+                <a:ea typeface="Cascadia Mono Light" panose="020B0609020000020004" pitchFamily="49" charset="0"/>
+                <a:cs typeface="Cascadia Mono Light" panose="020B0609020000020004" pitchFamily="49" charset="0"/>
+              </a:rPr>
+              <a:t>np.NaN</a:t>
+            </a:r>
+            <a:r>
+              <a:rPr lang="en-US" sz="1200" dirty="0">
+                <a:latin typeface="Cascadia Mono Light" panose="020B0609020000020004" pitchFamily="49" charset="0"/>
+                <a:ea typeface="Cascadia Mono Light" panose="020B0609020000020004" pitchFamily="49" charset="0"/>
+                <a:cs typeface="Cascadia Mono Light" panose="020B0609020000020004" pitchFamily="49" charset="0"/>
+              </a:rPr>
+              <a:t> and lvl3 is not '' and lvl3[0] == 'Z':</a:t>
+            </a:r>
+          </a:p>
+          <a:p>
+            <a:r>
+              <a:rPr lang="en-US" sz="1200" dirty="0">
+                <a:latin typeface="Cascadia Mono Light" panose="020B0609020000020004" pitchFamily="49" charset="0"/>
+                <a:ea typeface="Cascadia Mono Light" panose="020B0609020000020004" pitchFamily="49" charset="0"/>
+                <a:cs typeface="Cascadia Mono Light" panose="020B0609020000020004" pitchFamily="49" charset="0"/>
+              </a:rPr>
+              <a:t>                return 'S'</a:t>
+            </a:r>
+          </a:p>
+          <a:p>
+            <a:r>
+              <a:rPr lang="en-US" sz="1200" dirty="0">
+                <a:latin typeface="Cascadia Mono Light" panose="020B0609020000020004" pitchFamily="49" charset="0"/>
+                <a:ea typeface="Cascadia Mono Light" panose="020B0609020000020004" pitchFamily="49" charset="0"/>
+                <a:cs typeface="Cascadia Mono Light" panose="020B0609020000020004" pitchFamily="49" charset="0"/>
+              </a:rPr>
+              <a:t>            </a:t>
+            </a:r>
+            <a:r>
+              <a:rPr lang="en-US" sz="1200" dirty="0" err="1">
+                <a:latin typeface="Cascadia Mono Light" panose="020B0609020000020004" pitchFamily="49" charset="0"/>
+                <a:ea typeface="Cascadia Mono Light" panose="020B0609020000020004" pitchFamily="49" charset="0"/>
+                <a:cs typeface="Cascadia Mono Light" panose="020B0609020000020004" pitchFamily="49" charset="0"/>
+              </a:rPr>
+              <a:t>elif</a:t>
+            </a:r>
+            <a:r>
+              <a:rPr lang="en-US" sz="1200" dirty="0">
+                <a:latin typeface="Cascadia Mono Light" panose="020B0609020000020004" pitchFamily="49" charset="0"/>
+                <a:ea typeface="Cascadia Mono Light" panose="020B0609020000020004" pitchFamily="49" charset="0"/>
+                <a:cs typeface="Cascadia Mono Light" panose="020B0609020000020004" pitchFamily="49" charset="0"/>
+              </a:rPr>
+              <a:t> </a:t>
+            </a:r>
+            <a:r>
+              <a:rPr lang="en-US" sz="1200" dirty="0" err="1">
                 <a:latin typeface="Cascadia Mono Light" panose="020B0609020000020004" pitchFamily="49" charset="0"/>
                 <a:ea typeface="Cascadia Mono Light" panose="020B0609020000020004" pitchFamily="49" charset="0"/>
                 <a:cs typeface="Cascadia Mono Light" panose="020B0609020000020004" pitchFamily="49" charset="0"/>
@@ -15898,15 +16326,15 @@
               <a:t>ntf</a:t>
             </a:r>
             <a:r>
-              <a:rPr lang="en-US" sz="800" dirty="0">
-                <a:latin typeface="Cascadia Mono Light" panose="020B0609020000020004" pitchFamily="49" charset="0"/>
-                <a:ea typeface="Cascadia Mono Light" panose="020B0609020000020004" pitchFamily="49" charset="0"/>
-                <a:cs typeface="Cascadia Mono Light" panose="020B0609020000020004" pitchFamily="49" charset="0"/>
-              </a:rPr>
-              <a:t> is </a:t>
-            </a:r>
-            <a:r>
-              <a:rPr lang="en-US" sz="800" dirty="0" err="1">
+              <a:rPr lang="en-US" sz="1200" dirty="0">
+                <a:latin typeface="Cascadia Mono Light" panose="020B0609020000020004" pitchFamily="49" charset="0"/>
+                <a:ea typeface="Cascadia Mono Light" panose="020B0609020000020004" pitchFamily="49" charset="0"/>
+                <a:cs typeface="Cascadia Mono Light" panose="020B0609020000020004" pitchFamily="49" charset="0"/>
+              </a:rPr>
+              <a:t> is not </a:t>
+            </a:r>
+            <a:r>
+              <a:rPr lang="en-US" sz="1200" dirty="0" err="1">
                 <a:latin typeface="Cascadia Mono Light" panose="020B0609020000020004" pitchFamily="49" charset="0"/>
                 <a:ea typeface="Cascadia Mono Light" panose="020B0609020000020004" pitchFamily="49" charset="0"/>
                 <a:cs typeface="Cascadia Mono Light" panose="020B0609020000020004" pitchFamily="49" charset="0"/>
@@ -15914,15 +16342,15 @@
               <a:t>np.NaN</a:t>
             </a:r>
             <a:r>
-              <a:rPr lang="en-US" sz="800" dirty="0">
-                <a:latin typeface="Cascadia Mono Light" panose="020B0609020000020004" pitchFamily="49" charset="0"/>
-                <a:ea typeface="Cascadia Mono Light" panose="020B0609020000020004" pitchFamily="49" charset="0"/>
-                <a:cs typeface="Cascadia Mono Light" panose="020B0609020000020004" pitchFamily="49" charset="0"/>
-              </a:rPr>
-              <a:t> or </a:t>
-            </a:r>
-            <a:r>
-              <a:rPr lang="en-US" sz="800" dirty="0" err="1">
+              <a:rPr lang="en-US" sz="1200" dirty="0">
+                <a:latin typeface="Cascadia Mono Light" panose="020B0609020000020004" pitchFamily="49" charset="0"/>
+                <a:ea typeface="Cascadia Mono Light" panose="020B0609020000020004" pitchFamily="49" charset="0"/>
+                <a:cs typeface="Cascadia Mono Light" panose="020B0609020000020004" pitchFamily="49" charset="0"/>
+              </a:rPr>
+              <a:t> and </a:t>
+            </a:r>
+            <a:r>
+              <a:rPr lang="en-US" sz="1200" dirty="0" err="1">
                 <a:latin typeface="Cascadia Mono Light" panose="020B0609020000020004" pitchFamily="49" charset="0"/>
                 <a:ea typeface="Cascadia Mono Light" panose="020B0609020000020004" pitchFamily="49" charset="0"/>
                 <a:cs typeface="Cascadia Mono Light" panose="020B0609020000020004" pitchFamily="49" charset="0"/>
@@ -15930,51 +16358,15 @@
               <a:t>ntf</a:t>
             </a:r>
             <a:r>
-              <a:rPr lang="en-US" sz="800" dirty="0">
-                <a:latin typeface="Cascadia Mono Light" panose="020B0609020000020004" pitchFamily="49" charset="0"/>
-                <a:ea typeface="Cascadia Mono Light" panose="020B0609020000020004" pitchFamily="49" charset="0"/>
-                <a:cs typeface="Cascadia Mono Light" panose="020B0609020000020004" pitchFamily="49" charset="0"/>
-              </a:rPr>
-              <a:t> == '':</a:t>
-            </a:r>
-          </a:p>
-          <a:p>
-            <a:r>
-              <a:rPr lang="en-US" sz="800" dirty="0">
-                <a:latin typeface="Cascadia Mono Light" panose="020B0609020000020004" pitchFamily="49" charset="0"/>
-                <a:ea typeface="Cascadia Mono Light" panose="020B0609020000020004" pitchFamily="49" charset="0"/>
-                <a:cs typeface="Cascadia Mono Light" panose="020B0609020000020004" pitchFamily="49" charset="0"/>
-              </a:rPr>
-              <a:t>                return '-'</a:t>
-            </a:r>
-          </a:p>
-          <a:p>
-            <a:r>
-              <a:rPr lang="en-US" sz="800" dirty="0">
-                <a:latin typeface="Cascadia Mono Light" panose="020B0609020000020004" pitchFamily="49" charset="0"/>
-                <a:ea typeface="Cascadia Mono Light" panose="020B0609020000020004" pitchFamily="49" charset="0"/>
-                <a:cs typeface="Cascadia Mono Light" panose="020B0609020000020004" pitchFamily="49" charset="0"/>
-              </a:rPr>
-              <a:t>            </a:t>
-            </a:r>
-            <a:r>
-              <a:rPr lang="en-US" sz="800" dirty="0" err="1">
-                <a:latin typeface="Cascadia Mono Light" panose="020B0609020000020004" pitchFamily="49" charset="0"/>
-                <a:ea typeface="Cascadia Mono Light" panose="020B0609020000020004" pitchFamily="49" charset="0"/>
-                <a:cs typeface="Cascadia Mono Light" panose="020B0609020000020004" pitchFamily="49" charset="0"/>
-              </a:rPr>
-              <a:t>elif</a:t>
-            </a:r>
-            <a:r>
-              <a:rPr lang="en-US" sz="800" dirty="0">
-                <a:latin typeface="Cascadia Mono Light" panose="020B0609020000020004" pitchFamily="49" charset="0"/>
-                <a:ea typeface="Cascadia Mono Light" panose="020B0609020000020004" pitchFamily="49" charset="0"/>
-                <a:cs typeface="Cascadia Mono Light" panose="020B0609020000020004" pitchFamily="49" charset="0"/>
-              </a:rPr>
-              <a:t> </a:t>
-            </a:r>
-            <a:r>
-              <a:rPr lang="en-US" sz="800" dirty="0" err="1">
+              <a:rPr lang="en-US" sz="1200" dirty="0">
+                <a:latin typeface="Cascadia Mono Light" panose="020B0609020000020004" pitchFamily="49" charset="0"/>
+                <a:ea typeface="Cascadia Mono Light" panose="020B0609020000020004" pitchFamily="49" charset="0"/>
+                <a:cs typeface="Cascadia Mono Light" panose="020B0609020000020004" pitchFamily="49" charset="0"/>
+              </a:rPr>
+              <a:t> is not '' and </a:t>
+            </a:r>
+            <a:r>
+              <a:rPr lang="en-US" sz="1200" dirty="0" err="1">
                 <a:latin typeface="Cascadia Mono Light" panose="020B0609020000020004" pitchFamily="49" charset="0"/>
                 <a:ea typeface="Cascadia Mono Light" panose="020B0609020000020004" pitchFamily="49" charset="0"/>
                 <a:cs typeface="Cascadia Mono Light" panose="020B0609020000020004" pitchFamily="49" charset="0"/>
@@ -15982,1039 +16374,27 @@
               <a:t>ntf</a:t>
             </a:r>
             <a:r>
-              <a:rPr lang="en-US" sz="800" dirty="0">
-                <a:latin typeface="Cascadia Mono Light" panose="020B0609020000020004" pitchFamily="49" charset="0"/>
-                <a:ea typeface="Cascadia Mono Light" panose="020B0609020000020004" pitchFamily="49" charset="0"/>
-                <a:cs typeface="Cascadia Mono Light" panose="020B0609020000020004" pitchFamily="49" charset="0"/>
-              </a:rPr>
-              <a:t>[:2] != 'B8' and </a:t>
-            </a:r>
-            <a:r>
-              <a:rPr lang="en-US" sz="800" dirty="0" err="1">
-                <a:latin typeface="Cascadia Mono Light" panose="020B0609020000020004" pitchFamily="49" charset="0"/>
-                <a:ea typeface="Cascadia Mono Light" panose="020B0609020000020004" pitchFamily="49" charset="0"/>
-                <a:cs typeface="Cascadia Mono Light" panose="020B0609020000020004" pitchFamily="49" charset="0"/>
-              </a:rPr>
-              <a:t>ntf</a:t>
-            </a:r>
-            <a:r>
-              <a:rPr lang="en-US" sz="800" dirty="0">
-                <a:latin typeface="Cascadia Mono Light" panose="020B0609020000020004" pitchFamily="49" charset="0"/>
-                <a:ea typeface="Cascadia Mono Light" panose="020B0609020000020004" pitchFamily="49" charset="0"/>
-                <a:cs typeface="Cascadia Mono Light" panose="020B0609020000020004" pitchFamily="49" charset="0"/>
-              </a:rPr>
-              <a:t>[1:3] == '11':</a:t>
-            </a:r>
-          </a:p>
-          <a:p>
-            <a:r>
-              <a:rPr lang="en-US" sz="800" dirty="0">
-                <a:latin typeface="Cascadia Mono Light" panose="020B0609020000020004" pitchFamily="49" charset="0"/>
-                <a:ea typeface="Cascadia Mono Light" panose="020B0609020000020004" pitchFamily="49" charset="0"/>
-                <a:cs typeface="Cascadia Mono Light" panose="020B0609020000020004" pitchFamily="49" charset="0"/>
-              </a:rPr>
-              <a:t>                return 'ZA'</a:t>
-            </a:r>
-          </a:p>
-          <a:p>
-            <a:r>
-              <a:rPr lang="en-US" sz="800" dirty="0">
-                <a:latin typeface="Cascadia Mono Light" panose="020B0609020000020004" pitchFamily="49" charset="0"/>
-                <a:ea typeface="Cascadia Mono Light" panose="020B0609020000020004" pitchFamily="49" charset="0"/>
-                <a:cs typeface="Cascadia Mono Light" panose="020B0609020000020004" pitchFamily="49" charset="0"/>
-              </a:rPr>
-              <a:t>            </a:t>
-            </a:r>
-            <a:r>
-              <a:rPr lang="en-US" sz="800" dirty="0" err="1">
-                <a:latin typeface="Cascadia Mono Light" panose="020B0609020000020004" pitchFamily="49" charset="0"/>
-                <a:ea typeface="Cascadia Mono Light" panose="020B0609020000020004" pitchFamily="49" charset="0"/>
-                <a:cs typeface="Cascadia Mono Light" panose="020B0609020000020004" pitchFamily="49" charset="0"/>
-              </a:rPr>
-              <a:t>elif</a:t>
-            </a:r>
-            <a:r>
-              <a:rPr lang="en-US" sz="800" dirty="0">
-                <a:latin typeface="Cascadia Mono Light" panose="020B0609020000020004" pitchFamily="49" charset="0"/>
-                <a:ea typeface="Cascadia Mono Light" panose="020B0609020000020004" pitchFamily="49" charset="0"/>
-                <a:cs typeface="Cascadia Mono Light" panose="020B0609020000020004" pitchFamily="49" charset="0"/>
-              </a:rPr>
-              <a:t> </a:t>
-            </a:r>
-            <a:r>
-              <a:rPr lang="en-US" sz="800" dirty="0" err="1">
-                <a:latin typeface="Cascadia Mono Light" panose="020B0609020000020004" pitchFamily="49" charset="0"/>
-                <a:ea typeface="Cascadia Mono Light" panose="020B0609020000020004" pitchFamily="49" charset="0"/>
-                <a:cs typeface="Cascadia Mono Light" panose="020B0609020000020004" pitchFamily="49" charset="0"/>
-              </a:rPr>
-              <a:t>ntf</a:t>
-            </a:r>
-            <a:r>
-              <a:rPr lang="en-US" sz="800" dirty="0">
-                <a:latin typeface="Cascadia Mono Light" panose="020B0609020000020004" pitchFamily="49" charset="0"/>
-                <a:ea typeface="Cascadia Mono Light" panose="020B0609020000020004" pitchFamily="49" charset="0"/>
-                <a:cs typeface="Cascadia Mono Light" panose="020B0609020000020004" pitchFamily="49" charset="0"/>
-              </a:rPr>
-              <a:t>[:2] != 'B8' and </a:t>
-            </a:r>
-            <a:r>
-              <a:rPr lang="en-US" sz="800" dirty="0" err="1">
-                <a:latin typeface="Cascadia Mono Light" panose="020B0609020000020004" pitchFamily="49" charset="0"/>
-                <a:ea typeface="Cascadia Mono Light" panose="020B0609020000020004" pitchFamily="49" charset="0"/>
-                <a:cs typeface="Cascadia Mono Light" panose="020B0609020000020004" pitchFamily="49" charset="0"/>
-              </a:rPr>
-              <a:t>ntf</a:t>
-            </a:r>
-            <a:r>
-              <a:rPr lang="en-US" sz="800" dirty="0">
-                <a:latin typeface="Cascadia Mono Light" panose="020B0609020000020004" pitchFamily="49" charset="0"/>
-                <a:ea typeface="Cascadia Mono Light" panose="020B0609020000020004" pitchFamily="49" charset="0"/>
-                <a:cs typeface="Cascadia Mono Light" panose="020B0609020000020004" pitchFamily="49" charset="0"/>
-              </a:rPr>
-              <a:t>[1:3] == '12':</a:t>
-            </a:r>
-          </a:p>
-          <a:p>
-            <a:r>
-              <a:rPr lang="en-US" sz="800" dirty="0">
-                <a:latin typeface="Cascadia Mono Light" panose="020B0609020000020004" pitchFamily="49" charset="0"/>
-                <a:ea typeface="Cascadia Mono Light" panose="020B0609020000020004" pitchFamily="49" charset="0"/>
-                <a:cs typeface="Cascadia Mono Light" panose="020B0609020000020004" pitchFamily="49" charset="0"/>
-              </a:rPr>
-              <a:t>                return 'ZB'</a:t>
-            </a:r>
-          </a:p>
-          <a:p>
-            <a:r>
-              <a:rPr lang="en-US" sz="800" dirty="0">
-                <a:latin typeface="Cascadia Mono Light" panose="020B0609020000020004" pitchFamily="49" charset="0"/>
-                <a:ea typeface="Cascadia Mono Light" panose="020B0609020000020004" pitchFamily="49" charset="0"/>
-                <a:cs typeface="Cascadia Mono Light" panose="020B0609020000020004" pitchFamily="49" charset="0"/>
-              </a:rPr>
-              <a:t>            </a:t>
-            </a:r>
-            <a:r>
-              <a:rPr lang="en-US" sz="800" dirty="0" err="1">
-                <a:latin typeface="Cascadia Mono Light" panose="020B0609020000020004" pitchFamily="49" charset="0"/>
-                <a:ea typeface="Cascadia Mono Light" panose="020B0609020000020004" pitchFamily="49" charset="0"/>
-                <a:cs typeface="Cascadia Mono Light" panose="020B0609020000020004" pitchFamily="49" charset="0"/>
-              </a:rPr>
-              <a:t>elif</a:t>
-            </a:r>
-            <a:r>
-              <a:rPr lang="en-US" sz="800" dirty="0">
-                <a:latin typeface="Cascadia Mono Light" panose="020B0609020000020004" pitchFamily="49" charset="0"/>
-                <a:ea typeface="Cascadia Mono Light" panose="020B0609020000020004" pitchFamily="49" charset="0"/>
-                <a:cs typeface="Cascadia Mono Light" panose="020B0609020000020004" pitchFamily="49" charset="0"/>
-              </a:rPr>
-              <a:t> </a:t>
-            </a:r>
-            <a:r>
-              <a:rPr lang="en-US" sz="800" dirty="0" err="1">
-                <a:latin typeface="Cascadia Mono Light" panose="020B0609020000020004" pitchFamily="49" charset="0"/>
-                <a:ea typeface="Cascadia Mono Light" panose="020B0609020000020004" pitchFamily="49" charset="0"/>
-                <a:cs typeface="Cascadia Mono Light" panose="020B0609020000020004" pitchFamily="49" charset="0"/>
-              </a:rPr>
-              <a:t>ntf</a:t>
-            </a:r>
-            <a:r>
-              <a:rPr lang="en-US" sz="800" dirty="0">
-                <a:latin typeface="Cascadia Mono Light" panose="020B0609020000020004" pitchFamily="49" charset="0"/>
-                <a:ea typeface="Cascadia Mono Light" panose="020B0609020000020004" pitchFamily="49" charset="0"/>
-                <a:cs typeface="Cascadia Mono Light" panose="020B0609020000020004" pitchFamily="49" charset="0"/>
-              </a:rPr>
-              <a:t>[0] == 'T' and </a:t>
-            </a:r>
-            <a:r>
-              <a:rPr lang="en-US" sz="800" dirty="0" err="1">
-                <a:latin typeface="Cascadia Mono Light" panose="020B0609020000020004" pitchFamily="49" charset="0"/>
-                <a:ea typeface="Cascadia Mono Light" panose="020B0609020000020004" pitchFamily="49" charset="0"/>
-                <a:cs typeface="Cascadia Mono Light" panose="020B0609020000020004" pitchFamily="49" charset="0"/>
-              </a:rPr>
-              <a:t>ntf</a:t>
-            </a:r>
-            <a:r>
-              <a:rPr lang="en-US" sz="800" dirty="0">
-                <a:latin typeface="Cascadia Mono Light" panose="020B0609020000020004" pitchFamily="49" charset="0"/>
-                <a:ea typeface="Cascadia Mono Light" panose="020B0609020000020004" pitchFamily="49" charset="0"/>
-                <a:cs typeface="Cascadia Mono Light" panose="020B0609020000020004" pitchFamily="49" charset="0"/>
-              </a:rPr>
-              <a:t>[1] == '2':</a:t>
-            </a:r>
-          </a:p>
-          <a:p>
-            <a:r>
-              <a:rPr lang="en-US" sz="800" dirty="0">
-                <a:latin typeface="Cascadia Mono Light" panose="020B0609020000020004" pitchFamily="49" charset="0"/>
-                <a:ea typeface="Cascadia Mono Light" panose="020B0609020000020004" pitchFamily="49" charset="0"/>
-                <a:cs typeface="Cascadia Mono Light" panose="020B0609020000020004" pitchFamily="49" charset="0"/>
-              </a:rPr>
-              <a:t>                return 'ZC'</a:t>
-            </a:r>
-          </a:p>
-          <a:p>
-            <a:r>
-              <a:rPr lang="en-US" sz="800" dirty="0">
-                <a:latin typeface="Cascadia Mono Light" panose="020B0609020000020004" pitchFamily="49" charset="0"/>
-                <a:ea typeface="Cascadia Mono Light" panose="020B0609020000020004" pitchFamily="49" charset="0"/>
-                <a:cs typeface="Cascadia Mono Light" panose="020B0609020000020004" pitchFamily="49" charset="0"/>
-              </a:rPr>
-              <a:t>            </a:t>
-            </a:r>
-            <a:r>
-              <a:rPr lang="en-US" sz="800" dirty="0" err="1">
-                <a:latin typeface="Cascadia Mono Light" panose="020B0609020000020004" pitchFamily="49" charset="0"/>
-                <a:ea typeface="Cascadia Mono Light" panose="020B0609020000020004" pitchFamily="49" charset="0"/>
-                <a:cs typeface="Cascadia Mono Light" panose="020B0609020000020004" pitchFamily="49" charset="0"/>
-              </a:rPr>
-              <a:t>elif</a:t>
-            </a:r>
-            <a:r>
-              <a:rPr lang="en-US" sz="800" dirty="0">
-                <a:latin typeface="Cascadia Mono Light" panose="020B0609020000020004" pitchFamily="49" charset="0"/>
-                <a:ea typeface="Cascadia Mono Light" panose="020B0609020000020004" pitchFamily="49" charset="0"/>
-                <a:cs typeface="Cascadia Mono Light" panose="020B0609020000020004" pitchFamily="49" charset="0"/>
-              </a:rPr>
-              <a:t> </a:t>
-            </a:r>
-            <a:r>
-              <a:rPr lang="en-US" sz="800" dirty="0" err="1">
-                <a:latin typeface="Cascadia Mono Light" panose="020B0609020000020004" pitchFamily="49" charset="0"/>
-                <a:ea typeface="Cascadia Mono Light" panose="020B0609020000020004" pitchFamily="49" charset="0"/>
-                <a:cs typeface="Cascadia Mono Light" panose="020B0609020000020004" pitchFamily="49" charset="0"/>
-              </a:rPr>
-              <a:t>ntf</a:t>
-            </a:r>
-            <a:r>
-              <a:rPr lang="en-US" sz="800" dirty="0">
-                <a:latin typeface="Cascadia Mono Light" panose="020B0609020000020004" pitchFamily="49" charset="0"/>
-                <a:ea typeface="Cascadia Mono Light" panose="020B0609020000020004" pitchFamily="49" charset="0"/>
-                <a:cs typeface="Cascadia Mono Light" panose="020B0609020000020004" pitchFamily="49" charset="0"/>
-              </a:rPr>
-              <a:t>[0] == 'T' and </a:t>
-            </a:r>
-            <a:r>
-              <a:rPr lang="en-US" sz="800" dirty="0" err="1">
-                <a:latin typeface="Cascadia Mono Light" panose="020B0609020000020004" pitchFamily="49" charset="0"/>
-                <a:ea typeface="Cascadia Mono Light" panose="020B0609020000020004" pitchFamily="49" charset="0"/>
-                <a:cs typeface="Cascadia Mono Light" panose="020B0609020000020004" pitchFamily="49" charset="0"/>
-              </a:rPr>
-              <a:t>ntf</a:t>
-            </a:r>
-            <a:r>
-              <a:rPr lang="en-US" sz="800" dirty="0">
-                <a:latin typeface="Cascadia Mono Light" panose="020B0609020000020004" pitchFamily="49" charset="0"/>
-                <a:ea typeface="Cascadia Mono Light" panose="020B0609020000020004" pitchFamily="49" charset="0"/>
-                <a:cs typeface="Cascadia Mono Light" panose="020B0609020000020004" pitchFamily="49" charset="0"/>
-              </a:rPr>
-              <a:t>[1] == '3':</a:t>
-            </a:r>
-          </a:p>
-          <a:p>
-            <a:r>
-              <a:rPr lang="en-US" sz="800" dirty="0">
-                <a:latin typeface="Cascadia Mono Light" panose="020B0609020000020004" pitchFamily="49" charset="0"/>
-                <a:ea typeface="Cascadia Mono Light" panose="020B0609020000020004" pitchFamily="49" charset="0"/>
-                <a:cs typeface="Cascadia Mono Light" panose="020B0609020000020004" pitchFamily="49" charset="0"/>
-              </a:rPr>
-              <a:t>                return 'ZD'</a:t>
-            </a:r>
-          </a:p>
-          <a:p>
-            <a:r>
-              <a:rPr lang="en-US" sz="800" dirty="0">
-                <a:latin typeface="Cascadia Mono Light" panose="020B0609020000020004" pitchFamily="49" charset="0"/>
-                <a:ea typeface="Cascadia Mono Light" panose="020B0609020000020004" pitchFamily="49" charset="0"/>
-                <a:cs typeface="Cascadia Mono Light" panose="020B0609020000020004" pitchFamily="49" charset="0"/>
-              </a:rPr>
-              <a:t>            </a:t>
-            </a:r>
-            <a:r>
-              <a:rPr lang="en-US" sz="800" dirty="0" err="1">
-                <a:latin typeface="Cascadia Mono Light" panose="020B0609020000020004" pitchFamily="49" charset="0"/>
-                <a:ea typeface="Cascadia Mono Light" panose="020B0609020000020004" pitchFamily="49" charset="0"/>
-                <a:cs typeface="Cascadia Mono Light" panose="020B0609020000020004" pitchFamily="49" charset="0"/>
-              </a:rPr>
-              <a:t>elif</a:t>
-            </a:r>
-            <a:r>
-              <a:rPr lang="en-US" sz="800" dirty="0">
-                <a:latin typeface="Cascadia Mono Light" panose="020B0609020000020004" pitchFamily="49" charset="0"/>
-                <a:ea typeface="Cascadia Mono Light" panose="020B0609020000020004" pitchFamily="49" charset="0"/>
-                <a:cs typeface="Cascadia Mono Light" panose="020B0609020000020004" pitchFamily="49" charset="0"/>
-              </a:rPr>
-              <a:t> </a:t>
-            </a:r>
-            <a:r>
-              <a:rPr lang="en-US" sz="800" dirty="0" err="1">
-                <a:latin typeface="Cascadia Mono Light" panose="020B0609020000020004" pitchFamily="49" charset="0"/>
-                <a:ea typeface="Cascadia Mono Light" panose="020B0609020000020004" pitchFamily="49" charset="0"/>
-                <a:cs typeface="Cascadia Mono Light" panose="020B0609020000020004" pitchFamily="49" charset="0"/>
-              </a:rPr>
-              <a:t>ntf</a:t>
-            </a:r>
-            <a:r>
-              <a:rPr lang="en-US" sz="800" dirty="0">
-                <a:latin typeface="Cascadia Mono Light" panose="020B0609020000020004" pitchFamily="49" charset="0"/>
-                <a:ea typeface="Cascadia Mono Light" panose="020B0609020000020004" pitchFamily="49" charset="0"/>
-                <a:cs typeface="Cascadia Mono Light" panose="020B0609020000020004" pitchFamily="49" charset="0"/>
-              </a:rPr>
-              <a:t>[0] == 'T' and </a:t>
-            </a:r>
-            <a:r>
-              <a:rPr lang="en-US" sz="800" dirty="0" err="1">
-                <a:latin typeface="Cascadia Mono Light" panose="020B0609020000020004" pitchFamily="49" charset="0"/>
-                <a:ea typeface="Cascadia Mono Light" panose="020B0609020000020004" pitchFamily="49" charset="0"/>
-                <a:cs typeface="Cascadia Mono Light" panose="020B0609020000020004" pitchFamily="49" charset="0"/>
-              </a:rPr>
-              <a:t>ntf</a:t>
-            </a:r>
-            <a:r>
-              <a:rPr lang="en-US" sz="800" dirty="0">
-                <a:latin typeface="Cascadia Mono Light" panose="020B0609020000020004" pitchFamily="49" charset="0"/>
-                <a:ea typeface="Cascadia Mono Light" panose="020B0609020000020004" pitchFamily="49" charset="0"/>
-                <a:cs typeface="Cascadia Mono Light" panose="020B0609020000020004" pitchFamily="49" charset="0"/>
-              </a:rPr>
-              <a:t>[1] == '7':</a:t>
-            </a:r>
-          </a:p>
-          <a:p>
-            <a:r>
-              <a:rPr lang="en-US" sz="800" dirty="0">
-                <a:latin typeface="Cascadia Mono Light" panose="020B0609020000020004" pitchFamily="49" charset="0"/>
-                <a:ea typeface="Cascadia Mono Light" panose="020B0609020000020004" pitchFamily="49" charset="0"/>
-                <a:cs typeface="Cascadia Mono Light" panose="020B0609020000020004" pitchFamily="49" charset="0"/>
-              </a:rPr>
-              <a:t>                return 'ZE'</a:t>
-            </a:r>
-          </a:p>
-          <a:p>
-            <a:r>
-              <a:rPr lang="en-US" sz="800" dirty="0">
-                <a:latin typeface="Cascadia Mono Light" panose="020B0609020000020004" pitchFamily="49" charset="0"/>
-                <a:ea typeface="Cascadia Mono Light" panose="020B0609020000020004" pitchFamily="49" charset="0"/>
-                <a:cs typeface="Cascadia Mono Light" panose="020B0609020000020004" pitchFamily="49" charset="0"/>
-              </a:rPr>
-              <a:t>            </a:t>
-            </a:r>
-            <a:r>
-              <a:rPr lang="en-US" sz="800" dirty="0" err="1">
-                <a:latin typeface="Cascadia Mono Light" panose="020B0609020000020004" pitchFamily="49" charset="0"/>
-                <a:ea typeface="Cascadia Mono Light" panose="020B0609020000020004" pitchFamily="49" charset="0"/>
-                <a:cs typeface="Cascadia Mono Light" panose="020B0609020000020004" pitchFamily="49" charset="0"/>
-              </a:rPr>
-              <a:t>elif</a:t>
-            </a:r>
-            <a:r>
-              <a:rPr lang="en-US" sz="800" dirty="0">
-                <a:latin typeface="Cascadia Mono Light" panose="020B0609020000020004" pitchFamily="49" charset="0"/>
-                <a:ea typeface="Cascadia Mono Light" panose="020B0609020000020004" pitchFamily="49" charset="0"/>
-                <a:cs typeface="Cascadia Mono Light" panose="020B0609020000020004" pitchFamily="49" charset="0"/>
-              </a:rPr>
-              <a:t> </a:t>
-            </a:r>
-            <a:r>
-              <a:rPr lang="en-US" sz="800" dirty="0" err="1">
-                <a:latin typeface="Cascadia Mono Light" panose="020B0609020000020004" pitchFamily="49" charset="0"/>
-                <a:ea typeface="Cascadia Mono Light" panose="020B0609020000020004" pitchFamily="49" charset="0"/>
-                <a:cs typeface="Cascadia Mono Light" panose="020B0609020000020004" pitchFamily="49" charset="0"/>
-              </a:rPr>
-              <a:t>ntf</a:t>
-            </a:r>
-            <a:r>
-              <a:rPr lang="en-US" sz="800" dirty="0">
-                <a:latin typeface="Cascadia Mono Light" panose="020B0609020000020004" pitchFamily="49" charset="0"/>
-                <a:ea typeface="Cascadia Mono Light" panose="020B0609020000020004" pitchFamily="49" charset="0"/>
-                <a:cs typeface="Cascadia Mono Light" panose="020B0609020000020004" pitchFamily="49" charset="0"/>
-              </a:rPr>
-              <a:t>[0] == 'T' and </a:t>
-            </a:r>
-            <a:r>
-              <a:rPr lang="en-US" sz="800" dirty="0" err="1">
-                <a:latin typeface="Cascadia Mono Light" panose="020B0609020000020004" pitchFamily="49" charset="0"/>
-                <a:ea typeface="Cascadia Mono Light" panose="020B0609020000020004" pitchFamily="49" charset="0"/>
-                <a:cs typeface="Cascadia Mono Light" panose="020B0609020000020004" pitchFamily="49" charset="0"/>
-              </a:rPr>
-              <a:t>ntf</a:t>
-            </a:r>
-            <a:r>
-              <a:rPr lang="en-US" sz="800" dirty="0">
-                <a:latin typeface="Cascadia Mono Light" panose="020B0609020000020004" pitchFamily="49" charset="0"/>
-                <a:ea typeface="Cascadia Mono Light" panose="020B0609020000020004" pitchFamily="49" charset="0"/>
-                <a:cs typeface="Cascadia Mono Light" panose="020B0609020000020004" pitchFamily="49" charset="0"/>
-              </a:rPr>
-              <a:t>[1:3] in ['90', '99']:</a:t>
-            </a:r>
-          </a:p>
-          <a:p>
-            <a:r>
-              <a:rPr lang="en-US" sz="800" dirty="0">
-                <a:latin typeface="Cascadia Mono Light" panose="020B0609020000020004" pitchFamily="49" charset="0"/>
-                <a:ea typeface="Cascadia Mono Light" panose="020B0609020000020004" pitchFamily="49" charset="0"/>
-                <a:cs typeface="Cascadia Mono Light" panose="020B0609020000020004" pitchFamily="49" charset="0"/>
-              </a:rPr>
-              <a:t>                return 'ZF'</a:t>
-            </a:r>
-          </a:p>
-          <a:p>
-            <a:r>
-              <a:rPr lang="en-US" sz="800" dirty="0">
-                <a:latin typeface="Cascadia Mono Light" panose="020B0609020000020004" pitchFamily="49" charset="0"/>
-                <a:ea typeface="Cascadia Mono Light" panose="020B0609020000020004" pitchFamily="49" charset="0"/>
-                <a:cs typeface="Cascadia Mono Light" panose="020B0609020000020004" pitchFamily="49" charset="0"/>
-              </a:rPr>
-              <a:t>            </a:t>
-            </a:r>
-            <a:r>
-              <a:rPr lang="en-US" sz="800" dirty="0" err="1">
-                <a:latin typeface="Cascadia Mono Light" panose="020B0609020000020004" pitchFamily="49" charset="0"/>
-                <a:ea typeface="Cascadia Mono Light" panose="020B0609020000020004" pitchFamily="49" charset="0"/>
-                <a:cs typeface="Cascadia Mono Light" panose="020B0609020000020004" pitchFamily="49" charset="0"/>
-              </a:rPr>
-              <a:t>elif</a:t>
-            </a:r>
-            <a:r>
-              <a:rPr lang="en-US" sz="800" dirty="0">
-                <a:latin typeface="Cascadia Mono Light" panose="020B0609020000020004" pitchFamily="49" charset="0"/>
-                <a:ea typeface="Cascadia Mono Light" panose="020B0609020000020004" pitchFamily="49" charset="0"/>
-                <a:cs typeface="Cascadia Mono Light" panose="020B0609020000020004" pitchFamily="49" charset="0"/>
-              </a:rPr>
-              <a:t> </a:t>
-            </a:r>
-            <a:r>
-              <a:rPr lang="en-US" sz="800" dirty="0" err="1">
-                <a:latin typeface="Cascadia Mono Light" panose="020B0609020000020004" pitchFamily="49" charset="0"/>
-                <a:ea typeface="Cascadia Mono Light" panose="020B0609020000020004" pitchFamily="49" charset="0"/>
-                <a:cs typeface="Cascadia Mono Light" panose="020B0609020000020004" pitchFamily="49" charset="0"/>
-              </a:rPr>
-              <a:t>ntf</a:t>
-            </a:r>
-            <a:r>
-              <a:rPr lang="en-US" sz="800" dirty="0">
-                <a:latin typeface="Cascadia Mono Light" panose="020B0609020000020004" pitchFamily="49" charset="0"/>
-                <a:ea typeface="Cascadia Mono Light" panose="020B0609020000020004" pitchFamily="49" charset="0"/>
-                <a:cs typeface="Cascadia Mono Light" panose="020B0609020000020004" pitchFamily="49" charset="0"/>
-              </a:rPr>
-              <a:t>[0] == 'T' and </a:t>
-            </a:r>
-            <a:r>
-              <a:rPr lang="en-US" sz="800" dirty="0" err="1">
-                <a:latin typeface="Cascadia Mono Light" panose="020B0609020000020004" pitchFamily="49" charset="0"/>
-                <a:ea typeface="Cascadia Mono Light" panose="020B0609020000020004" pitchFamily="49" charset="0"/>
-                <a:cs typeface="Cascadia Mono Light" panose="020B0609020000020004" pitchFamily="49" charset="0"/>
-              </a:rPr>
-              <a:t>ntf</a:t>
-            </a:r>
-            <a:r>
-              <a:rPr lang="en-US" sz="800" dirty="0">
-                <a:latin typeface="Cascadia Mono Light" panose="020B0609020000020004" pitchFamily="49" charset="0"/>
-                <a:ea typeface="Cascadia Mono Light" panose="020B0609020000020004" pitchFamily="49" charset="0"/>
-                <a:cs typeface="Cascadia Mono Light" panose="020B0609020000020004" pitchFamily="49" charset="0"/>
-              </a:rPr>
-              <a:t>[1] == '6':</a:t>
-            </a:r>
-          </a:p>
-          <a:p>
-            <a:r>
-              <a:rPr lang="en-US" sz="800" dirty="0">
-                <a:latin typeface="Cascadia Mono Light" panose="020B0609020000020004" pitchFamily="49" charset="0"/>
-                <a:ea typeface="Cascadia Mono Light" panose="020B0609020000020004" pitchFamily="49" charset="0"/>
-                <a:cs typeface="Cascadia Mono Light" panose="020B0609020000020004" pitchFamily="49" charset="0"/>
-              </a:rPr>
-              <a:t>                return 'ZF'</a:t>
-            </a:r>
-          </a:p>
-          <a:p>
-            <a:r>
-              <a:rPr lang="en-US" sz="800" dirty="0">
-                <a:latin typeface="Cascadia Mono Light" panose="020B0609020000020004" pitchFamily="49" charset="0"/>
-                <a:ea typeface="Cascadia Mono Light" panose="020B0609020000020004" pitchFamily="49" charset="0"/>
-                <a:cs typeface="Cascadia Mono Light" panose="020B0609020000020004" pitchFamily="49" charset="0"/>
-              </a:rPr>
-              <a:t>            </a:t>
-            </a:r>
-            <a:r>
-              <a:rPr lang="en-US" sz="800" dirty="0" err="1">
-                <a:latin typeface="Cascadia Mono Light" panose="020B0609020000020004" pitchFamily="49" charset="0"/>
-                <a:ea typeface="Cascadia Mono Light" panose="020B0609020000020004" pitchFamily="49" charset="0"/>
-                <a:cs typeface="Cascadia Mono Light" panose="020B0609020000020004" pitchFamily="49" charset="0"/>
-              </a:rPr>
-              <a:t>elif</a:t>
-            </a:r>
-            <a:r>
-              <a:rPr lang="en-US" sz="800" dirty="0">
-                <a:latin typeface="Cascadia Mono Light" panose="020B0609020000020004" pitchFamily="49" charset="0"/>
-                <a:ea typeface="Cascadia Mono Light" panose="020B0609020000020004" pitchFamily="49" charset="0"/>
-                <a:cs typeface="Cascadia Mono Light" panose="020B0609020000020004" pitchFamily="49" charset="0"/>
-              </a:rPr>
-              <a:t> </a:t>
-            </a:r>
-            <a:r>
-              <a:rPr lang="en-US" sz="800" dirty="0" err="1">
-                <a:latin typeface="Cascadia Mono Light" panose="020B0609020000020004" pitchFamily="49" charset="0"/>
-                <a:ea typeface="Cascadia Mono Light" panose="020B0609020000020004" pitchFamily="49" charset="0"/>
-                <a:cs typeface="Cascadia Mono Light" panose="020B0609020000020004" pitchFamily="49" charset="0"/>
-              </a:rPr>
-              <a:t>ntf</a:t>
-            </a:r>
-            <a:r>
-              <a:rPr lang="en-US" sz="800" dirty="0">
-                <a:latin typeface="Cascadia Mono Light" panose="020B0609020000020004" pitchFamily="49" charset="0"/>
-                <a:ea typeface="Cascadia Mono Light" panose="020B0609020000020004" pitchFamily="49" charset="0"/>
-                <a:cs typeface="Cascadia Mono Light" panose="020B0609020000020004" pitchFamily="49" charset="0"/>
-              </a:rPr>
-              <a:t>[:3] == 'Y30':</a:t>
-            </a:r>
-          </a:p>
-          <a:p>
-            <a:r>
-              <a:rPr lang="en-US" sz="800" dirty="0">
-                <a:latin typeface="Cascadia Mono Light" panose="020B0609020000020004" pitchFamily="49" charset="0"/>
-                <a:ea typeface="Cascadia Mono Light" panose="020B0609020000020004" pitchFamily="49" charset="0"/>
-                <a:cs typeface="Cascadia Mono Light" panose="020B0609020000020004" pitchFamily="49" charset="0"/>
-              </a:rPr>
-              <a:t>                return 'MR'</a:t>
-            </a:r>
-          </a:p>
-          <a:p>
-            <a:r>
-              <a:rPr lang="en-US" sz="800" dirty="0">
-                <a:latin typeface="Cascadia Mono Light" panose="020B0609020000020004" pitchFamily="49" charset="0"/>
-                <a:ea typeface="Cascadia Mono Light" panose="020B0609020000020004" pitchFamily="49" charset="0"/>
-                <a:cs typeface="Cascadia Mono Light" panose="020B0609020000020004" pitchFamily="49" charset="0"/>
-              </a:rPr>
-              <a:t>            </a:t>
-            </a:r>
-            <a:r>
-              <a:rPr lang="en-US" sz="800" dirty="0" err="1">
-                <a:latin typeface="Cascadia Mono Light" panose="020B0609020000020004" pitchFamily="49" charset="0"/>
-                <a:ea typeface="Cascadia Mono Light" panose="020B0609020000020004" pitchFamily="49" charset="0"/>
-                <a:cs typeface="Cascadia Mono Light" panose="020B0609020000020004" pitchFamily="49" charset="0"/>
-              </a:rPr>
-              <a:t>elif</a:t>
-            </a:r>
-            <a:r>
-              <a:rPr lang="en-US" sz="800" dirty="0">
-                <a:latin typeface="Cascadia Mono Light" panose="020B0609020000020004" pitchFamily="49" charset="0"/>
-                <a:ea typeface="Cascadia Mono Light" panose="020B0609020000020004" pitchFamily="49" charset="0"/>
-                <a:cs typeface="Cascadia Mono Light" panose="020B0609020000020004" pitchFamily="49" charset="0"/>
-              </a:rPr>
-              <a:t> </a:t>
-            </a:r>
-            <a:r>
-              <a:rPr lang="en-US" sz="800" dirty="0" err="1">
-                <a:latin typeface="Cascadia Mono Light" panose="020B0609020000020004" pitchFamily="49" charset="0"/>
-                <a:ea typeface="Cascadia Mono Light" panose="020B0609020000020004" pitchFamily="49" charset="0"/>
-                <a:cs typeface="Cascadia Mono Light" panose="020B0609020000020004" pitchFamily="49" charset="0"/>
-              </a:rPr>
-              <a:t>ntf</a:t>
-            </a:r>
-            <a:r>
-              <a:rPr lang="en-US" sz="800" dirty="0">
-                <a:latin typeface="Cascadia Mono Light" panose="020B0609020000020004" pitchFamily="49" charset="0"/>
-                <a:ea typeface="Cascadia Mono Light" panose="020B0609020000020004" pitchFamily="49" charset="0"/>
-                <a:cs typeface="Cascadia Mono Light" panose="020B0609020000020004" pitchFamily="49" charset="0"/>
-              </a:rPr>
-              <a:t>[0] == 'Y' and </a:t>
-            </a:r>
-            <a:r>
-              <a:rPr lang="en-US" sz="800" dirty="0" err="1">
-                <a:latin typeface="Cascadia Mono Light" panose="020B0609020000020004" pitchFamily="49" charset="0"/>
-                <a:ea typeface="Cascadia Mono Light" panose="020B0609020000020004" pitchFamily="49" charset="0"/>
-                <a:cs typeface="Cascadia Mono Light" panose="020B0609020000020004" pitchFamily="49" charset="0"/>
-              </a:rPr>
-              <a:t>ntf</a:t>
-            </a:r>
-            <a:r>
-              <a:rPr lang="en-US" sz="800" dirty="0">
-                <a:latin typeface="Cascadia Mono Light" panose="020B0609020000020004" pitchFamily="49" charset="0"/>
-                <a:ea typeface="Cascadia Mono Light" panose="020B0609020000020004" pitchFamily="49" charset="0"/>
-                <a:cs typeface="Cascadia Mono Light" panose="020B0609020000020004" pitchFamily="49" charset="0"/>
-              </a:rPr>
-              <a:t>[1:3] != '30':</a:t>
-            </a:r>
-          </a:p>
-          <a:p>
-            <a:r>
-              <a:rPr lang="en-US" sz="800" dirty="0">
-                <a:latin typeface="Cascadia Mono Light" panose="020B0609020000020004" pitchFamily="49" charset="0"/>
-                <a:ea typeface="Cascadia Mono Light" panose="020B0609020000020004" pitchFamily="49" charset="0"/>
-                <a:cs typeface="Cascadia Mono Light" panose="020B0609020000020004" pitchFamily="49" charset="0"/>
-              </a:rPr>
-              <a:t>                return 'MO'</a:t>
-            </a:r>
-          </a:p>
-          <a:p>
-            <a:r>
-              <a:rPr lang="en-US" sz="800" dirty="0">
-                <a:latin typeface="Cascadia Mono Light" panose="020B0609020000020004" pitchFamily="49" charset="0"/>
-                <a:ea typeface="Cascadia Mono Light" panose="020B0609020000020004" pitchFamily="49" charset="0"/>
-                <a:cs typeface="Cascadia Mono Light" panose="020B0609020000020004" pitchFamily="49" charset="0"/>
-              </a:rPr>
-              <a:t>            </a:t>
-            </a:r>
-            <a:r>
-              <a:rPr lang="en-US" sz="800" dirty="0" err="1">
-                <a:latin typeface="Cascadia Mono Light" panose="020B0609020000020004" pitchFamily="49" charset="0"/>
-                <a:ea typeface="Cascadia Mono Light" panose="020B0609020000020004" pitchFamily="49" charset="0"/>
-                <a:cs typeface="Cascadia Mono Light" panose="020B0609020000020004" pitchFamily="49" charset="0"/>
-              </a:rPr>
-              <a:t>elif</a:t>
-            </a:r>
-            <a:r>
-              <a:rPr lang="en-US" sz="800" dirty="0">
-                <a:latin typeface="Cascadia Mono Light" panose="020B0609020000020004" pitchFamily="49" charset="0"/>
-                <a:ea typeface="Cascadia Mono Light" panose="020B0609020000020004" pitchFamily="49" charset="0"/>
-                <a:cs typeface="Cascadia Mono Light" panose="020B0609020000020004" pitchFamily="49" charset="0"/>
-              </a:rPr>
-              <a:t> </a:t>
-            </a:r>
-            <a:r>
-              <a:rPr lang="en-US" sz="800" dirty="0" err="1">
-                <a:latin typeface="Cascadia Mono Light" panose="020B0609020000020004" pitchFamily="49" charset="0"/>
-                <a:ea typeface="Cascadia Mono Light" panose="020B0609020000020004" pitchFamily="49" charset="0"/>
-                <a:cs typeface="Cascadia Mono Light" panose="020B0609020000020004" pitchFamily="49" charset="0"/>
-              </a:rPr>
-              <a:t>ntf</a:t>
-            </a:r>
-            <a:r>
-              <a:rPr lang="en-US" sz="800" dirty="0">
-                <a:latin typeface="Cascadia Mono Light" panose="020B0609020000020004" pitchFamily="49" charset="0"/>
-                <a:ea typeface="Cascadia Mono Light" panose="020B0609020000020004" pitchFamily="49" charset="0"/>
-                <a:cs typeface="Cascadia Mono Light" panose="020B0609020000020004" pitchFamily="49" charset="0"/>
-              </a:rPr>
-              <a:t>[0] == 'A':</a:t>
-            </a:r>
-          </a:p>
-          <a:p>
-            <a:r>
-              <a:rPr lang="en-US" sz="800" dirty="0">
-                <a:latin typeface="Cascadia Mono Light" panose="020B0609020000020004" pitchFamily="49" charset="0"/>
-                <a:ea typeface="Cascadia Mono Light" panose="020B0609020000020004" pitchFamily="49" charset="0"/>
-                <a:cs typeface="Cascadia Mono Light" panose="020B0609020000020004" pitchFamily="49" charset="0"/>
-              </a:rPr>
-              <a:t>                return 'AR'</a:t>
-            </a:r>
-          </a:p>
-          <a:p>
-            <a:r>
-              <a:rPr lang="en-US" sz="800" dirty="0">
-                <a:latin typeface="Cascadia Mono Light" panose="020B0609020000020004" pitchFamily="49" charset="0"/>
-                <a:ea typeface="Cascadia Mono Light" panose="020B0609020000020004" pitchFamily="49" charset="0"/>
-                <a:cs typeface="Cascadia Mono Light" panose="020B0609020000020004" pitchFamily="49" charset="0"/>
-              </a:rPr>
-              <a:t>            </a:t>
-            </a:r>
-            <a:r>
-              <a:rPr lang="en-US" sz="800" dirty="0" err="1">
-                <a:latin typeface="Cascadia Mono Light" panose="020B0609020000020004" pitchFamily="49" charset="0"/>
-                <a:ea typeface="Cascadia Mono Light" panose="020B0609020000020004" pitchFamily="49" charset="0"/>
-                <a:cs typeface="Cascadia Mono Light" panose="020B0609020000020004" pitchFamily="49" charset="0"/>
-              </a:rPr>
-              <a:t>elif</a:t>
-            </a:r>
-            <a:r>
-              <a:rPr lang="en-US" sz="800" dirty="0">
-                <a:latin typeface="Cascadia Mono Light" panose="020B0609020000020004" pitchFamily="49" charset="0"/>
-                <a:ea typeface="Cascadia Mono Light" panose="020B0609020000020004" pitchFamily="49" charset="0"/>
-                <a:cs typeface="Cascadia Mono Light" panose="020B0609020000020004" pitchFamily="49" charset="0"/>
-              </a:rPr>
-              <a:t> </a:t>
-            </a:r>
-            <a:r>
-              <a:rPr lang="en-US" sz="800" dirty="0" err="1">
-                <a:latin typeface="Cascadia Mono Light" panose="020B0609020000020004" pitchFamily="49" charset="0"/>
-                <a:ea typeface="Cascadia Mono Light" panose="020B0609020000020004" pitchFamily="49" charset="0"/>
-                <a:cs typeface="Cascadia Mono Light" panose="020B0609020000020004" pitchFamily="49" charset="0"/>
-              </a:rPr>
-              <a:t>ntf</a:t>
-            </a:r>
-            <a:r>
-              <a:rPr lang="en-US" sz="800" dirty="0">
-                <a:latin typeface="Cascadia Mono Light" panose="020B0609020000020004" pitchFamily="49" charset="0"/>
-                <a:ea typeface="Cascadia Mono Light" panose="020B0609020000020004" pitchFamily="49" charset="0"/>
-                <a:cs typeface="Cascadia Mono Light" panose="020B0609020000020004" pitchFamily="49" charset="0"/>
-              </a:rPr>
-              <a:t>[0] == 'B':</a:t>
-            </a:r>
-          </a:p>
-          <a:p>
-            <a:r>
-              <a:rPr lang="en-US" sz="800" dirty="0">
-                <a:latin typeface="Cascadia Mono Light" panose="020B0609020000020004" pitchFamily="49" charset="0"/>
-                <a:ea typeface="Cascadia Mono Light" panose="020B0609020000020004" pitchFamily="49" charset="0"/>
-                <a:cs typeface="Cascadia Mono Light" panose="020B0609020000020004" pitchFamily="49" charset="0"/>
-              </a:rPr>
-              <a:t>                return 'ED'</a:t>
-            </a:r>
-          </a:p>
-          <a:p>
-            <a:r>
-              <a:rPr lang="en-US" sz="800" dirty="0">
-                <a:latin typeface="Cascadia Mono Light" panose="020B0609020000020004" pitchFamily="49" charset="0"/>
-                <a:ea typeface="Cascadia Mono Light" panose="020B0609020000020004" pitchFamily="49" charset="0"/>
-                <a:cs typeface="Cascadia Mono Light" panose="020B0609020000020004" pitchFamily="49" charset="0"/>
-              </a:rPr>
-              <a:t>            </a:t>
-            </a:r>
-            <a:r>
-              <a:rPr lang="en-US" sz="800" dirty="0" err="1">
-                <a:latin typeface="Cascadia Mono Light" panose="020B0609020000020004" pitchFamily="49" charset="0"/>
-                <a:ea typeface="Cascadia Mono Light" panose="020B0609020000020004" pitchFamily="49" charset="0"/>
-                <a:cs typeface="Cascadia Mono Light" panose="020B0609020000020004" pitchFamily="49" charset="0"/>
-              </a:rPr>
-              <a:t>elif</a:t>
-            </a:r>
-            <a:r>
-              <a:rPr lang="en-US" sz="800" dirty="0">
-                <a:latin typeface="Cascadia Mono Light" panose="020B0609020000020004" pitchFamily="49" charset="0"/>
-                <a:ea typeface="Cascadia Mono Light" panose="020B0609020000020004" pitchFamily="49" charset="0"/>
-                <a:cs typeface="Cascadia Mono Light" panose="020B0609020000020004" pitchFamily="49" charset="0"/>
-              </a:rPr>
-              <a:t> </a:t>
-            </a:r>
-            <a:r>
-              <a:rPr lang="en-US" sz="800" dirty="0" err="1">
-                <a:latin typeface="Cascadia Mono Light" panose="020B0609020000020004" pitchFamily="49" charset="0"/>
-                <a:ea typeface="Cascadia Mono Light" panose="020B0609020000020004" pitchFamily="49" charset="0"/>
-                <a:cs typeface="Cascadia Mono Light" panose="020B0609020000020004" pitchFamily="49" charset="0"/>
-              </a:rPr>
-              <a:t>ntf</a:t>
-            </a:r>
-            <a:r>
-              <a:rPr lang="en-US" sz="800" dirty="0">
-                <a:latin typeface="Cascadia Mono Light" panose="020B0609020000020004" pitchFamily="49" charset="0"/>
-                <a:ea typeface="Cascadia Mono Light" panose="020B0609020000020004" pitchFamily="49" charset="0"/>
-                <a:cs typeface="Cascadia Mono Light" panose="020B0609020000020004" pitchFamily="49" charset="0"/>
-              </a:rPr>
-              <a:t>[0] in ['C', 'D']:</a:t>
-            </a:r>
-          </a:p>
-          <a:p>
-            <a:r>
-              <a:rPr lang="en-US" sz="800" dirty="0">
-                <a:latin typeface="Cascadia Mono Light" panose="020B0609020000020004" pitchFamily="49" charset="0"/>
-                <a:ea typeface="Cascadia Mono Light" panose="020B0609020000020004" pitchFamily="49" charset="0"/>
-                <a:cs typeface="Cascadia Mono Light" panose="020B0609020000020004" pitchFamily="49" charset="0"/>
-              </a:rPr>
-              <a:t>                return 'EN'</a:t>
-            </a:r>
-          </a:p>
-          <a:p>
-            <a:r>
-              <a:rPr lang="en-US" sz="800" dirty="0">
-                <a:latin typeface="Cascadia Mono Light" panose="020B0609020000020004" pitchFamily="49" charset="0"/>
-                <a:ea typeface="Cascadia Mono Light" panose="020B0609020000020004" pitchFamily="49" charset="0"/>
-                <a:cs typeface="Cascadia Mono Light" panose="020B0609020000020004" pitchFamily="49" charset="0"/>
-              </a:rPr>
-              <a:t>            </a:t>
-            </a:r>
-            <a:r>
-              <a:rPr lang="en-US" sz="800" dirty="0" err="1">
-                <a:latin typeface="Cascadia Mono Light" panose="020B0609020000020004" pitchFamily="49" charset="0"/>
-                <a:ea typeface="Cascadia Mono Light" panose="020B0609020000020004" pitchFamily="49" charset="0"/>
-                <a:cs typeface="Cascadia Mono Light" panose="020B0609020000020004" pitchFamily="49" charset="0"/>
-              </a:rPr>
-              <a:t>elif</a:t>
-            </a:r>
-            <a:r>
-              <a:rPr lang="en-US" sz="800" dirty="0">
-                <a:latin typeface="Cascadia Mono Light" panose="020B0609020000020004" pitchFamily="49" charset="0"/>
-                <a:ea typeface="Cascadia Mono Light" panose="020B0609020000020004" pitchFamily="49" charset="0"/>
-                <a:cs typeface="Cascadia Mono Light" panose="020B0609020000020004" pitchFamily="49" charset="0"/>
-              </a:rPr>
-              <a:t> </a:t>
-            </a:r>
-            <a:r>
-              <a:rPr lang="en-US" sz="800" dirty="0" err="1">
-                <a:latin typeface="Cascadia Mono Light" panose="020B0609020000020004" pitchFamily="49" charset="0"/>
-                <a:ea typeface="Cascadia Mono Light" panose="020B0609020000020004" pitchFamily="49" charset="0"/>
-                <a:cs typeface="Cascadia Mono Light" panose="020B0609020000020004" pitchFamily="49" charset="0"/>
-              </a:rPr>
-              <a:t>ntf</a:t>
-            </a:r>
-            <a:r>
-              <a:rPr lang="en-US" sz="800" dirty="0">
-                <a:latin typeface="Cascadia Mono Light" panose="020B0609020000020004" pitchFamily="49" charset="0"/>
-                <a:ea typeface="Cascadia Mono Light" panose="020B0609020000020004" pitchFamily="49" charset="0"/>
-                <a:cs typeface="Cascadia Mono Light" panose="020B0609020000020004" pitchFamily="49" charset="0"/>
-              </a:rPr>
-              <a:t>[0] in ['E', 'F', 'G', 'H']:</a:t>
-            </a:r>
-          </a:p>
-          <a:p>
-            <a:r>
-              <a:rPr lang="en-US" sz="800" dirty="0">
-                <a:latin typeface="Cascadia Mono Light" panose="020B0609020000020004" pitchFamily="49" charset="0"/>
-                <a:ea typeface="Cascadia Mono Light" panose="020B0609020000020004" pitchFamily="49" charset="0"/>
-                <a:cs typeface="Cascadia Mono Light" panose="020B0609020000020004" pitchFamily="49" charset="0"/>
-              </a:rPr>
-              <a:t>                return 'HE'</a:t>
-            </a:r>
-          </a:p>
-          <a:p>
-            <a:r>
-              <a:rPr lang="en-US" sz="800" dirty="0">
-                <a:latin typeface="Cascadia Mono Light" panose="020B0609020000020004" pitchFamily="49" charset="0"/>
-                <a:ea typeface="Cascadia Mono Light" panose="020B0609020000020004" pitchFamily="49" charset="0"/>
-                <a:cs typeface="Cascadia Mono Light" panose="020B0609020000020004" pitchFamily="49" charset="0"/>
-              </a:rPr>
-              <a:t>            </a:t>
-            </a:r>
-            <a:r>
-              <a:rPr lang="en-US" sz="800" dirty="0" err="1">
-                <a:latin typeface="Cascadia Mono Light" panose="020B0609020000020004" pitchFamily="49" charset="0"/>
-                <a:ea typeface="Cascadia Mono Light" panose="020B0609020000020004" pitchFamily="49" charset="0"/>
-                <a:cs typeface="Cascadia Mono Light" panose="020B0609020000020004" pitchFamily="49" charset="0"/>
-              </a:rPr>
-              <a:t>elif</a:t>
-            </a:r>
-            <a:r>
-              <a:rPr lang="en-US" sz="800" dirty="0">
-                <a:latin typeface="Cascadia Mono Light" panose="020B0609020000020004" pitchFamily="49" charset="0"/>
-                <a:ea typeface="Cascadia Mono Light" panose="020B0609020000020004" pitchFamily="49" charset="0"/>
-                <a:cs typeface="Cascadia Mono Light" panose="020B0609020000020004" pitchFamily="49" charset="0"/>
-              </a:rPr>
-              <a:t> </a:t>
-            </a:r>
-            <a:r>
-              <a:rPr lang="en-US" sz="800" dirty="0" err="1">
-                <a:latin typeface="Cascadia Mono Light" panose="020B0609020000020004" pitchFamily="49" charset="0"/>
-                <a:ea typeface="Cascadia Mono Light" panose="020B0609020000020004" pitchFamily="49" charset="0"/>
-                <a:cs typeface="Cascadia Mono Light" panose="020B0609020000020004" pitchFamily="49" charset="0"/>
-              </a:rPr>
-              <a:t>ntf</a:t>
-            </a:r>
-            <a:r>
-              <a:rPr lang="en-US" sz="800" dirty="0">
-                <a:latin typeface="Cascadia Mono Light" panose="020B0609020000020004" pitchFamily="49" charset="0"/>
-                <a:ea typeface="Cascadia Mono Light" panose="020B0609020000020004" pitchFamily="49" charset="0"/>
-                <a:cs typeface="Cascadia Mono Light" panose="020B0609020000020004" pitchFamily="49" charset="0"/>
-              </a:rPr>
-              <a:t>[0] in ['I', 'J', 'K', 'L', 'M', 'N', 'O', 'P']:</a:t>
-            </a:r>
-          </a:p>
-          <a:p>
-            <a:r>
-              <a:rPr lang="en-US" sz="800" dirty="0">
-                <a:latin typeface="Cascadia Mono Light" panose="020B0609020000020004" pitchFamily="49" charset="0"/>
-                <a:ea typeface="Cascadia Mono Light" panose="020B0609020000020004" pitchFamily="49" charset="0"/>
-                <a:cs typeface="Cascadia Mono Light" panose="020B0609020000020004" pitchFamily="49" charset="0"/>
-              </a:rPr>
-              <a:t>                return 'HS'</a:t>
-            </a:r>
-          </a:p>
-          <a:p>
-            <a:r>
-              <a:rPr lang="en-US" sz="800" dirty="0">
-                <a:latin typeface="Cascadia Mono Light" panose="020B0609020000020004" pitchFamily="49" charset="0"/>
-                <a:ea typeface="Cascadia Mono Light" panose="020B0609020000020004" pitchFamily="49" charset="0"/>
-                <a:cs typeface="Cascadia Mono Light" panose="020B0609020000020004" pitchFamily="49" charset="0"/>
-              </a:rPr>
-              <a:t>            </a:t>
-            </a:r>
-            <a:r>
-              <a:rPr lang="en-US" sz="800" dirty="0" err="1">
-                <a:latin typeface="Cascadia Mono Light" panose="020B0609020000020004" pitchFamily="49" charset="0"/>
-                <a:ea typeface="Cascadia Mono Light" panose="020B0609020000020004" pitchFamily="49" charset="0"/>
-                <a:cs typeface="Cascadia Mono Light" panose="020B0609020000020004" pitchFamily="49" charset="0"/>
-              </a:rPr>
-              <a:t>elif</a:t>
-            </a:r>
-            <a:r>
-              <a:rPr lang="en-US" sz="800" dirty="0">
-                <a:latin typeface="Cascadia Mono Light" panose="020B0609020000020004" pitchFamily="49" charset="0"/>
-                <a:ea typeface="Cascadia Mono Light" panose="020B0609020000020004" pitchFamily="49" charset="0"/>
-                <a:cs typeface="Cascadia Mono Light" panose="020B0609020000020004" pitchFamily="49" charset="0"/>
-              </a:rPr>
-              <a:t> </a:t>
-            </a:r>
-            <a:r>
-              <a:rPr lang="en-US" sz="800" dirty="0" err="1">
-                <a:latin typeface="Cascadia Mono Light" panose="020B0609020000020004" pitchFamily="49" charset="0"/>
-                <a:ea typeface="Cascadia Mono Light" panose="020B0609020000020004" pitchFamily="49" charset="0"/>
-                <a:cs typeface="Cascadia Mono Light" panose="020B0609020000020004" pitchFamily="49" charset="0"/>
-              </a:rPr>
-              <a:t>ntf</a:t>
-            </a:r>
-            <a:r>
-              <a:rPr lang="en-US" sz="800" dirty="0">
-                <a:latin typeface="Cascadia Mono Light" panose="020B0609020000020004" pitchFamily="49" charset="0"/>
-                <a:ea typeface="Cascadia Mono Light" panose="020B0609020000020004" pitchFamily="49" charset="0"/>
-                <a:cs typeface="Cascadia Mono Light" panose="020B0609020000020004" pitchFamily="49" charset="0"/>
-              </a:rPr>
-              <a:t>[0] == 'Q':</a:t>
-            </a:r>
-          </a:p>
-          <a:p>
-            <a:r>
-              <a:rPr lang="en-US" sz="800" dirty="0">
-                <a:latin typeface="Cascadia Mono Light" panose="020B0609020000020004" pitchFamily="49" charset="0"/>
-                <a:ea typeface="Cascadia Mono Light" panose="020B0609020000020004" pitchFamily="49" charset="0"/>
-                <a:cs typeface="Cascadia Mono Light" panose="020B0609020000020004" pitchFamily="49" charset="0"/>
-              </a:rPr>
-              <a:t>                return 'IN'</a:t>
-            </a:r>
-          </a:p>
-          <a:p>
-            <a:r>
-              <a:rPr lang="en-US" sz="800" dirty="0">
-                <a:latin typeface="Cascadia Mono Light" panose="020B0609020000020004" pitchFamily="49" charset="0"/>
-                <a:ea typeface="Cascadia Mono Light" panose="020B0609020000020004" pitchFamily="49" charset="0"/>
-                <a:cs typeface="Cascadia Mono Light" panose="020B0609020000020004" pitchFamily="49" charset="0"/>
-              </a:rPr>
-              <a:t>            </a:t>
-            </a:r>
-            <a:r>
-              <a:rPr lang="en-US" sz="800" dirty="0" err="1">
-                <a:latin typeface="Cascadia Mono Light" panose="020B0609020000020004" pitchFamily="49" charset="0"/>
-                <a:ea typeface="Cascadia Mono Light" panose="020B0609020000020004" pitchFamily="49" charset="0"/>
-                <a:cs typeface="Cascadia Mono Light" panose="020B0609020000020004" pitchFamily="49" charset="0"/>
-              </a:rPr>
-              <a:t>elif</a:t>
-            </a:r>
-            <a:r>
-              <a:rPr lang="en-US" sz="800" dirty="0">
-                <a:latin typeface="Cascadia Mono Light" panose="020B0609020000020004" pitchFamily="49" charset="0"/>
-                <a:ea typeface="Cascadia Mono Light" panose="020B0609020000020004" pitchFamily="49" charset="0"/>
-                <a:cs typeface="Cascadia Mono Light" panose="020B0609020000020004" pitchFamily="49" charset="0"/>
-              </a:rPr>
-              <a:t> </a:t>
-            </a:r>
-            <a:r>
-              <a:rPr lang="en-US" sz="800" dirty="0" err="1">
-                <a:latin typeface="Cascadia Mono Light" panose="020B0609020000020004" pitchFamily="49" charset="0"/>
-                <a:ea typeface="Cascadia Mono Light" panose="020B0609020000020004" pitchFamily="49" charset="0"/>
-                <a:cs typeface="Cascadia Mono Light" panose="020B0609020000020004" pitchFamily="49" charset="0"/>
-              </a:rPr>
-              <a:t>ntf</a:t>
-            </a:r>
-            <a:r>
-              <a:rPr lang="en-US" sz="800" dirty="0">
-                <a:latin typeface="Cascadia Mono Light" panose="020B0609020000020004" pitchFamily="49" charset="0"/>
-                <a:ea typeface="Cascadia Mono Light" panose="020B0609020000020004" pitchFamily="49" charset="0"/>
-                <a:cs typeface="Cascadia Mono Light" panose="020B0609020000020004" pitchFamily="49" charset="0"/>
-              </a:rPr>
-              <a:t>[0] in ['R', 'S', 'T', 'U', 'V', 'W']:</a:t>
-            </a:r>
-          </a:p>
-          <a:p>
-            <a:r>
-              <a:rPr lang="en-US" sz="800" dirty="0">
-                <a:latin typeface="Cascadia Mono Light" panose="020B0609020000020004" pitchFamily="49" charset="0"/>
-                <a:ea typeface="Cascadia Mono Light" panose="020B0609020000020004" pitchFamily="49" charset="0"/>
-                <a:cs typeface="Cascadia Mono Light" panose="020B0609020000020004" pitchFamily="49" charset="0"/>
-              </a:rPr>
-              <a:t>                return 'PB'</a:t>
-            </a:r>
-          </a:p>
-          <a:p>
-            <a:r>
-              <a:rPr lang="en-US" sz="800" dirty="0">
-                <a:latin typeface="Cascadia Mono Light" panose="020B0609020000020004" pitchFamily="49" charset="0"/>
-                <a:ea typeface="Cascadia Mono Light" panose="020B0609020000020004" pitchFamily="49" charset="0"/>
-                <a:cs typeface="Cascadia Mono Light" panose="020B0609020000020004" pitchFamily="49" charset="0"/>
-              </a:rPr>
-              <a:t>            </a:t>
-            </a:r>
-            <a:r>
-              <a:rPr lang="en-US" sz="800" dirty="0" err="1">
-                <a:latin typeface="Cascadia Mono Light" panose="020B0609020000020004" pitchFamily="49" charset="0"/>
-                <a:ea typeface="Cascadia Mono Light" panose="020B0609020000020004" pitchFamily="49" charset="0"/>
-                <a:cs typeface="Cascadia Mono Light" panose="020B0609020000020004" pitchFamily="49" charset="0"/>
-              </a:rPr>
-              <a:t>elif</a:t>
-            </a:r>
-            <a:r>
-              <a:rPr lang="en-US" sz="800" dirty="0">
-                <a:latin typeface="Cascadia Mono Light" panose="020B0609020000020004" pitchFamily="49" charset="0"/>
-                <a:ea typeface="Cascadia Mono Light" panose="020B0609020000020004" pitchFamily="49" charset="0"/>
-                <a:cs typeface="Cascadia Mono Light" panose="020B0609020000020004" pitchFamily="49" charset="0"/>
-              </a:rPr>
-              <a:t> </a:t>
-            </a:r>
-            <a:r>
-              <a:rPr lang="en-US" sz="800" dirty="0" err="1">
-                <a:latin typeface="Cascadia Mono Light" panose="020B0609020000020004" pitchFamily="49" charset="0"/>
-                <a:ea typeface="Cascadia Mono Light" panose="020B0609020000020004" pitchFamily="49" charset="0"/>
-                <a:cs typeface="Cascadia Mono Light" panose="020B0609020000020004" pitchFamily="49" charset="0"/>
-              </a:rPr>
-              <a:t>ntf</a:t>
-            </a:r>
-            <a:r>
-              <a:rPr lang="en-US" sz="800" dirty="0">
-                <a:latin typeface="Cascadia Mono Light" panose="020B0609020000020004" pitchFamily="49" charset="0"/>
-                <a:ea typeface="Cascadia Mono Light" panose="020B0609020000020004" pitchFamily="49" charset="0"/>
-                <a:cs typeface="Cascadia Mono Light" panose="020B0609020000020004" pitchFamily="49" charset="0"/>
-              </a:rPr>
-              <a:t>[0] == 'X':</a:t>
-            </a:r>
-          </a:p>
-          <a:p>
-            <a:r>
-              <a:rPr lang="en-US" sz="800" dirty="0">
-                <a:latin typeface="Cascadia Mono Light" panose="020B0609020000020004" pitchFamily="49" charset="0"/>
-                <a:ea typeface="Cascadia Mono Light" panose="020B0609020000020004" pitchFamily="49" charset="0"/>
-                <a:cs typeface="Cascadia Mono Light" panose="020B0609020000020004" pitchFamily="49" charset="0"/>
-              </a:rPr>
-              <a:t>                return 'RE'</a:t>
-            </a:r>
-          </a:p>
-          <a:p>
-            <a:r>
-              <a:rPr lang="en-US" sz="800" dirty="0">
-                <a:latin typeface="Cascadia Mono Light" panose="020B0609020000020004" pitchFamily="49" charset="0"/>
-                <a:ea typeface="Cascadia Mono Light" panose="020B0609020000020004" pitchFamily="49" charset="0"/>
-                <a:cs typeface="Cascadia Mono Light" panose="020B0609020000020004" pitchFamily="49" charset="0"/>
-              </a:rPr>
-              <a:t>            </a:t>
-            </a:r>
-            <a:r>
-              <a:rPr lang="en-US" sz="800" dirty="0" err="1">
-                <a:latin typeface="Cascadia Mono Light" panose="020B0609020000020004" pitchFamily="49" charset="0"/>
-                <a:ea typeface="Cascadia Mono Light" panose="020B0609020000020004" pitchFamily="49" charset="0"/>
-                <a:cs typeface="Cascadia Mono Light" panose="020B0609020000020004" pitchFamily="49" charset="0"/>
-              </a:rPr>
-              <a:t>elif</a:t>
-            </a:r>
-            <a:r>
-              <a:rPr lang="en-US" sz="800" dirty="0">
-                <a:latin typeface="Cascadia Mono Light" panose="020B0609020000020004" pitchFamily="49" charset="0"/>
-                <a:ea typeface="Cascadia Mono Light" panose="020B0609020000020004" pitchFamily="49" charset="0"/>
-                <a:cs typeface="Cascadia Mono Light" panose="020B0609020000020004" pitchFamily="49" charset="0"/>
-              </a:rPr>
-              <a:t> </a:t>
-            </a:r>
-            <a:r>
-              <a:rPr lang="en-US" sz="800" dirty="0" err="1">
-                <a:latin typeface="Cascadia Mono Light" panose="020B0609020000020004" pitchFamily="49" charset="0"/>
-                <a:ea typeface="Cascadia Mono Light" panose="020B0609020000020004" pitchFamily="49" charset="0"/>
-                <a:cs typeface="Cascadia Mono Light" panose="020B0609020000020004" pitchFamily="49" charset="0"/>
-              </a:rPr>
-              <a:t>ntf</a:t>
-            </a:r>
-            <a:r>
-              <a:rPr lang="en-US" sz="800" dirty="0">
-                <a:latin typeface="Cascadia Mono Light" panose="020B0609020000020004" pitchFamily="49" charset="0"/>
-                <a:ea typeface="Cascadia Mono Light" panose="020B0609020000020004" pitchFamily="49" charset="0"/>
-                <a:cs typeface="Cascadia Mono Light" panose="020B0609020000020004" pitchFamily="49" charset="0"/>
-              </a:rPr>
-              <a:t>[0] == 'Z':</a:t>
-            </a:r>
-          </a:p>
-          <a:p>
-            <a:r>
-              <a:rPr lang="en-US" sz="800" dirty="0">
-                <a:latin typeface="Cascadia Mono Light" panose="020B0609020000020004" pitchFamily="49" charset="0"/>
-                <a:ea typeface="Cascadia Mono Light" panose="020B0609020000020004" pitchFamily="49" charset="0"/>
-                <a:cs typeface="Cascadia Mono Light" panose="020B0609020000020004" pitchFamily="49" charset="0"/>
-              </a:rPr>
-              <a:t>                return 'UN'</a:t>
-            </a:r>
-          </a:p>
-          <a:p>
-            <a:r>
-              <a:rPr lang="en-US" sz="800" dirty="0">
+              <a:rPr lang="en-US" sz="1200" dirty="0">
+                <a:latin typeface="Cascadia Mono Light" panose="020B0609020000020004" pitchFamily="49" charset="0"/>
+                <a:ea typeface="Cascadia Mono Light" panose="020B0609020000020004" pitchFamily="49" charset="0"/>
+                <a:cs typeface="Cascadia Mono Light" panose="020B0609020000020004" pitchFamily="49" charset="0"/>
+              </a:rPr>
+              <a:t>[0] == 'Y':</a:t>
+            </a:r>
+          </a:p>
+          <a:p>
+            <a:r>
+              <a:rPr lang="en-US" sz="1200" dirty="0">
+                <a:latin typeface="Cascadia Mono Light" panose="020B0609020000020004" pitchFamily="49" charset="0"/>
+                <a:ea typeface="Cascadia Mono Light" panose="020B0609020000020004" pitchFamily="49" charset="0"/>
+                <a:cs typeface="Cascadia Mono Light" panose="020B0609020000020004" pitchFamily="49" charset="0"/>
+              </a:rPr>
+              <a:t>                return 'M'</a:t>
+            </a:r>
+          </a:p>
+          <a:p>
+            <a:r>
+              <a:rPr lang="en-US" sz="1200" dirty="0">
                 <a:latin typeface="Cascadia Mono Light" panose="020B0609020000020004" pitchFamily="49" charset="0"/>
                 <a:ea typeface="Cascadia Mono Light" panose="020B0609020000020004" pitchFamily="49" charset="0"/>
                 <a:cs typeface="Cascadia Mono Light" panose="020B0609020000020004" pitchFamily="49" charset="0"/>
@@ -17024,16 +16404,16 @@
           </a:p>
           <a:p>
             <a:r>
-              <a:rPr lang="en-US" sz="800" dirty="0">
-                <a:latin typeface="Cascadia Mono Light" panose="020B0609020000020004" pitchFamily="49" charset="0"/>
-                <a:ea typeface="Cascadia Mono Light" panose="020B0609020000020004" pitchFamily="49" charset="0"/>
-                <a:cs typeface="Cascadia Mono Light" panose="020B0609020000020004" pitchFamily="49" charset="0"/>
-              </a:rPr>
-              <a:t>                return '-'</a:t>
-            </a:r>
-          </a:p>
-          <a:p>
-            <a:endParaRPr lang="en-US" sz="800" dirty="0">
+              <a:rPr lang="en-US" sz="1200" dirty="0">
+                <a:latin typeface="Cascadia Mono Light" panose="020B0609020000020004" pitchFamily="49" charset="0"/>
+                <a:ea typeface="Cascadia Mono Light" panose="020B0609020000020004" pitchFamily="49" charset="0"/>
+                <a:cs typeface="Cascadia Mono Light" panose="020B0609020000020004" pitchFamily="49" charset="0"/>
+              </a:rPr>
+              <a:t>                return 'O'</a:t>
+            </a:r>
+          </a:p>
+          <a:p>
+            <a:endParaRPr lang="en-US" sz="1200" dirty="0">
               <a:latin typeface="Cascadia Mono Light" panose="020B0609020000020004" pitchFamily="49" charset="0"/>
               <a:ea typeface="Cascadia Mono Light" panose="020B0609020000020004" pitchFamily="49" charset="0"/>
               <a:cs typeface="Cascadia Mono Light" panose="020B0609020000020004" pitchFamily="49" charset="0"/>
@@ -17041,7 +16421,7 @@
           </a:p>
           <a:p>
             <a:r>
-              <a:rPr lang="en-US" sz="800" dirty="0">
+              <a:rPr lang="en-US" sz="1200" dirty="0">
                 <a:latin typeface="Cascadia Mono Light" panose="020B0609020000020004" pitchFamily="49" charset="0"/>
                 <a:ea typeface="Cascadia Mono Light" panose="020B0609020000020004" pitchFamily="49" charset="0"/>
                 <a:cs typeface="Cascadia Mono Light" panose="020B0609020000020004" pitchFamily="49" charset="0"/>
@@ -17049,7 +16429,7 @@
               <a:t>        </a:t>
             </a:r>
             <a:r>
-              <a:rPr lang="en-US" sz="800" dirty="0" err="1">
+              <a:rPr lang="en-US" sz="1200" dirty="0" err="1">
                 <a:latin typeface="Cascadia Mono Light" panose="020B0609020000020004" pitchFamily="49" charset="0"/>
                 <a:ea typeface="Cascadia Mono Light" panose="020B0609020000020004" pitchFamily="49" charset="0"/>
                 <a:cs typeface="Cascadia Mono Light" panose="020B0609020000020004" pitchFamily="49" charset="0"/>
@@ -17057,7 +16437,7 @@
               <a:t>data_dict_entry</a:t>
             </a:r>
             <a:r>
-              <a:rPr lang="en-US" sz="800" dirty="0">
+              <a:rPr lang="en-US" sz="1200" dirty="0">
                 <a:latin typeface="Cascadia Mono Light" panose="020B0609020000020004" pitchFamily="49" charset="0"/>
                 <a:ea typeface="Cascadia Mono Light" panose="020B0609020000020004" pitchFamily="49" charset="0"/>
                 <a:cs typeface="Cascadia Mono Light" panose="020B0609020000020004" pitchFamily="49" charset="0"/>
@@ -17067,7 +16447,7 @@
           </a:p>
           <a:p>
             <a:r>
-              <a:rPr lang="en-US" sz="800" dirty="0">
+              <a:rPr lang="en-US" sz="1200" dirty="0">
                 <a:latin typeface="Cascadia Mono Light" panose="020B0609020000020004" pitchFamily="49" charset="0"/>
                 <a:ea typeface="Cascadia Mono Light" panose="020B0609020000020004" pitchFamily="49" charset="0"/>
                 <a:cs typeface="Cascadia Mono Light" panose="020B0609020000020004" pitchFamily="49" charset="0"/>
@@ -17075,7 +16455,7 @@
               <a:t>        </a:t>
             </a:r>
             <a:r>
-              <a:rPr lang="en-US" sz="800" dirty="0" err="1">
+              <a:rPr lang="en-US" sz="1200" dirty="0" err="1">
                 <a:latin typeface="Cascadia Mono Light" panose="020B0609020000020004" pitchFamily="49" charset="0"/>
                 <a:ea typeface="Cascadia Mono Light" panose="020B0609020000020004" pitchFamily="49" charset="0"/>
                 <a:cs typeface="Cascadia Mono Light" panose="020B0609020000020004" pitchFamily="49" charset="0"/>
@@ -17083,7 +16463,7 @@
               <a:t>self.main.data_dict.report_column</a:t>
             </a:r>
             <a:r>
-              <a:rPr lang="en-US" sz="800" dirty="0">
+              <a:rPr lang="en-US" sz="1200" dirty="0">
                 <a:latin typeface="Cascadia Mono Light" panose="020B0609020000020004" pitchFamily="49" charset="0"/>
                 <a:ea typeface="Cascadia Mono Light" panose="020B0609020000020004" pitchFamily="49" charset="0"/>
                 <a:cs typeface="Cascadia Mono Light" panose="020B0609020000020004" pitchFamily="49" charset="0"/>
@@ -17091,7 +16471,7 @@
               <a:t>(name, </a:t>
             </a:r>
             <a:r>
-              <a:rPr lang="en-US" sz="800" dirty="0" err="1">
+              <a:rPr lang="en-US" sz="1200" dirty="0" err="1">
                 <a:latin typeface="Cascadia Mono Light" panose="020B0609020000020004" pitchFamily="49" charset="0"/>
                 <a:ea typeface="Cascadia Mono Light" panose="020B0609020000020004" pitchFamily="49" charset="0"/>
                 <a:cs typeface="Cascadia Mono Light" panose="020B0609020000020004" pitchFamily="49" charset="0"/>
@@ -17099,7 +16479,7 @@
               <a:t>data_dict_entry</a:t>
             </a:r>
             <a:r>
-              <a:rPr lang="en-US" sz="800" dirty="0">
+              <a:rPr lang="en-US" sz="1200" dirty="0">
                 <a:latin typeface="Cascadia Mono Light" panose="020B0609020000020004" pitchFamily="49" charset="0"/>
                 <a:ea typeface="Cascadia Mono Light" panose="020B0609020000020004" pitchFamily="49" charset="0"/>
                 <a:cs typeface="Cascadia Mono Light" panose="020B0609020000020004" pitchFamily="49" charset="0"/>
@@ -17109,7 +16489,7 @@
           </a:p>
           <a:p>
             <a:r>
-              <a:rPr lang="en-US" sz="800" dirty="0">
+              <a:rPr lang="en-US" sz="1200" dirty="0">
                 <a:latin typeface="Cascadia Mono Light" panose="020B0609020000020004" pitchFamily="49" charset="0"/>
                 <a:ea typeface="Cascadia Mono Light" panose="020B0609020000020004" pitchFamily="49" charset="0"/>
                 <a:cs typeface="Cascadia Mono Light" panose="020B0609020000020004" pitchFamily="49" charset="0"/>
@@ -17117,7 +16497,7 @@
               <a:t>        if </a:t>
             </a:r>
             <a:r>
-              <a:rPr lang="en-US" sz="800" dirty="0" err="1">
+              <a:rPr lang="en-US" sz="1200" dirty="0" err="1">
                 <a:latin typeface="Cascadia Mono Light" panose="020B0609020000020004" pitchFamily="49" charset="0"/>
                 <a:ea typeface="Cascadia Mono Light" panose="020B0609020000020004" pitchFamily="49" charset="0"/>
                 <a:cs typeface="Cascadia Mono Light" panose="020B0609020000020004" pitchFamily="49" charset="0"/>
@@ -17125,7 +16505,7 @@
               <a:t>self.parallelize</a:t>
             </a:r>
             <a:r>
-              <a:rPr lang="en-US" sz="800" dirty="0">
+              <a:rPr lang="en-US" sz="1200" dirty="0">
                 <a:latin typeface="Cascadia Mono Light" panose="020B0609020000020004" pitchFamily="49" charset="0"/>
                 <a:ea typeface="Cascadia Mono Light" panose="020B0609020000020004" pitchFamily="49" charset="0"/>
                 <a:cs typeface="Cascadia Mono Light" panose="020B0609020000020004" pitchFamily="49" charset="0"/>
@@ -17135,7 +16515,7 @@
           </a:p>
           <a:p>
             <a:r>
-              <a:rPr lang="en-US" sz="800" dirty="0">
+              <a:rPr lang="en-US" sz="1200" dirty="0">
                 <a:latin typeface="Cascadia Mono Light" panose="020B0609020000020004" pitchFamily="49" charset="0"/>
                 <a:ea typeface="Cascadia Mono Light" panose="020B0609020000020004" pitchFamily="49" charset="0"/>
                 <a:cs typeface="Cascadia Mono Light" panose="020B0609020000020004" pitchFamily="49" charset="0"/>
@@ -17143,7 +16523,7 @@
               <a:t>            return </a:t>
             </a:r>
             <a:r>
-              <a:rPr lang="en-US" sz="800" dirty="0" err="1">
+              <a:rPr lang="en-US" sz="1200" dirty="0" err="1">
                 <a:latin typeface="Cascadia Mono Light" panose="020B0609020000020004" pitchFamily="49" charset="0"/>
                 <a:ea typeface="Cascadia Mono Light" panose="020B0609020000020004" pitchFamily="49" charset="0"/>
                 <a:cs typeface="Cascadia Mono Light" panose="020B0609020000020004" pitchFamily="49" charset="0"/>
@@ -17151,7 +16531,7 @@
               <a:t>self.parallel_apply</a:t>
             </a:r>
             <a:r>
-              <a:rPr lang="en-US" sz="800" dirty="0">
+              <a:rPr lang="en-US" sz="1200" dirty="0">
                 <a:latin typeface="Cascadia Mono Light" panose="020B0609020000020004" pitchFamily="49" charset="0"/>
                 <a:ea typeface="Cascadia Mono Light" panose="020B0609020000020004" pitchFamily="49" charset="0"/>
                 <a:cs typeface="Cascadia Mono Light" panose="020B0609020000020004" pitchFamily="49" charset="0"/>
@@ -17159,7 +16539,7 @@
               <a:t>(</a:t>
             </a:r>
             <a:r>
-              <a:rPr lang="en-US" sz="800" dirty="0" err="1">
+              <a:rPr lang="en-US" sz="1200" dirty="0" err="1">
                 <a:latin typeface="Cascadia Mono Light" panose="020B0609020000020004" pitchFamily="49" charset="0"/>
                 <a:ea typeface="Cascadia Mono Light" panose="020B0609020000020004" pitchFamily="49" charset="0"/>
                 <a:cs typeface="Cascadia Mono Light" panose="020B0609020000020004" pitchFamily="49" charset="0"/>
@@ -17167,17 +16547,17 @@
               <a:t>df</a:t>
             </a:r>
             <a:r>
-              <a:rPr lang="en-US" sz="800" dirty="0">
-                <a:latin typeface="Cascadia Mono Light" panose="020B0609020000020004" pitchFamily="49" charset="0"/>
-                <a:ea typeface="Cascadia Mono Light" panose="020B0609020000020004" pitchFamily="49" charset="0"/>
-                <a:cs typeface="Cascadia Mono Light" panose="020B0609020000020004" pitchFamily="49" charset="0"/>
-              </a:rPr>
-              <a:t>, level3)</a:t>
-            </a:r>
-          </a:p>
-          <a:p>
-            <a:r>
-              <a:rPr lang="en-US" sz="800" dirty="0">
+              <a:rPr lang="en-US" sz="1200" dirty="0">
+                <a:latin typeface="Cascadia Mono Light" panose="020B0609020000020004" pitchFamily="49" charset="0"/>
+                <a:ea typeface="Cascadia Mono Light" panose="020B0609020000020004" pitchFamily="49" charset="0"/>
+                <a:cs typeface="Cascadia Mono Light" panose="020B0609020000020004" pitchFamily="49" charset="0"/>
+              </a:rPr>
+              <a:t>, level2)</a:t>
+            </a:r>
+          </a:p>
+          <a:p>
+            <a:r>
+              <a:rPr lang="en-US" sz="1200" dirty="0">
                 <a:latin typeface="Cascadia Mono Light" panose="020B0609020000020004" pitchFamily="49" charset="0"/>
                 <a:ea typeface="Cascadia Mono Light" panose="020B0609020000020004" pitchFamily="49" charset="0"/>
                 <a:cs typeface="Cascadia Mono Light" panose="020B0609020000020004" pitchFamily="49" charset="0"/>
@@ -17187,7 +16567,7 @@
           </a:p>
           <a:p>
             <a:r>
-              <a:rPr lang="en-US" sz="800" dirty="0">
+              <a:rPr lang="en-US" sz="1200" dirty="0">
                 <a:latin typeface="Cascadia Mono Light" panose="020B0609020000020004" pitchFamily="49" charset="0"/>
                 <a:ea typeface="Cascadia Mono Light" panose="020B0609020000020004" pitchFamily="49" charset="0"/>
                 <a:cs typeface="Cascadia Mono Light" panose="020B0609020000020004" pitchFamily="49" charset="0"/>
@@ -17195,7 +16575,7 @@
               <a:t>            return </a:t>
             </a:r>
             <a:r>
-              <a:rPr lang="en-US" sz="800" dirty="0" err="1">
+              <a:rPr lang="en-US" sz="1200" dirty="0" err="1">
                 <a:latin typeface="Cascadia Mono Light" panose="020B0609020000020004" pitchFamily="49" charset="0"/>
                 <a:ea typeface="Cascadia Mono Light" panose="020B0609020000020004" pitchFamily="49" charset="0"/>
                 <a:cs typeface="Cascadia Mono Light" panose="020B0609020000020004" pitchFamily="49" charset="0"/>
@@ -17203,12 +16583,12 @@
               <a:t>df.apply</a:t>
             </a:r>
             <a:r>
-              <a:rPr lang="en-US" sz="800" dirty="0">
-                <a:latin typeface="Cascadia Mono Light" panose="020B0609020000020004" pitchFamily="49" charset="0"/>
-                <a:ea typeface="Cascadia Mono Light" panose="020B0609020000020004" pitchFamily="49" charset="0"/>
-                <a:cs typeface="Cascadia Mono Light" panose="020B0609020000020004" pitchFamily="49" charset="0"/>
-              </a:rPr>
-              <a:t>(lambda r: level3(r), axis=1)</a:t>
+              <a:rPr lang="en-US" sz="1200" dirty="0">
+                <a:latin typeface="Cascadia Mono Light" panose="020B0609020000020004" pitchFamily="49" charset="0"/>
+                <a:ea typeface="Cascadia Mono Light" panose="020B0609020000020004" pitchFamily="49" charset="0"/>
+                <a:cs typeface="Cascadia Mono Light" panose="020B0609020000020004" pitchFamily="49" charset="0"/>
+              </a:rPr>
+              <a:t>(lambda r: level2(r), axis=1)</a:t>
             </a:r>
           </a:p>
         </p:txBody>
@@ -17216,7 +16596,7 @@
     </p:spTree>
     <p:extLst>
       <p:ext uri="{BB962C8B-B14F-4D97-AF65-F5344CB8AC3E}">
-        <p14:creationId xmlns:p14="http://schemas.microsoft.com/office/powerpoint/2010/main" val="516365171"/>
+        <p14:creationId xmlns:p14="http://schemas.microsoft.com/office/powerpoint/2010/main" val="2595011101"/>
       </p:ext>
     </p:extLst>
   </p:cSld>
@@ -17245,10 +16625,10 @@
       </p:grpSpPr>
       <p:sp>
         <p:nvSpPr>
-          <p:cNvPr id="27" name="Title 26">
-            <a:extLst>
-              <a:ext uri="{FF2B5EF4-FFF2-40B4-BE49-F238E27FC236}">
-                <a16:creationId xmlns:a16="http://schemas.microsoft.com/office/drawing/2014/main" id="{416CD5C7-F95B-6DEC-1AD2-4FC5EBA05258}"/>
+          <p:cNvPr id="2" name="Title 1">
+            <a:extLst>
+              <a:ext uri="{FF2B5EF4-FFF2-40B4-BE49-F238E27FC236}">
+                <a16:creationId xmlns:a16="http://schemas.microsoft.com/office/drawing/2014/main" id="{227AB769-DD5E-231E-6B45-289D6DE64C43}"/>
               </a:ext>
             </a:extLst>
           </p:cNvPr>
@@ -17266,17 +16646,17 @@
           <a:p>
             <a:r>
               <a:rPr lang="en-US" dirty="0"/>
-              <a:t>LOCATION</a:t>
+              <a:t>LEVEL3</a:t>
             </a:r>
           </a:p>
         </p:txBody>
       </p:sp>
       <p:sp>
         <p:nvSpPr>
-          <p:cNvPr id="62" name="TextBox 61">
-            <a:extLst>
-              <a:ext uri="{FF2B5EF4-FFF2-40B4-BE49-F238E27FC236}">
-                <a16:creationId xmlns:a16="http://schemas.microsoft.com/office/drawing/2014/main" id="{A9619149-1A96-5BDE-ED78-B399E9AF3C7E}"/>
+          <p:cNvPr id="4" name="TextBox 3">
+            <a:extLst>
+              <a:ext uri="{FF2B5EF4-FFF2-40B4-BE49-F238E27FC236}">
+                <a16:creationId xmlns:a16="http://schemas.microsoft.com/office/drawing/2014/main" id="{0FAEB9AF-ACE6-7C43-FFA3-1233712201D2}"/>
               </a:ext>
             </a:extLst>
           </p:cNvPr>
@@ -17285,81 +16665,8 @@
         </p:nvSpPr>
         <p:spPr>
           <a:xfrm>
-            <a:off x="10076738" y="5131442"/>
-            <a:ext cx="1693156" cy="1200329"/>
-          </a:xfrm>
-          <a:prstGeom prst="rect">
-            <a:avLst/>
-          </a:prstGeom>
-          <a:noFill/>
-        </p:spPr>
-        <p:txBody>
-          <a:bodyPr wrap="none" rtlCol="0">
-            <a:spAutoFit/>
-          </a:bodyPr>
-          <a:lstStyle/>
-          <a:p>
-            <a:r>
-              <a:rPr lang="en-US" u="sng" dirty="0"/>
-              <a:t>Source:</a:t>
-            </a:r>
-            <a:br>
-              <a:rPr lang="en-US" dirty="0">
-                <a:solidFill>
-                  <a:schemeClr val="accent2"/>
-                </a:solidFill>
-              </a:rPr>
-            </a:br>
-            <a:r>
-              <a:rPr lang="en-US" dirty="0">
-                <a:solidFill>
-                  <a:schemeClr val="accent2"/>
-                </a:solidFill>
-              </a:rPr>
-              <a:t>IRS BMF/1023</a:t>
-            </a:r>
-          </a:p>
-          <a:p>
-            <a:r>
-              <a:rPr lang="en-US" dirty="0">
-                <a:solidFill>
-                  <a:schemeClr val="accent1"/>
-                </a:solidFill>
-              </a:rPr>
-              <a:t>NCCS</a:t>
-            </a:r>
-          </a:p>
-          <a:p>
-            <a:r>
-              <a:rPr lang="en-US" dirty="0">
-                <a:solidFill>
-                  <a:schemeClr val="tx1">
-                    <a:lumMod val="50000"/>
-                    <a:lumOff val="50000"/>
-                  </a:schemeClr>
-                </a:solidFill>
-              </a:rPr>
-              <a:t>Quality Control</a:t>
-            </a:r>
-          </a:p>
-        </p:txBody>
-      </p:sp>
-      <p:sp>
-        <p:nvSpPr>
-          <p:cNvPr id="11" name="TextBox 10">
-            <a:extLst>
-              <a:ext uri="{FF2B5EF4-FFF2-40B4-BE49-F238E27FC236}">
-                <a16:creationId xmlns:a16="http://schemas.microsoft.com/office/drawing/2014/main" id="{9CAC24C9-FB81-07E9-D6FC-ED38DB954DAD}"/>
-              </a:ext>
-            </a:extLst>
-          </p:cNvPr>
-          <p:cNvSpPr txBox="1"/>
-          <p:nvPr/>
-        </p:nvSpPr>
-        <p:spPr>
-          <a:xfrm>
-            <a:off x="3342079" y="3209271"/>
-            <a:ext cx="1356045" cy="1200329"/>
+            <a:off x="4267200" y="191985"/>
+            <a:ext cx="6096000" cy="7478970"/>
           </a:xfrm>
           <a:prstGeom prst="rect">
             <a:avLst/>
@@ -17373,409 +16680,1552 @@
           <a:lstStyle/>
           <a:p>
             <a:r>
-              <a:rPr lang="en-US" dirty="0">
-                <a:solidFill>
-                  <a:schemeClr val="accent2"/>
-                </a:solidFill>
-              </a:rPr>
-              <a:t>ADDRESS</a:t>
-            </a:r>
-            <a:br>
-              <a:rPr lang="en-US" dirty="0">
-                <a:solidFill>
-                  <a:schemeClr val="accent2"/>
-                </a:solidFill>
-              </a:rPr>
-            </a:br>
-            <a:r>
-              <a:rPr lang="en-US" dirty="0">
-                <a:solidFill>
-                  <a:schemeClr val="accent2"/>
-                </a:solidFill>
-              </a:rPr>
-              <a:t>CITY</a:t>
-            </a:r>
-            <a:br>
-              <a:rPr lang="en-US" dirty="0">
-                <a:solidFill>
-                  <a:schemeClr val="accent2"/>
-                </a:solidFill>
-              </a:rPr>
-            </a:br>
-            <a:r>
-              <a:rPr lang="en-US" dirty="0">
-                <a:solidFill>
-                  <a:schemeClr val="accent2"/>
-                </a:solidFill>
-              </a:rPr>
-              <a:t>ZIP</a:t>
-            </a:r>
-            <a:br>
-              <a:rPr lang="en-US" dirty="0">
-                <a:solidFill>
-                  <a:schemeClr val="accent2"/>
-                </a:solidFill>
-              </a:rPr>
-            </a:br>
-            <a:r>
-              <a:rPr lang="en-US" dirty="0">
-                <a:solidFill>
-                  <a:schemeClr val="accent2"/>
-                </a:solidFill>
-              </a:rPr>
-              <a:t>STATE</a:t>
+              <a:rPr lang="en-US" sz="800" dirty="0">
+                <a:latin typeface="Cascadia Mono Light" panose="020B0609020000020004" pitchFamily="49" charset="0"/>
+                <a:ea typeface="Cascadia Mono Light" panose="020B0609020000020004" pitchFamily="49" charset="0"/>
+                <a:cs typeface="Cascadia Mono Light" panose="020B0609020000020004" pitchFamily="49" charset="0"/>
+              </a:rPr>
+              <a:t> def all_level3(self, </a:t>
+            </a:r>
+            <a:r>
+              <a:rPr lang="en-US" sz="800" dirty="0" err="1">
+                <a:latin typeface="Cascadia Mono Light" panose="020B0609020000020004" pitchFamily="49" charset="0"/>
+                <a:ea typeface="Cascadia Mono Light" panose="020B0609020000020004" pitchFamily="49" charset="0"/>
+                <a:cs typeface="Cascadia Mono Light" panose="020B0609020000020004" pitchFamily="49" charset="0"/>
+              </a:rPr>
+              <a:t>df</a:t>
+            </a:r>
+            <a:r>
+              <a:rPr lang="en-US" sz="800" dirty="0">
+                <a:latin typeface="Cascadia Mono Light" panose="020B0609020000020004" pitchFamily="49" charset="0"/>
+                <a:ea typeface="Cascadia Mono Light" panose="020B0609020000020004" pitchFamily="49" charset="0"/>
+                <a:cs typeface="Cascadia Mono Light" panose="020B0609020000020004" pitchFamily="49" charset="0"/>
+              </a:rPr>
+              <a:t>, name):</a:t>
+            </a:r>
+          </a:p>
+          <a:p>
+            <a:r>
+              <a:rPr lang="en-US" sz="800" dirty="0">
+                <a:latin typeface="Cascadia Mono Light" panose="020B0609020000020004" pitchFamily="49" charset="0"/>
+                <a:ea typeface="Cascadia Mono Light" panose="020B0609020000020004" pitchFamily="49" charset="0"/>
+                <a:cs typeface="Cascadia Mono Light" panose="020B0609020000020004" pitchFamily="49" charset="0"/>
+              </a:rPr>
+              <a:t>        """</a:t>
+            </a:r>
+          </a:p>
+          <a:p>
+            <a:r>
+              <a:rPr lang="en-US" sz="800" dirty="0">
+                <a:latin typeface="Cascadia Mono Light" panose="020B0609020000020004" pitchFamily="49" charset="0"/>
+                <a:ea typeface="Cascadia Mono Light" panose="020B0609020000020004" pitchFamily="49" charset="0"/>
+                <a:cs typeface="Cascadia Mono Light" panose="020B0609020000020004" pitchFamily="49" charset="0"/>
+              </a:rPr>
+              <a:t>        Generates a piecewise value based on NTEEFINAL.</a:t>
+            </a:r>
+          </a:p>
+          <a:p>
+            <a:endParaRPr lang="en-US" sz="800" dirty="0">
+              <a:latin typeface="Cascadia Mono Light" panose="020B0609020000020004" pitchFamily="49" charset="0"/>
+              <a:ea typeface="Cascadia Mono Light" panose="020B0609020000020004" pitchFamily="49" charset="0"/>
+              <a:cs typeface="Cascadia Mono Light" panose="020B0609020000020004" pitchFamily="49" charset="0"/>
+            </a:endParaRPr>
+          </a:p>
+          <a:p>
+            <a:r>
+              <a:rPr lang="en-US" sz="800" dirty="0">
+                <a:latin typeface="Cascadia Mono Light" panose="020B0609020000020004" pitchFamily="49" charset="0"/>
+                <a:ea typeface="Cascadia Mono Light" panose="020B0609020000020004" pitchFamily="49" charset="0"/>
+                <a:cs typeface="Cascadia Mono Light" panose="020B0609020000020004" pitchFamily="49" charset="0"/>
+              </a:rPr>
+              <a:t>        ARGUMENTS</a:t>
+            </a:r>
+          </a:p>
+          <a:p>
+            <a:r>
+              <a:rPr lang="en-US" sz="800" dirty="0">
+                <a:latin typeface="Cascadia Mono Light" panose="020B0609020000020004" pitchFamily="49" charset="0"/>
+                <a:ea typeface="Cascadia Mono Light" panose="020B0609020000020004" pitchFamily="49" charset="0"/>
+                <a:cs typeface="Cascadia Mono Light" panose="020B0609020000020004" pitchFamily="49" charset="0"/>
+              </a:rPr>
+              <a:t>        </a:t>
+            </a:r>
+            <a:r>
+              <a:rPr lang="en-US" sz="800" dirty="0" err="1">
+                <a:latin typeface="Cascadia Mono Light" panose="020B0609020000020004" pitchFamily="49" charset="0"/>
+                <a:ea typeface="Cascadia Mono Light" panose="020B0609020000020004" pitchFamily="49" charset="0"/>
+                <a:cs typeface="Cascadia Mono Light" panose="020B0609020000020004" pitchFamily="49" charset="0"/>
+              </a:rPr>
+              <a:t>df</a:t>
+            </a:r>
+            <a:r>
+              <a:rPr lang="en-US" sz="800" dirty="0">
+                <a:latin typeface="Cascadia Mono Light" panose="020B0609020000020004" pitchFamily="49" charset="0"/>
+                <a:ea typeface="Cascadia Mono Light" panose="020B0609020000020004" pitchFamily="49" charset="0"/>
+                <a:cs typeface="Cascadia Mono Light" panose="020B0609020000020004" pitchFamily="49" charset="0"/>
+              </a:rPr>
+              <a:t> (</a:t>
+            </a:r>
+            <a:r>
+              <a:rPr lang="en-US" sz="800" dirty="0" err="1">
+                <a:latin typeface="Cascadia Mono Light" panose="020B0609020000020004" pitchFamily="49" charset="0"/>
+                <a:ea typeface="Cascadia Mono Light" panose="020B0609020000020004" pitchFamily="49" charset="0"/>
+                <a:cs typeface="Cascadia Mono Light" panose="020B0609020000020004" pitchFamily="49" charset="0"/>
+              </a:rPr>
+              <a:t>DataFrame</a:t>
+            </a:r>
+            <a:r>
+              <a:rPr lang="en-US" sz="800" dirty="0">
+                <a:latin typeface="Cascadia Mono Light" panose="020B0609020000020004" pitchFamily="49" charset="0"/>
+                <a:ea typeface="Cascadia Mono Light" panose="020B0609020000020004" pitchFamily="49" charset="0"/>
+                <a:cs typeface="Cascadia Mono Light" panose="020B0609020000020004" pitchFamily="49" charset="0"/>
+              </a:rPr>
+              <a:t>) : Core file </a:t>
+            </a:r>
+            <a:r>
+              <a:rPr lang="en-US" sz="800" dirty="0" err="1">
+                <a:latin typeface="Cascadia Mono Light" panose="020B0609020000020004" pitchFamily="49" charset="0"/>
+                <a:ea typeface="Cascadia Mono Light" panose="020B0609020000020004" pitchFamily="49" charset="0"/>
+                <a:cs typeface="Cascadia Mono Light" panose="020B0609020000020004" pitchFamily="49" charset="0"/>
+              </a:rPr>
+              <a:t>dataframe</a:t>
+            </a:r>
+            <a:endParaRPr lang="en-US" sz="800" dirty="0">
+              <a:latin typeface="Cascadia Mono Light" panose="020B0609020000020004" pitchFamily="49" charset="0"/>
+              <a:ea typeface="Cascadia Mono Light" panose="020B0609020000020004" pitchFamily="49" charset="0"/>
+              <a:cs typeface="Cascadia Mono Light" panose="020B0609020000020004" pitchFamily="49" charset="0"/>
+            </a:endParaRPr>
+          </a:p>
+          <a:p>
+            <a:endParaRPr lang="en-US" sz="800" dirty="0">
+              <a:latin typeface="Cascadia Mono Light" panose="020B0609020000020004" pitchFamily="49" charset="0"/>
+              <a:ea typeface="Cascadia Mono Light" panose="020B0609020000020004" pitchFamily="49" charset="0"/>
+              <a:cs typeface="Cascadia Mono Light" panose="020B0609020000020004" pitchFamily="49" charset="0"/>
+            </a:endParaRPr>
+          </a:p>
+          <a:p>
+            <a:r>
+              <a:rPr lang="en-US" sz="800" dirty="0">
+                <a:latin typeface="Cascadia Mono Light" panose="020B0609020000020004" pitchFamily="49" charset="0"/>
+                <a:ea typeface="Cascadia Mono Light" panose="020B0609020000020004" pitchFamily="49" charset="0"/>
+                <a:cs typeface="Cascadia Mono Light" panose="020B0609020000020004" pitchFamily="49" charset="0"/>
+              </a:rPr>
+              <a:t>        RETURNS</a:t>
+            </a:r>
+          </a:p>
+          <a:p>
+            <a:r>
+              <a:rPr lang="en-US" sz="800" dirty="0">
+                <a:latin typeface="Cascadia Mono Light" panose="020B0609020000020004" pitchFamily="49" charset="0"/>
+                <a:ea typeface="Cascadia Mono Light" panose="020B0609020000020004" pitchFamily="49" charset="0"/>
+                <a:cs typeface="Cascadia Mono Light" panose="020B0609020000020004" pitchFamily="49" charset="0"/>
+              </a:rPr>
+              <a:t>        Series or </a:t>
+            </a:r>
+            <a:r>
+              <a:rPr lang="en-US" sz="800" dirty="0" err="1">
+                <a:latin typeface="Cascadia Mono Light" panose="020B0609020000020004" pitchFamily="49" charset="0"/>
+                <a:ea typeface="Cascadia Mono Light" panose="020B0609020000020004" pitchFamily="49" charset="0"/>
+                <a:cs typeface="Cascadia Mono Light" panose="020B0609020000020004" pitchFamily="49" charset="0"/>
+              </a:rPr>
+              <a:t>dask.core.DataFrame</a:t>
+            </a:r>
+            <a:endParaRPr lang="en-US" sz="800" dirty="0">
+              <a:latin typeface="Cascadia Mono Light" panose="020B0609020000020004" pitchFamily="49" charset="0"/>
+              <a:ea typeface="Cascadia Mono Light" panose="020B0609020000020004" pitchFamily="49" charset="0"/>
+              <a:cs typeface="Cascadia Mono Light" panose="020B0609020000020004" pitchFamily="49" charset="0"/>
+            </a:endParaRPr>
+          </a:p>
+          <a:p>
+            <a:r>
+              <a:rPr lang="en-US" sz="800" dirty="0">
+                <a:latin typeface="Cascadia Mono Light" panose="020B0609020000020004" pitchFamily="49" charset="0"/>
+                <a:ea typeface="Cascadia Mono Light" panose="020B0609020000020004" pitchFamily="49" charset="0"/>
+                <a:cs typeface="Cascadia Mono Light" panose="020B0609020000020004" pitchFamily="49" charset="0"/>
+              </a:rPr>
+              <a:t>        """</a:t>
+            </a:r>
+          </a:p>
+          <a:p>
+            <a:r>
+              <a:rPr lang="en-US" sz="800" dirty="0">
+                <a:latin typeface="Cascadia Mono Light" panose="020B0609020000020004" pitchFamily="49" charset="0"/>
+                <a:ea typeface="Cascadia Mono Light" panose="020B0609020000020004" pitchFamily="49" charset="0"/>
+                <a:cs typeface="Cascadia Mono Light" panose="020B0609020000020004" pitchFamily="49" charset="0"/>
+              </a:rPr>
+              <a:t>        def level3(row):</a:t>
+            </a:r>
+          </a:p>
+          <a:p>
+            <a:r>
+              <a:rPr lang="en-US" sz="800" dirty="0">
+                <a:latin typeface="Cascadia Mono Light" panose="020B0609020000020004" pitchFamily="49" charset="0"/>
+                <a:ea typeface="Cascadia Mono Light" panose="020B0609020000020004" pitchFamily="49" charset="0"/>
+                <a:cs typeface="Cascadia Mono Light" panose="020B0609020000020004" pitchFamily="49" charset="0"/>
+              </a:rPr>
+              <a:t>            </a:t>
+            </a:r>
+            <a:r>
+              <a:rPr lang="en-US" sz="800" dirty="0" err="1">
+                <a:latin typeface="Cascadia Mono Light" panose="020B0609020000020004" pitchFamily="49" charset="0"/>
+                <a:ea typeface="Cascadia Mono Light" panose="020B0609020000020004" pitchFamily="49" charset="0"/>
+                <a:cs typeface="Cascadia Mono Light" panose="020B0609020000020004" pitchFamily="49" charset="0"/>
+              </a:rPr>
+              <a:t>ntf</a:t>
+            </a:r>
+            <a:r>
+              <a:rPr lang="en-US" sz="800" dirty="0">
+                <a:latin typeface="Cascadia Mono Light" panose="020B0609020000020004" pitchFamily="49" charset="0"/>
+                <a:ea typeface="Cascadia Mono Light" panose="020B0609020000020004" pitchFamily="49" charset="0"/>
+                <a:cs typeface="Cascadia Mono Light" panose="020B0609020000020004" pitchFamily="49" charset="0"/>
+              </a:rPr>
+              <a:t> = row['NTEEFINAL']</a:t>
+            </a:r>
+          </a:p>
+          <a:p>
+            <a:endParaRPr lang="en-US" sz="800" dirty="0">
+              <a:latin typeface="Cascadia Mono Light" panose="020B0609020000020004" pitchFamily="49" charset="0"/>
+              <a:ea typeface="Cascadia Mono Light" panose="020B0609020000020004" pitchFamily="49" charset="0"/>
+              <a:cs typeface="Cascadia Mono Light" panose="020B0609020000020004" pitchFamily="49" charset="0"/>
+            </a:endParaRPr>
+          </a:p>
+          <a:p>
+            <a:r>
+              <a:rPr lang="en-US" sz="800" dirty="0">
+                <a:latin typeface="Cascadia Mono Light" panose="020B0609020000020004" pitchFamily="49" charset="0"/>
+                <a:ea typeface="Cascadia Mono Light" panose="020B0609020000020004" pitchFamily="49" charset="0"/>
+                <a:cs typeface="Cascadia Mono Light" panose="020B0609020000020004" pitchFamily="49" charset="0"/>
+              </a:rPr>
+              <a:t>            if </a:t>
+            </a:r>
+            <a:r>
+              <a:rPr lang="en-US" sz="800" dirty="0" err="1">
+                <a:latin typeface="Cascadia Mono Light" panose="020B0609020000020004" pitchFamily="49" charset="0"/>
+                <a:ea typeface="Cascadia Mono Light" panose="020B0609020000020004" pitchFamily="49" charset="0"/>
+                <a:cs typeface="Cascadia Mono Light" panose="020B0609020000020004" pitchFamily="49" charset="0"/>
+              </a:rPr>
+              <a:t>ntf</a:t>
+            </a:r>
+            <a:r>
+              <a:rPr lang="en-US" sz="800" dirty="0">
+                <a:latin typeface="Cascadia Mono Light" panose="020B0609020000020004" pitchFamily="49" charset="0"/>
+                <a:ea typeface="Cascadia Mono Light" panose="020B0609020000020004" pitchFamily="49" charset="0"/>
+                <a:cs typeface="Cascadia Mono Light" panose="020B0609020000020004" pitchFamily="49" charset="0"/>
+              </a:rPr>
+              <a:t> is </a:t>
+            </a:r>
+            <a:r>
+              <a:rPr lang="en-US" sz="800" dirty="0" err="1">
+                <a:latin typeface="Cascadia Mono Light" panose="020B0609020000020004" pitchFamily="49" charset="0"/>
+                <a:ea typeface="Cascadia Mono Light" panose="020B0609020000020004" pitchFamily="49" charset="0"/>
+                <a:cs typeface="Cascadia Mono Light" panose="020B0609020000020004" pitchFamily="49" charset="0"/>
+              </a:rPr>
+              <a:t>np.NaN</a:t>
+            </a:r>
+            <a:r>
+              <a:rPr lang="en-US" sz="800" dirty="0">
+                <a:latin typeface="Cascadia Mono Light" panose="020B0609020000020004" pitchFamily="49" charset="0"/>
+                <a:ea typeface="Cascadia Mono Light" panose="020B0609020000020004" pitchFamily="49" charset="0"/>
+                <a:cs typeface="Cascadia Mono Light" panose="020B0609020000020004" pitchFamily="49" charset="0"/>
+              </a:rPr>
+              <a:t> or </a:t>
+            </a:r>
+            <a:r>
+              <a:rPr lang="en-US" sz="800" dirty="0" err="1">
+                <a:latin typeface="Cascadia Mono Light" panose="020B0609020000020004" pitchFamily="49" charset="0"/>
+                <a:ea typeface="Cascadia Mono Light" panose="020B0609020000020004" pitchFamily="49" charset="0"/>
+                <a:cs typeface="Cascadia Mono Light" panose="020B0609020000020004" pitchFamily="49" charset="0"/>
+              </a:rPr>
+              <a:t>ntf</a:t>
+            </a:r>
+            <a:r>
+              <a:rPr lang="en-US" sz="800" dirty="0">
+                <a:latin typeface="Cascadia Mono Light" panose="020B0609020000020004" pitchFamily="49" charset="0"/>
+                <a:ea typeface="Cascadia Mono Light" panose="020B0609020000020004" pitchFamily="49" charset="0"/>
+                <a:cs typeface="Cascadia Mono Light" panose="020B0609020000020004" pitchFamily="49" charset="0"/>
+              </a:rPr>
+              <a:t> == '':</a:t>
+            </a:r>
+          </a:p>
+          <a:p>
+            <a:r>
+              <a:rPr lang="en-US" sz="800" dirty="0">
+                <a:latin typeface="Cascadia Mono Light" panose="020B0609020000020004" pitchFamily="49" charset="0"/>
+                <a:ea typeface="Cascadia Mono Light" panose="020B0609020000020004" pitchFamily="49" charset="0"/>
+                <a:cs typeface="Cascadia Mono Light" panose="020B0609020000020004" pitchFamily="49" charset="0"/>
+              </a:rPr>
+              <a:t>                return '-'</a:t>
+            </a:r>
+          </a:p>
+          <a:p>
+            <a:r>
+              <a:rPr lang="en-US" sz="800" dirty="0">
+                <a:latin typeface="Cascadia Mono Light" panose="020B0609020000020004" pitchFamily="49" charset="0"/>
+                <a:ea typeface="Cascadia Mono Light" panose="020B0609020000020004" pitchFamily="49" charset="0"/>
+                <a:cs typeface="Cascadia Mono Light" panose="020B0609020000020004" pitchFamily="49" charset="0"/>
+              </a:rPr>
+              <a:t>            </a:t>
+            </a:r>
+            <a:r>
+              <a:rPr lang="en-US" sz="800" dirty="0" err="1">
+                <a:latin typeface="Cascadia Mono Light" panose="020B0609020000020004" pitchFamily="49" charset="0"/>
+                <a:ea typeface="Cascadia Mono Light" panose="020B0609020000020004" pitchFamily="49" charset="0"/>
+                <a:cs typeface="Cascadia Mono Light" panose="020B0609020000020004" pitchFamily="49" charset="0"/>
+              </a:rPr>
+              <a:t>elif</a:t>
+            </a:r>
+            <a:r>
+              <a:rPr lang="en-US" sz="800" dirty="0">
+                <a:latin typeface="Cascadia Mono Light" panose="020B0609020000020004" pitchFamily="49" charset="0"/>
+                <a:ea typeface="Cascadia Mono Light" panose="020B0609020000020004" pitchFamily="49" charset="0"/>
+                <a:cs typeface="Cascadia Mono Light" panose="020B0609020000020004" pitchFamily="49" charset="0"/>
+              </a:rPr>
+              <a:t> </a:t>
+            </a:r>
+            <a:r>
+              <a:rPr lang="en-US" sz="800" dirty="0" err="1">
+                <a:latin typeface="Cascadia Mono Light" panose="020B0609020000020004" pitchFamily="49" charset="0"/>
+                <a:ea typeface="Cascadia Mono Light" panose="020B0609020000020004" pitchFamily="49" charset="0"/>
+                <a:cs typeface="Cascadia Mono Light" panose="020B0609020000020004" pitchFamily="49" charset="0"/>
+              </a:rPr>
+              <a:t>ntf</a:t>
+            </a:r>
+            <a:r>
+              <a:rPr lang="en-US" sz="800" dirty="0">
+                <a:latin typeface="Cascadia Mono Light" panose="020B0609020000020004" pitchFamily="49" charset="0"/>
+                <a:ea typeface="Cascadia Mono Light" panose="020B0609020000020004" pitchFamily="49" charset="0"/>
+                <a:cs typeface="Cascadia Mono Light" panose="020B0609020000020004" pitchFamily="49" charset="0"/>
+              </a:rPr>
+              <a:t>[:2] != 'B8' and </a:t>
+            </a:r>
+            <a:r>
+              <a:rPr lang="en-US" sz="800" dirty="0" err="1">
+                <a:latin typeface="Cascadia Mono Light" panose="020B0609020000020004" pitchFamily="49" charset="0"/>
+                <a:ea typeface="Cascadia Mono Light" panose="020B0609020000020004" pitchFamily="49" charset="0"/>
+                <a:cs typeface="Cascadia Mono Light" panose="020B0609020000020004" pitchFamily="49" charset="0"/>
+              </a:rPr>
+              <a:t>ntf</a:t>
+            </a:r>
+            <a:r>
+              <a:rPr lang="en-US" sz="800" dirty="0">
+                <a:latin typeface="Cascadia Mono Light" panose="020B0609020000020004" pitchFamily="49" charset="0"/>
+                <a:ea typeface="Cascadia Mono Light" panose="020B0609020000020004" pitchFamily="49" charset="0"/>
+                <a:cs typeface="Cascadia Mono Light" panose="020B0609020000020004" pitchFamily="49" charset="0"/>
+              </a:rPr>
+              <a:t>[1:3] == '11':</a:t>
+            </a:r>
+          </a:p>
+          <a:p>
+            <a:r>
+              <a:rPr lang="en-US" sz="800" dirty="0">
+                <a:latin typeface="Cascadia Mono Light" panose="020B0609020000020004" pitchFamily="49" charset="0"/>
+                <a:ea typeface="Cascadia Mono Light" panose="020B0609020000020004" pitchFamily="49" charset="0"/>
+                <a:cs typeface="Cascadia Mono Light" panose="020B0609020000020004" pitchFamily="49" charset="0"/>
+              </a:rPr>
+              <a:t>                return 'ZA'</a:t>
+            </a:r>
+          </a:p>
+          <a:p>
+            <a:r>
+              <a:rPr lang="en-US" sz="800" dirty="0">
+                <a:latin typeface="Cascadia Mono Light" panose="020B0609020000020004" pitchFamily="49" charset="0"/>
+                <a:ea typeface="Cascadia Mono Light" panose="020B0609020000020004" pitchFamily="49" charset="0"/>
+                <a:cs typeface="Cascadia Mono Light" panose="020B0609020000020004" pitchFamily="49" charset="0"/>
+              </a:rPr>
+              <a:t>            </a:t>
+            </a:r>
+            <a:r>
+              <a:rPr lang="en-US" sz="800" dirty="0" err="1">
+                <a:latin typeface="Cascadia Mono Light" panose="020B0609020000020004" pitchFamily="49" charset="0"/>
+                <a:ea typeface="Cascadia Mono Light" panose="020B0609020000020004" pitchFamily="49" charset="0"/>
+                <a:cs typeface="Cascadia Mono Light" panose="020B0609020000020004" pitchFamily="49" charset="0"/>
+              </a:rPr>
+              <a:t>elif</a:t>
+            </a:r>
+            <a:r>
+              <a:rPr lang="en-US" sz="800" dirty="0">
+                <a:latin typeface="Cascadia Mono Light" panose="020B0609020000020004" pitchFamily="49" charset="0"/>
+                <a:ea typeface="Cascadia Mono Light" panose="020B0609020000020004" pitchFamily="49" charset="0"/>
+                <a:cs typeface="Cascadia Mono Light" panose="020B0609020000020004" pitchFamily="49" charset="0"/>
+              </a:rPr>
+              <a:t> </a:t>
+            </a:r>
+            <a:r>
+              <a:rPr lang="en-US" sz="800" dirty="0" err="1">
+                <a:latin typeface="Cascadia Mono Light" panose="020B0609020000020004" pitchFamily="49" charset="0"/>
+                <a:ea typeface="Cascadia Mono Light" panose="020B0609020000020004" pitchFamily="49" charset="0"/>
+                <a:cs typeface="Cascadia Mono Light" panose="020B0609020000020004" pitchFamily="49" charset="0"/>
+              </a:rPr>
+              <a:t>ntf</a:t>
+            </a:r>
+            <a:r>
+              <a:rPr lang="en-US" sz="800" dirty="0">
+                <a:latin typeface="Cascadia Mono Light" panose="020B0609020000020004" pitchFamily="49" charset="0"/>
+                <a:ea typeface="Cascadia Mono Light" panose="020B0609020000020004" pitchFamily="49" charset="0"/>
+                <a:cs typeface="Cascadia Mono Light" panose="020B0609020000020004" pitchFamily="49" charset="0"/>
+              </a:rPr>
+              <a:t>[:2] != 'B8' and </a:t>
+            </a:r>
+            <a:r>
+              <a:rPr lang="en-US" sz="800" dirty="0" err="1">
+                <a:latin typeface="Cascadia Mono Light" panose="020B0609020000020004" pitchFamily="49" charset="0"/>
+                <a:ea typeface="Cascadia Mono Light" panose="020B0609020000020004" pitchFamily="49" charset="0"/>
+                <a:cs typeface="Cascadia Mono Light" panose="020B0609020000020004" pitchFamily="49" charset="0"/>
+              </a:rPr>
+              <a:t>ntf</a:t>
+            </a:r>
+            <a:r>
+              <a:rPr lang="en-US" sz="800" dirty="0">
+                <a:latin typeface="Cascadia Mono Light" panose="020B0609020000020004" pitchFamily="49" charset="0"/>
+                <a:ea typeface="Cascadia Mono Light" panose="020B0609020000020004" pitchFamily="49" charset="0"/>
+                <a:cs typeface="Cascadia Mono Light" panose="020B0609020000020004" pitchFamily="49" charset="0"/>
+              </a:rPr>
+              <a:t>[1:3] == '12':</a:t>
+            </a:r>
+          </a:p>
+          <a:p>
+            <a:r>
+              <a:rPr lang="en-US" sz="800" dirty="0">
+                <a:latin typeface="Cascadia Mono Light" panose="020B0609020000020004" pitchFamily="49" charset="0"/>
+                <a:ea typeface="Cascadia Mono Light" panose="020B0609020000020004" pitchFamily="49" charset="0"/>
+                <a:cs typeface="Cascadia Mono Light" panose="020B0609020000020004" pitchFamily="49" charset="0"/>
+              </a:rPr>
+              <a:t>                return 'ZB'</a:t>
+            </a:r>
+          </a:p>
+          <a:p>
+            <a:r>
+              <a:rPr lang="en-US" sz="800" dirty="0">
+                <a:latin typeface="Cascadia Mono Light" panose="020B0609020000020004" pitchFamily="49" charset="0"/>
+                <a:ea typeface="Cascadia Mono Light" panose="020B0609020000020004" pitchFamily="49" charset="0"/>
+                <a:cs typeface="Cascadia Mono Light" panose="020B0609020000020004" pitchFamily="49" charset="0"/>
+              </a:rPr>
+              <a:t>            </a:t>
+            </a:r>
+            <a:r>
+              <a:rPr lang="en-US" sz="800" dirty="0" err="1">
+                <a:latin typeface="Cascadia Mono Light" panose="020B0609020000020004" pitchFamily="49" charset="0"/>
+                <a:ea typeface="Cascadia Mono Light" panose="020B0609020000020004" pitchFamily="49" charset="0"/>
+                <a:cs typeface="Cascadia Mono Light" panose="020B0609020000020004" pitchFamily="49" charset="0"/>
+              </a:rPr>
+              <a:t>elif</a:t>
+            </a:r>
+            <a:r>
+              <a:rPr lang="en-US" sz="800" dirty="0">
+                <a:latin typeface="Cascadia Mono Light" panose="020B0609020000020004" pitchFamily="49" charset="0"/>
+                <a:ea typeface="Cascadia Mono Light" panose="020B0609020000020004" pitchFamily="49" charset="0"/>
+                <a:cs typeface="Cascadia Mono Light" panose="020B0609020000020004" pitchFamily="49" charset="0"/>
+              </a:rPr>
+              <a:t> </a:t>
+            </a:r>
+            <a:r>
+              <a:rPr lang="en-US" sz="800" dirty="0" err="1">
+                <a:latin typeface="Cascadia Mono Light" panose="020B0609020000020004" pitchFamily="49" charset="0"/>
+                <a:ea typeface="Cascadia Mono Light" panose="020B0609020000020004" pitchFamily="49" charset="0"/>
+                <a:cs typeface="Cascadia Mono Light" panose="020B0609020000020004" pitchFamily="49" charset="0"/>
+              </a:rPr>
+              <a:t>ntf</a:t>
+            </a:r>
+            <a:r>
+              <a:rPr lang="en-US" sz="800" dirty="0">
+                <a:latin typeface="Cascadia Mono Light" panose="020B0609020000020004" pitchFamily="49" charset="0"/>
+                <a:ea typeface="Cascadia Mono Light" panose="020B0609020000020004" pitchFamily="49" charset="0"/>
+                <a:cs typeface="Cascadia Mono Light" panose="020B0609020000020004" pitchFamily="49" charset="0"/>
+              </a:rPr>
+              <a:t>[0] == 'T' and </a:t>
+            </a:r>
+            <a:r>
+              <a:rPr lang="en-US" sz="800" dirty="0" err="1">
+                <a:latin typeface="Cascadia Mono Light" panose="020B0609020000020004" pitchFamily="49" charset="0"/>
+                <a:ea typeface="Cascadia Mono Light" panose="020B0609020000020004" pitchFamily="49" charset="0"/>
+                <a:cs typeface="Cascadia Mono Light" panose="020B0609020000020004" pitchFamily="49" charset="0"/>
+              </a:rPr>
+              <a:t>ntf</a:t>
+            </a:r>
+            <a:r>
+              <a:rPr lang="en-US" sz="800" dirty="0">
+                <a:latin typeface="Cascadia Mono Light" panose="020B0609020000020004" pitchFamily="49" charset="0"/>
+                <a:ea typeface="Cascadia Mono Light" panose="020B0609020000020004" pitchFamily="49" charset="0"/>
+                <a:cs typeface="Cascadia Mono Light" panose="020B0609020000020004" pitchFamily="49" charset="0"/>
+              </a:rPr>
+              <a:t>[1] == '2':</a:t>
+            </a:r>
+          </a:p>
+          <a:p>
+            <a:r>
+              <a:rPr lang="en-US" sz="800" dirty="0">
+                <a:latin typeface="Cascadia Mono Light" panose="020B0609020000020004" pitchFamily="49" charset="0"/>
+                <a:ea typeface="Cascadia Mono Light" panose="020B0609020000020004" pitchFamily="49" charset="0"/>
+                <a:cs typeface="Cascadia Mono Light" panose="020B0609020000020004" pitchFamily="49" charset="0"/>
+              </a:rPr>
+              <a:t>                return 'ZC'</a:t>
+            </a:r>
+          </a:p>
+          <a:p>
+            <a:r>
+              <a:rPr lang="en-US" sz="800" dirty="0">
+                <a:latin typeface="Cascadia Mono Light" panose="020B0609020000020004" pitchFamily="49" charset="0"/>
+                <a:ea typeface="Cascadia Mono Light" panose="020B0609020000020004" pitchFamily="49" charset="0"/>
+                <a:cs typeface="Cascadia Mono Light" panose="020B0609020000020004" pitchFamily="49" charset="0"/>
+              </a:rPr>
+              <a:t>            </a:t>
+            </a:r>
+            <a:r>
+              <a:rPr lang="en-US" sz="800" dirty="0" err="1">
+                <a:latin typeface="Cascadia Mono Light" panose="020B0609020000020004" pitchFamily="49" charset="0"/>
+                <a:ea typeface="Cascadia Mono Light" panose="020B0609020000020004" pitchFamily="49" charset="0"/>
+                <a:cs typeface="Cascadia Mono Light" panose="020B0609020000020004" pitchFamily="49" charset="0"/>
+              </a:rPr>
+              <a:t>elif</a:t>
+            </a:r>
+            <a:r>
+              <a:rPr lang="en-US" sz="800" dirty="0">
+                <a:latin typeface="Cascadia Mono Light" panose="020B0609020000020004" pitchFamily="49" charset="0"/>
+                <a:ea typeface="Cascadia Mono Light" panose="020B0609020000020004" pitchFamily="49" charset="0"/>
+                <a:cs typeface="Cascadia Mono Light" panose="020B0609020000020004" pitchFamily="49" charset="0"/>
+              </a:rPr>
+              <a:t> </a:t>
+            </a:r>
+            <a:r>
+              <a:rPr lang="en-US" sz="800" dirty="0" err="1">
+                <a:latin typeface="Cascadia Mono Light" panose="020B0609020000020004" pitchFamily="49" charset="0"/>
+                <a:ea typeface="Cascadia Mono Light" panose="020B0609020000020004" pitchFamily="49" charset="0"/>
+                <a:cs typeface="Cascadia Mono Light" panose="020B0609020000020004" pitchFamily="49" charset="0"/>
+              </a:rPr>
+              <a:t>ntf</a:t>
+            </a:r>
+            <a:r>
+              <a:rPr lang="en-US" sz="800" dirty="0">
+                <a:latin typeface="Cascadia Mono Light" panose="020B0609020000020004" pitchFamily="49" charset="0"/>
+                <a:ea typeface="Cascadia Mono Light" panose="020B0609020000020004" pitchFamily="49" charset="0"/>
+                <a:cs typeface="Cascadia Mono Light" panose="020B0609020000020004" pitchFamily="49" charset="0"/>
+              </a:rPr>
+              <a:t>[0] == 'T' and </a:t>
+            </a:r>
+            <a:r>
+              <a:rPr lang="en-US" sz="800" dirty="0" err="1">
+                <a:latin typeface="Cascadia Mono Light" panose="020B0609020000020004" pitchFamily="49" charset="0"/>
+                <a:ea typeface="Cascadia Mono Light" panose="020B0609020000020004" pitchFamily="49" charset="0"/>
+                <a:cs typeface="Cascadia Mono Light" panose="020B0609020000020004" pitchFamily="49" charset="0"/>
+              </a:rPr>
+              <a:t>ntf</a:t>
+            </a:r>
+            <a:r>
+              <a:rPr lang="en-US" sz="800" dirty="0">
+                <a:latin typeface="Cascadia Mono Light" panose="020B0609020000020004" pitchFamily="49" charset="0"/>
+                <a:ea typeface="Cascadia Mono Light" panose="020B0609020000020004" pitchFamily="49" charset="0"/>
+                <a:cs typeface="Cascadia Mono Light" panose="020B0609020000020004" pitchFamily="49" charset="0"/>
+              </a:rPr>
+              <a:t>[1] == '3':</a:t>
+            </a:r>
+          </a:p>
+          <a:p>
+            <a:r>
+              <a:rPr lang="en-US" sz="800" dirty="0">
+                <a:latin typeface="Cascadia Mono Light" panose="020B0609020000020004" pitchFamily="49" charset="0"/>
+                <a:ea typeface="Cascadia Mono Light" panose="020B0609020000020004" pitchFamily="49" charset="0"/>
+                <a:cs typeface="Cascadia Mono Light" panose="020B0609020000020004" pitchFamily="49" charset="0"/>
+              </a:rPr>
+              <a:t>                return 'ZD'</a:t>
+            </a:r>
+          </a:p>
+          <a:p>
+            <a:r>
+              <a:rPr lang="en-US" sz="800" dirty="0">
+                <a:latin typeface="Cascadia Mono Light" panose="020B0609020000020004" pitchFamily="49" charset="0"/>
+                <a:ea typeface="Cascadia Mono Light" panose="020B0609020000020004" pitchFamily="49" charset="0"/>
+                <a:cs typeface="Cascadia Mono Light" panose="020B0609020000020004" pitchFamily="49" charset="0"/>
+              </a:rPr>
+              <a:t>            </a:t>
+            </a:r>
+            <a:r>
+              <a:rPr lang="en-US" sz="800" dirty="0" err="1">
+                <a:latin typeface="Cascadia Mono Light" panose="020B0609020000020004" pitchFamily="49" charset="0"/>
+                <a:ea typeface="Cascadia Mono Light" panose="020B0609020000020004" pitchFamily="49" charset="0"/>
+                <a:cs typeface="Cascadia Mono Light" panose="020B0609020000020004" pitchFamily="49" charset="0"/>
+              </a:rPr>
+              <a:t>elif</a:t>
+            </a:r>
+            <a:r>
+              <a:rPr lang="en-US" sz="800" dirty="0">
+                <a:latin typeface="Cascadia Mono Light" panose="020B0609020000020004" pitchFamily="49" charset="0"/>
+                <a:ea typeface="Cascadia Mono Light" panose="020B0609020000020004" pitchFamily="49" charset="0"/>
+                <a:cs typeface="Cascadia Mono Light" panose="020B0609020000020004" pitchFamily="49" charset="0"/>
+              </a:rPr>
+              <a:t> </a:t>
+            </a:r>
+            <a:r>
+              <a:rPr lang="en-US" sz="800" dirty="0" err="1">
+                <a:latin typeface="Cascadia Mono Light" panose="020B0609020000020004" pitchFamily="49" charset="0"/>
+                <a:ea typeface="Cascadia Mono Light" panose="020B0609020000020004" pitchFamily="49" charset="0"/>
+                <a:cs typeface="Cascadia Mono Light" panose="020B0609020000020004" pitchFamily="49" charset="0"/>
+              </a:rPr>
+              <a:t>ntf</a:t>
+            </a:r>
+            <a:r>
+              <a:rPr lang="en-US" sz="800" dirty="0">
+                <a:latin typeface="Cascadia Mono Light" panose="020B0609020000020004" pitchFamily="49" charset="0"/>
+                <a:ea typeface="Cascadia Mono Light" panose="020B0609020000020004" pitchFamily="49" charset="0"/>
+                <a:cs typeface="Cascadia Mono Light" panose="020B0609020000020004" pitchFamily="49" charset="0"/>
+              </a:rPr>
+              <a:t>[0] == 'T' and </a:t>
+            </a:r>
+            <a:r>
+              <a:rPr lang="en-US" sz="800" dirty="0" err="1">
+                <a:latin typeface="Cascadia Mono Light" panose="020B0609020000020004" pitchFamily="49" charset="0"/>
+                <a:ea typeface="Cascadia Mono Light" panose="020B0609020000020004" pitchFamily="49" charset="0"/>
+                <a:cs typeface="Cascadia Mono Light" panose="020B0609020000020004" pitchFamily="49" charset="0"/>
+              </a:rPr>
+              <a:t>ntf</a:t>
+            </a:r>
+            <a:r>
+              <a:rPr lang="en-US" sz="800" dirty="0">
+                <a:latin typeface="Cascadia Mono Light" panose="020B0609020000020004" pitchFamily="49" charset="0"/>
+                <a:ea typeface="Cascadia Mono Light" panose="020B0609020000020004" pitchFamily="49" charset="0"/>
+                <a:cs typeface="Cascadia Mono Light" panose="020B0609020000020004" pitchFamily="49" charset="0"/>
+              </a:rPr>
+              <a:t>[1] == '7':</a:t>
+            </a:r>
+          </a:p>
+          <a:p>
+            <a:r>
+              <a:rPr lang="en-US" sz="800" dirty="0">
+                <a:latin typeface="Cascadia Mono Light" panose="020B0609020000020004" pitchFamily="49" charset="0"/>
+                <a:ea typeface="Cascadia Mono Light" panose="020B0609020000020004" pitchFamily="49" charset="0"/>
+                <a:cs typeface="Cascadia Mono Light" panose="020B0609020000020004" pitchFamily="49" charset="0"/>
+              </a:rPr>
+              <a:t>                return 'ZE'</a:t>
+            </a:r>
+          </a:p>
+          <a:p>
+            <a:r>
+              <a:rPr lang="en-US" sz="800" dirty="0">
+                <a:latin typeface="Cascadia Mono Light" panose="020B0609020000020004" pitchFamily="49" charset="0"/>
+                <a:ea typeface="Cascadia Mono Light" panose="020B0609020000020004" pitchFamily="49" charset="0"/>
+                <a:cs typeface="Cascadia Mono Light" panose="020B0609020000020004" pitchFamily="49" charset="0"/>
+              </a:rPr>
+              <a:t>            </a:t>
+            </a:r>
+            <a:r>
+              <a:rPr lang="en-US" sz="800" dirty="0" err="1">
+                <a:latin typeface="Cascadia Mono Light" panose="020B0609020000020004" pitchFamily="49" charset="0"/>
+                <a:ea typeface="Cascadia Mono Light" panose="020B0609020000020004" pitchFamily="49" charset="0"/>
+                <a:cs typeface="Cascadia Mono Light" panose="020B0609020000020004" pitchFamily="49" charset="0"/>
+              </a:rPr>
+              <a:t>elif</a:t>
+            </a:r>
+            <a:r>
+              <a:rPr lang="en-US" sz="800" dirty="0">
+                <a:latin typeface="Cascadia Mono Light" panose="020B0609020000020004" pitchFamily="49" charset="0"/>
+                <a:ea typeface="Cascadia Mono Light" panose="020B0609020000020004" pitchFamily="49" charset="0"/>
+                <a:cs typeface="Cascadia Mono Light" panose="020B0609020000020004" pitchFamily="49" charset="0"/>
+              </a:rPr>
+              <a:t> </a:t>
+            </a:r>
+            <a:r>
+              <a:rPr lang="en-US" sz="800" dirty="0" err="1">
+                <a:latin typeface="Cascadia Mono Light" panose="020B0609020000020004" pitchFamily="49" charset="0"/>
+                <a:ea typeface="Cascadia Mono Light" panose="020B0609020000020004" pitchFamily="49" charset="0"/>
+                <a:cs typeface="Cascadia Mono Light" panose="020B0609020000020004" pitchFamily="49" charset="0"/>
+              </a:rPr>
+              <a:t>ntf</a:t>
+            </a:r>
+            <a:r>
+              <a:rPr lang="en-US" sz="800" dirty="0">
+                <a:latin typeface="Cascadia Mono Light" panose="020B0609020000020004" pitchFamily="49" charset="0"/>
+                <a:ea typeface="Cascadia Mono Light" panose="020B0609020000020004" pitchFamily="49" charset="0"/>
+                <a:cs typeface="Cascadia Mono Light" panose="020B0609020000020004" pitchFamily="49" charset="0"/>
+              </a:rPr>
+              <a:t>[0] == 'T' and </a:t>
+            </a:r>
+            <a:r>
+              <a:rPr lang="en-US" sz="800" dirty="0" err="1">
+                <a:latin typeface="Cascadia Mono Light" panose="020B0609020000020004" pitchFamily="49" charset="0"/>
+                <a:ea typeface="Cascadia Mono Light" panose="020B0609020000020004" pitchFamily="49" charset="0"/>
+                <a:cs typeface="Cascadia Mono Light" panose="020B0609020000020004" pitchFamily="49" charset="0"/>
+              </a:rPr>
+              <a:t>ntf</a:t>
+            </a:r>
+            <a:r>
+              <a:rPr lang="en-US" sz="800" dirty="0">
+                <a:latin typeface="Cascadia Mono Light" panose="020B0609020000020004" pitchFamily="49" charset="0"/>
+                <a:ea typeface="Cascadia Mono Light" panose="020B0609020000020004" pitchFamily="49" charset="0"/>
+                <a:cs typeface="Cascadia Mono Light" panose="020B0609020000020004" pitchFamily="49" charset="0"/>
+              </a:rPr>
+              <a:t>[1:3] in ['90', '99']:</a:t>
+            </a:r>
+          </a:p>
+          <a:p>
+            <a:r>
+              <a:rPr lang="en-US" sz="800" dirty="0">
+                <a:latin typeface="Cascadia Mono Light" panose="020B0609020000020004" pitchFamily="49" charset="0"/>
+                <a:ea typeface="Cascadia Mono Light" panose="020B0609020000020004" pitchFamily="49" charset="0"/>
+                <a:cs typeface="Cascadia Mono Light" panose="020B0609020000020004" pitchFamily="49" charset="0"/>
+              </a:rPr>
+              <a:t>                return 'ZF'</a:t>
+            </a:r>
+          </a:p>
+          <a:p>
+            <a:r>
+              <a:rPr lang="en-US" sz="800" dirty="0">
+                <a:latin typeface="Cascadia Mono Light" panose="020B0609020000020004" pitchFamily="49" charset="0"/>
+                <a:ea typeface="Cascadia Mono Light" panose="020B0609020000020004" pitchFamily="49" charset="0"/>
+                <a:cs typeface="Cascadia Mono Light" panose="020B0609020000020004" pitchFamily="49" charset="0"/>
+              </a:rPr>
+              <a:t>            </a:t>
+            </a:r>
+            <a:r>
+              <a:rPr lang="en-US" sz="800" dirty="0" err="1">
+                <a:latin typeface="Cascadia Mono Light" panose="020B0609020000020004" pitchFamily="49" charset="0"/>
+                <a:ea typeface="Cascadia Mono Light" panose="020B0609020000020004" pitchFamily="49" charset="0"/>
+                <a:cs typeface="Cascadia Mono Light" panose="020B0609020000020004" pitchFamily="49" charset="0"/>
+              </a:rPr>
+              <a:t>elif</a:t>
+            </a:r>
+            <a:r>
+              <a:rPr lang="en-US" sz="800" dirty="0">
+                <a:latin typeface="Cascadia Mono Light" panose="020B0609020000020004" pitchFamily="49" charset="0"/>
+                <a:ea typeface="Cascadia Mono Light" panose="020B0609020000020004" pitchFamily="49" charset="0"/>
+                <a:cs typeface="Cascadia Mono Light" panose="020B0609020000020004" pitchFamily="49" charset="0"/>
+              </a:rPr>
+              <a:t> </a:t>
+            </a:r>
+            <a:r>
+              <a:rPr lang="en-US" sz="800" dirty="0" err="1">
+                <a:latin typeface="Cascadia Mono Light" panose="020B0609020000020004" pitchFamily="49" charset="0"/>
+                <a:ea typeface="Cascadia Mono Light" panose="020B0609020000020004" pitchFamily="49" charset="0"/>
+                <a:cs typeface="Cascadia Mono Light" panose="020B0609020000020004" pitchFamily="49" charset="0"/>
+              </a:rPr>
+              <a:t>ntf</a:t>
+            </a:r>
+            <a:r>
+              <a:rPr lang="en-US" sz="800" dirty="0">
+                <a:latin typeface="Cascadia Mono Light" panose="020B0609020000020004" pitchFamily="49" charset="0"/>
+                <a:ea typeface="Cascadia Mono Light" panose="020B0609020000020004" pitchFamily="49" charset="0"/>
+                <a:cs typeface="Cascadia Mono Light" panose="020B0609020000020004" pitchFamily="49" charset="0"/>
+              </a:rPr>
+              <a:t>[0] == 'T' and </a:t>
+            </a:r>
+            <a:r>
+              <a:rPr lang="en-US" sz="800" dirty="0" err="1">
+                <a:latin typeface="Cascadia Mono Light" panose="020B0609020000020004" pitchFamily="49" charset="0"/>
+                <a:ea typeface="Cascadia Mono Light" panose="020B0609020000020004" pitchFamily="49" charset="0"/>
+                <a:cs typeface="Cascadia Mono Light" panose="020B0609020000020004" pitchFamily="49" charset="0"/>
+              </a:rPr>
+              <a:t>ntf</a:t>
+            </a:r>
+            <a:r>
+              <a:rPr lang="en-US" sz="800" dirty="0">
+                <a:latin typeface="Cascadia Mono Light" panose="020B0609020000020004" pitchFamily="49" charset="0"/>
+                <a:ea typeface="Cascadia Mono Light" panose="020B0609020000020004" pitchFamily="49" charset="0"/>
+                <a:cs typeface="Cascadia Mono Light" panose="020B0609020000020004" pitchFamily="49" charset="0"/>
+              </a:rPr>
+              <a:t>[1] == '6':</a:t>
+            </a:r>
+          </a:p>
+          <a:p>
+            <a:r>
+              <a:rPr lang="en-US" sz="800" dirty="0">
+                <a:latin typeface="Cascadia Mono Light" panose="020B0609020000020004" pitchFamily="49" charset="0"/>
+                <a:ea typeface="Cascadia Mono Light" panose="020B0609020000020004" pitchFamily="49" charset="0"/>
+                <a:cs typeface="Cascadia Mono Light" panose="020B0609020000020004" pitchFamily="49" charset="0"/>
+              </a:rPr>
+              <a:t>                return 'ZF'</a:t>
+            </a:r>
+          </a:p>
+          <a:p>
+            <a:r>
+              <a:rPr lang="en-US" sz="800" dirty="0">
+                <a:latin typeface="Cascadia Mono Light" panose="020B0609020000020004" pitchFamily="49" charset="0"/>
+                <a:ea typeface="Cascadia Mono Light" panose="020B0609020000020004" pitchFamily="49" charset="0"/>
+                <a:cs typeface="Cascadia Mono Light" panose="020B0609020000020004" pitchFamily="49" charset="0"/>
+              </a:rPr>
+              <a:t>            </a:t>
+            </a:r>
+            <a:r>
+              <a:rPr lang="en-US" sz="800" dirty="0" err="1">
+                <a:latin typeface="Cascadia Mono Light" panose="020B0609020000020004" pitchFamily="49" charset="0"/>
+                <a:ea typeface="Cascadia Mono Light" panose="020B0609020000020004" pitchFamily="49" charset="0"/>
+                <a:cs typeface="Cascadia Mono Light" panose="020B0609020000020004" pitchFamily="49" charset="0"/>
+              </a:rPr>
+              <a:t>elif</a:t>
+            </a:r>
+            <a:r>
+              <a:rPr lang="en-US" sz="800" dirty="0">
+                <a:latin typeface="Cascadia Mono Light" panose="020B0609020000020004" pitchFamily="49" charset="0"/>
+                <a:ea typeface="Cascadia Mono Light" panose="020B0609020000020004" pitchFamily="49" charset="0"/>
+                <a:cs typeface="Cascadia Mono Light" panose="020B0609020000020004" pitchFamily="49" charset="0"/>
+              </a:rPr>
+              <a:t> </a:t>
+            </a:r>
+            <a:r>
+              <a:rPr lang="en-US" sz="800" dirty="0" err="1">
+                <a:latin typeface="Cascadia Mono Light" panose="020B0609020000020004" pitchFamily="49" charset="0"/>
+                <a:ea typeface="Cascadia Mono Light" panose="020B0609020000020004" pitchFamily="49" charset="0"/>
+                <a:cs typeface="Cascadia Mono Light" panose="020B0609020000020004" pitchFamily="49" charset="0"/>
+              </a:rPr>
+              <a:t>ntf</a:t>
+            </a:r>
+            <a:r>
+              <a:rPr lang="en-US" sz="800" dirty="0">
+                <a:latin typeface="Cascadia Mono Light" panose="020B0609020000020004" pitchFamily="49" charset="0"/>
+                <a:ea typeface="Cascadia Mono Light" panose="020B0609020000020004" pitchFamily="49" charset="0"/>
+                <a:cs typeface="Cascadia Mono Light" panose="020B0609020000020004" pitchFamily="49" charset="0"/>
+              </a:rPr>
+              <a:t>[:3] == 'Y30':</a:t>
+            </a:r>
+          </a:p>
+          <a:p>
+            <a:r>
+              <a:rPr lang="en-US" sz="800" dirty="0">
+                <a:latin typeface="Cascadia Mono Light" panose="020B0609020000020004" pitchFamily="49" charset="0"/>
+                <a:ea typeface="Cascadia Mono Light" panose="020B0609020000020004" pitchFamily="49" charset="0"/>
+                <a:cs typeface="Cascadia Mono Light" panose="020B0609020000020004" pitchFamily="49" charset="0"/>
+              </a:rPr>
+              <a:t>                return 'MR'</a:t>
+            </a:r>
+          </a:p>
+          <a:p>
+            <a:r>
+              <a:rPr lang="en-US" sz="800" dirty="0">
+                <a:latin typeface="Cascadia Mono Light" panose="020B0609020000020004" pitchFamily="49" charset="0"/>
+                <a:ea typeface="Cascadia Mono Light" panose="020B0609020000020004" pitchFamily="49" charset="0"/>
+                <a:cs typeface="Cascadia Mono Light" panose="020B0609020000020004" pitchFamily="49" charset="0"/>
+              </a:rPr>
+              <a:t>            </a:t>
+            </a:r>
+            <a:r>
+              <a:rPr lang="en-US" sz="800" dirty="0" err="1">
+                <a:latin typeface="Cascadia Mono Light" panose="020B0609020000020004" pitchFamily="49" charset="0"/>
+                <a:ea typeface="Cascadia Mono Light" panose="020B0609020000020004" pitchFamily="49" charset="0"/>
+                <a:cs typeface="Cascadia Mono Light" panose="020B0609020000020004" pitchFamily="49" charset="0"/>
+              </a:rPr>
+              <a:t>elif</a:t>
+            </a:r>
+            <a:r>
+              <a:rPr lang="en-US" sz="800" dirty="0">
+                <a:latin typeface="Cascadia Mono Light" panose="020B0609020000020004" pitchFamily="49" charset="0"/>
+                <a:ea typeface="Cascadia Mono Light" panose="020B0609020000020004" pitchFamily="49" charset="0"/>
+                <a:cs typeface="Cascadia Mono Light" panose="020B0609020000020004" pitchFamily="49" charset="0"/>
+              </a:rPr>
+              <a:t> </a:t>
+            </a:r>
+            <a:r>
+              <a:rPr lang="en-US" sz="800" dirty="0" err="1">
+                <a:latin typeface="Cascadia Mono Light" panose="020B0609020000020004" pitchFamily="49" charset="0"/>
+                <a:ea typeface="Cascadia Mono Light" panose="020B0609020000020004" pitchFamily="49" charset="0"/>
+                <a:cs typeface="Cascadia Mono Light" panose="020B0609020000020004" pitchFamily="49" charset="0"/>
+              </a:rPr>
+              <a:t>ntf</a:t>
+            </a:r>
+            <a:r>
+              <a:rPr lang="en-US" sz="800" dirty="0">
+                <a:latin typeface="Cascadia Mono Light" panose="020B0609020000020004" pitchFamily="49" charset="0"/>
+                <a:ea typeface="Cascadia Mono Light" panose="020B0609020000020004" pitchFamily="49" charset="0"/>
+                <a:cs typeface="Cascadia Mono Light" panose="020B0609020000020004" pitchFamily="49" charset="0"/>
+              </a:rPr>
+              <a:t>[0] == 'Y' and </a:t>
+            </a:r>
+            <a:r>
+              <a:rPr lang="en-US" sz="800" dirty="0" err="1">
+                <a:latin typeface="Cascadia Mono Light" panose="020B0609020000020004" pitchFamily="49" charset="0"/>
+                <a:ea typeface="Cascadia Mono Light" panose="020B0609020000020004" pitchFamily="49" charset="0"/>
+                <a:cs typeface="Cascadia Mono Light" panose="020B0609020000020004" pitchFamily="49" charset="0"/>
+              </a:rPr>
+              <a:t>ntf</a:t>
+            </a:r>
+            <a:r>
+              <a:rPr lang="en-US" sz="800" dirty="0">
+                <a:latin typeface="Cascadia Mono Light" panose="020B0609020000020004" pitchFamily="49" charset="0"/>
+                <a:ea typeface="Cascadia Mono Light" panose="020B0609020000020004" pitchFamily="49" charset="0"/>
+                <a:cs typeface="Cascadia Mono Light" panose="020B0609020000020004" pitchFamily="49" charset="0"/>
+              </a:rPr>
+              <a:t>[1:3] != '30':</a:t>
+            </a:r>
+          </a:p>
+          <a:p>
+            <a:r>
+              <a:rPr lang="en-US" sz="800" dirty="0">
+                <a:latin typeface="Cascadia Mono Light" panose="020B0609020000020004" pitchFamily="49" charset="0"/>
+                <a:ea typeface="Cascadia Mono Light" panose="020B0609020000020004" pitchFamily="49" charset="0"/>
+                <a:cs typeface="Cascadia Mono Light" panose="020B0609020000020004" pitchFamily="49" charset="0"/>
+              </a:rPr>
+              <a:t>                return 'MO'</a:t>
+            </a:r>
+          </a:p>
+          <a:p>
+            <a:r>
+              <a:rPr lang="en-US" sz="800" dirty="0">
+                <a:latin typeface="Cascadia Mono Light" panose="020B0609020000020004" pitchFamily="49" charset="0"/>
+                <a:ea typeface="Cascadia Mono Light" panose="020B0609020000020004" pitchFamily="49" charset="0"/>
+                <a:cs typeface="Cascadia Mono Light" panose="020B0609020000020004" pitchFamily="49" charset="0"/>
+              </a:rPr>
+              <a:t>            </a:t>
+            </a:r>
+            <a:r>
+              <a:rPr lang="en-US" sz="800" dirty="0" err="1">
+                <a:latin typeface="Cascadia Mono Light" panose="020B0609020000020004" pitchFamily="49" charset="0"/>
+                <a:ea typeface="Cascadia Mono Light" panose="020B0609020000020004" pitchFamily="49" charset="0"/>
+                <a:cs typeface="Cascadia Mono Light" panose="020B0609020000020004" pitchFamily="49" charset="0"/>
+              </a:rPr>
+              <a:t>elif</a:t>
+            </a:r>
+            <a:r>
+              <a:rPr lang="en-US" sz="800" dirty="0">
+                <a:latin typeface="Cascadia Mono Light" panose="020B0609020000020004" pitchFamily="49" charset="0"/>
+                <a:ea typeface="Cascadia Mono Light" panose="020B0609020000020004" pitchFamily="49" charset="0"/>
+                <a:cs typeface="Cascadia Mono Light" panose="020B0609020000020004" pitchFamily="49" charset="0"/>
+              </a:rPr>
+              <a:t> </a:t>
+            </a:r>
+            <a:r>
+              <a:rPr lang="en-US" sz="800" dirty="0" err="1">
+                <a:latin typeface="Cascadia Mono Light" panose="020B0609020000020004" pitchFamily="49" charset="0"/>
+                <a:ea typeface="Cascadia Mono Light" panose="020B0609020000020004" pitchFamily="49" charset="0"/>
+                <a:cs typeface="Cascadia Mono Light" panose="020B0609020000020004" pitchFamily="49" charset="0"/>
+              </a:rPr>
+              <a:t>ntf</a:t>
+            </a:r>
+            <a:r>
+              <a:rPr lang="en-US" sz="800" dirty="0">
+                <a:latin typeface="Cascadia Mono Light" panose="020B0609020000020004" pitchFamily="49" charset="0"/>
+                <a:ea typeface="Cascadia Mono Light" panose="020B0609020000020004" pitchFamily="49" charset="0"/>
+                <a:cs typeface="Cascadia Mono Light" panose="020B0609020000020004" pitchFamily="49" charset="0"/>
+              </a:rPr>
+              <a:t>[0] == 'A':</a:t>
+            </a:r>
+          </a:p>
+          <a:p>
+            <a:r>
+              <a:rPr lang="en-US" sz="800" dirty="0">
+                <a:latin typeface="Cascadia Mono Light" panose="020B0609020000020004" pitchFamily="49" charset="0"/>
+                <a:ea typeface="Cascadia Mono Light" panose="020B0609020000020004" pitchFamily="49" charset="0"/>
+                <a:cs typeface="Cascadia Mono Light" panose="020B0609020000020004" pitchFamily="49" charset="0"/>
+              </a:rPr>
+              <a:t>                return 'AR'</a:t>
+            </a:r>
+          </a:p>
+          <a:p>
+            <a:r>
+              <a:rPr lang="en-US" sz="800" dirty="0">
+                <a:latin typeface="Cascadia Mono Light" panose="020B0609020000020004" pitchFamily="49" charset="0"/>
+                <a:ea typeface="Cascadia Mono Light" panose="020B0609020000020004" pitchFamily="49" charset="0"/>
+                <a:cs typeface="Cascadia Mono Light" panose="020B0609020000020004" pitchFamily="49" charset="0"/>
+              </a:rPr>
+              <a:t>            </a:t>
+            </a:r>
+            <a:r>
+              <a:rPr lang="en-US" sz="800" dirty="0" err="1">
+                <a:latin typeface="Cascadia Mono Light" panose="020B0609020000020004" pitchFamily="49" charset="0"/>
+                <a:ea typeface="Cascadia Mono Light" panose="020B0609020000020004" pitchFamily="49" charset="0"/>
+                <a:cs typeface="Cascadia Mono Light" panose="020B0609020000020004" pitchFamily="49" charset="0"/>
+              </a:rPr>
+              <a:t>elif</a:t>
+            </a:r>
+            <a:r>
+              <a:rPr lang="en-US" sz="800" dirty="0">
+                <a:latin typeface="Cascadia Mono Light" panose="020B0609020000020004" pitchFamily="49" charset="0"/>
+                <a:ea typeface="Cascadia Mono Light" panose="020B0609020000020004" pitchFamily="49" charset="0"/>
+                <a:cs typeface="Cascadia Mono Light" panose="020B0609020000020004" pitchFamily="49" charset="0"/>
+              </a:rPr>
+              <a:t> </a:t>
+            </a:r>
+            <a:r>
+              <a:rPr lang="en-US" sz="800" dirty="0" err="1">
+                <a:latin typeface="Cascadia Mono Light" panose="020B0609020000020004" pitchFamily="49" charset="0"/>
+                <a:ea typeface="Cascadia Mono Light" panose="020B0609020000020004" pitchFamily="49" charset="0"/>
+                <a:cs typeface="Cascadia Mono Light" panose="020B0609020000020004" pitchFamily="49" charset="0"/>
+              </a:rPr>
+              <a:t>ntf</a:t>
+            </a:r>
+            <a:r>
+              <a:rPr lang="en-US" sz="800" dirty="0">
+                <a:latin typeface="Cascadia Mono Light" panose="020B0609020000020004" pitchFamily="49" charset="0"/>
+                <a:ea typeface="Cascadia Mono Light" panose="020B0609020000020004" pitchFamily="49" charset="0"/>
+                <a:cs typeface="Cascadia Mono Light" panose="020B0609020000020004" pitchFamily="49" charset="0"/>
+              </a:rPr>
+              <a:t>[0] == 'B':</a:t>
+            </a:r>
+          </a:p>
+          <a:p>
+            <a:r>
+              <a:rPr lang="en-US" sz="800" dirty="0">
+                <a:latin typeface="Cascadia Mono Light" panose="020B0609020000020004" pitchFamily="49" charset="0"/>
+                <a:ea typeface="Cascadia Mono Light" panose="020B0609020000020004" pitchFamily="49" charset="0"/>
+                <a:cs typeface="Cascadia Mono Light" panose="020B0609020000020004" pitchFamily="49" charset="0"/>
+              </a:rPr>
+              <a:t>                return 'ED'</a:t>
+            </a:r>
+          </a:p>
+          <a:p>
+            <a:r>
+              <a:rPr lang="en-US" sz="800" dirty="0">
+                <a:latin typeface="Cascadia Mono Light" panose="020B0609020000020004" pitchFamily="49" charset="0"/>
+                <a:ea typeface="Cascadia Mono Light" panose="020B0609020000020004" pitchFamily="49" charset="0"/>
+                <a:cs typeface="Cascadia Mono Light" panose="020B0609020000020004" pitchFamily="49" charset="0"/>
+              </a:rPr>
+              <a:t>            </a:t>
+            </a:r>
+            <a:r>
+              <a:rPr lang="en-US" sz="800" dirty="0" err="1">
+                <a:latin typeface="Cascadia Mono Light" panose="020B0609020000020004" pitchFamily="49" charset="0"/>
+                <a:ea typeface="Cascadia Mono Light" panose="020B0609020000020004" pitchFamily="49" charset="0"/>
+                <a:cs typeface="Cascadia Mono Light" panose="020B0609020000020004" pitchFamily="49" charset="0"/>
+              </a:rPr>
+              <a:t>elif</a:t>
+            </a:r>
+            <a:r>
+              <a:rPr lang="en-US" sz="800" dirty="0">
+                <a:latin typeface="Cascadia Mono Light" panose="020B0609020000020004" pitchFamily="49" charset="0"/>
+                <a:ea typeface="Cascadia Mono Light" panose="020B0609020000020004" pitchFamily="49" charset="0"/>
+                <a:cs typeface="Cascadia Mono Light" panose="020B0609020000020004" pitchFamily="49" charset="0"/>
+              </a:rPr>
+              <a:t> </a:t>
+            </a:r>
+            <a:r>
+              <a:rPr lang="en-US" sz="800" dirty="0" err="1">
+                <a:latin typeface="Cascadia Mono Light" panose="020B0609020000020004" pitchFamily="49" charset="0"/>
+                <a:ea typeface="Cascadia Mono Light" panose="020B0609020000020004" pitchFamily="49" charset="0"/>
+                <a:cs typeface="Cascadia Mono Light" panose="020B0609020000020004" pitchFamily="49" charset="0"/>
+              </a:rPr>
+              <a:t>ntf</a:t>
+            </a:r>
+            <a:r>
+              <a:rPr lang="en-US" sz="800" dirty="0">
+                <a:latin typeface="Cascadia Mono Light" panose="020B0609020000020004" pitchFamily="49" charset="0"/>
+                <a:ea typeface="Cascadia Mono Light" panose="020B0609020000020004" pitchFamily="49" charset="0"/>
+                <a:cs typeface="Cascadia Mono Light" panose="020B0609020000020004" pitchFamily="49" charset="0"/>
+              </a:rPr>
+              <a:t>[0] in ['C', 'D']:</a:t>
+            </a:r>
+          </a:p>
+          <a:p>
+            <a:r>
+              <a:rPr lang="en-US" sz="800" dirty="0">
+                <a:latin typeface="Cascadia Mono Light" panose="020B0609020000020004" pitchFamily="49" charset="0"/>
+                <a:ea typeface="Cascadia Mono Light" panose="020B0609020000020004" pitchFamily="49" charset="0"/>
+                <a:cs typeface="Cascadia Mono Light" panose="020B0609020000020004" pitchFamily="49" charset="0"/>
+              </a:rPr>
+              <a:t>                return 'EN'</a:t>
+            </a:r>
+          </a:p>
+          <a:p>
+            <a:r>
+              <a:rPr lang="en-US" sz="800" dirty="0">
+                <a:latin typeface="Cascadia Mono Light" panose="020B0609020000020004" pitchFamily="49" charset="0"/>
+                <a:ea typeface="Cascadia Mono Light" panose="020B0609020000020004" pitchFamily="49" charset="0"/>
+                <a:cs typeface="Cascadia Mono Light" panose="020B0609020000020004" pitchFamily="49" charset="0"/>
+              </a:rPr>
+              <a:t>            </a:t>
+            </a:r>
+            <a:r>
+              <a:rPr lang="en-US" sz="800" dirty="0" err="1">
+                <a:latin typeface="Cascadia Mono Light" panose="020B0609020000020004" pitchFamily="49" charset="0"/>
+                <a:ea typeface="Cascadia Mono Light" panose="020B0609020000020004" pitchFamily="49" charset="0"/>
+                <a:cs typeface="Cascadia Mono Light" panose="020B0609020000020004" pitchFamily="49" charset="0"/>
+              </a:rPr>
+              <a:t>elif</a:t>
+            </a:r>
+            <a:r>
+              <a:rPr lang="en-US" sz="800" dirty="0">
+                <a:latin typeface="Cascadia Mono Light" panose="020B0609020000020004" pitchFamily="49" charset="0"/>
+                <a:ea typeface="Cascadia Mono Light" panose="020B0609020000020004" pitchFamily="49" charset="0"/>
+                <a:cs typeface="Cascadia Mono Light" panose="020B0609020000020004" pitchFamily="49" charset="0"/>
+              </a:rPr>
+              <a:t> </a:t>
+            </a:r>
+            <a:r>
+              <a:rPr lang="en-US" sz="800" dirty="0" err="1">
+                <a:latin typeface="Cascadia Mono Light" panose="020B0609020000020004" pitchFamily="49" charset="0"/>
+                <a:ea typeface="Cascadia Mono Light" panose="020B0609020000020004" pitchFamily="49" charset="0"/>
+                <a:cs typeface="Cascadia Mono Light" panose="020B0609020000020004" pitchFamily="49" charset="0"/>
+              </a:rPr>
+              <a:t>ntf</a:t>
+            </a:r>
+            <a:r>
+              <a:rPr lang="en-US" sz="800" dirty="0">
+                <a:latin typeface="Cascadia Mono Light" panose="020B0609020000020004" pitchFamily="49" charset="0"/>
+                <a:ea typeface="Cascadia Mono Light" panose="020B0609020000020004" pitchFamily="49" charset="0"/>
+                <a:cs typeface="Cascadia Mono Light" panose="020B0609020000020004" pitchFamily="49" charset="0"/>
+              </a:rPr>
+              <a:t>[0] in ['E', 'F', 'G', 'H']:</a:t>
+            </a:r>
+          </a:p>
+          <a:p>
+            <a:r>
+              <a:rPr lang="en-US" sz="800" dirty="0">
+                <a:latin typeface="Cascadia Mono Light" panose="020B0609020000020004" pitchFamily="49" charset="0"/>
+                <a:ea typeface="Cascadia Mono Light" panose="020B0609020000020004" pitchFamily="49" charset="0"/>
+                <a:cs typeface="Cascadia Mono Light" panose="020B0609020000020004" pitchFamily="49" charset="0"/>
+              </a:rPr>
+              <a:t>                return 'HE'</a:t>
+            </a:r>
+          </a:p>
+          <a:p>
+            <a:r>
+              <a:rPr lang="en-US" sz="800" dirty="0">
+                <a:latin typeface="Cascadia Mono Light" panose="020B0609020000020004" pitchFamily="49" charset="0"/>
+                <a:ea typeface="Cascadia Mono Light" panose="020B0609020000020004" pitchFamily="49" charset="0"/>
+                <a:cs typeface="Cascadia Mono Light" panose="020B0609020000020004" pitchFamily="49" charset="0"/>
+              </a:rPr>
+              <a:t>            </a:t>
+            </a:r>
+            <a:r>
+              <a:rPr lang="en-US" sz="800" dirty="0" err="1">
+                <a:latin typeface="Cascadia Mono Light" panose="020B0609020000020004" pitchFamily="49" charset="0"/>
+                <a:ea typeface="Cascadia Mono Light" panose="020B0609020000020004" pitchFamily="49" charset="0"/>
+                <a:cs typeface="Cascadia Mono Light" panose="020B0609020000020004" pitchFamily="49" charset="0"/>
+              </a:rPr>
+              <a:t>elif</a:t>
+            </a:r>
+            <a:r>
+              <a:rPr lang="en-US" sz="800" dirty="0">
+                <a:latin typeface="Cascadia Mono Light" panose="020B0609020000020004" pitchFamily="49" charset="0"/>
+                <a:ea typeface="Cascadia Mono Light" panose="020B0609020000020004" pitchFamily="49" charset="0"/>
+                <a:cs typeface="Cascadia Mono Light" panose="020B0609020000020004" pitchFamily="49" charset="0"/>
+              </a:rPr>
+              <a:t> </a:t>
+            </a:r>
+            <a:r>
+              <a:rPr lang="en-US" sz="800" dirty="0" err="1">
+                <a:latin typeface="Cascadia Mono Light" panose="020B0609020000020004" pitchFamily="49" charset="0"/>
+                <a:ea typeface="Cascadia Mono Light" panose="020B0609020000020004" pitchFamily="49" charset="0"/>
+                <a:cs typeface="Cascadia Mono Light" panose="020B0609020000020004" pitchFamily="49" charset="0"/>
+              </a:rPr>
+              <a:t>ntf</a:t>
+            </a:r>
+            <a:r>
+              <a:rPr lang="en-US" sz="800" dirty="0">
+                <a:latin typeface="Cascadia Mono Light" panose="020B0609020000020004" pitchFamily="49" charset="0"/>
+                <a:ea typeface="Cascadia Mono Light" panose="020B0609020000020004" pitchFamily="49" charset="0"/>
+                <a:cs typeface="Cascadia Mono Light" panose="020B0609020000020004" pitchFamily="49" charset="0"/>
+              </a:rPr>
+              <a:t>[0] in ['I', 'J', 'K', 'L', 'M', 'N', 'O', 'P']:</a:t>
+            </a:r>
+          </a:p>
+          <a:p>
+            <a:r>
+              <a:rPr lang="en-US" sz="800" dirty="0">
+                <a:latin typeface="Cascadia Mono Light" panose="020B0609020000020004" pitchFamily="49" charset="0"/>
+                <a:ea typeface="Cascadia Mono Light" panose="020B0609020000020004" pitchFamily="49" charset="0"/>
+                <a:cs typeface="Cascadia Mono Light" panose="020B0609020000020004" pitchFamily="49" charset="0"/>
+              </a:rPr>
+              <a:t>                return 'HS'</a:t>
+            </a:r>
+          </a:p>
+          <a:p>
+            <a:r>
+              <a:rPr lang="en-US" sz="800" dirty="0">
+                <a:latin typeface="Cascadia Mono Light" panose="020B0609020000020004" pitchFamily="49" charset="0"/>
+                <a:ea typeface="Cascadia Mono Light" panose="020B0609020000020004" pitchFamily="49" charset="0"/>
+                <a:cs typeface="Cascadia Mono Light" panose="020B0609020000020004" pitchFamily="49" charset="0"/>
+              </a:rPr>
+              <a:t>            </a:t>
+            </a:r>
+            <a:r>
+              <a:rPr lang="en-US" sz="800" dirty="0" err="1">
+                <a:latin typeface="Cascadia Mono Light" panose="020B0609020000020004" pitchFamily="49" charset="0"/>
+                <a:ea typeface="Cascadia Mono Light" panose="020B0609020000020004" pitchFamily="49" charset="0"/>
+                <a:cs typeface="Cascadia Mono Light" panose="020B0609020000020004" pitchFamily="49" charset="0"/>
+              </a:rPr>
+              <a:t>elif</a:t>
+            </a:r>
+            <a:r>
+              <a:rPr lang="en-US" sz="800" dirty="0">
+                <a:latin typeface="Cascadia Mono Light" panose="020B0609020000020004" pitchFamily="49" charset="0"/>
+                <a:ea typeface="Cascadia Mono Light" panose="020B0609020000020004" pitchFamily="49" charset="0"/>
+                <a:cs typeface="Cascadia Mono Light" panose="020B0609020000020004" pitchFamily="49" charset="0"/>
+              </a:rPr>
+              <a:t> </a:t>
+            </a:r>
+            <a:r>
+              <a:rPr lang="en-US" sz="800" dirty="0" err="1">
+                <a:latin typeface="Cascadia Mono Light" panose="020B0609020000020004" pitchFamily="49" charset="0"/>
+                <a:ea typeface="Cascadia Mono Light" panose="020B0609020000020004" pitchFamily="49" charset="0"/>
+                <a:cs typeface="Cascadia Mono Light" panose="020B0609020000020004" pitchFamily="49" charset="0"/>
+              </a:rPr>
+              <a:t>ntf</a:t>
+            </a:r>
+            <a:r>
+              <a:rPr lang="en-US" sz="800" dirty="0">
+                <a:latin typeface="Cascadia Mono Light" panose="020B0609020000020004" pitchFamily="49" charset="0"/>
+                <a:ea typeface="Cascadia Mono Light" panose="020B0609020000020004" pitchFamily="49" charset="0"/>
+                <a:cs typeface="Cascadia Mono Light" panose="020B0609020000020004" pitchFamily="49" charset="0"/>
+              </a:rPr>
+              <a:t>[0] == 'Q':</a:t>
+            </a:r>
+          </a:p>
+          <a:p>
+            <a:r>
+              <a:rPr lang="en-US" sz="800" dirty="0">
+                <a:latin typeface="Cascadia Mono Light" panose="020B0609020000020004" pitchFamily="49" charset="0"/>
+                <a:ea typeface="Cascadia Mono Light" panose="020B0609020000020004" pitchFamily="49" charset="0"/>
+                <a:cs typeface="Cascadia Mono Light" panose="020B0609020000020004" pitchFamily="49" charset="0"/>
+              </a:rPr>
+              <a:t>                return 'IN'</a:t>
+            </a:r>
+          </a:p>
+          <a:p>
+            <a:r>
+              <a:rPr lang="en-US" sz="800" dirty="0">
+                <a:latin typeface="Cascadia Mono Light" panose="020B0609020000020004" pitchFamily="49" charset="0"/>
+                <a:ea typeface="Cascadia Mono Light" panose="020B0609020000020004" pitchFamily="49" charset="0"/>
+                <a:cs typeface="Cascadia Mono Light" panose="020B0609020000020004" pitchFamily="49" charset="0"/>
+              </a:rPr>
+              <a:t>            </a:t>
+            </a:r>
+            <a:r>
+              <a:rPr lang="en-US" sz="800" dirty="0" err="1">
+                <a:latin typeface="Cascadia Mono Light" panose="020B0609020000020004" pitchFamily="49" charset="0"/>
+                <a:ea typeface="Cascadia Mono Light" panose="020B0609020000020004" pitchFamily="49" charset="0"/>
+                <a:cs typeface="Cascadia Mono Light" panose="020B0609020000020004" pitchFamily="49" charset="0"/>
+              </a:rPr>
+              <a:t>elif</a:t>
+            </a:r>
+            <a:r>
+              <a:rPr lang="en-US" sz="800" dirty="0">
+                <a:latin typeface="Cascadia Mono Light" panose="020B0609020000020004" pitchFamily="49" charset="0"/>
+                <a:ea typeface="Cascadia Mono Light" panose="020B0609020000020004" pitchFamily="49" charset="0"/>
+                <a:cs typeface="Cascadia Mono Light" panose="020B0609020000020004" pitchFamily="49" charset="0"/>
+              </a:rPr>
+              <a:t> </a:t>
+            </a:r>
+            <a:r>
+              <a:rPr lang="en-US" sz="800" dirty="0" err="1">
+                <a:latin typeface="Cascadia Mono Light" panose="020B0609020000020004" pitchFamily="49" charset="0"/>
+                <a:ea typeface="Cascadia Mono Light" panose="020B0609020000020004" pitchFamily="49" charset="0"/>
+                <a:cs typeface="Cascadia Mono Light" panose="020B0609020000020004" pitchFamily="49" charset="0"/>
+              </a:rPr>
+              <a:t>ntf</a:t>
+            </a:r>
+            <a:r>
+              <a:rPr lang="en-US" sz="800" dirty="0">
+                <a:latin typeface="Cascadia Mono Light" panose="020B0609020000020004" pitchFamily="49" charset="0"/>
+                <a:ea typeface="Cascadia Mono Light" panose="020B0609020000020004" pitchFamily="49" charset="0"/>
+                <a:cs typeface="Cascadia Mono Light" panose="020B0609020000020004" pitchFamily="49" charset="0"/>
+              </a:rPr>
+              <a:t>[0] in ['R', 'S', 'T', 'U', 'V', 'W']:</a:t>
+            </a:r>
+          </a:p>
+          <a:p>
+            <a:r>
+              <a:rPr lang="en-US" sz="800" dirty="0">
+                <a:latin typeface="Cascadia Mono Light" panose="020B0609020000020004" pitchFamily="49" charset="0"/>
+                <a:ea typeface="Cascadia Mono Light" panose="020B0609020000020004" pitchFamily="49" charset="0"/>
+                <a:cs typeface="Cascadia Mono Light" panose="020B0609020000020004" pitchFamily="49" charset="0"/>
+              </a:rPr>
+              <a:t>                return 'PB'</a:t>
+            </a:r>
+          </a:p>
+          <a:p>
+            <a:r>
+              <a:rPr lang="en-US" sz="800" dirty="0">
+                <a:latin typeface="Cascadia Mono Light" panose="020B0609020000020004" pitchFamily="49" charset="0"/>
+                <a:ea typeface="Cascadia Mono Light" panose="020B0609020000020004" pitchFamily="49" charset="0"/>
+                <a:cs typeface="Cascadia Mono Light" panose="020B0609020000020004" pitchFamily="49" charset="0"/>
+              </a:rPr>
+              <a:t>            </a:t>
+            </a:r>
+            <a:r>
+              <a:rPr lang="en-US" sz="800" dirty="0" err="1">
+                <a:latin typeface="Cascadia Mono Light" panose="020B0609020000020004" pitchFamily="49" charset="0"/>
+                <a:ea typeface="Cascadia Mono Light" panose="020B0609020000020004" pitchFamily="49" charset="0"/>
+                <a:cs typeface="Cascadia Mono Light" panose="020B0609020000020004" pitchFamily="49" charset="0"/>
+              </a:rPr>
+              <a:t>elif</a:t>
+            </a:r>
+            <a:r>
+              <a:rPr lang="en-US" sz="800" dirty="0">
+                <a:latin typeface="Cascadia Mono Light" panose="020B0609020000020004" pitchFamily="49" charset="0"/>
+                <a:ea typeface="Cascadia Mono Light" panose="020B0609020000020004" pitchFamily="49" charset="0"/>
+                <a:cs typeface="Cascadia Mono Light" panose="020B0609020000020004" pitchFamily="49" charset="0"/>
+              </a:rPr>
+              <a:t> </a:t>
+            </a:r>
+            <a:r>
+              <a:rPr lang="en-US" sz="800" dirty="0" err="1">
+                <a:latin typeface="Cascadia Mono Light" panose="020B0609020000020004" pitchFamily="49" charset="0"/>
+                <a:ea typeface="Cascadia Mono Light" panose="020B0609020000020004" pitchFamily="49" charset="0"/>
+                <a:cs typeface="Cascadia Mono Light" panose="020B0609020000020004" pitchFamily="49" charset="0"/>
+              </a:rPr>
+              <a:t>ntf</a:t>
+            </a:r>
+            <a:r>
+              <a:rPr lang="en-US" sz="800" dirty="0">
+                <a:latin typeface="Cascadia Mono Light" panose="020B0609020000020004" pitchFamily="49" charset="0"/>
+                <a:ea typeface="Cascadia Mono Light" panose="020B0609020000020004" pitchFamily="49" charset="0"/>
+                <a:cs typeface="Cascadia Mono Light" panose="020B0609020000020004" pitchFamily="49" charset="0"/>
+              </a:rPr>
+              <a:t>[0] == 'X':</a:t>
+            </a:r>
+          </a:p>
+          <a:p>
+            <a:r>
+              <a:rPr lang="en-US" sz="800" dirty="0">
+                <a:latin typeface="Cascadia Mono Light" panose="020B0609020000020004" pitchFamily="49" charset="0"/>
+                <a:ea typeface="Cascadia Mono Light" panose="020B0609020000020004" pitchFamily="49" charset="0"/>
+                <a:cs typeface="Cascadia Mono Light" panose="020B0609020000020004" pitchFamily="49" charset="0"/>
+              </a:rPr>
+              <a:t>                return 'RE'</a:t>
+            </a:r>
+          </a:p>
+          <a:p>
+            <a:r>
+              <a:rPr lang="en-US" sz="800" dirty="0">
+                <a:latin typeface="Cascadia Mono Light" panose="020B0609020000020004" pitchFamily="49" charset="0"/>
+                <a:ea typeface="Cascadia Mono Light" panose="020B0609020000020004" pitchFamily="49" charset="0"/>
+                <a:cs typeface="Cascadia Mono Light" panose="020B0609020000020004" pitchFamily="49" charset="0"/>
+              </a:rPr>
+              <a:t>            </a:t>
+            </a:r>
+            <a:r>
+              <a:rPr lang="en-US" sz="800" dirty="0" err="1">
+                <a:latin typeface="Cascadia Mono Light" panose="020B0609020000020004" pitchFamily="49" charset="0"/>
+                <a:ea typeface="Cascadia Mono Light" panose="020B0609020000020004" pitchFamily="49" charset="0"/>
+                <a:cs typeface="Cascadia Mono Light" panose="020B0609020000020004" pitchFamily="49" charset="0"/>
+              </a:rPr>
+              <a:t>elif</a:t>
+            </a:r>
+            <a:r>
+              <a:rPr lang="en-US" sz="800" dirty="0">
+                <a:latin typeface="Cascadia Mono Light" panose="020B0609020000020004" pitchFamily="49" charset="0"/>
+                <a:ea typeface="Cascadia Mono Light" panose="020B0609020000020004" pitchFamily="49" charset="0"/>
+                <a:cs typeface="Cascadia Mono Light" panose="020B0609020000020004" pitchFamily="49" charset="0"/>
+              </a:rPr>
+              <a:t> </a:t>
+            </a:r>
+            <a:r>
+              <a:rPr lang="en-US" sz="800" dirty="0" err="1">
+                <a:latin typeface="Cascadia Mono Light" panose="020B0609020000020004" pitchFamily="49" charset="0"/>
+                <a:ea typeface="Cascadia Mono Light" panose="020B0609020000020004" pitchFamily="49" charset="0"/>
+                <a:cs typeface="Cascadia Mono Light" panose="020B0609020000020004" pitchFamily="49" charset="0"/>
+              </a:rPr>
+              <a:t>ntf</a:t>
+            </a:r>
+            <a:r>
+              <a:rPr lang="en-US" sz="800" dirty="0">
+                <a:latin typeface="Cascadia Mono Light" panose="020B0609020000020004" pitchFamily="49" charset="0"/>
+                <a:ea typeface="Cascadia Mono Light" panose="020B0609020000020004" pitchFamily="49" charset="0"/>
+                <a:cs typeface="Cascadia Mono Light" panose="020B0609020000020004" pitchFamily="49" charset="0"/>
+              </a:rPr>
+              <a:t>[0] == 'Z':</a:t>
+            </a:r>
+          </a:p>
+          <a:p>
+            <a:r>
+              <a:rPr lang="en-US" sz="800" dirty="0">
+                <a:latin typeface="Cascadia Mono Light" panose="020B0609020000020004" pitchFamily="49" charset="0"/>
+                <a:ea typeface="Cascadia Mono Light" panose="020B0609020000020004" pitchFamily="49" charset="0"/>
+                <a:cs typeface="Cascadia Mono Light" panose="020B0609020000020004" pitchFamily="49" charset="0"/>
+              </a:rPr>
+              <a:t>                return 'UN'</a:t>
+            </a:r>
+          </a:p>
+          <a:p>
+            <a:r>
+              <a:rPr lang="en-US" sz="800" dirty="0">
+                <a:latin typeface="Cascadia Mono Light" panose="020B0609020000020004" pitchFamily="49" charset="0"/>
+                <a:ea typeface="Cascadia Mono Light" panose="020B0609020000020004" pitchFamily="49" charset="0"/>
+                <a:cs typeface="Cascadia Mono Light" panose="020B0609020000020004" pitchFamily="49" charset="0"/>
+              </a:rPr>
+              <a:t>            else:</a:t>
+            </a:r>
+          </a:p>
+          <a:p>
+            <a:r>
+              <a:rPr lang="en-US" sz="800" dirty="0">
+                <a:latin typeface="Cascadia Mono Light" panose="020B0609020000020004" pitchFamily="49" charset="0"/>
+                <a:ea typeface="Cascadia Mono Light" panose="020B0609020000020004" pitchFamily="49" charset="0"/>
+                <a:cs typeface="Cascadia Mono Light" panose="020B0609020000020004" pitchFamily="49" charset="0"/>
+              </a:rPr>
+              <a:t>                return '-'</a:t>
+            </a:r>
+          </a:p>
+          <a:p>
+            <a:endParaRPr lang="en-US" sz="800" dirty="0">
+              <a:latin typeface="Cascadia Mono Light" panose="020B0609020000020004" pitchFamily="49" charset="0"/>
+              <a:ea typeface="Cascadia Mono Light" panose="020B0609020000020004" pitchFamily="49" charset="0"/>
+              <a:cs typeface="Cascadia Mono Light" panose="020B0609020000020004" pitchFamily="49" charset="0"/>
+            </a:endParaRPr>
+          </a:p>
+          <a:p>
+            <a:r>
+              <a:rPr lang="en-US" sz="800" dirty="0">
+                <a:latin typeface="Cascadia Mono Light" panose="020B0609020000020004" pitchFamily="49" charset="0"/>
+                <a:ea typeface="Cascadia Mono Light" panose="020B0609020000020004" pitchFamily="49" charset="0"/>
+                <a:cs typeface="Cascadia Mono Light" panose="020B0609020000020004" pitchFamily="49" charset="0"/>
+              </a:rPr>
+              <a:t>        </a:t>
+            </a:r>
+            <a:r>
+              <a:rPr lang="en-US" sz="800" dirty="0" err="1">
+                <a:latin typeface="Cascadia Mono Light" panose="020B0609020000020004" pitchFamily="49" charset="0"/>
+                <a:ea typeface="Cascadia Mono Light" panose="020B0609020000020004" pitchFamily="49" charset="0"/>
+                <a:cs typeface="Cascadia Mono Light" panose="020B0609020000020004" pitchFamily="49" charset="0"/>
+              </a:rPr>
+              <a:t>data_dict_entry</a:t>
+            </a:r>
+            <a:r>
+              <a:rPr lang="en-US" sz="800" dirty="0">
+                <a:latin typeface="Cascadia Mono Light" panose="020B0609020000020004" pitchFamily="49" charset="0"/>
+                <a:ea typeface="Cascadia Mono Light" panose="020B0609020000020004" pitchFamily="49" charset="0"/>
+                <a:cs typeface="Cascadia Mono Light" panose="020B0609020000020004" pitchFamily="49" charset="0"/>
+              </a:rPr>
+              <a:t> = ''</a:t>
+            </a:r>
+          </a:p>
+          <a:p>
+            <a:r>
+              <a:rPr lang="en-US" sz="800" dirty="0">
+                <a:latin typeface="Cascadia Mono Light" panose="020B0609020000020004" pitchFamily="49" charset="0"/>
+                <a:ea typeface="Cascadia Mono Light" panose="020B0609020000020004" pitchFamily="49" charset="0"/>
+                <a:cs typeface="Cascadia Mono Light" panose="020B0609020000020004" pitchFamily="49" charset="0"/>
+              </a:rPr>
+              <a:t>        </a:t>
+            </a:r>
+            <a:r>
+              <a:rPr lang="en-US" sz="800" dirty="0" err="1">
+                <a:latin typeface="Cascadia Mono Light" panose="020B0609020000020004" pitchFamily="49" charset="0"/>
+                <a:ea typeface="Cascadia Mono Light" panose="020B0609020000020004" pitchFamily="49" charset="0"/>
+                <a:cs typeface="Cascadia Mono Light" panose="020B0609020000020004" pitchFamily="49" charset="0"/>
+              </a:rPr>
+              <a:t>self.main.data_dict.report_column</a:t>
+            </a:r>
+            <a:r>
+              <a:rPr lang="en-US" sz="800" dirty="0">
+                <a:latin typeface="Cascadia Mono Light" panose="020B0609020000020004" pitchFamily="49" charset="0"/>
+                <a:ea typeface="Cascadia Mono Light" panose="020B0609020000020004" pitchFamily="49" charset="0"/>
+                <a:cs typeface="Cascadia Mono Light" panose="020B0609020000020004" pitchFamily="49" charset="0"/>
+              </a:rPr>
+              <a:t>(name, </a:t>
+            </a:r>
+            <a:r>
+              <a:rPr lang="en-US" sz="800" dirty="0" err="1">
+                <a:latin typeface="Cascadia Mono Light" panose="020B0609020000020004" pitchFamily="49" charset="0"/>
+                <a:ea typeface="Cascadia Mono Light" panose="020B0609020000020004" pitchFamily="49" charset="0"/>
+                <a:cs typeface="Cascadia Mono Light" panose="020B0609020000020004" pitchFamily="49" charset="0"/>
+              </a:rPr>
+              <a:t>data_dict_entry</a:t>
+            </a:r>
+            <a:r>
+              <a:rPr lang="en-US" sz="800" dirty="0">
+                <a:latin typeface="Cascadia Mono Light" panose="020B0609020000020004" pitchFamily="49" charset="0"/>
+                <a:ea typeface="Cascadia Mono Light" panose="020B0609020000020004" pitchFamily="49" charset="0"/>
+                <a:cs typeface="Cascadia Mono Light" panose="020B0609020000020004" pitchFamily="49" charset="0"/>
+              </a:rPr>
+              <a:t>, 'Calculated', ['CO', 'PC', 'PF'])</a:t>
+            </a:r>
+          </a:p>
+          <a:p>
+            <a:r>
+              <a:rPr lang="en-US" sz="800" dirty="0">
+                <a:latin typeface="Cascadia Mono Light" panose="020B0609020000020004" pitchFamily="49" charset="0"/>
+                <a:ea typeface="Cascadia Mono Light" panose="020B0609020000020004" pitchFamily="49" charset="0"/>
+                <a:cs typeface="Cascadia Mono Light" panose="020B0609020000020004" pitchFamily="49" charset="0"/>
+              </a:rPr>
+              <a:t>        if </a:t>
+            </a:r>
+            <a:r>
+              <a:rPr lang="en-US" sz="800" dirty="0" err="1">
+                <a:latin typeface="Cascadia Mono Light" panose="020B0609020000020004" pitchFamily="49" charset="0"/>
+                <a:ea typeface="Cascadia Mono Light" panose="020B0609020000020004" pitchFamily="49" charset="0"/>
+                <a:cs typeface="Cascadia Mono Light" panose="020B0609020000020004" pitchFamily="49" charset="0"/>
+              </a:rPr>
+              <a:t>self.parallelize</a:t>
+            </a:r>
+            <a:r>
+              <a:rPr lang="en-US" sz="800" dirty="0">
+                <a:latin typeface="Cascadia Mono Light" panose="020B0609020000020004" pitchFamily="49" charset="0"/>
+                <a:ea typeface="Cascadia Mono Light" panose="020B0609020000020004" pitchFamily="49" charset="0"/>
+                <a:cs typeface="Cascadia Mono Light" panose="020B0609020000020004" pitchFamily="49" charset="0"/>
+              </a:rPr>
+              <a:t>:</a:t>
+            </a:r>
+          </a:p>
+          <a:p>
+            <a:r>
+              <a:rPr lang="en-US" sz="800" dirty="0">
+                <a:latin typeface="Cascadia Mono Light" panose="020B0609020000020004" pitchFamily="49" charset="0"/>
+                <a:ea typeface="Cascadia Mono Light" panose="020B0609020000020004" pitchFamily="49" charset="0"/>
+                <a:cs typeface="Cascadia Mono Light" panose="020B0609020000020004" pitchFamily="49" charset="0"/>
+              </a:rPr>
+              <a:t>            return </a:t>
+            </a:r>
+            <a:r>
+              <a:rPr lang="en-US" sz="800" dirty="0" err="1">
+                <a:latin typeface="Cascadia Mono Light" panose="020B0609020000020004" pitchFamily="49" charset="0"/>
+                <a:ea typeface="Cascadia Mono Light" panose="020B0609020000020004" pitchFamily="49" charset="0"/>
+                <a:cs typeface="Cascadia Mono Light" panose="020B0609020000020004" pitchFamily="49" charset="0"/>
+              </a:rPr>
+              <a:t>self.parallel_apply</a:t>
+            </a:r>
+            <a:r>
+              <a:rPr lang="en-US" sz="800" dirty="0">
+                <a:latin typeface="Cascadia Mono Light" panose="020B0609020000020004" pitchFamily="49" charset="0"/>
+                <a:ea typeface="Cascadia Mono Light" panose="020B0609020000020004" pitchFamily="49" charset="0"/>
+                <a:cs typeface="Cascadia Mono Light" panose="020B0609020000020004" pitchFamily="49" charset="0"/>
+              </a:rPr>
+              <a:t>(</a:t>
+            </a:r>
+            <a:r>
+              <a:rPr lang="en-US" sz="800" dirty="0" err="1">
+                <a:latin typeface="Cascadia Mono Light" panose="020B0609020000020004" pitchFamily="49" charset="0"/>
+                <a:ea typeface="Cascadia Mono Light" panose="020B0609020000020004" pitchFamily="49" charset="0"/>
+                <a:cs typeface="Cascadia Mono Light" panose="020B0609020000020004" pitchFamily="49" charset="0"/>
+              </a:rPr>
+              <a:t>df</a:t>
+            </a:r>
+            <a:r>
+              <a:rPr lang="en-US" sz="800" dirty="0">
+                <a:latin typeface="Cascadia Mono Light" panose="020B0609020000020004" pitchFamily="49" charset="0"/>
+                <a:ea typeface="Cascadia Mono Light" panose="020B0609020000020004" pitchFamily="49" charset="0"/>
+                <a:cs typeface="Cascadia Mono Light" panose="020B0609020000020004" pitchFamily="49" charset="0"/>
+              </a:rPr>
+              <a:t>, level3)</a:t>
+            </a:r>
+          </a:p>
+          <a:p>
+            <a:r>
+              <a:rPr lang="en-US" sz="800" dirty="0">
+                <a:latin typeface="Cascadia Mono Light" panose="020B0609020000020004" pitchFamily="49" charset="0"/>
+                <a:ea typeface="Cascadia Mono Light" panose="020B0609020000020004" pitchFamily="49" charset="0"/>
+                <a:cs typeface="Cascadia Mono Light" panose="020B0609020000020004" pitchFamily="49" charset="0"/>
+              </a:rPr>
+              <a:t>        else:</a:t>
+            </a:r>
+          </a:p>
+          <a:p>
+            <a:r>
+              <a:rPr lang="en-US" sz="800" dirty="0">
+                <a:latin typeface="Cascadia Mono Light" panose="020B0609020000020004" pitchFamily="49" charset="0"/>
+                <a:ea typeface="Cascadia Mono Light" panose="020B0609020000020004" pitchFamily="49" charset="0"/>
+                <a:cs typeface="Cascadia Mono Light" panose="020B0609020000020004" pitchFamily="49" charset="0"/>
+              </a:rPr>
+              <a:t>            return </a:t>
+            </a:r>
+            <a:r>
+              <a:rPr lang="en-US" sz="800" dirty="0" err="1">
+                <a:latin typeface="Cascadia Mono Light" panose="020B0609020000020004" pitchFamily="49" charset="0"/>
+                <a:ea typeface="Cascadia Mono Light" panose="020B0609020000020004" pitchFamily="49" charset="0"/>
+                <a:cs typeface="Cascadia Mono Light" panose="020B0609020000020004" pitchFamily="49" charset="0"/>
+              </a:rPr>
+              <a:t>df.apply</a:t>
+            </a:r>
+            <a:r>
+              <a:rPr lang="en-US" sz="800" dirty="0">
+                <a:latin typeface="Cascadia Mono Light" panose="020B0609020000020004" pitchFamily="49" charset="0"/>
+                <a:ea typeface="Cascadia Mono Light" panose="020B0609020000020004" pitchFamily="49" charset="0"/>
+                <a:cs typeface="Cascadia Mono Light" panose="020B0609020000020004" pitchFamily="49" charset="0"/>
+              </a:rPr>
+              <a:t>(lambda r: level3(r), axis=1)</a:t>
             </a:r>
           </a:p>
         </p:txBody>
       </p:sp>
-      <p:cxnSp>
-        <p:nvCxnSpPr>
-          <p:cNvPr id="65" name="Straight Arrow Connector 64">
-            <a:extLst>
-              <a:ext uri="{FF2B5EF4-FFF2-40B4-BE49-F238E27FC236}">
-                <a16:creationId xmlns:a16="http://schemas.microsoft.com/office/drawing/2014/main" id="{C26AF9C6-BD8E-8E81-2060-371278360E5C}"/>
-              </a:ext>
-            </a:extLst>
-          </p:cNvPr>
-          <p:cNvCxnSpPr>
-            <a:cxnSpLocks/>
-            <a:stCxn id="11" idx="3"/>
-            <a:endCxn id="2" idx="1"/>
-          </p:cNvCxnSpPr>
-          <p:nvPr/>
-        </p:nvCxnSpPr>
-        <p:spPr>
-          <a:xfrm flipV="1">
-            <a:off x="4698124" y="3809435"/>
-            <a:ext cx="1767515" cy="1"/>
-          </a:xfrm>
-          <a:prstGeom prst="straightConnector1">
-            <a:avLst/>
-          </a:prstGeom>
-          <a:ln w="28575">
-            <a:tailEnd type="triangle" w="lg" len="med"/>
-          </a:ln>
-        </p:spPr>
-        <p:style>
-          <a:lnRef idx="2">
-            <a:schemeClr val="accent1"/>
-          </a:lnRef>
-          <a:fillRef idx="0">
-            <a:schemeClr val="accent1"/>
-          </a:fillRef>
-          <a:effectRef idx="1">
-            <a:schemeClr val="accent1"/>
-          </a:effectRef>
-          <a:fontRef idx="minor">
-            <a:schemeClr val="tx1"/>
-          </a:fontRef>
-        </p:style>
-      </p:cxnSp>
-      <p:sp>
-        <p:nvSpPr>
-          <p:cNvPr id="2" name="TextBox 1">
-            <a:extLst>
-              <a:ext uri="{FF2B5EF4-FFF2-40B4-BE49-F238E27FC236}">
-                <a16:creationId xmlns:a16="http://schemas.microsoft.com/office/drawing/2014/main" id="{03CFC9B6-2E5D-408C-1028-D1F0DDF9446A}"/>
-              </a:ext>
-            </a:extLst>
-          </p:cNvPr>
-          <p:cNvSpPr txBox="1"/>
-          <p:nvPr/>
-        </p:nvSpPr>
-        <p:spPr>
-          <a:xfrm>
-            <a:off x="6465639" y="2932272"/>
-            <a:ext cx="766300" cy="1754326"/>
-          </a:xfrm>
-          <a:prstGeom prst="rect">
-            <a:avLst/>
-          </a:prstGeom>
-          <a:noFill/>
-        </p:spPr>
-        <p:txBody>
-          <a:bodyPr wrap="none" rtlCol="0">
-            <a:spAutoFit/>
-          </a:bodyPr>
-          <a:lstStyle/>
-          <a:p>
-            <a:r>
-              <a:rPr lang="en-US" dirty="0">
-                <a:solidFill>
-                  <a:schemeClr val="accent1"/>
-                </a:solidFill>
-              </a:rPr>
-              <a:t>LAT</a:t>
-            </a:r>
-            <a:br>
-              <a:rPr lang="en-US" dirty="0">
-                <a:solidFill>
-                  <a:schemeClr val="accent1"/>
-                </a:solidFill>
-              </a:rPr>
-            </a:br>
-            <a:r>
-              <a:rPr lang="en-US" dirty="0">
-                <a:solidFill>
-                  <a:schemeClr val="accent1"/>
-                </a:solidFill>
-              </a:rPr>
-              <a:t>LON</a:t>
-            </a:r>
-            <a:br>
-              <a:rPr lang="en-US" dirty="0">
-                <a:solidFill>
-                  <a:schemeClr val="accent1"/>
-                </a:solidFill>
-              </a:rPr>
-            </a:br>
-            <a:r>
-              <a:rPr lang="en-US" dirty="0">
-                <a:solidFill>
-                  <a:schemeClr val="accent1"/>
-                </a:solidFill>
-              </a:rPr>
-              <a:t>FIPS</a:t>
-            </a:r>
-            <a:br>
-              <a:rPr lang="en-US" dirty="0">
-                <a:solidFill>
-                  <a:schemeClr val="accent1"/>
-                </a:solidFill>
-              </a:rPr>
-            </a:br>
-            <a:r>
-              <a:rPr lang="en-US" dirty="0">
-                <a:solidFill>
-                  <a:schemeClr val="accent1"/>
-                </a:solidFill>
-              </a:rPr>
-              <a:t>MSA</a:t>
-            </a:r>
-            <a:br>
-              <a:rPr lang="en-US" dirty="0">
-                <a:solidFill>
-                  <a:schemeClr val="accent1"/>
-                </a:solidFill>
-              </a:rPr>
-            </a:br>
-            <a:r>
-              <a:rPr lang="en-US" dirty="0">
-                <a:solidFill>
-                  <a:schemeClr val="accent1"/>
-                </a:solidFill>
-              </a:rPr>
-              <a:t>CBSA</a:t>
-            </a:r>
-          </a:p>
-          <a:p>
-            <a:r>
-              <a:rPr lang="en-US" dirty="0">
-                <a:solidFill>
-                  <a:schemeClr val="accent1"/>
-                </a:solidFill>
-              </a:rPr>
-              <a:t>PMSA</a:t>
-            </a:r>
-          </a:p>
-        </p:txBody>
-      </p:sp>
-      <p:sp>
-        <p:nvSpPr>
-          <p:cNvPr id="5" name="TextBox 4">
-            <a:extLst>
-              <a:ext uri="{FF2B5EF4-FFF2-40B4-BE49-F238E27FC236}">
-                <a16:creationId xmlns:a16="http://schemas.microsoft.com/office/drawing/2014/main" id="{B094CC2B-281A-D552-8ABE-4E435BEFF5FB}"/>
-              </a:ext>
-            </a:extLst>
-          </p:cNvPr>
-          <p:cNvSpPr txBox="1"/>
-          <p:nvPr/>
-        </p:nvSpPr>
-        <p:spPr>
-          <a:xfrm>
-            <a:off x="4661019" y="2135531"/>
-            <a:ext cx="1876096" cy="646331"/>
-          </a:xfrm>
-          <a:prstGeom prst="rect">
-            <a:avLst/>
-          </a:prstGeom>
-          <a:noFill/>
-        </p:spPr>
-        <p:txBody>
-          <a:bodyPr wrap="square">
-            <a:spAutoFit/>
-          </a:bodyPr>
-          <a:lstStyle/>
-          <a:p>
-            <a:r>
-              <a:rPr lang="en-US" dirty="0">
-                <a:solidFill>
-                  <a:schemeClr val="tx1">
-                    <a:lumMod val="50000"/>
-                    <a:lumOff val="50000"/>
-                  </a:schemeClr>
-                </a:solidFill>
-              </a:rPr>
-              <a:t>GEOCD</a:t>
-            </a:r>
-            <a:br>
-              <a:rPr lang="en-US" dirty="0">
-                <a:solidFill>
-                  <a:schemeClr val="tx1">
-                    <a:lumMod val="50000"/>
-                    <a:lumOff val="50000"/>
-                  </a:schemeClr>
-                </a:solidFill>
-              </a:rPr>
-            </a:br>
-            <a:r>
-              <a:rPr lang="en-US" dirty="0">
-                <a:solidFill>
-                  <a:schemeClr val="tx1">
-                    <a:lumMod val="50000"/>
-                    <a:lumOff val="50000"/>
-                  </a:schemeClr>
-                </a:solidFill>
-              </a:rPr>
-              <a:t>GEOEXCLUDE</a:t>
-            </a:r>
-          </a:p>
-        </p:txBody>
-      </p:sp>
-      <p:cxnSp>
-        <p:nvCxnSpPr>
-          <p:cNvPr id="20" name="Straight Arrow Connector 19">
-            <a:extLst>
-              <a:ext uri="{FF2B5EF4-FFF2-40B4-BE49-F238E27FC236}">
-                <a16:creationId xmlns:a16="http://schemas.microsoft.com/office/drawing/2014/main" id="{00CBE046-D491-9BE7-EA76-97756C04C0CF}"/>
-              </a:ext>
-            </a:extLst>
-          </p:cNvPr>
-          <p:cNvCxnSpPr>
-            <a:cxnSpLocks/>
-            <a:stCxn id="5" idx="2"/>
-          </p:cNvCxnSpPr>
-          <p:nvPr/>
-        </p:nvCxnSpPr>
-        <p:spPr>
-          <a:xfrm>
-            <a:off x="5599067" y="2781862"/>
-            <a:ext cx="11763" cy="921758"/>
-          </a:xfrm>
-          <a:prstGeom prst="straightConnector1">
-            <a:avLst/>
-          </a:prstGeom>
-          <a:ln w="28575">
-            <a:solidFill>
-              <a:schemeClr val="bg2">
-                <a:lumMod val="75000"/>
-              </a:schemeClr>
-            </a:solidFill>
-            <a:tailEnd type="triangle" w="lg" len="med"/>
-          </a:ln>
-        </p:spPr>
-        <p:style>
-          <a:lnRef idx="2">
-            <a:schemeClr val="accent1"/>
-          </a:lnRef>
-          <a:fillRef idx="0">
-            <a:schemeClr val="accent1"/>
-          </a:fillRef>
-          <a:effectRef idx="1">
-            <a:schemeClr val="accent1"/>
-          </a:effectRef>
-          <a:fontRef idx="minor">
-            <a:schemeClr val="tx1"/>
-          </a:fontRef>
-        </p:style>
-      </p:cxnSp>
-      <p:sp>
-        <p:nvSpPr>
-          <p:cNvPr id="24" name="TextBox 23">
-            <a:extLst>
-              <a:ext uri="{FF2B5EF4-FFF2-40B4-BE49-F238E27FC236}">
-                <a16:creationId xmlns:a16="http://schemas.microsoft.com/office/drawing/2014/main" id="{3B380AC4-AE23-7DFC-859C-0B7CE87FFEDE}"/>
-              </a:ext>
-            </a:extLst>
-          </p:cNvPr>
-          <p:cNvSpPr txBox="1"/>
-          <p:nvPr/>
-        </p:nvSpPr>
-        <p:spPr>
-          <a:xfrm>
-            <a:off x="3710561" y="5030859"/>
-            <a:ext cx="619080" cy="369332"/>
-          </a:xfrm>
-          <a:prstGeom prst="rect">
-            <a:avLst/>
-          </a:prstGeom>
-          <a:noFill/>
-        </p:spPr>
-        <p:txBody>
-          <a:bodyPr wrap="none" rtlCol="0">
-            <a:spAutoFit/>
-          </a:bodyPr>
-          <a:lstStyle/>
-          <a:p>
-            <a:r>
-              <a:rPr lang="en-US" dirty="0">
-                <a:solidFill>
-                  <a:schemeClr val="accent1"/>
-                </a:solidFill>
-              </a:rPr>
-              <a:t>ZIP5</a:t>
-            </a:r>
-          </a:p>
-        </p:txBody>
-      </p:sp>
-      <p:cxnSp>
-        <p:nvCxnSpPr>
-          <p:cNvPr id="25" name="Straight Arrow Connector 24">
-            <a:extLst>
-              <a:ext uri="{FF2B5EF4-FFF2-40B4-BE49-F238E27FC236}">
-                <a16:creationId xmlns:a16="http://schemas.microsoft.com/office/drawing/2014/main" id="{49930298-C914-607A-B8FF-10E28E52CA5F}"/>
-              </a:ext>
-            </a:extLst>
-          </p:cNvPr>
-          <p:cNvCxnSpPr>
-            <a:cxnSpLocks/>
-            <a:stCxn id="11" idx="2"/>
-            <a:endCxn id="24" idx="0"/>
-          </p:cNvCxnSpPr>
-          <p:nvPr/>
-        </p:nvCxnSpPr>
-        <p:spPr>
-          <a:xfrm flipH="1">
-            <a:off x="4020101" y="4409600"/>
-            <a:ext cx="1" cy="621259"/>
-          </a:xfrm>
-          <a:prstGeom prst="straightConnector1">
-            <a:avLst/>
-          </a:prstGeom>
-          <a:ln w="28575">
-            <a:tailEnd type="triangle" w="lg" len="med"/>
-          </a:ln>
-        </p:spPr>
-        <p:style>
-          <a:lnRef idx="2">
-            <a:schemeClr val="accent1"/>
-          </a:lnRef>
-          <a:fillRef idx="0">
-            <a:schemeClr val="accent1"/>
-          </a:fillRef>
-          <a:effectRef idx="1">
-            <a:schemeClr val="accent1"/>
-          </a:effectRef>
-          <a:fontRef idx="minor">
-            <a:schemeClr val="tx1"/>
-          </a:fontRef>
-        </p:style>
-      </p:cxnSp>
     </p:spTree>
     <p:extLst>
       <p:ext uri="{BB962C8B-B14F-4D97-AF65-F5344CB8AC3E}">
-        <p14:creationId xmlns:p14="http://schemas.microsoft.com/office/powerpoint/2010/main" val="3241341571"/>
+        <p14:creationId xmlns:p14="http://schemas.microsoft.com/office/powerpoint/2010/main" val="516365171"/>
       </p:ext>
     </p:extLst>
   </p:cSld>
@@ -17802,63 +18252,1511 @@
           <a:chExt cx="0" cy="0"/>
         </a:xfrm>
       </p:grpSpPr>
-      <p:sp>
-        <p:nvSpPr>
-          <p:cNvPr id="2" name="Title 1">
-            <a:extLst>
-              <a:ext uri="{FF2B5EF4-FFF2-40B4-BE49-F238E27FC236}">
-                <a16:creationId xmlns:a16="http://schemas.microsoft.com/office/drawing/2014/main" id="{8122DBF5-DD84-0A30-CB66-24CDB6C4B6EA}"/>
-              </a:ext>
-            </a:extLst>
-          </p:cNvPr>
-          <p:cNvSpPr>
-            <a:spLocks noGrp="1"/>
-          </p:cNvSpPr>
-          <p:nvPr>
-            <p:ph type="title"/>
-          </p:nvPr>
-        </p:nvSpPr>
-        <p:spPr/>
-        <p:txBody>
-          <a:bodyPr/>
-          <a:lstStyle/>
-          <a:p>
-            <a:r>
-              <a:rPr lang="en-US" dirty="0"/>
-              <a:t>NEW METADATA ATTRIBUTES</a:t>
-            </a:r>
-          </a:p>
-        </p:txBody>
-      </p:sp>
-      <p:sp>
-        <p:nvSpPr>
-          <p:cNvPr id="3" name="Text Placeholder 2">
-            <a:extLst>
-              <a:ext uri="{FF2B5EF4-FFF2-40B4-BE49-F238E27FC236}">
-                <a16:creationId xmlns:a16="http://schemas.microsoft.com/office/drawing/2014/main" id="{AC942865-F68E-D438-25CE-EE75D990DB50}"/>
-              </a:ext>
-            </a:extLst>
-          </p:cNvPr>
-          <p:cNvSpPr>
-            <a:spLocks noGrp="1"/>
-          </p:cNvSpPr>
-          <p:nvPr>
-            <p:ph type="body" idx="1"/>
-          </p:nvPr>
-        </p:nvSpPr>
-        <p:spPr/>
-        <p:txBody>
-          <a:bodyPr/>
-          <a:lstStyle/>
-          <a:p>
-            <a:endParaRPr lang="en-US"/>
-          </a:p>
-        </p:txBody>
-      </p:sp>
+      <p:grpSp>
+        <p:nvGrpSpPr>
+          <p:cNvPr id="18" name="Group 17">
+            <a:extLst>
+              <a:ext uri="{FF2B5EF4-FFF2-40B4-BE49-F238E27FC236}">
+                <a16:creationId xmlns:a16="http://schemas.microsoft.com/office/drawing/2014/main" id="{89D1C775-12D0-9E89-AEF5-6B0125293249}"/>
+              </a:ext>
+            </a:extLst>
+          </p:cNvPr>
+          <p:cNvGrpSpPr/>
+          <p:nvPr/>
+        </p:nvGrpSpPr>
+        <p:grpSpPr>
+          <a:xfrm>
+            <a:off x="411911" y="593094"/>
+            <a:ext cx="10975518" cy="6264906"/>
+            <a:chOff x="411911" y="593094"/>
+            <a:chExt cx="10975518" cy="6264906"/>
+          </a:xfrm>
+        </p:grpSpPr>
+        <p:sp>
+          <p:nvSpPr>
+            <p:cNvPr id="2" name="TextBox 1">
+              <a:extLst>
+                <a:ext uri="{FF2B5EF4-FFF2-40B4-BE49-F238E27FC236}">
+                  <a16:creationId xmlns:a16="http://schemas.microsoft.com/office/drawing/2014/main" id="{02F60EAC-0DE6-F823-1A51-C1DBF0A7BE17}"/>
+                </a:ext>
+              </a:extLst>
+            </p:cNvPr>
+            <p:cNvSpPr txBox="1"/>
+            <p:nvPr/>
+          </p:nvSpPr>
+          <p:spPr>
+            <a:xfrm>
+              <a:off x="411911" y="1446363"/>
+              <a:ext cx="6094562" cy="3970318"/>
+            </a:xfrm>
+            <a:prstGeom prst="rect">
+              <a:avLst/>
+            </a:prstGeom>
+            <a:noFill/>
+          </p:spPr>
+          <p:txBody>
+            <a:bodyPr wrap="square">
+              <a:spAutoFit/>
+            </a:bodyPr>
+            <a:lstStyle/>
+            <a:p>
+              <a:pPr marL="0" marR="0" lvl="0" indent="0" algn="l" defTabSz="914400" rtl="0" eaLnBrk="1" fontAlgn="auto" latinLnBrk="0" hangingPunct="1">
+                <a:lnSpc>
+                  <a:spcPct val="100000"/>
+                </a:lnSpc>
+                <a:spcBef>
+                  <a:spcPts val="0"/>
+                </a:spcBef>
+                <a:spcAft>
+                  <a:spcPts val="0"/>
+                </a:spcAft>
+                <a:buClrTx/>
+                <a:buSzTx/>
+                <a:buFontTx/>
+                <a:buNone/>
+                <a:tabLst/>
+                <a:defRPr/>
+              </a:pPr>
+              <a:r>
+                <a:rPr kumimoji="0" lang="en-US" sz="1200" b="0" i="0" u="none" strike="noStrike" kern="1200" cap="none" spc="0" normalizeH="0" baseline="0" noProof="0" dirty="0">
+                  <a:ln>
+                    <a:noFill/>
+                  </a:ln>
+                  <a:solidFill>
+                    <a:prstClr val="black"/>
+                  </a:solidFill>
+                  <a:effectLst/>
+                  <a:uLnTx/>
+                  <a:uFillTx/>
+                  <a:latin typeface="Lucida Console" panose="020B0609040504020204" pitchFamily="49" charset="0"/>
+                  <a:ea typeface="+mn-ea"/>
+                  <a:cs typeface="+mn-cs"/>
+                </a:rPr>
+                <a:t>LEVEL3</a:t>
+              </a:r>
+            </a:p>
+            <a:p>
+              <a:pPr marL="0" marR="0" lvl="0" indent="0" algn="l" defTabSz="914400" rtl="0" eaLnBrk="1" fontAlgn="auto" latinLnBrk="0" hangingPunct="1">
+                <a:lnSpc>
+                  <a:spcPct val="100000"/>
+                </a:lnSpc>
+                <a:spcBef>
+                  <a:spcPts val="0"/>
+                </a:spcBef>
+                <a:spcAft>
+                  <a:spcPts val="0"/>
+                </a:spcAft>
+                <a:buClrTx/>
+                <a:buSzTx/>
+                <a:buFontTx/>
+                <a:buNone/>
+                <a:tabLst/>
+                <a:defRPr/>
+              </a:pPr>
+              <a:endParaRPr kumimoji="0" lang="en-US" sz="1200" b="0" i="0" u="none" strike="noStrike" kern="1200" cap="none" spc="0" normalizeH="0" baseline="0" noProof="0" dirty="0">
+                <a:ln>
+                  <a:noFill/>
+                </a:ln>
+                <a:solidFill>
+                  <a:prstClr val="black"/>
+                </a:solidFill>
+                <a:effectLst/>
+                <a:uLnTx/>
+                <a:uFillTx/>
+                <a:latin typeface="Lucida Console" panose="020B0609040504020204" pitchFamily="49" charset="0"/>
+                <a:ea typeface="+mn-ea"/>
+                <a:cs typeface="+mn-cs"/>
+              </a:endParaRPr>
+            </a:p>
+            <a:p>
+              <a:pPr marL="0" marR="0" lvl="0" indent="0" algn="l" defTabSz="914400" rtl="0" eaLnBrk="1" fontAlgn="auto" latinLnBrk="0" hangingPunct="1">
+                <a:lnSpc>
+                  <a:spcPct val="100000"/>
+                </a:lnSpc>
+                <a:spcBef>
+                  <a:spcPts val="0"/>
+                </a:spcBef>
+                <a:spcAft>
+                  <a:spcPts val="0"/>
+                </a:spcAft>
+                <a:buClrTx/>
+                <a:buSzTx/>
+                <a:buFontTx/>
+                <a:buNone/>
+                <a:tabLst/>
+                <a:defRPr/>
+              </a:pPr>
+              <a:r>
+                <a:rPr kumimoji="0" lang="en-US" sz="1200" b="0" i="0" u="none" strike="noStrike" kern="1200" cap="none" spc="0" normalizeH="0" baseline="0" noProof="0" dirty="0">
+                  <a:ln>
+                    <a:noFill/>
+                  </a:ln>
+                  <a:solidFill>
+                    <a:prstClr val="black"/>
+                  </a:solidFill>
+                  <a:effectLst/>
+                  <a:uLnTx/>
+                  <a:uFillTx/>
+                  <a:latin typeface="Lucida Console" panose="020B0609040504020204" pitchFamily="49" charset="0"/>
+                  <a:ea typeface="+mn-ea"/>
+                  <a:cs typeface="+mn-cs"/>
+                </a:rPr>
+                <a:t>AR	Arts, culture and humanities</a:t>
+              </a:r>
+            </a:p>
+            <a:p>
+              <a:pPr marL="0" marR="0" lvl="0" indent="0" algn="l" defTabSz="914400" rtl="0" eaLnBrk="1" fontAlgn="auto" latinLnBrk="0" hangingPunct="1">
+                <a:lnSpc>
+                  <a:spcPct val="100000"/>
+                </a:lnSpc>
+                <a:spcBef>
+                  <a:spcPts val="0"/>
+                </a:spcBef>
+                <a:spcAft>
+                  <a:spcPts val="0"/>
+                </a:spcAft>
+                <a:buClrTx/>
+                <a:buSzTx/>
+                <a:buFontTx/>
+                <a:buNone/>
+                <a:tabLst/>
+                <a:defRPr/>
+              </a:pPr>
+              <a:r>
+                <a:rPr kumimoji="0" lang="en-US" sz="1200" b="0" i="0" u="none" strike="noStrike" kern="1200" cap="none" spc="0" normalizeH="0" baseline="0" noProof="0" dirty="0">
+                  <a:ln>
+                    <a:noFill/>
+                  </a:ln>
+                  <a:solidFill>
+                    <a:prstClr val="black"/>
+                  </a:solidFill>
+                  <a:effectLst/>
+                  <a:uLnTx/>
+                  <a:uFillTx/>
+                  <a:latin typeface="Lucida Console" panose="020B0609040504020204" pitchFamily="49" charset="0"/>
+                  <a:ea typeface="+mn-ea"/>
+                  <a:cs typeface="+mn-cs"/>
+                </a:rPr>
+                <a:t>ED	Education</a:t>
+              </a:r>
+            </a:p>
+            <a:p>
+              <a:pPr marL="0" marR="0" lvl="0" indent="0" algn="l" defTabSz="914400" rtl="0" eaLnBrk="1" fontAlgn="auto" latinLnBrk="0" hangingPunct="1">
+                <a:lnSpc>
+                  <a:spcPct val="100000"/>
+                </a:lnSpc>
+                <a:spcBef>
+                  <a:spcPts val="0"/>
+                </a:spcBef>
+                <a:spcAft>
+                  <a:spcPts val="0"/>
+                </a:spcAft>
+                <a:buClrTx/>
+                <a:buSzTx/>
+                <a:buFontTx/>
+                <a:buNone/>
+                <a:tabLst/>
+                <a:defRPr/>
+              </a:pPr>
+              <a:r>
+                <a:rPr kumimoji="0" lang="en-US" sz="1200" b="0" i="0" u="none" strike="noStrike" kern="1200" cap="none" spc="0" normalizeH="0" baseline="0" noProof="0" dirty="0">
+                  <a:ln>
+                    <a:noFill/>
+                  </a:ln>
+                  <a:solidFill>
+                    <a:prstClr val="black"/>
+                  </a:solidFill>
+                  <a:effectLst/>
+                  <a:uLnTx/>
+                  <a:uFillTx/>
+                  <a:latin typeface="Lucida Console" panose="020B0609040504020204" pitchFamily="49" charset="0"/>
+                  <a:ea typeface="+mn-ea"/>
+                  <a:cs typeface="+mn-cs"/>
+                </a:rPr>
+                <a:t>EN	Environment/animals</a:t>
+              </a:r>
+            </a:p>
+            <a:p>
+              <a:pPr marL="0" marR="0" lvl="0" indent="0" algn="l" defTabSz="914400" rtl="0" eaLnBrk="1" fontAlgn="auto" latinLnBrk="0" hangingPunct="1">
+                <a:lnSpc>
+                  <a:spcPct val="100000"/>
+                </a:lnSpc>
+                <a:spcBef>
+                  <a:spcPts val="0"/>
+                </a:spcBef>
+                <a:spcAft>
+                  <a:spcPts val="0"/>
+                </a:spcAft>
+                <a:buClrTx/>
+                <a:buSzTx/>
+                <a:buFontTx/>
+                <a:buNone/>
+                <a:tabLst/>
+                <a:defRPr/>
+              </a:pPr>
+              <a:r>
+                <a:rPr kumimoji="0" lang="en-US" sz="1200" b="0" i="0" u="none" strike="noStrike" kern="1200" cap="none" spc="0" normalizeH="0" baseline="0" noProof="0" dirty="0">
+                  <a:ln>
+                    <a:noFill/>
+                  </a:ln>
+                  <a:solidFill>
+                    <a:prstClr val="black"/>
+                  </a:solidFill>
+                  <a:effectLst/>
+                  <a:uLnTx/>
+                  <a:uFillTx/>
+                  <a:latin typeface="Lucida Console" panose="020B0609040504020204" pitchFamily="49" charset="0"/>
+                  <a:ea typeface="+mn-ea"/>
+                  <a:cs typeface="+mn-cs"/>
+                </a:rPr>
+                <a:t>HE	Health</a:t>
+              </a:r>
+            </a:p>
+            <a:p>
+              <a:pPr marL="0" marR="0" lvl="0" indent="0" algn="l" defTabSz="914400" rtl="0" eaLnBrk="1" fontAlgn="auto" latinLnBrk="0" hangingPunct="1">
+                <a:lnSpc>
+                  <a:spcPct val="100000"/>
+                </a:lnSpc>
+                <a:spcBef>
+                  <a:spcPts val="0"/>
+                </a:spcBef>
+                <a:spcAft>
+                  <a:spcPts val="0"/>
+                </a:spcAft>
+                <a:buClrTx/>
+                <a:buSzTx/>
+                <a:buFontTx/>
+                <a:buNone/>
+                <a:tabLst/>
+                <a:defRPr/>
+              </a:pPr>
+              <a:r>
+                <a:rPr kumimoji="0" lang="en-US" sz="1200" b="0" i="0" u="none" strike="noStrike" kern="1200" cap="none" spc="0" normalizeH="0" baseline="0" noProof="0" dirty="0">
+                  <a:ln>
+                    <a:noFill/>
+                  </a:ln>
+                  <a:solidFill>
+                    <a:prstClr val="black"/>
+                  </a:solidFill>
+                  <a:effectLst/>
+                  <a:uLnTx/>
+                  <a:uFillTx/>
+                  <a:latin typeface="Lucida Console" panose="020B0609040504020204" pitchFamily="49" charset="0"/>
+                  <a:ea typeface="+mn-ea"/>
+                  <a:cs typeface="+mn-cs"/>
+                </a:rPr>
+                <a:t>HS	Human Services</a:t>
+              </a:r>
+            </a:p>
+            <a:p>
+              <a:pPr marL="0" marR="0" lvl="0" indent="0" algn="l" defTabSz="914400" rtl="0" eaLnBrk="1" fontAlgn="auto" latinLnBrk="0" hangingPunct="1">
+                <a:lnSpc>
+                  <a:spcPct val="100000"/>
+                </a:lnSpc>
+                <a:spcBef>
+                  <a:spcPts val="0"/>
+                </a:spcBef>
+                <a:spcAft>
+                  <a:spcPts val="0"/>
+                </a:spcAft>
+                <a:buClrTx/>
+                <a:buSzTx/>
+                <a:buFontTx/>
+                <a:buNone/>
+                <a:tabLst/>
+                <a:defRPr/>
+              </a:pPr>
+              <a:r>
+                <a:rPr kumimoji="0" lang="en-US" sz="1200" b="0" i="0" u="none" strike="noStrike" kern="1200" cap="none" spc="0" normalizeH="0" baseline="0" noProof="0" dirty="0">
+                  <a:ln>
+                    <a:noFill/>
+                  </a:ln>
+                  <a:solidFill>
+                    <a:prstClr val="black"/>
+                  </a:solidFill>
+                  <a:effectLst/>
+                  <a:uLnTx/>
+                  <a:uFillTx/>
+                  <a:latin typeface="Lucida Console" panose="020B0609040504020204" pitchFamily="49" charset="0"/>
+                  <a:ea typeface="+mn-ea"/>
+                  <a:cs typeface="+mn-cs"/>
+                </a:rPr>
+                <a:t>IN	International, foreign affairs</a:t>
+              </a:r>
+            </a:p>
+            <a:p>
+              <a:pPr marL="0" marR="0" lvl="0" indent="0" algn="l" defTabSz="914400" rtl="0" eaLnBrk="1" fontAlgn="auto" latinLnBrk="0" hangingPunct="1">
+                <a:lnSpc>
+                  <a:spcPct val="100000"/>
+                </a:lnSpc>
+                <a:spcBef>
+                  <a:spcPts val="0"/>
+                </a:spcBef>
+                <a:spcAft>
+                  <a:spcPts val="0"/>
+                </a:spcAft>
+                <a:buClrTx/>
+                <a:buSzTx/>
+                <a:buFontTx/>
+                <a:buNone/>
+                <a:tabLst/>
+                <a:defRPr/>
+              </a:pPr>
+              <a:r>
+                <a:rPr kumimoji="0" lang="en-US" sz="1200" b="0" i="0" u="none" strike="noStrike" kern="1200" cap="none" spc="0" normalizeH="0" baseline="0" noProof="0" dirty="0">
+                  <a:ln>
+                    <a:noFill/>
+                  </a:ln>
+                  <a:solidFill>
+                    <a:schemeClr val="accent2"/>
+                  </a:solidFill>
+                  <a:effectLst/>
+                  <a:uLnTx/>
+                  <a:uFillTx/>
+                  <a:latin typeface="Lucida Console" panose="020B0609040504020204" pitchFamily="49" charset="0"/>
+                  <a:ea typeface="+mn-ea"/>
+                  <a:cs typeface="+mn-cs"/>
+                </a:rPr>
+                <a:t>MO	Other mutual benefit</a:t>
+              </a:r>
+            </a:p>
+            <a:p>
+              <a:pPr marL="0" marR="0" lvl="0" indent="0" algn="l" defTabSz="914400" rtl="0" eaLnBrk="1" fontAlgn="auto" latinLnBrk="0" hangingPunct="1">
+                <a:lnSpc>
+                  <a:spcPct val="100000"/>
+                </a:lnSpc>
+                <a:spcBef>
+                  <a:spcPts val="0"/>
+                </a:spcBef>
+                <a:spcAft>
+                  <a:spcPts val="0"/>
+                </a:spcAft>
+                <a:buClrTx/>
+                <a:buSzTx/>
+                <a:buFontTx/>
+                <a:buNone/>
+                <a:tabLst/>
+                <a:defRPr/>
+              </a:pPr>
+              <a:r>
+                <a:rPr kumimoji="0" lang="en-US" sz="1200" b="0" i="0" u="none" strike="noStrike" kern="1200" cap="none" spc="0" normalizeH="0" baseline="0" noProof="0" dirty="0">
+                  <a:ln>
+                    <a:noFill/>
+                  </a:ln>
+                  <a:solidFill>
+                    <a:schemeClr val="accent2"/>
+                  </a:solidFill>
+                  <a:effectLst/>
+                  <a:uLnTx/>
+                  <a:uFillTx/>
+                  <a:latin typeface="Lucida Console" panose="020B0609040504020204" pitchFamily="49" charset="0"/>
+                  <a:ea typeface="+mn-ea"/>
+                  <a:cs typeface="+mn-cs"/>
+                </a:rPr>
+                <a:t>MR	Pension and retirement funds</a:t>
+              </a:r>
+            </a:p>
+            <a:p>
+              <a:pPr marL="0" marR="0" lvl="0" indent="0" algn="l" defTabSz="914400" rtl="0" eaLnBrk="1" fontAlgn="auto" latinLnBrk="0" hangingPunct="1">
+                <a:lnSpc>
+                  <a:spcPct val="100000"/>
+                </a:lnSpc>
+                <a:spcBef>
+                  <a:spcPts val="0"/>
+                </a:spcBef>
+                <a:spcAft>
+                  <a:spcPts val="0"/>
+                </a:spcAft>
+                <a:buClrTx/>
+                <a:buSzTx/>
+                <a:buFontTx/>
+                <a:buNone/>
+                <a:tabLst/>
+                <a:defRPr/>
+              </a:pPr>
+              <a:r>
+                <a:rPr kumimoji="0" lang="en-US" sz="1200" b="0" i="0" u="none" strike="noStrike" kern="1200" cap="none" spc="0" normalizeH="0" baseline="0" noProof="0" dirty="0">
+                  <a:ln>
+                    <a:noFill/>
+                  </a:ln>
+                  <a:solidFill>
+                    <a:schemeClr val="accent2"/>
+                  </a:solidFill>
+                  <a:effectLst/>
+                  <a:uLnTx/>
+                  <a:uFillTx/>
+                  <a:latin typeface="Lucida Console" panose="020B0609040504020204" pitchFamily="49" charset="0"/>
+                  <a:ea typeface="+mn-ea"/>
+                  <a:cs typeface="+mn-cs"/>
+                </a:rPr>
+                <a:t>PB	Public, societal benefit</a:t>
+              </a:r>
+            </a:p>
+            <a:p>
+              <a:pPr marL="0" marR="0" lvl="0" indent="0" algn="l" defTabSz="914400" rtl="0" eaLnBrk="1" fontAlgn="auto" latinLnBrk="0" hangingPunct="1">
+                <a:lnSpc>
+                  <a:spcPct val="100000"/>
+                </a:lnSpc>
+                <a:spcBef>
+                  <a:spcPts val="0"/>
+                </a:spcBef>
+                <a:spcAft>
+                  <a:spcPts val="0"/>
+                </a:spcAft>
+                <a:buClrTx/>
+                <a:buSzTx/>
+                <a:buFontTx/>
+                <a:buNone/>
+                <a:tabLst/>
+                <a:defRPr/>
+              </a:pPr>
+              <a:r>
+                <a:rPr kumimoji="0" lang="en-US" sz="1200" b="0" i="0" u="none" strike="noStrike" kern="1200" cap="none" spc="0" normalizeH="0" baseline="0" noProof="0" dirty="0">
+                  <a:ln>
+                    <a:noFill/>
+                  </a:ln>
+                  <a:solidFill>
+                    <a:schemeClr val="accent2"/>
+                  </a:solidFill>
+                  <a:effectLst/>
+                  <a:uLnTx/>
+                  <a:uFillTx/>
+                  <a:latin typeface="Lucida Console" panose="020B0609040504020204" pitchFamily="49" charset="0"/>
+                  <a:ea typeface="+mn-ea"/>
+                  <a:cs typeface="+mn-cs"/>
+                </a:rPr>
+                <a:t>RE	Religion related</a:t>
+              </a:r>
+            </a:p>
+            <a:p>
+              <a:pPr marL="0" marR="0" lvl="0" indent="0" algn="l" defTabSz="914400" rtl="0" eaLnBrk="1" fontAlgn="auto" latinLnBrk="0" hangingPunct="1">
+                <a:lnSpc>
+                  <a:spcPct val="100000"/>
+                </a:lnSpc>
+                <a:spcBef>
+                  <a:spcPts val="0"/>
+                </a:spcBef>
+                <a:spcAft>
+                  <a:spcPts val="0"/>
+                </a:spcAft>
+                <a:buClrTx/>
+                <a:buSzTx/>
+                <a:buFontTx/>
+                <a:buNone/>
+                <a:tabLst/>
+                <a:defRPr/>
+              </a:pPr>
+              <a:r>
+                <a:rPr kumimoji="0" lang="en-US" sz="1200" b="0" i="0" u="none" strike="noStrike" kern="1200" cap="none" spc="0" normalizeH="0" baseline="0" noProof="0" dirty="0">
+                  <a:ln>
+                    <a:noFill/>
+                  </a:ln>
+                  <a:solidFill>
+                    <a:prstClr val="black"/>
+                  </a:solidFill>
+                  <a:effectLst/>
+                  <a:uLnTx/>
+                  <a:uFillTx/>
+                  <a:latin typeface="Lucida Console" panose="020B0609040504020204" pitchFamily="49" charset="0"/>
+                  <a:ea typeface="+mn-ea"/>
+                  <a:cs typeface="+mn-cs"/>
+                </a:rPr>
+                <a:t>UN	Unknown, unclassified</a:t>
+              </a:r>
+            </a:p>
+            <a:p>
+              <a:pPr marL="0" marR="0" lvl="0" indent="0" algn="l" defTabSz="914400" rtl="0" eaLnBrk="1" fontAlgn="auto" latinLnBrk="0" hangingPunct="1">
+                <a:lnSpc>
+                  <a:spcPct val="100000"/>
+                </a:lnSpc>
+                <a:spcBef>
+                  <a:spcPts val="0"/>
+                </a:spcBef>
+                <a:spcAft>
+                  <a:spcPts val="0"/>
+                </a:spcAft>
+                <a:buClrTx/>
+                <a:buSzTx/>
+                <a:buFontTx/>
+                <a:buNone/>
+                <a:tabLst/>
+                <a:defRPr/>
+              </a:pPr>
+              <a:endParaRPr kumimoji="0" lang="en-US" sz="1200" b="0" i="0" u="none" strike="noStrike" kern="1200" cap="none" spc="0" normalizeH="0" baseline="0" noProof="0" dirty="0">
+                <a:ln>
+                  <a:noFill/>
+                </a:ln>
+                <a:solidFill>
+                  <a:prstClr val="black"/>
+                </a:solidFill>
+                <a:effectLst/>
+                <a:uLnTx/>
+                <a:uFillTx/>
+                <a:latin typeface="Lucida Console" panose="020B0609040504020204" pitchFamily="49" charset="0"/>
+                <a:ea typeface="+mn-ea"/>
+                <a:cs typeface="+mn-cs"/>
+              </a:endParaRPr>
+            </a:p>
+            <a:p>
+              <a:pPr marL="0" marR="0" lvl="0" indent="0" algn="l" defTabSz="914400" rtl="0" eaLnBrk="1" fontAlgn="auto" latinLnBrk="0" hangingPunct="1">
+                <a:lnSpc>
+                  <a:spcPct val="100000"/>
+                </a:lnSpc>
+                <a:spcBef>
+                  <a:spcPts val="0"/>
+                </a:spcBef>
+                <a:spcAft>
+                  <a:spcPts val="0"/>
+                </a:spcAft>
+                <a:buClrTx/>
+                <a:buSzTx/>
+                <a:buFontTx/>
+                <a:buNone/>
+                <a:tabLst/>
+                <a:defRPr/>
+              </a:pPr>
+              <a:r>
+                <a:rPr kumimoji="0" lang="en-US" sz="1200" b="0" i="0" u="none" strike="noStrike" kern="1200" cap="none" spc="0" normalizeH="0" baseline="0" noProof="0" dirty="0">
+                  <a:ln>
+                    <a:noFill/>
+                  </a:ln>
+                  <a:solidFill>
+                    <a:schemeClr val="accent1"/>
+                  </a:solidFill>
+                  <a:effectLst/>
+                  <a:uLnTx/>
+                  <a:uFillTx/>
+                  <a:latin typeface="Lucida Console" panose="020B0609040504020204" pitchFamily="49" charset="0"/>
+                  <a:ea typeface="+mn-ea"/>
+                  <a:cs typeface="+mn-cs"/>
+                </a:rPr>
+                <a:t>ZA	Single organization support</a:t>
+              </a:r>
+            </a:p>
+            <a:p>
+              <a:pPr marL="0" marR="0" lvl="0" indent="0" algn="l" defTabSz="914400" rtl="0" eaLnBrk="1" fontAlgn="auto" latinLnBrk="0" hangingPunct="1">
+                <a:lnSpc>
+                  <a:spcPct val="100000"/>
+                </a:lnSpc>
+                <a:spcBef>
+                  <a:spcPts val="0"/>
+                </a:spcBef>
+                <a:spcAft>
+                  <a:spcPts val="0"/>
+                </a:spcAft>
+                <a:buClrTx/>
+                <a:buSzTx/>
+                <a:buFontTx/>
+                <a:buNone/>
+                <a:tabLst/>
+                <a:defRPr/>
+              </a:pPr>
+              <a:r>
+                <a:rPr kumimoji="0" lang="en-US" sz="1200" b="0" i="0" u="none" strike="noStrike" kern="1200" cap="none" spc="0" normalizeH="0" baseline="0" noProof="0" dirty="0">
+                  <a:ln>
+                    <a:noFill/>
+                  </a:ln>
+                  <a:solidFill>
+                    <a:schemeClr val="accent1"/>
+                  </a:solidFill>
+                  <a:effectLst/>
+                  <a:uLnTx/>
+                  <a:uFillTx/>
+                  <a:latin typeface="Lucida Console" panose="020B0609040504020204" pitchFamily="49" charset="0"/>
+                  <a:ea typeface="+mn-ea"/>
+                  <a:cs typeface="+mn-cs"/>
+                </a:rPr>
+                <a:t>ZB	Fundraising within NTEE major group</a:t>
+              </a:r>
+            </a:p>
+            <a:p>
+              <a:pPr marL="0" marR="0" lvl="0" indent="0" algn="l" defTabSz="914400" rtl="0" eaLnBrk="1" fontAlgn="auto" latinLnBrk="0" hangingPunct="1">
+                <a:lnSpc>
+                  <a:spcPct val="100000"/>
+                </a:lnSpc>
+                <a:spcBef>
+                  <a:spcPts val="0"/>
+                </a:spcBef>
+                <a:spcAft>
+                  <a:spcPts val="0"/>
+                </a:spcAft>
+                <a:buClrTx/>
+                <a:buSzTx/>
+                <a:buFontTx/>
+                <a:buNone/>
+                <a:tabLst/>
+                <a:defRPr/>
+              </a:pPr>
+              <a:endParaRPr kumimoji="0" lang="en-US" sz="1200" b="0" i="0" u="none" strike="noStrike" kern="1200" cap="none" spc="0" normalizeH="0" baseline="0" noProof="0" dirty="0">
+                <a:ln>
+                  <a:noFill/>
+                </a:ln>
+                <a:solidFill>
+                  <a:prstClr val="black"/>
+                </a:solidFill>
+                <a:effectLst/>
+                <a:uLnTx/>
+                <a:uFillTx/>
+                <a:latin typeface="Lucida Console" panose="020B0609040504020204" pitchFamily="49" charset="0"/>
+                <a:ea typeface="+mn-ea"/>
+                <a:cs typeface="+mn-cs"/>
+              </a:endParaRPr>
+            </a:p>
+            <a:p>
+              <a:pPr marL="0" marR="0" lvl="0" indent="0" algn="l" defTabSz="914400" rtl="0" eaLnBrk="1" fontAlgn="auto" latinLnBrk="0" hangingPunct="1">
+                <a:lnSpc>
+                  <a:spcPct val="100000"/>
+                </a:lnSpc>
+                <a:spcBef>
+                  <a:spcPts val="0"/>
+                </a:spcBef>
+                <a:spcAft>
+                  <a:spcPts val="0"/>
+                </a:spcAft>
+                <a:buClrTx/>
+                <a:buSzTx/>
+                <a:buFontTx/>
+                <a:buNone/>
+                <a:tabLst/>
+                <a:defRPr/>
+              </a:pPr>
+              <a:r>
+                <a:rPr kumimoji="0" lang="en-US" sz="1200" b="0" i="0" u="none" strike="noStrike" kern="1200" cap="none" spc="0" normalizeH="0" baseline="0" noProof="0" dirty="0">
+                  <a:ln>
+                    <a:noFill/>
+                  </a:ln>
+                  <a:solidFill>
+                    <a:schemeClr val="accent6"/>
+                  </a:solidFill>
+                  <a:effectLst/>
+                  <a:uLnTx/>
+                  <a:uFillTx/>
+                  <a:latin typeface="Lucida Console" panose="020B0609040504020204" pitchFamily="49" charset="0"/>
+                  <a:ea typeface="+mn-ea"/>
+                  <a:cs typeface="+mn-cs"/>
+                </a:rPr>
+                <a:t>ZC	Private grantmaking foundations</a:t>
+              </a:r>
+            </a:p>
+            <a:p>
+              <a:pPr marL="0" marR="0" lvl="0" indent="0" algn="l" defTabSz="914400" rtl="0" eaLnBrk="1" fontAlgn="auto" latinLnBrk="0" hangingPunct="1">
+                <a:lnSpc>
+                  <a:spcPct val="100000"/>
+                </a:lnSpc>
+                <a:spcBef>
+                  <a:spcPts val="0"/>
+                </a:spcBef>
+                <a:spcAft>
+                  <a:spcPts val="0"/>
+                </a:spcAft>
+                <a:buClrTx/>
+                <a:buSzTx/>
+                <a:buFontTx/>
+                <a:buNone/>
+                <a:tabLst/>
+                <a:defRPr/>
+              </a:pPr>
+              <a:r>
+                <a:rPr kumimoji="0" lang="en-US" sz="1200" b="0" i="0" u="none" strike="noStrike" kern="1200" cap="none" spc="0" normalizeH="0" baseline="0" noProof="0" dirty="0">
+                  <a:ln>
+                    <a:noFill/>
+                  </a:ln>
+                  <a:solidFill>
+                    <a:schemeClr val="accent6"/>
+                  </a:solidFill>
+                  <a:effectLst/>
+                  <a:uLnTx/>
+                  <a:uFillTx/>
+                  <a:latin typeface="Lucida Console" panose="020B0609040504020204" pitchFamily="49" charset="0"/>
+                  <a:ea typeface="+mn-ea"/>
+                  <a:cs typeface="+mn-cs"/>
+                </a:rPr>
+                <a:t>ZD	Public foundations</a:t>
+              </a:r>
+            </a:p>
+            <a:p>
+              <a:pPr marL="0" marR="0" lvl="0" indent="0" algn="l" defTabSz="914400" rtl="0" eaLnBrk="1" fontAlgn="auto" latinLnBrk="0" hangingPunct="1">
+                <a:lnSpc>
+                  <a:spcPct val="100000"/>
+                </a:lnSpc>
+                <a:spcBef>
+                  <a:spcPts val="0"/>
+                </a:spcBef>
+                <a:spcAft>
+                  <a:spcPts val="0"/>
+                </a:spcAft>
+                <a:buClrTx/>
+                <a:buSzTx/>
+                <a:buFontTx/>
+                <a:buNone/>
+                <a:tabLst/>
+                <a:defRPr/>
+              </a:pPr>
+              <a:r>
+                <a:rPr kumimoji="0" lang="en-US" sz="1200" b="0" i="0" u="none" strike="noStrike" kern="1200" cap="none" spc="0" normalizeH="0" baseline="0" noProof="0" dirty="0">
+                  <a:ln>
+                    <a:noFill/>
+                  </a:ln>
+                  <a:solidFill>
+                    <a:schemeClr val="accent6"/>
+                  </a:solidFill>
+                  <a:effectLst/>
+                  <a:uLnTx/>
+                  <a:uFillTx/>
+                  <a:latin typeface="Lucida Console" panose="020B0609040504020204" pitchFamily="49" charset="0"/>
+                  <a:ea typeface="+mn-ea"/>
+                  <a:cs typeface="+mn-cs"/>
+                </a:rPr>
+                <a:t>ZE	General fundraising</a:t>
+              </a:r>
+            </a:p>
+            <a:p>
+              <a:pPr marL="0" marR="0" lvl="0" indent="0" algn="l" defTabSz="914400" rtl="0" eaLnBrk="1" fontAlgn="auto" latinLnBrk="0" hangingPunct="1">
+                <a:lnSpc>
+                  <a:spcPct val="100000"/>
+                </a:lnSpc>
+                <a:spcBef>
+                  <a:spcPts val="0"/>
+                </a:spcBef>
+                <a:spcAft>
+                  <a:spcPts val="0"/>
+                </a:spcAft>
+                <a:buClrTx/>
+                <a:buSzTx/>
+                <a:buFontTx/>
+                <a:buNone/>
+                <a:tabLst/>
+                <a:defRPr/>
+              </a:pPr>
+              <a:r>
+                <a:rPr kumimoji="0" lang="en-US" sz="1200" b="0" i="0" u="none" strike="noStrike" kern="1200" cap="none" spc="0" normalizeH="0" baseline="0" noProof="0" dirty="0">
+                  <a:ln>
+                    <a:noFill/>
+                  </a:ln>
+                  <a:solidFill>
+                    <a:schemeClr val="accent6"/>
+                  </a:solidFill>
+                  <a:effectLst/>
+                  <a:uLnTx/>
+                  <a:uFillTx/>
+                  <a:latin typeface="Lucida Console" panose="020B0609040504020204" pitchFamily="49" charset="0"/>
+                  <a:ea typeface="+mn-ea"/>
+                  <a:cs typeface="+mn-cs"/>
+                </a:rPr>
+                <a:t>ZF	Other Supporting Public Benefit</a:t>
+              </a:r>
+            </a:p>
+          </p:txBody>
+        </p:sp>
+        <p:sp>
+          <p:nvSpPr>
+            <p:cNvPr id="3" name="Right Brace 2">
+              <a:extLst>
+                <a:ext uri="{FF2B5EF4-FFF2-40B4-BE49-F238E27FC236}">
+                  <a16:creationId xmlns:a16="http://schemas.microsoft.com/office/drawing/2014/main" id="{D1CA11C6-4FB6-38CA-3A3C-439074D30DBA}"/>
+                </a:ext>
+              </a:extLst>
+            </p:cNvPr>
+            <p:cNvSpPr/>
+            <p:nvPr/>
+          </p:nvSpPr>
+          <p:spPr>
+            <a:xfrm>
+              <a:off x="4822370" y="4068133"/>
+              <a:ext cx="256753" cy="399393"/>
+            </a:xfrm>
+            <a:prstGeom prst="rightBrace">
+              <a:avLst/>
+            </a:prstGeom>
+          </p:spPr>
+          <p:style>
+            <a:lnRef idx="2">
+              <a:schemeClr val="accent1"/>
+            </a:lnRef>
+            <a:fillRef idx="0">
+              <a:schemeClr val="accent1"/>
+            </a:fillRef>
+            <a:effectRef idx="1">
+              <a:schemeClr val="accent1"/>
+            </a:effectRef>
+            <a:fontRef idx="minor">
+              <a:schemeClr val="tx1"/>
+            </a:fontRef>
+          </p:style>
+          <p:txBody>
+            <a:bodyPr rtlCol="0" anchor="ctr"/>
+            <a:lstStyle/>
+            <a:p>
+              <a:pPr algn="ctr"/>
+              <a:endParaRPr lang="en-US"/>
+            </a:p>
+          </p:txBody>
+        </p:sp>
+        <p:sp>
+          <p:nvSpPr>
+            <p:cNvPr id="4" name="TextBox 3">
+              <a:extLst>
+                <a:ext uri="{FF2B5EF4-FFF2-40B4-BE49-F238E27FC236}">
+                  <a16:creationId xmlns:a16="http://schemas.microsoft.com/office/drawing/2014/main" id="{E5A3A058-9FCB-7332-AEF1-7ADF87F8FBAB}"/>
+                </a:ext>
+              </a:extLst>
+            </p:cNvPr>
+            <p:cNvSpPr txBox="1"/>
+            <p:nvPr/>
+          </p:nvSpPr>
+          <p:spPr>
+            <a:xfrm>
+              <a:off x="5767036" y="608678"/>
+              <a:ext cx="5267339" cy="2308324"/>
+            </a:xfrm>
+            <a:prstGeom prst="rect">
+              <a:avLst/>
+            </a:prstGeom>
+            <a:noFill/>
+          </p:spPr>
+          <p:txBody>
+            <a:bodyPr wrap="none" rtlCol="0">
+              <a:spAutoFit/>
+            </a:bodyPr>
+            <a:lstStyle/>
+            <a:p>
+              <a:r>
+                <a:rPr lang="en-US" sz="1600" b="1" dirty="0">
+                  <a:solidFill>
+                    <a:schemeClr val="accent1"/>
+                  </a:solidFill>
+                </a:rPr>
+                <a:t>Replaced by NTEEV2 L5 types</a:t>
+              </a:r>
+            </a:p>
+            <a:p>
+              <a:pPr algn="l">
+                <a:buFont typeface="Arial" panose="020B0604020202020204" pitchFamily="34" charset="0"/>
+                <a:buChar char="•"/>
+              </a:pPr>
+              <a:r>
+                <a:rPr lang="en-US" sz="1600" b="0" i="0" dirty="0">
+                  <a:solidFill>
+                    <a:schemeClr val="accent1"/>
+                  </a:solidFill>
+                  <a:effectLst/>
+                  <a:latin typeface="-apple-system"/>
+                </a:rPr>
+                <a:t>RG - Regular Nonprofit</a:t>
+              </a:r>
+            </a:p>
+            <a:p>
+              <a:pPr algn="l">
+                <a:buFont typeface="Arial" panose="020B0604020202020204" pitchFamily="34" charset="0"/>
+                <a:buChar char="•"/>
+              </a:pPr>
+              <a:r>
+                <a:rPr lang="en-US" sz="1600" b="0" i="0" dirty="0">
+                  <a:solidFill>
+                    <a:schemeClr val="accent1"/>
+                  </a:solidFill>
+                  <a:effectLst/>
+                  <a:latin typeface="-apple-system"/>
+                </a:rPr>
+                <a:t>AA - Alliance/Advocacy Organizations</a:t>
+              </a:r>
+            </a:p>
+            <a:p>
+              <a:pPr algn="l">
+                <a:buFont typeface="Arial" panose="020B0604020202020204" pitchFamily="34" charset="0"/>
+                <a:buChar char="•"/>
+              </a:pPr>
+              <a:r>
+                <a:rPr lang="en-US" sz="1600" b="0" i="0" dirty="0">
+                  <a:solidFill>
+                    <a:schemeClr val="accent1"/>
+                  </a:solidFill>
+                  <a:effectLst/>
+                  <a:latin typeface="-apple-system"/>
+                </a:rPr>
+                <a:t>MT - Management and Technical Assistance</a:t>
+              </a:r>
+            </a:p>
+            <a:p>
+              <a:pPr algn="l">
+                <a:buFont typeface="Arial" panose="020B0604020202020204" pitchFamily="34" charset="0"/>
+                <a:buChar char="•"/>
+              </a:pPr>
+              <a:r>
+                <a:rPr lang="en-US" sz="1600" b="0" i="0" dirty="0">
+                  <a:solidFill>
+                    <a:schemeClr val="accent1"/>
+                  </a:solidFill>
+                  <a:effectLst/>
+                  <a:latin typeface="-apple-system"/>
+                </a:rPr>
+                <a:t>PA - Professional Societies/Associations</a:t>
+              </a:r>
+            </a:p>
+            <a:p>
+              <a:pPr algn="l">
+                <a:buFont typeface="Arial" panose="020B0604020202020204" pitchFamily="34" charset="0"/>
+                <a:buChar char="•"/>
+              </a:pPr>
+              <a:r>
+                <a:rPr lang="en-US" sz="1600" b="0" i="0" dirty="0">
+                  <a:solidFill>
+                    <a:schemeClr val="accent1"/>
+                  </a:solidFill>
+                  <a:effectLst/>
+                  <a:latin typeface="-apple-system"/>
+                </a:rPr>
+                <a:t>RP - Research Institutes and/or Public Policy Analysis</a:t>
+              </a:r>
+            </a:p>
+            <a:p>
+              <a:pPr algn="l">
+                <a:buFont typeface="Arial" panose="020B0604020202020204" pitchFamily="34" charset="0"/>
+                <a:buChar char="•"/>
+              </a:pPr>
+              <a:r>
+                <a:rPr lang="en-US" sz="1600" b="0" i="0" dirty="0">
+                  <a:solidFill>
+                    <a:schemeClr val="accent1"/>
+                  </a:solidFill>
+                  <a:effectLst/>
+                  <a:latin typeface="-apple-system"/>
+                </a:rPr>
+                <a:t>MS - Monetary Support - Single Organization</a:t>
+              </a:r>
+            </a:p>
+            <a:p>
+              <a:pPr algn="l">
+                <a:buFont typeface="Arial" panose="020B0604020202020204" pitchFamily="34" charset="0"/>
+                <a:buChar char="•"/>
+              </a:pPr>
+              <a:r>
+                <a:rPr lang="en-US" sz="1600" b="0" i="0" dirty="0">
+                  <a:solidFill>
+                    <a:schemeClr val="accent1"/>
+                  </a:solidFill>
+                  <a:effectLst/>
+                  <a:latin typeface="-apple-system"/>
+                </a:rPr>
+                <a:t>MM - Monetary Support - Multiple Organizations</a:t>
+              </a:r>
+            </a:p>
+            <a:p>
+              <a:pPr algn="l">
+                <a:buFont typeface="Arial" panose="020B0604020202020204" pitchFamily="34" charset="0"/>
+                <a:buChar char="•"/>
+              </a:pPr>
+              <a:r>
+                <a:rPr lang="en-US" sz="1600" b="0" i="0" dirty="0">
+                  <a:solidFill>
+                    <a:schemeClr val="accent1"/>
+                  </a:solidFill>
+                  <a:effectLst/>
+                  <a:latin typeface="-apple-system"/>
+                </a:rPr>
+                <a:t>NS - Nonmonetary Support Not Elsewhere Classified (N.E.C.)</a:t>
+              </a:r>
+            </a:p>
+          </p:txBody>
+        </p:sp>
+        <p:sp>
+          <p:nvSpPr>
+            <p:cNvPr id="5" name="Right Brace 4">
+              <a:extLst>
+                <a:ext uri="{FF2B5EF4-FFF2-40B4-BE49-F238E27FC236}">
+                  <a16:creationId xmlns:a16="http://schemas.microsoft.com/office/drawing/2014/main" id="{29D040DF-BC34-956F-92B3-F15F898DE452}"/>
+                </a:ext>
+              </a:extLst>
+            </p:cNvPr>
+            <p:cNvSpPr/>
+            <p:nvPr/>
+          </p:nvSpPr>
+          <p:spPr>
+            <a:xfrm>
+              <a:off x="4822370" y="4848926"/>
+              <a:ext cx="256753" cy="626449"/>
+            </a:xfrm>
+            <a:prstGeom prst="rightBrace">
+              <a:avLst/>
+            </a:prstGeom>
+          </p:spPr>
+          <p:style>
+            <a:lnRef idx="2">
+              <a:schemeClr val="accent1"/>
+            </a:lnRef>
+            <a:fillRef idx="0">
+              <a:schemeClr val="accent1"/>
+            </a:fillRef>
+            <a:effectRef idx="1">
+              <a:schemeClr val="accent1"/>
+            </a:effectRef>
+            <a:fontRef idx="minor">
+              <a:schemeClr val="tx1"/>
+            </a:fontRef>
+          </p:style>
+          <p:txBody>
+            <a:bodyPr rtlCol="0" anchor="ctr"/>
+            <a:lstStyle/>
+            <a:p>
+              <a:pPr algn="ctr"/>
+              <a:endParaRPr lang="en-US"/>
+            </a:p>
+          </p:txBody>
+        </p:sp>
+        <p:sp>
+          <p:nvSpPr>
+            <p:cNvPr id="6" name="TextBox 5">
+              <a:extLst>
+                <a:ext uri="{FF2B5EF4-FFF2-40B4-BE49-F238E27FC236}">
+                  <a16:creationId xmlns:a16="http://schemas.microsoft.com/office/drawing/2014/main" id="{53B2F758-77BD-EF8C-51EF-4485C3FC5649}"/>
+                </a:ext>
+              </a:extLst>
+            </p:cNvPr>
+            <p:cNvSpPr txBox="1"/>
+            <p:nvPr/>
+          </p:nvSpPr>
+          <p:spPr>
+            <a:xfrm>
+              <a:off x="7549712" y="3872567"/>
+              <a:ext cx="3837717" cy="2985433"/>
+            </a:xfrm>
+            <a:prstGeom prst="rect">
+              <a:avLst/>
+            </a:prstGeom>
+            <a:noFill/>
+          </p:spPr>
+          <p:txBody>
+            <a:bodyPr wrap="none" rtlCol="0">
+              <a:spAutoFit/>
+            </a:bodyPr>
+            <a:lstStyle/>
+            <a:p>
+              <a:r>
+                <a:rPr lang="en-US" sz="1600" b="1" dirty="0">
+                  <a:solidFill>
+                    <a:schemeClr val="accent6"/>
+                  </a:solidFill>
+                </a:rPr>
+                <a:t>Replaced by new Foundation Taxonomy</a:t>
+              </a:r>
+            </a:p>
+            <a:p>
+              <a:pPr marL="171450" indent="-171450">
+                <a:buFont typeface="Arial" panose="020B0604020202020204" pitchFamily="34" charset="0"/>
+                <a:buChar char="•"/>
+              </a:pPr>
+              <a:r>
+                <a:rPr lang="en-US" sz="1200" dirty="0">
+                  <a:solidFill>
+                    <a:schemeClr val="accent6"/>
+                  </a:solidFill>
+                  <a:latin typeface="Abadi Extra Light" panose="020B0204020104020204" pitchFamily="34" charset="0"/>
+                </a:rPr>
+                <a:t>name</a:t>
+              </a:r>
+            </a:p>
+            <a:p>
+              <a:pPr marL="171450" indent="-171450">
+                <a:buFont typeface="Arial" panose="020B0604020202020204" pitchFamily="34" charset="0"/>
+                <a:buChar char="•"/>
+              </a:pPr>
+              <a:r>
+                <a:rPr lang="en-US" sz="1200" dirty="0">
+                  <a:solidFill>
+                    <a:schemeClr val="accent6"/>
+                  </a:solidFill>
+                  <a:latin typeface="Abadi Extra Light" panose="020B0204020104020204" pitchFamily="34" charset="0"/>
+                </a:rPr>
+                <a:t> label </a:t>
+              </a:r>
+            </a:p>
+            <a:p>
+              <a:pPr marL="171450" indent="-171450">
+                <a:buFont typeface="Arial" panose="020B0604020202020204" pitchFamily="34" charset="0"/>
+                <a:buChar char="•"/>
+              </a:pPr>
+              <a:r>
+                <a:rPr lang="en-US" sz="1200" dirty="0">
+                  <a:solidFill>
+                    <a:schemeClr val="accent6"/>
+                  </a:solidFill>
+                  <a:latin typeface="Abadi Extra Light" panose="020B0204020104020204" pitchFamily="34" charset="0"/>
+                </a:rPr>
+                <a:t>description</a:t>
+              </a:r>
+            </a:p>
+            <a:p>
+              <a:pPr marL="171450" indent="-171450">
+                <a:buFont typeface="Arial" panose="020B0604020202020204" pitchFamily="34" charset="0"/>
+                <a:buChar char="•"/>
+              </a:pPr>
+              <a:r>
+                <a:rPr lang="en-US" sz="1200" dirty="0" err="1">
+                  <a:solidFill>
+                    <a:schemeClr val="accent6"/>
+                  </a:solidFill>
+                  <a:latin typeface="Abadi Extra Light" panose="020B0204020104020204" pitchFamily="34" charset="0"/>
+                </a:rPr>
+                <a:t>fnd_type</a:t>
+              </a:r>
+              <a:endParaRPr lang="en-US" sz="1200" dirty="0">
+                <a:solidFill>
+                  <a:schemeClr val="accent6"/>
+                </a:solidFill>
+                <a:latin typeface="Abadi Extra Light" panose="020B0204020104020204" pitchFamily="34" charset="0"/>
+              </a:endParaRPr>
+            </a:p>
+            <a:p>
+              <a:pPr marL="171450" indent="-171450">
+                <a:buFont typeface="Arial" panose="020B0604020202020204" pitchFamily="34" charset="0"/>
+                <a:buChar char="•"/>
+              </a:pPr>
+              <a:r>
+                <a:rPr lang="en-US" sz="1200" dirty="0" err="1">
+                  <a:solidFill>
+                    <a:schemeClr val="accent6"/>
+                  </a:solidFill>
+                  <a:latin typeface="Abadi Extra Light" panose="020B0204020104020204" pitchFamily="34" charset="0"/>
+                </a:rPr>
+                <a:t>fnd_subtype</a:t>
+              </a:r>
+              <a:endParaRPr lang="en-US" sz="1200" dirty="0">
+                <a:solidFill>
+                  <a:schemeClr val="accent6"/>
+                </a:solidFill>
+                <a:latin typeface="Abadi Extra Light" panose="020B0204020104020204" pitchFamily="34" charset="0"/>
+              </a:endParaRPr>
+            </a:p>
+            <a:p>
+              <a:pPr marL="171450" indent="-171450">
+                <a:buFont typeface="Arial" panose="020B0604020202020204" pitchFamily="34" charset="0"/>
+                <a:buChar char="•"/>
+              </a:pPr>
+              <a:r>
+                <a:rPr lang="en-US" sz="1200" dirty="0" err="1">
+                  <a:solidFill>
+                    <a:schemeClr val="accent6"/>
+                  </a:solidFill>
+                  <a:latin typeface="Abadi Extra Light" panose="020B0204020104020204" pitchFamily="34" charset="0"/>
+                </a:rPr>
+                <a:t>is_fnd_x</a:t>
+              </a:r>
+              <a:r>
+                <a:rPr lang="en-US" sz="1200" dirty="0">
+                  <a:solidFill>
+                    <a:schemeClr val="accent6"/>
+                  </a:solidFill>
+                  <a:latin typeface="Abadi Extra Light" panose="020B0204020104020204" pitchFamily="34" charset="0"/>
+                </a:rPr>
+                <a:t> </a:t>
+              </a:r>
+            </a:p>
+            <a:p>
+              <a:pPr marL="171450" indent="-171450">
+                <a:buFont typeface="Arial" panose="020B0604020202020204" pitchFamily="34" charset="0"/>
+                <a:buChar char="•"/>
+              </a:pPr>
+              <a:r>
+                <a:rPr lang="en-US" sz="1200" dirty="0" err="1">
+                  <a:solidFill>
+                    <a:schemeClr val="accent6"/>
+                  </a:solidFill>
+                  <a:latin typeface="Abadi Extra Light" panose="020B0204020104020204" pitchFamily="34" charset="0"/>
+                </a:rPr>
+                <a:t>is_private_x</a:t>
+              </a:r>
+              <a:endParaRPr lang="en-US" sz="1200" dirty="0">
+                <a:solidFill>
+                  <a:schemeClr val="accent6"/>
+                </a:solidFill>
+                <a:latin typeface="Abadi Extra Light" panose="020B0204020104020204" pitchFamily="34" charset="0"/>
+              </a:endParaRPr>
+            </a:p>
+            <a:p>
+              <a:pPr marL="171450" indent="-171450">
+                <a:buFont typeface="Arial" panose="020B0604020202020204" pitchFamily="34" charset="0"/>
+                <a:buChar char="•"/>
+              </a:pPr>
+              <a:r>
+                <a:rPr lang="en-US" sz="1200" dirty="0" err="1">
+                  <a:solidFill>
+                    <a:schemeClr val="accent6"/>
+                  </a:solidFill>
+                  <a:latin typeface="Abadi Extra Light" panose="020B0204020104020204" pitchFamily="34" charset="0"/>
+                </a:rPr>
+                <a:t>is_public_x</a:t>
+              </a:r>
+              <a:endParaRPr lang="en-US" sz="1200" dirty="0">
+                <a:solidFill>
+                  <a:schemeClr val="accent6"/>
+                </a:solidFill>
+                <a:latin typeface="Abadi Extra Light" panose="020B0204020104020204" pitchFamily="34" charset="0"/>
+              </a:endParaRPr>
+            </a:p>
+            <a:p>
+              <a:pPr marL="171450" indent="-171450">
+                <a:buFont typeface="Arial" panose="020B0604020202020204" pitchFamily="34" charset="0"/>
+                <a:buChar char="•"/>
+              </a:pPr>
+              <a:r>
+                <a:rPr lang="en-US" sz="1200" dirty="0">
+                  <a:solidFill>
+                    <a:schemeClr val="accent6"/>
+                  </a:solidFill>
+                  <a:latin typeface="Abadi Extra Light" panose="020B0204020104020204" pitchFamily="34" charset="0"/>
+                </a:rPr>
+                <a:t>type_501c</a:t>
+              </a:r>
+            </a:p>
+            <a:p>
+              <a:pPr marL="171450" indent="-171450">
+                <a:buFont typeface="Arial" panose="020B0604020202020204" pitchFamily="34" charset="0"/>
+                <a:buChar char="•"/>
+              </a:pPr>
+              <a:r>
+                <a:rPr lang="en-US" sz="1200" dirty="0">
+                  <a:solidFill>
+                    <a:schemeClr val="accent6"/>
+                  </a:solidFill>
+                  <a:latin typeface="Abadi Extra Light" panose="020B0204020104020204" pitchFamily="34" charset="0"/>
+                </a:rPr>
+                <a:t>type_501c3_x</a:t>
+              </a:r>
+            </a:p>
+            <a:p>
+              <a:pPr marL="171450" indent="-171450">
+                <a:buFont typeface="Arial" panose="020B0604020202020204" pitchFamily="34" charset="0"/>
+                <a:buChar char="•"/>
+              </a:pPr>
+              <a:r>
+                <a:rPr lang="en-US" sz="1200" dirty="0">
+                  <a:solidFill>
+                    <a:schemeClr val="accent6"/>
+                  </a:solidFill>
+                  <a:latin typeface="Abadi Extra Light" panose="020B0204020104020204" pitchFamily="34" charset="0"/>
+                </a:rPr>
+                <a:t>type_501not3_x</a:t>
+              </a:r>
+            </a:p>
+            <a:p>
+              <a:pPr marL="171450" indent="-171450">
+                <a:buFont typeface="Arial" panose="020B0604020202020204" pitchFamily="34" charset="0"/>
+                <a:buChar char="•"/>
+              </a:pPr>
+              <a:r>
+                <a:rPr lang="en-US" sz="1200" dirty="0" err="1">
+                  <a:solidFill>
+                    <a:schemeClr val="accent6"/>
+                  </a:solidFill>
+                  <a:latin typeface="Abadi Extra Light" panose="020B0204020104020204" pitchFamily="34" charset="0"/>
+                </a:rPr>
+                <a:t>deduct_income_x</a:t>
+              </a:r>
+              <a:endParaRPr lang="en-US" sz="1200" dirty="0">
+                <a:solidFill>
+                  <a:schemeClr val="accent6"/>
+                </a:solidFill>
+                <a:latin typeface="Abadi Extra Light" panose="020B0204020104020204" pitchFamily="34" charset="0"/>
+              </a:endParaRPr>
+            </a:p>
+            <a:p>
+              <a:pPr marL="171450" indent="-171450">
+                <a:buFont typeface="Arial" panose="020B0604020202020204" pitchFamily="34" charset="0"/>
+                <a:buChar char="•"/>
+              </a:pPr>
+              <a:r>
+                <a:rPr lang="en-US" sz="1200" dirty="0" err="1">
+                  <a:solidFill>
+                    <a:schemeClr val="accent6"/>
+                  </a:solidFill>
+                  <a:latin typeface="Abadi Extra Light" panose="020B0204020104020204" pitchFamily="34" charset="0"/>
+                </a:rPr>
+                <a:t>deduct_donations_x</a:t>
+              </a:r>
+              <a:endParaRPr lang="en-US" sz="1200" dirty="0">
+                <a:solidFill>
+                  <a:schemeClr val="accent6"/>
+                </a:solidFill>
+                <a:latin typeface="Abadi Extra Light" panose="020B0204020104020204" pitchFamily="34" charset="0"/>
+              </a:endParaRPr>
+            </a:p>
+            <a:p>
+              <a:endParaRPr lang="en-US" sz="1600" b="1" dirty="0">
+                <a:solidFill>
+                  <a:schemeClr val="accent6"/>
+                </a:solidFill>
+              </a:endParaRPr>
+            </a:p>
+          </p:txBody>
+        </p:sp>
+        <p:cxnSp>
+          <p:nvCxnSpPr>
+            <p:cNvPr id="10" name="Straight Arrow Connector 9">
+              <a:extLst>
+                <a:ext uri="{FF2B5EF4-FFF2-40B4-BE49-F238E27FC236}">
+                  <a16:creationId xmlns:a16="http://schemas.microsoft.com/office/drawing/2014/main" id="{8224EEB1-043B-DE29-C7E0-AFD2935D772F}"/>
+                </a:ext>
+              </a:extLst>
+            </p:cNvPr>
+            <p:cNvCxnSpPr/>
+            <p:nvPr/>
+          </p:nvCxnSpPr>
+          <p:spPr>
+            <a:xfrm flipV="1">
+              <a:off x="5214257" y="1175657"/>
+              <a:ext cx="398266" cy="2982686"/>
+            </a:xfrm>
+            <a:prstGeom prst="straightConnector1">
+              <a:avLst/>
+            </a:prstGeom>
+            <a:ln>
+              <a:tailEnd type="triangle"/>
+            </a:ln>
+          </p:spPr>
+          <p:style>
+            <a:lnRef idx="2">
+              <a:schemeClr val="accent1"/>
+            </a:lnRef>
+            <a:fillRef idx="0">
+              <a:schemeClr val="accent1"/>
+            </a:fillRef>
+            <a:effectRef idx="1">
+              <a:schemeClr val="accent1"/>
+            </a:effectRef>
+            <a:fontRef idx="minor">
+              <a:schemeClr val="tx1"/>
+            </a:fontRef>
+          </p:style>
+        </p:cxnSp>
+        <p:cxnSp>
+          <p:nvCxnSpPr>
+            <p:cNvPr id="11" name="Straight Arrow Connector 10">
+              <a:extLst>
+                <a:ext uri="{FF2B5EF4-FFF2-40B4-BE49-F238E27FC236}">
+                  <a16:creationId xmlns:a16="http://schemas.microsoft.com/office/drawing/2014/main" id="{2D212FE2-77B2-F470-9642-70C00A97C04A}"/>
+                </a:ext>
+              </a:extLst>
+            </p:cNvPr>
+            <p:cNvCxnSpPr>
+              <a:cxnSpLocks/>
+            </p:cNvCxnSpPr>
+            <p:nvPr/>
+          </p:nvCxnSpPr>
+          <p:spPr>
+            <a:xfrm flipV="1">
+              <a:off x="5214257" y="4060371"/>
+              <a:ext cx="2209800" cy="1101779"/>
+            </a:xfrm>
+            <a:prstGeom prst="straightConnector1">
+              <a:avLst/>
+            </a:prstGeom>
+            <a:ln>
+              <a:tailEnd type="triangle"/>
+            </a:ln>
+          </p:spPr>
+          <p:style>
+            <a:lnRef idx="2">
+              <a:schemeClr val="accent1"/>
+            </a:lnRef>
+            <a:fillRef idx="0">
+              <a:schemeClr val="accent1"/>
+            </a:fillRef>
+            <a:effectRef idx="1">
+              <a:schemeClr val="accent1"/>
+            </a:effectRef>
+            <a:fontRef idx="minor">
+              <a:schemeClr val="tx1"/>
+            </a:fontRef>
+          </p:style>
+        </p:cxnSp>
+        <p:sp>
+          <p:nvSpPr>
+            <p:cNvPr id="14" name="TextBox 13">
+              <a:extLst>
+                <a:ext uri="{FF2B5EF4-FFF2-40B4-BE49-F238E27FC236}">
+                  <a16:creationId xmlns:a16="http://schemas.microsoft.com/office/drawing/2014/main" id="{49B304C8-5943-412B-B822-308AA276672A}"/>
+                </a:ext>
+              </a:extLst>
+            </p:cNvPr>
+            <p:cNvSpPr txBox="1"/>
+            <p:nvPr/>
+          </p:nvSpPr>
+          <p:spPr>
+            <a:xfrm>
+              <a:off x="1513061" y="593094"/>
+              <a:ext cx="3694601" cy="338554"/>
+            </a:xfrm>
+            <a:prstGeom prst="rect">
+              <a:avLst/>
+            </a:prstGeom>
+            <a:noFill/>
+          </p:spPr>
+          <p:txBody>
+            <a:bodyPr wrap="none" rtlCol="0">
+              <a:spAutoFit/>
+            </a:bodyPr>
+            <a:lstStyle/>
+            <a:p>
+              <a:r>
+                <a:rPr lang="en-US" sz="1600" b="1" dirty="0">
+                  <a:solidFill>
+                    <a:schemeClr val="accent2"/>
+                  </a:solidFill>
+                </a:rPr>
+                <a:t>Replace by Tax Exempt Purpose Types</a:t>
+              </a:r>
+            </a:p>
+          </p:txBody>
+        </p:sp>
+        <p:cxnSp>
+          <p:nvCxnSpPr>
+            <p:cNvPr id="15" name="Straight Arrow Connector 14">
+              <a:extLst>
+                <a:ext uri="{FF2B5EF4-FFF2-40B4-BE49-F238E27FC236}">
+                  <a16:creationId xmlns:a16="http://schemas.microsoft.com/office/drawing/2014/main" id="{C4841AA6-5256-8E2F-AB30-7037AB77B835}"/>
+                </a:ext>
+              </a:extLst>
+            </p:cNvPr>
+            <p:cNvCxnSpPr>
+              <a:cxnSpLocks/>
+            </p:cNvCxnSpPr>
+            <p:nvPr/>
+          </p:nvCxnSpPr>
+          <p:spPr>
+            <a:xfrm flipV="1">
+              <a:off x="3387944" y="964421"/>
+              <a:ext cx="0" cy="2127122"/>
+            </a:xfrm>
+            <a:prstGeom prst="straightConnector1">
+              <a:avLst/>
+            </a:prstGeom>
+            <a:ln>
+              <a:solidFill>
+                <a:schemeClr val="accent2"/>
+              </a:solidFill>
+              <a:tailEnd type="triangle"/>
+            </a:ln>
+          </p:spPr>
+          <p:style>
+            <a:lnRef idx="2">
+              <a:schemeClr val="accent1"/>
+            </a:lnRef>
+            <a:fillRef idx="0">
+              <a:schemeClr val="accent1"/>
+            </a:fillRef>
+            <a:effectRef idx="1">
+              <a:schemeClr val="accent1"/>
+            </a:effectRef>
+            <a:fontRef idx="minor">
+              <a:schemeClr val="tx1"/>
+            </a:fontRef>
+          </p:style>
+        </p:cxnSp>
+      </p:grpSp>
     </p:spTree>
     <p:extLst>
       <p:ext uri="{BB962C8B-B14F-4D97-AF65-F5344CB8AC3E}">
-        <p14:creationId xmlns:p14="http://schemas.microsoft.com/office/powerpoint/2010/main" val="1079999595"/>
+        <p14:creationId xmlns:p14="http://schemas.microsoft.com/office/powerpoint/2010/main" val="1686372183"/>
       </p:ext>
     </p:extLst>
   </p:cSld>

--- a/METADATA CODEBOOK.pptx
+++ b/METADATA CODEBOOK.pptx
@@ -20,6 +20,7 @@
     <p:sldId id="270" r:id="rId14"/>
     <p:sldId id="271" r:id="rId15"/>
     <p:sldId id="269" r:id="rId16"/>
+    <p:sldId id="275" r:id="rId17"/>
   </p:sldIdLst>
   <p:sldSz cx="12192000" cy="6858000"/>
   <p:notesSz cx="6858000" cy="9144000"/>
@@ -273,7 +274,7 @@
           <a:p>
             <a:fld id="{11643408-86C7-463A-8958-51E660E829DA}" type="datetimeFigureOut">
               <a:rPr lang="en-US" smtClean="0"/>
-              <a:t>3/20/2024</a:t>
+              <a:t>3/21/2024</a:t>
             </a:fld>
             <a:endParaRPr lang="en-US"/>
           </a:p>
@@ -471,7 +472,7 @@
           <a:p>
             <a:fld id="{11643408-86C7-463A-8958-51E660E829DA}" type="datetimeFigureOut">
               <a:rPr lang="en-US" smtClean="0"/>
-              <a:t>3/20/2024</a:t>
+              <a:t>3/21/2024</a:t>
             </a:fld>
             <a:endParaRPr lang="en-US"/>
           </a:p>
@@ -679,7 +680,7 @@
           <a:p>
             <a:fld id="{11643408-86C7-463A-8958-51E660E829DA}" type="datetimeFigureOut">
               <a:rPr lang="en-US" smtClean="0"/>
-              <a:t>3/20/2024</a:t>
+              <a:t>3/21/2024</a:t>
             </a:fld>
             <a:endParaRPr lang="en-US"/>
           </a:p>
@@ -899,7 +900,7 @@
           <a:p>
             <a:fld id="{22E6D245-D3C3-40F1-9538-2046B7199377}" type="datetimeFigureOut">
               <a:rPr lang="en-US" smtClean="0"/>
-              <a:t>3/20/2024</a:t>
+              <a:t>3/21/2024</a:t>
             </a:fld>
             <a:endParaRPr lang="en-US"/>
           </a:p>
@@ -1097,7 +1098,7 @@
           <a:p>
             <a:fld id="{22E6D245-D3C3-40F1-9538-2046B7199377}" type="datetimeFigureOut">
               <a:rPr lang="en-US" smtClean="0"/>
-              <a:t>3/20/2024</a:t>
+              <a:t>3/21/2024</a:t>
             </a:fld>
             <a:endParaRPr lang="en-US"/>
           </a:p>
@@ -1372,7 +1373,7 @@
           <a:p>
             <a:fld id="{22E6D245-D3C3-40F1-9538-2046B7199377}" type="datetimeFigureOut">
               <a:rPr lang="en-US" smtClean="0"/>
-              <a:t>3/20/2024</a:t>
+              <a:t>3/21/2024</a:t>
             </a:fld>
             <a:endParaRPr lang="en-US"/>
           </a:p>
@@ -1637,7 +1638,7 @@
           <a:p>
             <a:fld id="{22E6D245-D3C3-40F1-9538-2046B7199377}" type="datetimeFigureOut">
               <a:rPr lang="en-US" smtClean="0"/>
-              <a:t>3/20/2024</a:t>
+              <a:t>3/21/2024</a:t>
             </a:fld>
             <a:endParaRPr lang="en-US"/>
           </a:p>
@@ -2049,7 +2050,7 @@
           <a:p>
             <a:fld id="{22E6D245-D3C3-40F1-9538-2046B7199377}" type="datetimeFigureOut">
               <a:rPr lang="en-US" smtClean="0"/>
-              <a:t>3/20/2024</a:t>
+              <a:t>3/21/2024</a:t>
             </a:fld>
             <a:endParaRPr lang="en-US"/>
           </a:p>
@@ -2190,7 +2191,7 @@
           <a:p>
             <a:fld id="{22E6D245-D3C3-40F1-9538-2046B7199377}" type="datetimeFigureOut">
               <a:rPr lang="en-US" smtClean="0"/>
-              <a:t>3/20/2024</a:t>
+              <a:t>3/21/2024</a:t>
             </a:fld>
             <a:endParaRPr lang="en-US"/>
           </a:p>
@@ -2303,7 +2304,7 @@
           <a:p>
             <a:fld id="{22E6D245-D3C3-40F1-9538-2046B7199377}" type="datetimeFigureOut">
               <a:rPr lang="en-US" smtClean="0"/>
-              <a:t>3/20/2024</a:t>
+              <a:t>3/21/2024</a:t>
             </a:fld>
             <a:endParaRPr lang="en-US"/>
           </a:p>
@@ -2614,7 +2615,7 @@
           <a:p>
             <a:fld id="{22E6D245-D3C3-40F1-9538-2046B7199377}" type="datetimeFigureOut">
               <a:rPr lang="en-US" smtClean="0"/>
-              <a:t>3/20/2024</a:t>
+              <a:t>3/21/2024</a:t>
             </a:fld>
             <a:endParaRPr lang="en-US"/>
           </a:p>
@@ -2812,7 +2813,7 @@
           <a:p>
             <a:fld id="{11643408-86C7-463A-8958-51E660E829DA}" type="datetimeFigureOut">
               <a:rPr lang="en-US" smtClean="0"/>
-              <a:t>3/20/2024</a:t>
+              <a:t>3/21/2024</a:t>
             </a:fld>
             <a:endParaRPr lang="en-US"/>
           </a:p>
@@ -3100,7 +3101,7 @@
           <a:p>
             <a:fld id="{22E6D245-D3C3-40F1-9538-2046B7199377}" type="datetimeFigureOut">
               <a:rPr lang="en-US" smtClean="0"/>
-              <a:t>3/20/2024</a:t>
+              <a:t>3/21/2024</a:t>
             </a:fld>
             <a:endParaRPr lang="en-US"/>
           </a:p>
@@ -3298,7 +3299,7 @@
           <a:p>
             <a:fld id="{22E6D245-D3C3-40F1-9538-2046B7199377}" type="datetimeFigureOut">
               <a:rPr lang="en-US" smtClean="0"/>
-              <a:t>3/20/2024</a:t>
+              <a:t>3/21/2024</a:t>
             </a:fld>
             <a:endParaRPr lang="en-US"/>
           </a:p>
@@ -3506,7 +3507,7 @@
           <a:p>
             <a:fld id="{22E6D245-D3C3-40F1-9538-2046B7199377}" type="datetimeFigureOut">
               <a:rPr lang="en-US" smtClean="0"/>
-              <a:t>3/20/2024</a:t>
+              <a:t>3/21/2024</a:t>
             </a:fld>
             <a:endParaRPr lang="en-US"/>
           </a:p>
@@ -3781,7 +3782,7 @@
           <a:p>
             <a:fld id="{11643408-86C7-463A-8958-51E660E829DA}" type="datetimeFigureOut">
               <a:rPr lang="en-US" smtClean="0"/>
-              <a:t>3/20/2024</a:t>
+              <a:t>3/21/2024</a:t>
             </a:fld>
             <a:endParaRPr lang="en-US"/>
           </a:p>
@@ -4046,7 +4047,7 @@
           <a:p>
             <a:fld id="{11643408-86C7-463A-8958-51E660E829DA}" type="datetimeFigureOut">
               <a:rPr lang="en-US" smtClean="0"/>
-              <a:t>3/20/2024</a:t>
+              <a:t>3/21/2024</a:t>
             </a:fld>
             <a:endParaRPr lang="en-US"/>
           </a:p>
@@ -4458,7 +4459,7 @@
           <a:p>
             <a:fld id="{11643408-86C7-463A-8958-51E660E829DA}" type="datetimeFigureOut">
               <a:rPr lang="en-US" smtClean="0"/>
-              <a:t>3/20/2024</a:t>
+              <a:t>3/21/2024</a:t>
             </a:fld>
             <a:endParaRPr lang="en-US"/>
           </a:p>
@@ -4599,7 +4600,7 @@
           <a:p>
             <a:fld id="{11643408-86C7-463A-8958-51E660E829DA}" type="datetimeFigureOut">
               <a:rPr lang="en-US" smtClean="0"/>
-              <a:t>3/20/2024</a:t>
+              <a:t>3/21/2024</a:t>
             </a:fld>
             <a:endParaRPr lang="en-US"/>
           </a:p>
@@ -4712,7 +4713,7 @@
           <a:p>
             <a:fld id="{11643408-86C7-463A-8958-51E660E829DA}" type="datetimeFigureOut">
               <a:rPr lang="en-US" smtClean="0"/>
-              <a:t>3/20/2024</a:t>
+              <a:t>3/21/2024</a:t>
             </a:fld>
             <a:endParaRPr lang="en-US"/>
           </a:p>
@@ -5023,7 +5024,7 @@
           <a:p>
             <a:fld id="{11643408-86C7-463A-8958-51E660E829DA}" type="datetimeFigureOut">
               <a:rPr lang="en-US" smtClean="0"/>
-              <a:t>3/20/2024</a:t>
+              <a:t>3/21/2024</a:t>
             </a:fld>
             <a:endParaRPr lang="en-US"/>
           </a:p>
@@ -5311,7 +5312,7 @@
           <a:p>
             <a:fld id="{11643408-86C7-463A-8958-51E660E829DA}" type="datetimeFigureOut">
               <a:rPr lang="en-US" smtClean="0"/>
-              <a:t>3/20/2024</a:t>
+              <a:t>3/21/2024</a:t>
             </a:fld>
             <a:endParaRPr lang="en-US"/>
           </a:p>
@@ -5552,7 +5553,7 @@
           <a:p>
             <a:fld id="{11643408-86C7-463A-8958-51E660E829DA}" type="datetimeFigureOut">
               <a:rPr lang="en-US" smtClean="0"/>
-              <a:t>3/20/2024</a:t>
+              <a:t>3/21/2024</a:t>
             </a:fld>
             <a:endParaRPr lang="en-US"/>
           </a:p>
@@ -5683,7 +5684,7 @@
           <a:solidFill>
             <a:schemeClr val="tx1"/>
           </a:solidFill>
-          <a:latin typeface="+mj-lt"/>
+          <a:latin typeface="Univers Condensed" panose="020B0506020202050204" pitchFamily="34" charset="0"/>
           <a:ea typeface="+mj-ea"/>
           <a:cs typeface="+mj-cs"/>
         </a:defRPr>
@@ -5699,34 +5700,16 @@
         </a:spcBef>
         <a:buFont typeface="Arial" panose="020B0604020202020204" pitchFamily="34" charset="0"/>
         <a:buChar char="•"/>
-        <a:defRPr sz="2800" kern="1200">
-          <a:solidFill>
-            <a:schemeClr val="tx1"/>
-          </a:solidFill>
-          <a:latin typeface="+mn-lt"/>
-          <a:ea typeface="+mn-ea"/>
-          <a:cs typeface="+mn-cs"/>
-        </a:defRPr>
-      </a:lvl1pPr>
-      <a:lvl2pPr marL="685800" indent="-228600" algn="l" defTabSz="914400" rtl="0" eaLnBrk="1" latinLnBrk="0" hangingPunct="1">
-        <a:lnSpc>
-          <a:spcPct val="90000"/>
-        </a:lnSpc>
-        <a:spcBef>
-          <a:spcPts val="500"/>
-        </a:spcBef>
-        <a:buFont typeface="Arial" panose="020B0604020202020204" pitchFamily="34" charset="0"/>
-        <a:buChar char="•"/>
         <a:defRPr sz="2400" kern="1200">
           <a:solidFill>
             <a:schemeClr val="tx1"/>
           </a:solidFill>
-          <a:latin typeface="+mn-lt"/>
-          <a:ea typeface="+mn-ea"/>
-          <a:cs typeface="+mn-cs"/>
+          <a:latin typeface="Cascadia Mono Light" panose="020B0609020000020004" pitchFamily="49" charset="0"/>
+          <a:ea typeface="Cascadia Mono Light" panose="020B0609020000020004" pitchFamily="49" charset="0"/>
+          <a:cs typeface="Cascadia Mono Light" panose="020B0609020000020004" pitchFamily="49" charset="0"/>
         </a:defRPr>
-      </a:lvl2pPr>
-      <a:lvl3pPr marL="1143000" indent="-228600" algn="l" defTabSz="914400" rtl="0" eaLnBrk="1" latinLnBrk="0" hangingPunct="1">
+      </a:lvl1pPr>
+      <a:lvl2pPr marL="685800" indent="-228600" algn="l" defTabSz="914400" rtl="0" eaLnBrk="1" latinLnBrk="0" hangingPunct="1">
         <a:lnSpc>
           <a:spcPct val="90000"/>
         </a:lnSpc>
@@ -5739,12 +5722,12 @@
           <a:solidFill>
             <a:schemeClr val="tx1"/>
           </a:solidFill>
-          <a:latin typeface="+mn-lt"/>
-          <a:ea typeface="+mn-ea"/>
-          <a:cs typeface="+mn-cs"/>
+          <a:latin typeface="Cascadia Mono Light" panose="020B0609020000020004" pitchFamily="49" charset="0"/>
+          <a:ea typeface="Cascadia Mono Light" panose="020B0609020000020004" pitchFamily="49" charset="0"/>
+          <a:cs typeface="Cascadia Mono Light" panose="020B0609020000020004" pitchFamily="49" charset="0"/>
         </a:defRPr>
-      </a:lvl3pPr>
-      <a:lvl4pPr marL="1600200" indent="-228600" algn="l" defTabSz="914400" rtl="0" eaLnBrk="1" latinLnBrk="0" hangingPunct="1">
+      </a:lvl2pPr>
+      <a:lvl3pPr marL="1143000" indent="-228600" algn="l" defTabSz="914400" rtl="0" eaLnBrk="1" latinLnBrk="0" hangingPunct="1">
         <a:lnSpc>
           <a:spcPct val="90000"/>
         </a:lnSpc>
@@ -5757,9 +5740,27 @@
           <a:solidFill>
             <a:schemeClr val="tx1"/>
           </a:solidFill>
-          <a:latin typeface="+mn-lt"/>
-          <a:ea typeface="+mn-ea"/>
-          <a:cs typeface="+mn-cs"/>
+          <a:latin typeface="Cascadia Mono Light" panose="020B0609020000020004" pitchFamily="49" charset="0"/>
+          <a:ea typeface="Cascadia Mono Light" panose="020B0609020000020004" pitchFamily="49" charset="0"/>
+          <a:cs typeface="Cascadia Mono Light" panose="020B0609020000020004" pitchFamily="49" charset="0"/>
+        </a:defRPr>
+      </a:lvl3pPr>
+      <a:lvl4pPr marL="1600200" indent="-228600" algn="l" defTabSz="914400" rtl="0" eaLnBrk="1" latinLnBrk="0" hangingPunct="1">
+        <a:lnSpc>
+          <a:spcPct val="90000"/>
+        </a:lnSpc>
+        <a:spcBef>
+          <a:spcPts val="500"/>
+        </a:spcBef>
+        <a:buFont typeface="Arial" panose="020B0604020202020204" pitchFamily="34" charset="0"/>
+        <a:buChar char="•"/>
+        <a:defRPr sz="1600" kern="1200">
+          <a:solidFill>
+            <a:schemeClr val="tx1"/>
+          </a:solidFill>
+          <a:latin typeface="Cascadia Mono Light" panose="020B0609020000020004" pitchFamily="49" charset="0"/>
+          <a:ea typeface="Cascadia Mono Light" panose="020B0609020000020004" pitchFamily="49" charset="0"/>
+          <a:cs typeface="Cascadia Mono Light" panose="020B0609020000020004" pitchFamily="49" charset="0"/>
         </a:defRPr>
       </a:lvl4pPr>
       <a:lvl5pPr marL="2057400" indent="-228600" algn="l" defTabSz="914400" rtl="0" eaLnBrk="1" latinLnBrk="0" hangingPunct="1">
@@ -5771,13 +5772,13 @@
         </a:spcBef>
         <a:buFont typeface="Arial" panose="020B0604020202020204" pitchFamily="34" charset="0"/>
         <a:buChar char="•"/>
-        <a:defRPr sz="1800" kern="1200">
+        <a:defRPr sz="1600" kern="1200">
           <a:solidFill>
             <a:schemeClr val="tx1"/>
           </a:solidFill>
-          <a:latin typeface="+mn-lt"/>
-          <a:ea typeface="+mn-ea"/>
-          <a:cs typeface="+mn-cs"/>
+          <a:latin typeface="Cascadia Mono Light" panose="020B0609020000020004" pitchFamily="49" charset="0"/>
+          <a:ea typeface="Cascadia Mono Light" panose="020B0609020000020004" pitchFamily="49" charset="0"/>
+          <a:cs typeface="Cascadia Mono Light" panose="020B0609020000020004" pitchFamily="49" charset="0"/>
         </a:defRPr>
       </a:lvl5pPr>
       <a:lvl6pPr marL="2514600" indent="-228600" algn="l" defTabSz="914400" rtl="0" eaLnBrk="1" latinLnBrk="0" hangingPunct="1">
@@ -6120,7 +6121,7 @@
           <a:p>
             <a:fld id="{22E6D245-D3C3-40F1-9538-2046B7199377}" type="datetimeFigureOut">
               <a:rPr lang="en-US" smtClean="0"/>
-              <a:t>3/20/2024</a:t>
+              <a:t>3/21/2024</a:t>
             </a:fld>
             <a:endParaRPr lang="en-US"/>
           </a:p>
@@ -8482,6 +8483,119 @@
 </p:sld>
 </file>
 
+<file path=ppt/slides/slide15.xml><?xml version="1.0" encoding="utf-8"?>
+<p:sld xmlns:a="http://schemas.openxmlformats.org/drawingml/2006/main" xmlns:r="http://schemas.openxmlformats.org/officeDocument/2006/relationships" xmlns:p="http://schemas.openxmlformats.org/presentationml/2006/main">
+  <p:cSld>
+    <p:spTree>
+      <p:nvGrpSpPr>
+        <p:cNvPr id="1" name=""/>
+        <p:cNvGrpSpPr/>
+        <p:nvPr/>
+      </p:nvGrpSpPr>
+      <p:grpSpPr>
+        <a:xfrm>
+          <a:off x="0" y="0"/>
+          <a:ext cx="0" cy="0"/>
+          <a:chOff x="0" y="0"/>
+          <a:chExt cx="0" cy="0"/>
+        </a:xfrm>
+      </p:grpSpPr>
+      <p:sp>
+        <p:nvSpPr>
+          <p:cNvPr id="2" name="Title 1">
+            <a:extLst>
+              <a:ext uri="{FF2B5EF4-FFF2-40B4-BE49-F238E27FC236}">
+                <a16:creationId xmlns:a16="http://schemas.microsoft.com/office/drawing/2014/main" id="{52BCECF2-1242-889E-574D-F454ACD3E0BE}"/>
+              </a:ext>
+            </a:extLst>
+          </p:cNvPr>
+          <p:cNvSpPr>
+            <a:spLocks noGrp="1"/>
+          </p:cNvSpPr>
+          <p:nvPr>
+            <p:ph type="title"/>
+          </p:nvPr>
+        </p:nvSpPr>
+        <p:spPr/>
+        <p:txBody>
+          <a:bodyPr/>
+          <a:lstStyle/>
+          <a:p>
+            <a:r>
+              <a:rPr lang="en-US" dirty="0"/>
+              <a:t>NOTES</a:t>
+            </a:r>
+          </a:p>
+        </p:txBody>
+      </p:sp>
+      <p:sp>
+        <p:nvSpPr>
+          <p:cNvPr id="3" name="Content Placeholder 2">
+            <a:extLst>
+              <a:ext uri="{FF2B5EF4-FFF2-40B4-BE49-F238E27FC236}">
+                <a16:creationId xmlns:a16="http://schemas.microsoft.com/office/drawing/2014/main" id="{A8B088CE-E99F-924D-C98F-E2BB63123C8E}"/>
+              </a:ext>
+            </a:extLst>
+          </p:cNvPr>
+          <p:cNvSpPr>
+            <a:spLocks noGrp="1"/>
+          </p:cNvSpPr>
+          <p:nvPr>
+            <p:ph idx="1"/>
+          </p:nvPr>
+        </p:nvSpPr>
+        <p:spPr/>
+        <p:txBody>
+          <a:bodyPr/>
+          <a:lstStyle/>
+          <a:p>
+            <a:r>
+              <a:rPr lang="en-US" dirty="0"/>
+              <a:t>EIN format</a:t>
+            </a:r>
+          </a:p>
+          <a:p>
+            <a:pPr lvl="1"/>
+            <a:r>
+              <a:rPr lang="en-US" dirty="0"/>
+              <a:t>EIN2 standardized</a:t>
+            </a:r>
+          </a:p>
+          <a:p>
+            <a:r>
+              <a:rPr lang="en-US" dirty="0"/>
+              <a:t>Address standardization</a:t>
+            </a:r>
+          </a:p>
+          <a:p>
+            <a:pPr lvl="1"/>
+            <a:r>
+              <a:rPr lang="en-US" dirty="0"/>
+              <a:t>are city names standardized when geocoded? </a:t>
+            </a:r>
+          </a:p>
+          <a:p>
+            <a:pPr lvl="1"/>
+            <a:r>
+              <a:rPr lang="en-US" dirty="0"/>
+              <a:t>which census year should we use? 2010 is default </a:t>
+            </a:r>
+          </a:p>
+        </p:txBody>
+      </p:sp>
+    </p:spTree>
+    <p:extLst>
+      <p:ext uri="{BB962C8B-B14F-4D97-AF65-F5344CB8AC3E}">
+        <p14:creationId xmlns:p14="http://schemas.microsoft.com/office/powerpoint/2010/main" val="3887613673"/>
+      </p:ext>
+    </p:extLst>
+  </p:cSld>
+  <p:clrMapOvr>
+    <a:masterClrMapping/>
+  </p:clrMapOvr>
+</p:sld>
+</file>
+
 <file path=ppt/slides/slide2.xml><?xml version="1.0" encoding="utf-8"?>
 <p:sld xmlns:a="http://schemas.openxmlformats.org/drawingml/2006/main" xmlns:r="http://schemas.openxmlformats.org/officeDocument/2006/relationships" xmlns:p="http://schemas.openxmlformats.org/presentationml/2006/main">
   <p:cSld>
@@ -15758,6 +15872,41 @@
                 <a:cs typeface="Cascadia Mono Light" panose="020B0609020000020004" pitchFamily="49" charset="0"/>
               </a:rPr>
               <a:t>(lambda r: level1(r), axis=1)</a:t>
+            </a:r>
+          </a:p>
+        </p:txBody>
+      </p:sp>
+      <p:sp>
+        <p:nvSpPr>
+          <p:cNvPr id="5" name="TextBox 4">
+            <a:extLst>
+              <a:ext uri="{FF2B5EF4-FFF2-40B4-BE49-F238E27FC236}">
+                <a16:creationId xmlns:a16="http://schemas.microsoft.com/office/drawing/2014/main" id="{02BBF52B-BEBA-4569-2EF7-FF0879CE6E75}"/>
+              </a:ext>
+            </a:extLst>
+          </p:cNvPr>
+          <p:cNvSpPr txBox="1"/>
+          <p:nvPr/>
+        </p:nvSpPr>
+        <p:spPr>
+          <a:xfrm>
+            <a:off x="838200" y="2399446"/>
+            <a:ext cx="2722179" cy="1200329"/>
+          </a:xfrm>
+          <a:prstGeom prst="rect">
+            <a:avLst/>
+          </a:prstGeom>
+          <a:noFill/>
+        </p:spPr>
+        <p:txBody>
+          <a:bodyPr wrap="square">
+            <a:spAutoFit/>
+          </a:bodyPr>
+          <a:lstStyle/>
+          <a:p>
+            <a:r>
+              <a:rPr lang="en-US" dirty="0"/>
+              <a:t>https://github.com/UI-Research/nccs-file-processing/blob/master/Core%20Files/process.py</a:t>
             </a:r>
           </a:p>
         </p:txBody>

--- a/METADATA CODEBOOK.pptx
+++ b/METADATA CODEBOOK.pptx
@@ -21,6 +21,9 @@
     <p:sldId id="271" r:id="rId15"/>
     <p:sldId id="269" r:id="rId16"/>
     <p:sldId id="275" r:id="rId17"/>
+    <p:sldId id="276" r:id="rId18"/>
+    <p:sldId id="277" r:id="rId19"/>
+    <p:sldId id="278" r:id="rId20"/>
   </p:sldIdLst>
   <p:sldSz cx="12192000" cy="6858000"/>
   <p:notesSz cx="6858000" cy="9144000"/>
@@ -274,7 +277,7 @@
           <a:p>
             <a:fld id="{11643408-86C7-463A-8958-51E660E829DA}" type="datetimeFigureOut">
               <a:rPr lang="en-US" smtClean="0"/>
-              <a:t>3/21/2024</a:t>
+              <a:t>4/24/2024</a:t>
             </a:fld>
             <a:endParaRPr lang="en-US"/>
           </a:p>
@@ -472,7 +475,7 @@
           <a:p>
             <a:fld id="{11643408-86C7-463A-8958-51E660E829DA}" type="datetimeFigureOut">
               <a:rPr lang="en-US" smtClean="0"/>
-              <a:t>3/21/2024</a:t>
+              <a:t>4/24/2024</a:t>
             </a:fld>
             <a:endParaRPr lang="en-US"/>
           </a:p>
@@ -680,7 +683,7 @@
           <a:p>
             <a:fld id="{11643408-86C7-463A-8958-51E660E829DA}" type="datetimeFigureOut">
               <a:rPr lang="en-US" smtClean="0"/>
-              <a:t>3/21/2024</a:t>
+              <a:t>4/24/2024</a:t>
             </a:fld>
             <a:endParaRPr lang="en-US"/>
           </a:p>
@@ -900,7 +903,7 @@
           <a:p>
             <a:fld id="{22E6D245-D3C3-40F1-9538-2046B7199377}" type="datetimeFigureOut">
               <a:rPr lang="en-US" smtClean="0"/>
-              <a:t>3/21/2024</a:t>
+              <a:t>4/24/2024</a:t>
             </a:fld>
             <a:endParaRPr lang="en-US"/>
           </a:p>
@@ -1098,7 +1101,7 @@
           <a:p>
             <a:fld id="{22E6D245-D3C3-40F1-9538-2046B7199377}" type="datetimeFigureOut">
               <a:rPr lang="en-US" smtClean="0"/>
-              <a:t>3/21/2024</a:t>
+              <a:t>4/24/2024</a:t>
             </a:fld>
             <a:endParaRPr lang="en-US"/>
           </a:p>
@@ -1373,7 +1376,7 @@
           <a:p>
             <a:fld id="{22E6D245-D3C3-40F1-9538-2046B7199377}" type="datetimeFigureOut">
               <a:rPr lang="en-US" smtClean="0"/>
-              <a:t>3/21/2024</a:t>
+              <a:t>4/24/2024</a:t>
             </a:fld>
             <a:endParaRPr lang="en-US"/>
           </a:p>
@@ -1638,7 +1641,7 @@
           <a:p>
             <a:fld id="{22E6D245-D3C3-40F1-9538-2046B7199377}" type="datetimeFigureOut">
               <a:rPr lang="en-US" smtClean="0"/>
-              <a:t>3/21/2024</a:t>
+              <a:t>4/24/2024</a:t>
             </a:fld>
             <a:endParaRPr lang="en-US"/>
           </a:p>
@@ -2050,7 +2053,7 @@
           <a:p>
             <a:fld id="{22E6D245-D3C3-40F1-9538-2046B7199377}" type="datetimeFigureOut">
               <a:rPr lang="en-US" smtClean="0"/>
-              <a:t>3/21/2024</a:t>
+              <a:t>4/24/2024</a:t>
             </a:fld>
             <a:endParaRPr lang="en-US"/>
           </a:p>
@@ -2191,7 +2194,7 @@
           <a:p>
             <a:fld id="{22E6D245-D3C3-40F1-9538-2046B7199377}" type="datetimeFigureOut">
               <a:rPr lang="en-US" smtClean="0"/>
-              <a:t>3/21/2024</a:t>
+              <a:t>4/24/2024</a:t>
             </a:fld>
             <a:endParaRPr lang="en-US"/>
           </a:p>
@@ -2304,7 +2307,7 @@
           <a:p>
             <a:fld id="{22E6D245-D3C3-40F1-9538-2046B7199377}" type="datetimeFigureOut">
               <a:rPr lang="en-US" smtClean="0"/>
-              <a:t>3/21/2024</a:t>
+              <a:t>4/24/2024</a:t>
             </a:fld>
             <a:endParaRPr lang="en-US"/>
           </a:p>
@@ -2615,7 +2618,7 @@
           <a:p>
             <a:fld id="{22E6D245-D3C3-40F1-9538-2046B7199377}" type="datetimeFigureOut">
               <a:rPr lang="en-US" smtClean="0"/>
-              <a:t>3/21/2024</a:t>
+              <a:t>4/24/2024</a:t>
             </a:fld>
             <a:endParaRPr lang="en-US"/>
           </a:p>
@@ -2813,7 +2816,7 @@
           <a:p>
             <a:fld id="{11643408-86C7-463A-8958-51E660E829DA}" type="datetimeFigureOut">
               <a:rPr lang="en-US" smtClean="0"/>
-              <a:t>3/21/2024</a:t>
+              <a:t>4/24/2024</a:t>
             </a:fld>
             <a:endParaRPr lang="en-US"/>
           </a:p>
@@ -3101,7 +3104,7 @@
           <a:p>
             <a:fld id="{22E6D245-D3C3-40F1-9538-2046B7199377}" type="datetimeFigureOut">
               <a:rPr lang="en-US" smtClean="0"/>
-              <a:t>3/21/2024</a:t>
+              <a:t>4/24/2024</a:t>
             </a:fld>
             <a:endParaRPr lang="en-US"/>
           </a:p>
@@ -3299,7 +3302,7 @@
           <a:p>
             <a:fld id="{22E6D245-D3C3-40F1-9538-2046B7199377}" type="datetimeFigureOut">
               <a:rPr lang="en-US" smtClean="0"/>
-              <a:t>3/21/2024</a:t>
+              <a:t>4/24/2024</a:t>
             </a:fld>
             <a:endParaRPr lang="en-US"/>
           </a:p>
@@ -3507,7 +3510,7 @@
           <a:p>
             <a:fld id="{22E6D245-D3C3-40F1-9538-2046B7199377}" type="datetimeFigureOut">
               <a:rPr lang="en-US" smtClean="0"/>
-              <a:t>3/21/2024</a:t>
+              <a:t>4/24/2024</a:t>
             </a:fld>
             <a:endParaRPr lang="en-US"/>
           </a:p>
@@ -3782,7 +3785,7 @@
           <a:p>
             <a:fld id="{11643408-86C7-463A-8958-51E660E829DA}" type="datetimeFigureOut">
               <a:rPr lang="en-US" smtClean="0"/>
-              <a:t>3/21/2024</a:t>
+              <a:t>4/24/2024</a:t>
             </a:fld>
             <a:endParaRPr lang="en-US"/>
           </a:p>
@@ -4047,7 +4050,7 @@
           <a:p>
             <a:fld id="{11643408-86C7-463A-8958-51E660E829DA}" type="datetimeFigureOut">
               <a:rPr lang="en-US" smtClean="0"/>
-              <a:t>3/21/2024</a:t>
+              <a:t>4/24/2024</a:t>
             </a:fld>
             <a:endParaRPr lang="en-US"/>
           </a:p>
@@ -4459,7 +4462,7 @@
           <a:p>
             <a:fld id="{11643408-86C7-463A-8958-51E660E829DA}" type="datetimeFigureOut">
               <a:rPr lang="en-US" smtClean="0"/>
-              <a:t>3/21/2024</a:t>
+              <a:t>4/24/2024</a:t>
             </a:fld>
             <a:endParaRPr lang="en-US"/>
           </a:p>
@@ -4600,7 +4603,7 @@
           <a:p>
             <a:fld id="{11643408-86C7-463A-8958-51E660E829DA}" type="datetimeFigureOut">
               <a:rPr lang="en-US" smtClean="0"/>
-              <a:t>3/21/2024</a:t>
+              <a:t>4/24/2024</a:t>
             </a:fld>
             <a:endParaRPr lang="en-US"/>
           </a:p>
@@ -4713,7 +4716,7 @@
           <a:p>
             <a:fld id="{11643408-86C7-463A-8958-51E660E829DA}" type="datetimeFigureOut">
               <a:rPr lang="en-US" smtClean="0"/>
-              <a:t>3/21/2024</a:t>
+              <a:t>4/24/2024</a:t>
             </a:fld>
             <a:endParaRPr lang="en-US"/>
           </a:p>
@@ -5024,7 +5027,7 @@
           <a:p>
             <a:fld id="{11643408-86C7-463A-8958-51E660E829DA}" type="datetimeFigureOut">
               <a:rPr lang="en-US" smtClean="0"/>
-              <a:t>3/21/2024</a:t>
+              <a:t>4/24/2024</a:t>
             </a:fld>
             <a:endParaRPr lang="en-US"/>
           </a:p>
@@ -5312,7 +5315,7 @@
           <a:p>
             <a:fld id="{11643408-86C7-463A-8958-51E660E829DA}" type="datetimeFigureOut">
               <a:rPr lang="en-US" smtClean="0"/>
-              <a:t>3/21/2024</a:t>
+              <a:t>4/24/2024</a:t>
             </a:fld>
             <a:endParaRPr lang="en-US"/>
           </a:p>
@@ -5553,7 +5556,7 @@
           <a:p>
             <a:fld id="{11643408-86C7-463A-8958-51E660E829DA}" type="datetimeFigureOut">
               <a:rPr lang="en-US" smtClean="0"/>
-              <a:t>3/21/2024</a:t>
+              <a:t>4/24/2024</a:t>
             </a:fld>
             <a:endParaRPr lang="en-US"/>
           </a:p>
@@ -6121,7 +6124,7 @@
           <a:p>
             <a:fld id="{22E6D245-D3C3-40F1-9538-2046B7199377}" type="datetimeFigureOut">
               <a:rPr lang="en-US" smtClean="0"/>
-              <a:t>3/21/2024</a:t>
+              <a:t>4/24/2024</a:t>
             </a:fld>
             <a:endParaRPr lang="en-US"/>
           </a:p>
@@ -8587,6 +8590,2248 @@
     <p:extLst>
       <p:ext uri="{BB962C8B-B14F-4D97-AF65-F5344CB8AC3E}">
         <p14:creationId xmlns:p14="http://schemas.microsoft.com/office/powerpoint/2010/main" val="3887613673"/>
+      </p:ext>
+    </p:extLst>
+  </p:cSld>
+  <p:clrMapOvr>
+    <a:masterClrMapping/>
+  </p:clrMapOvr>
+</p:sld>
+</file>
+
+<file path=ppt/slides/slide16.xml><?xml version="1.0" encoding="utf-8"?>
+<p:sld xmlns:a="http://schemas.openxmlformats.org/drawingml/2006/main" xmlns:r="http://schemas.openxmlformats.org/officeDocument/2006/relationships" xmlns:p="http://schemas.openxmlformats.org/presentationml/2006/main">
+  <p:cSld>
+    <p:spTree>
+      <p:nvGrpSpPr>
+        <p:cNvPr id="1" name=""/>
+        <p:cNvGrpSpPr/>
+        <p:nvPr/>
+      </p:nvGrpSpPr>
+      <p:grpSpPr>
+        <a:xfrm>
+          <a:off x="0" y="0"/>
+          <a:ext cx="0" cy="0"/>
+          <a:chOff x="0" y="0"/>
+          <a:chExt cx="0" cy="0"/>
+        </a:xfrm>
+      </p:grpSpPr>
+      <p:sp>
+        <p:nvSpPr>
+          <p:cNvPr id="2" name="Title 1">
+            <a:extLst>
+              <a:ext uri="{FF2B5EF4-FFF2-40B4-BE49-F238E27FC236}">
+                <a16:creationId xmlns:a16="http://schemas.microsoft.com/office/drawing/2014/main" id="{8122DBF5-DD84-0A30-CB66-24CDB6C4B6EA}"/>
+              </a:ext>
+            </a:extLst>
+          </p:cNvPr>
+          <p:cNvSpPr>
+            <a:spLocks noGrp="1"/>
+          </p:cNvSpPr>
+          <p:nvPr>
+            <p:ph type="title"/>
+          </p:nvPr>
+        </p:nvSpPr>
+        <p:spPr/>
+        <p:txBody>
+          <a:bodyPr/>
+          <a:lstStyle/>
+          <a:p>
+            <a:r>
+              <a:rPr lang="en-US" dirty="0"/>
+              <a:t>DATA ENGINEERING </a:t>
+            </a:r>
+            <a:br>
+              <a:rPr lang="en-US" dirty="0"/>
+            </a:br>
+            <a:r>
+              <a:rPr lang="en-US" dirty="0"/>
+              <a:t>PROCESS MODEL (DRAFT)</a:t>
+            </a:r>
+          </a:p>
+        </p:txBody>
+      </p:sp>
+      <p:sp>
+        <p:nvSpPr>
+          <p:cNvPr id="3" name="Text Placeholder 2">
+            <a:extLst>
+              <a:ext uri="{FF2B5EF4-FFF2-40B4-BE49-F238E27FC236}">
+                <a16:creationId xmlns:a16="http://schemas.microsoft.com/office/drawing/2014/main" id="{AC942865-F68E-D438-25CE-EE75D990DB50}"/>
+              </a:ext>
+            </a:extLst>
+          </p:cNvPr>
+          <p:cNvSpPr>
+            <a:spLocks noGrp="1"/>
+          </p:cNvSpPr>
+          <p:nvPr>
+            <p:ph type="body" idx="1"/>
+          </p:nvPr>
+        </p:nvSpPr>
+        <p:spPr/>
+        <p:txBody>
+          <a:bodyPr/>
+          <a:lstStyle/>
+          <a:p>
+            <a:endParaRPr lang="en-US"/>
+          </a:p>
+        </p:txBody>
+      </p:sp>
+    </p:spTree>
+    <p:extLst>
+      <p:ext uri="{BB962C8B-B14F-4D97-AF65-F5344CB8AC3E}">
+        <p14:creationId xmlns:p14="http://schemas.microsoft.com/office/powerpoint/2010/main" val="2282108664"/>
+      </p:ext>
+    </p:extLst>
+  </p:cSld>
+  <p:clrMapOvr>
+    <a:masterClrMapping/>
+  </p:clrMapOvr>
+</p:sld>
+</file>
+
+<file path=ppt/slides/slide17.xml><?xml version="1.0" encoding="utf-8"?>
+<p:sld xmlns:a="http://schemas.openxmlformats.org/drawingml/2006/main" xmlns:r="http://schemas.openxmlformats.org/officeDocument/2006/relationships" xmlns:p="http://schemas.openxmlformats.org/presentationml/2006/main">
+  <p:cSld>
+    <p:spTree>
+      <p:nvGrpSpPr>
+        <p:cNvPr id="1" name=""/>
+        <p:cNvGrpSpPr/>
+        <p:nvPr/>
+      </p:nvGrpSpPr>
+      <p:grpSpPr>
+        <a:xfrm>
+          <a:off x="0" y="0"/>
+          <a:ext cx="0" cy="0"/>
+          <a:chOff x="0" y="0"/>
+          <a:chExt cx="0" cy="0"/>
+        </a:xfrm>
+      </p:grpSpPr>
+      <p:sp>
+        <p:nvSpPr>
+          <p:cNvPr id="27" name="Title 26">
+            <a:extLst>
+              <a:ext uri="{FF2B5EF4-FFF2-40B4-BE49-F238E27FC236}">
+                <a16:creationId xmlns:a16="http://schemas.microsoft.com/office/drawing/2014/main" id="{416CD5C7-F95B-6DEC-1AD2-4FC5EBA05258}"/>
+              </a:ext>
+            </a:extLst>
+          </p:cNvPr>
+          <p:cNvSpPr>
+            <a:spLocks noGrp="1"/>
+          </p:cNvSpPr>
+          <p:nvPr>
+            <p:ph type="title"/>
+          </p:nvPr>
+        </p:nvSpPr>
+        <p:spPr>
+          <a:xfrm>
+            <a:off x="838200" y="104031"/>
+            <a:ext cx="10515600" cy="1325563"/>
+          </a:xfrm>
+        </p:spPr>
+        <p:txBody>
+          <a:bodyPr/>
+          <a:lstStyle/>
+          <a:p>
+            <a:r>
+              <a:rPr lang="en-US" dirty="0"/>
+              <a:t>VALIDATION DEPENDENCIES</a:t>
+            </a:r>
+          </a:p>
+        </p:txBody>
+      </p:sp>
+      <p:grpSp>
+        <p:nvGrpSpPr>
+          <p:cNvPr id="140" name="Group 139">
+            <a:extLst>
+              <a:ext uri="{FF2B5EF4-FFF2-40B4-BE49-F238E27FC236}">
+                <a16:creationId xmlns:a16="http://schemas.microsoft.com/office/drawing/2014/main" id="{CD41F255-E8DF-D68E-3818-FD0DCBC3272B}"/>
+              </a:ext>
+            </a:extLst>
+          </p:cNvPr>
+          <p:cNvGrpSpPr/>
+          <p:nvPr/>
+        </p:nvGrpSpPr>
+        <p:grpSpPr>
+          <a:xfrm>
+            <a:off x="780765" y="616629"/>
+            <a:ext cx="11200145" cy="5680319"/>
+            <a:chOff x="780765" y="616629"/>
+            <a:chExt cx="11200145" cy="5680319"/>
+          </a:xfrm>
+        </p:grpSpPr>
+        <p:sp>
+          <p:nvSpPr>
+            <p:cNvPr id="62" name="TextBox 61">
+              <a:extLst>
+                <a:ext uri="{FF2B5EF4-FFF2-40B4-BE49-F238E27FC236}">
+                  <a16:creationId xmlns:a16="http://schemas.microsoft.com/office/drawing/2014/main" id="{A9619149-1A96-5BDE-ED78-B399E9AF3C7E}"/>
+                </a:ext>
+              </a:extLst>
+            </p:cNvPr>
+            <p:cNvSpPr txBox="1"/>
+            <p:nvPr/>
+          </p:nvSpPr>
+          <p:spPr>
+            <a:xfrm>
+              <a:off x="9567091" y="616629"/>
+              <a:ext cx="2305824" cy="1077218"/>
+            </a:xfrm>
+            <a:prstGeom prst="rect">
+              <a:avLst/>
+            </a:prstGeom>
+            <a:noFill/>
+          </p:spPr>
+          <p:txBody>
+            <a:bodyPr wrap="none" rtlCol="0">
+              <a:spAutoFit/>
+            </a:bodyPr>
+            <a:lstStyle/>
+            <a:p>
+              <a:r>
+                <a:rPr lang="en-US" sz="1600" u="sng" dirty="0"/>
+                <a:t>TABLE TYPE:</a:t>
+              </a:r>
+              <a:br>
+                <a:rPr lang="en-US" sz="1600" dirty="0">
+                  <a:solidFill>
+                    <a:schemeClr val="accent2"/>
+                  </a:solidFill>
+                </a:rPr>
+              </a:br>
+              <a:r>
+                <a:rPr lang="en-US" sz="1600" dirty="0">
+                  <a:solidFill>
+                    <a:schemeClr val="accent2"/>
+                  </a:solidFill>
+                </a:rPr>
+                <a:t>METADATA (OVER TIME) </a:t>
+              </a:r>
+            </a:p>
+            <a:p>
+              <a:r>
+                <a:rPr lang="en-US" sz="1600" dirty="0">
+                  <a:solidFill>
+                    <a:schemeClr val="accent1"/>
+                  </a:solidFill>
+                </a:rPr>
+                <a:t>IRS DATA (RAW)</a:t>
+              </a:r>
+            </a:p>
+            <a:p>
+              <a:r>
+                <a:rPr lang="en-US" sz="1600" dirty="0">
+                  <a:solidFill>
+                    <a:schemeClr val="tx1">
+                      <a:lumMod val="50000"/>
+                      <a:lumOff val="50000"/>
+                    </a:schemeClr>
+                  </a:solidFill>
+                </a:rPr>
+                <a:t>NCCS DATASET</a:t>
+              </a:r>
+            </a:p>
+          </p:txBody>
+        </p:sp>
+        <p:sp>
+          <p:nvSpPr>
+            <p:cNvPr id="11" name="TextBox 10">
+              <a:extLst>
+                <a:ext uri="{FF2B5EF4-FFF2-40B4-BE49-F238E27FC236}">
+                  <a16:creationId xmlns:a16="http://schemas.microsoft.com/office/drawing/2014/main" id="{9CAC24C9-FB81-07E9-D6FC-ED38DB954DAD}"/>
+                </a:ext>
+              </a:extLst>
+            </p:cNvPr>
+            <p:cNvSpPr txBox="1"/>
+            <p:nvPr/>
+          </p:nvSpPr>
+          <p:spPr>
+            <a:xfrm>
+              <a:off x="2537476" y="1728621"/>
+              <a:ext cx="1356045" cy="923330"/>
+            </a:xfrm>
+            <a:prstGeom prst="rect">
+              <a:avLst/>
+            </a:prstGeom>
+            <a:noFill/>
+          </p:spPr>
+          <p:txBody>
+            <a:bodyPr wrap="square">
+              <a:spAutoFit/>
+            </a:bodyPr>
+            <a:lstStyle/>
+            <a:p>
+              <a:r>
+                <a:rPr lang="en-US" dirty="0">
+                  <a:solidFill>
+                    <a:schemeClr val="accent2"/>
+                  </a:solidFill>
+                </a:rPr>
+                <a:t>ATOMIZED METADATA TABLES</a:t>
+              </a:r>
+            </a:p>
+          </p:txBody>
+        </p:sp>
+        <p:cxnSp>
+          <p:nvCxnSpPr>
+            <p:cNvPr id="65" name="Straight Arrow Connector 64">
+              <a:extLst>
+                <a:ext uri="{FF2B5EF4-FFF2-40B4-BE49-F238E27FC236}">
+                  <a16:creationId xmlns:a16="http://schemas.microsoft.com/office/drawing/2014/main" id="{C26AF9C6-BD8E-8E81-2060-371278360E5C}"/>
+                </a:ext>
+              </a:extLst>
+            </p:cNvPr>
+            <p:cNvCxnSpPr>
+              <a:cxnSpLocks/>
+              <a:stCxn id="15" idx="3"/>
+              <a:endCxn id="13" idx="1"/>
+            </p:cNvCxnSpPr>
+            <p:nvPr/>
+          </p:nvCxnSpPr>
+          <p:spPr>
+            <a:xfrm>
+              <a:off x="2660975" y="4251628"/>
+              <a:ext cx="1906865" cy="46496"/>
+            </a:xfrm>
+            <a:prstGeom prst="straightConnector1">
+              <a:avLst/>
+            </a:prstGeom>
+            <a:ln w="28575">
+              <a:tailEnd type="triangle" w="lg" len="med"/>
+            </a:ln>
+          </p:spPr>
+          <p:style>
+            <a:lnRef idx="2">
+              <a:schemeClr val="accent1"/>
+            </a:lnRef>
+            <a:fillRef idx="0">
+              <a:schemeClr val="accent1"/>
+            </a:fillRef>
+            <a:effectRef idx="1">
+              <a:schemeClr val="accent1"/>
+            </a:effectRef>
+            <a:fontRef idx="minor">
+              <a:schemeClr val="tx1"/>
+            </a:fontRef>
+          </p:style>
+        </p:cxnSp>
+        <p:sp>
+          <p:nvSpPr>
+            <p:cNvPr id="5" name="TextBox 4">
+              <a:extLst>
+                <a:ext uri="{FF2B5EF4-FFF2-40B4-BE49-F238E27FC236}">
+                  <a16:creationId xmlns:a16="http://schemas.microsoft.com/office/drawing/2014/main" id="{B094CC2B-281A-D552-8ABE-4E435BEFF5FB}"/>
+                </a:ext>
+              </a:extLst>
+            </p:cNvPr>
+            <p:cNvSpPr txBox="1"/>
+            <p:nvPr/>
+          </p:nvSpPr>
+          <p:spPr>
+            <a:xfrm>
+              <a:off x="7136489" y="2005620"/>
+              <a:ext cx="1876096" cy="369332"/>
+            </a:xfrm>
+            <a:prstGeom prst="rect">
+              <a:avLst/>
+            </a:prstGeom>
+            <a:noFill/>
+          </p:spPr>
+          <p:txBody>
+            <a:bodyPr wrap="square">
+              <a:spAutoFit/>
+            </a:bodyPr>
+            <a:lstStyle/>
+            <a:p>
+              <a:r>
+                <a:rPr lang="en-US" dirty="0">
+                  <a:solidFill>
+                    <a:schemeClr val="tx1">
+                      <a:lumMod val="50000"/>
+                      <a:lumOff val="50000"/>
+                    </a:schemeClr>
+                  </a:solidFill>
+                </a:rPr>
+                <a:t>LEGACY BMF</a:t>
+              </a:r>
+            </a:p>
+          </p:txBody>
+        </p:sp>
+        <p:sp>
+          <p:nvSpPr>
+            <p:cNvPr id="24" name="TextBox 23">
+              <a:extLst>
+                <a:ext uri="{FF2B5EF4-FFF2-40B4-BE49-F238E27FC236}">
+                  <a16:creationId xmlns:a16="http://schemas.microsoft.com/office/drawing/2014/main" id="{3B380AC4-AE23-7DFC-859C-0B7CE87FFEDE}"/>
+                </a:ext>
+              </a:extLst>
+            </p:cNvPr>
+            <p:cNvSpPr txBox="1"/>
+            <p:nvPr/>
+          </p:nvSpPr>
+          <p:spPr>
+            <a:xfrm>
+              <a:off x="780765" y="2005620"/>
+              <a:ext cx="737702" cy="369332"/>
+            </a:xfrm>
+            <a:prstGeom prst="rect">
+              <a:avLst/>
+            </a:prstGeom>
+            <a:noFill/>
+          </p:spPr>
+          <p:txBody>
+            <a:bodyPr wrap="none" rtlCol="0">
+              <a:spAutoFit/>
+            </a:bodyPr>
+            <a:lstStyle/>
+            <a:p>
+              <a:r>
+                <a:rPr lang="en-US" dirty="0">
+                  <a:solidFill>
+                    <a:schemeClr val="accent1"/>
+                  </a:solidFill>
+                </a:rPr>
+                <a:t>EFILE</a:t>
+              </a:r>
+            </a:p>
+          </p:txBody>
+        </p:sp>
+        <p:cxnSp>
+          <p:nvCxnSpPr>
+            <p:cNvPr id="25" name="Straight Arrow Connector 24">
+              <a:extLst>
+                <a:ext uri="{FF2B5EF4-FFF2-40B4-BE49-F238E27FC236}">
+                  <a16:creationId xmlns:a16="http://schemas.microsoft.com/office/drawing/2014/main" id="{49930298-C914-607A-B8FF-10E28E52CA5F}"/>
+                </a:ext>
+              </a:extLst>
+            </p:cNvPr>
+            <p:cNvCxnSpPr>
+              <a:cxnSpLocks/>
+              <a:stCxn id="24" idx="3"/>
+              <a:endCxn id="11" idx="1"/>
+            </p:cNvCxnSpPr>
+            <p:nvPr/>
+          </p:nvCxnSpPr>
+          <p:spPr>
+            <a:xfrm>
+              <a:off x="1518467" y="2190286"/>
+              <a:ext cx="1019009" cy="0"/>
+            </a:xfrm>
+            <a:prstGeom prst="straightConnector1">
+              <a:avLst/>
+            </a:prstGeom>
+            <a:ln w="28575">
+              <a:tailEnd type="triangle" w="lg" len="med"/>
+            </a:ln>
+          </p:spPr>
+          <p:style>
+            <a:lnRef idx="2">
+              <a:schemeClr val="accent1"/>
+            </a:lnRef>
+            <a:fillRef idx="0">
+              <a:schemeClr val="accent1"/>
+            </a:fillRef>
+            <a:effectRef idx="1">
+              <a:schemeClr val="accent1"/>
+            </a:effectRef>
+            <a:fontRef idx="minor">
+              <a:schemeClr val="tx1"/>
+            </a:fontRef>
+          </p:style>
+        </p:cxnSp>
+        <p:sp>
+          <p:nvSpPr>
+            <p:cNvPr id="12" name="TextBox 11">
+              <a:extLst>
+                <a:ext uri="{FF2B5EF4-FFF2-40B4-BE49-F238E27FC236}">
+                  <a16:creationId xmlns:a16="http://schemas.microsoft.com/office/drawing/2014/main" id="{233EB20D-C88C-BB93-AB23-E3F9A250810D}"/>
+                </a:ext>
+              </a:extLst>
+            </p:cNvPr>
+            <p:cNvSpPr txBox="1"/>
+            <p:nvPr/>
+          </p:nvSpPr>
+          <p:spPr>
+            <a:xfrm>
+              <a:off x="4589436" y="1728621"/>
+              <a:ext cx="1356045" cy="923330"/>
+            </a:xfrm>
+            <a:prstGeom prst="rect">
+              <a:avLst/>
+            </a:prstGeom>
+            <a:noFill/>
+          </p:spPr>
+          <p:txBody>
+            <a:bodyPr wrap="square">
+              <a:spAutoFit/>
+            </a:bodyPr>
+            <a:lstStyle/>
+            <a:p>
+              <a:r>
+                <a:rPr lang="en-US" dirty="0">
+                  <a:solidFill>
+                    <a:schemeClr val="accent2"/>
+                  </a:solidFill>
+                </a:rPr>
+                <a:t>COMBINED METADATA TABLES</a:t>
+              </a:r>
+            </a:p>
+          </p:txBody>
+        </p:sp>
+        <p:sp>
+          <p:nvSpPr>
+            <p:cNvPr id="13" name="TextBox 12">
+              <a:extLst>
+                <a:ext uri="{FF2B5EF4-FFF2-40B4-BE49-F238E27FC236}">
+                  <a16:creationId xmlns:a16="http://schemas.microsoft.com/office/drawing/2014/main" id="{49EAF4CC-27E7-0629-6F60-7F1D463CAD53}"/>
+                </a:ext>
+              </a:extLst>
+            </p:cNvPr>
+            <p:cNvSpPr txBox="1"/>
+            <p:nvPr/>
+          </p:nvSpPr>
+          <p:spPr>
+            <a:xfrm>
+              <a:off x="4567840" y="4113458"/>
+              <a:ext cx="1390810" cy="369332"/>
+            </a:xfrm>
+            <a:prstGeom prst="rect">
+              <a:avLst/>
+            </a:prstGeom>
+            <a:noFill/>
+          </p:spPr>
+          <p:txBody>
+            <a:bodyPr wrap="square">
+              <a:spAutoFit/>
+            </a:bodyPr>
+            <a:lstStyle/>
+            <a:p>
+              <a:pPr algn="ctr"/>
+              <a:r>
+                <a:rPr lang="en-US" dirty="0">
+                  <a:solidFill>
+                    <a:schemeClr val="tx1">
+                      <a:lumMod val="50000"/>
+                      <a:lumOff val="50000"/>
+                    </a:schemeClr>
+                  </a:solidFill>
+                </a:rPr>
+                <a:t>NCCS BMF</a:t>
+              </a:r>
+            </a:p>
+          </p:txBody>
+        </p:sp>
+        <p:sp>
+          <p:nvSpPr>
+            <p:cNvPr id="14" name="TextBox 13">
+              <a:extLst>
+                <a:ext uri="{FF2B5EF4-FFF2-40B4-BE49-F238E27FC236}">
+                  <a16:creationId xmlns:a16="http://schemas.microsoft.com/office/drawing/2014/main" id="{8A32482F-0789-59CE-F3DD-5A6522E867DC}"/>
+                </a:ext>
+              </a:extLst>
+            </p:cNvPr>
+            <p:cNvSpPr txBox="1"/>
+            <p:nvPr/>
+          </p:nvSpPr>
+          <p:spPr>
+            <a:xfrm>
+              <a:off x="7531278" y="5007347"/>
+              <a:ext cx="2035813" cy="369332"/>
+            </a:xfrm>
+            <a:prstGeom prst="rect">
+              <a:avLst/>
+            </a:prstGeom>
+            <a:noFill/>
+          </p:spPr>
+          <p:txBody>
+            <a:bodyPr wrap="square">
+              <a:spAutoFit/>
+            </a:bodyPr>
+            <a:lstStyle/>
+            <a:p>
+              <a:pPr algn="ctr"/>
+              <a:r>
+                <a:rPr lang="en-US" dirty="0">
+                  <a:solidFill>
+                    <a:schemeClr val="tx1">
+                      <a:lumMod val="50000"/>
+                      <a:lumOff val="50000"/>
+                    </a:schemeClr>
+                  </a:solidFill>
+                </a:rPr>
+                <a:t>NEW NCCS CORE</a:t>
+              </a:r>
+            </a:p>
+          </p:txBody>
+        </p:sp>
+        <p:sp>
+          <p:nvSpPr>
+            <p:cNvPr id="15" name="TextBox 14">
+              <a:extLst>
+                <a:ext uri="{FF2B5EF4-FFF2-40B4-BE49-F238E27FC236}">
+                  <a16:creationId xmlns:a16="http://schemas.microsoft.com/office/drawing/2014/main" id="{71307819-8AC0-A660-0A42-1C4ED41D8DBE}"/>
+                </a:ext>
+              </a:extLst>
+            </p:cNvPr>
+            <p:cNvSpPr txBox="1"/>
+            <p:nvPr/>
+          </p:nvSpPr>
+          <p:spPr>
+            <a:xfrm>
+              <a:off x="1134082" y="4066962"/>
+              <a:ext cx="1526893" cy="369332"/>
+            </a:xfrm>
+            <a:prstGeom prst="rect">
+              <a:avLst/>
+            </a:prstGeom>
+            <a:noFill/>
+          </p:spPr>
+          <p:txBody>
+            <a:bodyPr wrap="none" rtlCol="0">
+              <a:spAutoFit/>
+            </a:bodyPr>
+            <a:lstStyle/>
+            <a:p>
+              <a:r>
+                <a:rPr lang="en-US" dirty="0">
+                  <a:solidFill>
+                    <a:schemeClr val="accent1"/>
+                  </a:solidFill>
+                </a:rPr>
+                <a:t>IRS BMF RAW</a:t>
+              </a:r>
+            </a:p>
+          </p:txBody>
+        </p:sp>
+        <p:sp>
+          <p:nvSpPr>
+            <p:cNvPr id="16" name="TextBox 15">
+              <a:extLst>
+                <a:ext uri="{FF2B5EF4-FFF2-40B4-BE49-F238E27FC236}">
+                  <a16:creationId xmlns:a16="http://schemas.microsoft.com/office/drawing/2014/main" id="{8E077970-14B3-356F-0FD8-8C248AF83C65}"/>
+                </a:ext>
+              </a:extLst>
+            </p:cNvPr>
+            <p:cNvSpPr txBox="1"/>
+            <p:nvPr/>
+          </p:nvSpPr>
+          <p:spPr>
+            <a:xfrm>
+              <a:off x="9945096" y="5007347"/>
+              <a:ext cx="2035814" cy="369332"/>
+            </a:xfrm>
+            <a:prstGeom prst="rect">
+              <a:avLst/>
+            </a:prstGeom>
+            <a:noFill/>
+          </p:spPr>
+          <p:txBody>
+            <a:bodyPr wrap="none" rtlCol="0">
+              <a:spAutoFit/>
+            </a:bodyPr>
+            <a:lstStyle/>
+            <a:p>
+              <a:r>
+                <a:rPr lang="en-US" dirty="0">
+                  <a:solidFill>
+                    <a:schemeClr val="accent1"/>
+                  </a:solidFill>
+                </a:rPr>
+                <a:t>NEW SOI EXTRACT</a:t>
+              </a:r>
+            </a:p>
+          </p:txBody>
+        </p:sp>
+        <p:cxnSp>
+          <p:nvCxnSpPr>
+            <p:cNvPr id="21" name="Straight Arrow Connector 20">
+              <a:extLst>
+                <a:ext uri="{FF2B5EF4-FFF2-40B4-BE49-F238E27FC236}">
+                  <a16:creationId xmlns:a16="http://schemas.microsoft.com/office/drawing/2014/main" id="{3AFCC7B5-0027-2898-97D6-4F0B5506834B}"/>
+                </a:ext>
+              </a:extLst>
+            </p:cNvPr>
+            <p:cNvCxnSpPr>
+              <a:cxnSpLocks/>
+              <a:stCxn id="11" idx="3"/>
+              <a:endCxn id="12" idx="1"/>
+            </p:cNvCxnSpPr>
+            <p:nvPr/>
+          </p:nvCxnSpPr>
+          <p:spPr>
+            <a:xfrm>
+              <a:off x="3893521" y="2190286"/>
+              <a:ext cx="695915" cy="0"/>
+            </a:xfrm>
+            <a:prstGeom prst="straightConnector1">
+              <a:avLst/>
+            </a:prstGeom>
+            <a:ln w="28575">
+              <a:solidFill>
+                <a:schemeClr val="accent2">
+                  <a:lumMod val="75000"/>
+                </a:schemeClr>
+              </a:solidFill>
+              <a:tailEnd type="triangle" w="lg" len="med"/>
+            </a:ln>
+          </p:spPr>
+          <p:style>
+            <a:lnRef idx="2">
+              <a:schemeClr val="accent1"/>
+            </a:lnRef>
+            <a:fillRef idx="0">
+              <a:schemeClr val="accent1"/>
+            </a:fillRef>
+            <a:effectRef idx="1">
+              <a:schemeClr val="accent1"/>
+            </a:effectRef>
+            <a:fontRef idx="minor">
+              <a:schemeClr val="tx1"/>
+            </a:fontRef>
+          </p:style>
+        </p:cxnSp>
+        <p:cxnSp>
+          <p:nvCxnSpPr>
+            <p:cNvPr id="26" name="Straight Arrow Connector 25">
+              <a:extLst>
+                <a:ext uri="{FF2B5EF4-FFF2-40B4-BE49-F238E27FC236}">
+                  <a16:creationId xmlns:a16="http://schemas.microsoft.com/office/drawing/2014/main" id="{102D8FF1-2045-CF7D-4EA1-5F0EE3D480B2}"/>
+                </a:ext>
+              </a:extLst>
+            </p:cNvPr>
+            <p:cNvCxnSpPr>
+              <a:cxnSpLocks/>
+              <a:stCxn id="5" idx="1"/>
+              <a:endCxn id="12" idx="3"/>
+            </p:cNvCxnSpPr>
+            <p:nvPr/>
+          </p:nvCxnSpPr>
+          <p:spPr>
+            <a:xfrm flipH="1">
+              <a:off x="5945481" y="2190286"/>
+              <a:ext cx="1191008" cy="0"/>
+            </a:xfrm>
+            <a:prstGeom prst="straightConnector1">
+              <a:avLst/>
+            </a:prstGeom>
+            <a:ln w="28575">
+              <a:solidFill>
+                <a:schemeClr val="tx1">
+                  <a:lumMod val="50000"/>
+                  <a:lumOff val="50000"/>
+                </a:schemeClr>
+              </a:solidFill>
+              <a:tailEnd type="triangle" w="lg" len="med"/>
+            </a:ln>
+          </p:spPr>
+          <p:style>
+            <a:lnRef idx="2">
+              <a:schemeClr val="accent1"/>
+            </a:lnRef>
+            <a:fillRef idx="0">
+              <a:schemeClr val="accent1"/>
+            </a:fillRef>
+            <a:effectRef idx="1">
+              <a:schemeClr val="accent1"/>
+            </a:effectRef>
+            <a:fontRef idx="minor">
+              <a:schemeClr val="tx1"/>
+            </a:fontRef>
+          </p:style>
+        </p:cxnSp>
+        <p:cxnSp>
+          <p:nvCxnSpPr>
+            <p:cNvPr id="33" name="Straight Arrow Connector 32">
+              <a:extLst>
+                <a:ext uri="{FF2B5EF4-FFF2-40B4-BE49-F238E27FC236}">
+                  <a16:creationId xmlns:a16="http://schemas.microsoft.com/office/drawing/2014/main" id="{FCE0819B-DE29-F818-B220-AC959B5E2B4B}"/>
+                </a:ext>
+              </a:extLst>
+            </p:cNvPr>
+            <p:cNvCxnSpPr>
+              <a:cxnSpLocks/>
+              <a:stCxn id="12" idx="2"/>
+              <a:endCxn id="13" idx="0"/>
+            </p:cNvCxnSpPr>
+            <p:nvPr/>
+          </p:nvCxnSpPr>
+          <p:spPr>
+            <a:xfrm flipH="1">
+              <a:off x="5263245" y="2651951"/>
+              <a:ext cx="4214" cy="1461507"/>
+            </a:xfrm>
+            <a:prstGeom prst="straightConnector1">
+              <a:avLst/>
+            </a:prstGeom>
+            <a:ln w="28575">
+              <a:solidFill>
+                <a:schemeClr val="accent2">
+                  <a:lumMod val="75000"/>
+                </a:schemeClr>
+              </a:solidFill>
+              <a:tailEnd type="triangle" w="lg" len="med"/>
+            </a:ln>
+          </p:spPr>
+          <p:style>
+            <a:lnRef idx="2">
+              <a:schemeClr val="accent1"/>
+            </a:lnRef>
+            <a:fillRef idx="0">
+              <a:schemeClr val="accent1"/>
+            </a:fillRef>
+            <a:effectRef idx="1">
+              <a:schemeClr val="accent1"/>
+            </a:effectRef>
+            <a:fontRef idx="minor">
+              <a:schemeClr val="tx1"/>
+            </a:fontRef>
+          </p:style>
+        </p:cxnSp>
+        <p:cxnSp>
+          <p:nvCxnSpPr>
+            <p:cNvPr id="37" name="Straight Arrow Connector 36">
+              <a:extLst>
+                <a:ext uri="{FF2B5EF4-FFF2-40B4-BE49-F238E27FC236}">
+                  <a16:creationId xmlns:a16="http://schemas.microsoft.com/office/drawing/2014/main" id="{EFD1677C-D42D-45E9-FBC4-85433C5C6F38}"/>
+                </a:ext>
+              </a:extLst>
+            </p:cNvPr>
+            <p:cNvCxnSpPr>
+              <a:cxnSpLocks/>
+              <a:stCxn id="14" idx="1"/>
+              <a:endCxn id="13" idx="3"/>
+            </p:cNvCxnSpPr>
+            <p:nvPr/>
+          </p:nvCxnSpPr>
+          <p:spPr>
+            <a:xfrm flipH="1" flipV="1">
+              <a:off x="5958650" y="4298124"/>
+              <a:ext cx="1572628" cy="893889"/>
+            </a:xfrm>
+            <a:prstGeom prst="straightConnector1">
+              <a:avLst/>
+            </a:prstGeom>
+            <a:ln w="28575">
+              <a:solidFill>
+                <a:schemeClr val="tx1">
+                  <a:lumMod val="50000"/>
+                  <a:lumOff val="50000"/>
+                </a:schemeClr>
+              </a:solidFill>
+              <a:tailEnd type="triangle" w="lg" len="med"/>
+            </a:ln>
+          </p:spPr>
+          <p:style>
+            <a:lnRef idx="2">
+              <a:schemeClr val="accent1"/>
+            </a:lnRef>
+            <a:fillRef idx="0">
+              <a:schemeClr val="accent1"/>
+            </a:fillRef>
+            <a:effectRef idx="1">
+              <a:schemeClr val="accent1"/>
+            </a:effectRef>
+            <a:fontRef idx="minor">
+              <a:schemeClr val="tx1"/>
+            </a:fontRef>
+          </p:style>
+        </p:cxnSp>
+        <p:cxnSp>
+          <p:nvCxnSpPr>
+            <p:cNvPr id="41" name="Straight Arrow Connector 40">
+              <a:extLst>
+                <a:ext uri="{FF2B5EF4-FFF2-40B4-BE49-F238E27FC236}">
+                  <a16:creationId xmlns:a16="http://schemas.microsoft.com/office/drawing/2014/main" id="{990CB080-294C-66C8-E492-EFC0B41E0EEE}"/>
+                </a:ext>
+              </a:extLst>
+            </p:cNvPr>
+            <p:cNvCxnSpPr>
+              <a:cxnSpLocks/>
+              <a:stCxn id="16" idx="1"/>
+              <a:endCxn id="14" idx="3"/>
+            </p:cNvCxnSpPr>
+            <p:nvPr/>
+          </p:nvCxnSpPr>
+          <p:spPr>
+            <a:xfrm flipH="1">
+              <a:off x="9567091" y="5192013"/>
+              <a:ext cx="378005" cy="0"/>
+            </a:xfrm>
+            <a:prstGeom prst="straightConnector1">
+              <a:avLst/>
+            </a:prstGeom>
+            <a:ln w="28575">
+              <a:tailEnd type="triangle" w="lg" len="med"/>
+            </a:ln>
+          </p:spPr>
+          <p:style>
+            <a:lnRef idx="2">
+              <a:schemeClr val="accent1"/>
+            </a:lnRef>
+            <a:fillRef idx="0">
+              <a:schemeClr val="accent1"/>
+            </a:fillRef>
+            <a:effectRef idx="1">
+              <a:schemeClr val="accent1"/>
+            </a:effectRef>
+            <a:fontRef idx="minor">
+              <a:schemeClr val="tx1"/>
+            </a:fontRef>
+          </p:style>
+        </p:cxnSp>
+        <p:sp>
+          <p:nvSpPr>
+            <p:cNvPr id="57" name="TextBox 56">
+              <a:extLst>
+                <a:ext uri="{FF2B5EF4-FFF2-40B4-BE49-F238E27FC236}">
+                  <a16:creationId xmlns:a16="http://schemas.microsoft.com/office/drawing/2014/main" id="{6724230F-9FAB-EEBB-1AD7-48D1FD009F74}"/>
+                </a:ext>
+              </a:extLst>
+            </p:cNvPr>
+            <p:cNvSpPr txBox="1"/>
+            <p:nvPr/>
+          </p:nvSpPr>
+          <p:spPr>
+            <a:xfrm>
+              <a:off x="8321469" y="3217934"/>
+              <a:ext cx="1664878" cy="369332"/>
+            </a:xfrm>
+            <a:prstGeom prst="rect">
+              <a:avLst/>
+            </a:prstGeom>
+            <a:noFill/>
+          </p:spPr>
+          <p:txBody>
+            <a:bodyPr wrap="square">
+              <a:spAutoFit/>
+            </a:bodyPr>
+            <a:lstStyle/>
+            <a:p>
+              <a:pPr algn="ctr"/>
+              <a:r>
+                <a:rPr lang="en-US" dirty="0">
+                  <a:solidFill>
+                    <a:schemeClr val="tx1">
+                      <a:lumMod val="50000"/>
+                      <a:lumOff val="50000"/>
+                    </a:schemeClr>
+                  </a:solidFill>
+                </a:rPr>
+                <a:t>CORE PANEL</a:t>
+              </a:r>
+            </a:p>
+          </p:txBody>
+        </p:sp>
+        <p:cxnSp>
+          <p:nvCxnSpPr>
+            <p:cNvPr id="72" name="Straight Arrow Connector 71">
+              <a:extLst>
+                <a:ext uri="{FF2B5EF4-FFF2-40B4-BE49-F238E27FC236}">
+                  <a16:creationId xmlns:a16="http://schemas.microsoft.com/office/drawing/2014/main" id="{5374FC16-58AA-84C5-69F1-0459225DDB37}"/>
+                </a:ext>
+              </a:extLst>
+            </p:cNvPr>
+            <p:cNvCxnSpPr>
+              <a:cxnSpLocks/>
+              <a:stCxn id="57" idx="1"/>
+              <a:endCxn id="89" idx="3"/>
+            </p:cNvCxnSpPr>
+            <p:nvPr/>
+          </p:nvCxnSpPr>
+          <p:spPr>
+            <a:xfrm flipH="1" flipV="1">
+              <a:off x="7153273" y="3400287"/>
+              <a:ext cx="1168196" cy="2313"/>
+            </a:xfrm>
+            <a:prstGeom prst="straightConnector1">
+              <a:avLst/>
+            </a:prstGeom>
+            <a:ln w="28575">
+              <a:solidFill>
+                <a:schemeClr val="tx1">
+                  <a:lumMod val="50000"/>
+                  <a:lumOff val="50000"/>
+                </a:schemeClr>
+              </a:solidFill>
+              <a:tailEnd type="triangle" w="lg" len="med"/>
+            </a:ln>
+          </p:spPr>
+          <p:style>
+            <a:lnRef idx="2">
+              <a:schemeClr val="accent1"/>
+            </a:lnRef>
+            <a:fillRef idx="0">
+              <a:schemeClr val="accent1"/>
+            </a:fillRef>
+            <a:effectRef idx="1">
+              <a:schemeClr val="accent1"/>
+            </a:effectRef>
+            <a:fontRef idx="minor">
+              <a:schemeClr val="tx1"/>
+            </a:fontRef>
+          </p:style>
+        </p:cxnSp>
+        <p:sp>
+          <p:nvSpPr>
+            <p:cNvPr id="77" name="TextBox 76">
+              <a:extLst>
+                <a:ext uri="{FF2B5EF4-FFF2-40B4-BE49-F238E27FC236}">
+                  <a16:creationId xmlns:a16="http://schemas.microsoft.com/office/drawing/2014/main" id="{CAFEA27A-0E2A-97AE-8EA9-46D4BBC6FAA7}"/>
+                </a:ext>
+              </a:extLst>
+            </p:cNvPr>
+            <p:cNvSpPr txBox="1"/>
+            <p:nvPr/>
+          </p:nvSpPr>
+          <p:spPr>
+            <a:xfrm>
+              <a:off x="7467126" y="2612382"/>
+              <a:ext cx="1727238" cy="646331"/>
+            </a:xfrm>
+            <a:prstGeom prst="rect">
+              <a:avLst/>
+            </a:prstGeom>
+            <a:noFill/>
+          </p:spPr>
+          <p:txBody>
+            <a:bodyPr wrap="square" rtlCol="0">
+              <a:spAutoFit/>
+            </a:bodyPr>
+            <a:lstStyle/>
+            <a:p>
+              <a:r>
+                <a:rPr lang="en-US" sz="1200" dirty="0">
+                  <a:solidFill>
+                    <a:schemeClr val="tx1">
+                      <a:lumMod val="50000"/>
+                      <a:lumOff val="50000"/>
+                    </a:schemeClr>
+                  </a:solidFill>
+                  <a:latin typeface="Aptos Light" panose="020B0004020202020204" pitchFamily="34" charset="0"/>
+                </a:rPr>
+                <a:t>990_CORE_FIRST</a:t>
+              </a:r>
+            </a:p>
+            <a:p>
+              <a:r>
+                <a:rPr lang="en-US" sz="1200" dirty="0">
+                  <a:solidFill>
+                    <a:schemeClr val="tx1">
+                      <a:lumMod val="50000"/>
+                      <a:lumOff val="50000"/>
+                    </a:schemeClr>
+                  </a:solidFill>
+                  <a:latin typeface="Aptos Light" panose="020B0004020202020204" pitchFamily="34" charset="0"/>
+                </a:rPr>
+                <a:t>990_CORE_LAST</a:t>
+              </a:r>
+            </a:p>
+            <a:p>
+              <a:r>
+                <a:rPr lang="en-US" sz="1200" dirty="0">
+                  <a:solidFill>
+                    <a:schemeClr val="tx1">
+                      <a:lumMod val="50000"/>
+                      <a:lumOff val="50000"/>
+                    </a:schemeClr>
+                  </a:solidFill>
+                  <a:latin typeface="Aptos Light" panose="020B0004020202020204" pitchFamily="34" charset="0"/>
+                </a:rPr>
+                <a:t>YEAR_CLOSED</a:t>
+              </a:r>
+            </a:p>
+          </p:txBody>
+        </p:sp>
+        <p:sp>
+          <p:nvSpPr>
+            <p:cNvPr id="78" name="TextBox 77">
+              <a:extLst>
+                <a:ext uri="{FF2B5EF4-FFF2-40B4-BE49-F238E27FC236}">
+                  <a16:creationId xmlns:a16="http://schemas.microsoft.com/office/drawing/2014/main" id="{2277BFD4-93CD-7C7F-788E-FD89A0E464CB}"/>
+                </a:ext>
+              </a:extLst>
+            </p:cNvPr>
+            <p:cNvSpPr txBox="1"/>
+            <p:nvPr/>
+          </p:nvSpPr>
+          <p:spPr>
+            <a:xfrm>
+              <a:off x="973559" y="4873698"/>
+              <a:ext cx="1665264" cy="369332"/>
+            </a:xfrm>
+            <a:prstGeom prst="rect">
+              <a:avLst/>
+            </a:prstGeom>
+            <a:noFill/>
+          </p:spPr>
+          <p:txBody>
+            <a:bodyPr wrap="none" rtlCol="0">
+              <a:spAutoFit/>
+            </a:bodyPr>
+            <a:lstStyle/>
+            <a:p>
+              <a:r>
+                <a:rPr lang="en-US" dirty="0">
+                  <a:solidFill>
+                    <a:schemeClr val="accent1"/>
+                  </a:solidFill>
+                </a:rPr>
+                <a:t>REVOCATIONS</a:t>
+              </a:r>
+            </a:p>
+          </p:txBody>
+        </p:sp>
+        <p:sp>
+          <p:nvSpPr>
+            <p:cNvPr id="79" name="TextBox 78">
+              <a:extLst>
+                <a:ext uri="{FF2B5EF4-FFF2-40B4-BE49-F238E27FC236}">
+                  <a16:creationId xmlns:a16="http://schemas.microsoft.com/office/drawing/2014/main" id="{79ADB65F-58AC-D4B3-9CC7-E00C01E674F3}"/>
+                </a:ext>
+              </a:extLst>
+            </p:cNvPr>
+            <p:cNvSpPr txBox="1"/>
+            <p:nvPr/>
+          </p:nvSpPr>
+          <p:spPr>
+            <a:xfrm>
+              <a:off x="1422047" y="5927616"/>
+              <a:ext cx="2049728" cy="369332"/>
+            </a:xfrm>
+            <a:prstGeom prst="rect">
+              <a:avLst/>
+            </a:prstGeom>
+            <a:noFill/>
+          </p:spPr>
+          <p:txBody>
+            <a:bodyPr wrap="none" rtlCol="0">
+              <a:spAutoFit/>
+            </a:bodyPr>
+            <a:lstStyle/>
+            <a:p>
+              <a:r>
+                <a:rPr lang="en-US" dirty="0">
+                  <a:solidFill>
+                    <a:schemeClr val="accent1"/>
+                  </a:solidFill>
+                </a:rPr>
+                <a:t>POSTCARD FILERS</a:t>
+              </a:r>
+            </a:p>
+          </p:txBody>
+        </p:sp>
+        <p:cxnSp>
+          <p:nvCxnSpPr>
+            <p:cNvPr id="80" name="Straight Arrow Connector 79">
+              <a:extLst>
+                <a:ext uri="{FF2B5EF4-FFF2-40B4-BE49-F238E27FC236}">
+                  <a16:creationId xmlns:a16="http://schemas.microsoft.com/office/drawing/2014/main" id="{93A43F20-7A7B-4532-AA88-4EFF311446DA}"/>
+                </a:ext>
+              </a:extLst>
+            </p:cNvPr>
+            <p:cNvCxnSpPr>
+              <a:cxnSpLocks/>
+              <a:stCxn id="78" idx="3"/>
+              <a:endCxn id="13" idx="1"/>
+            </p:cNvCxnSpPr>
+            <p:nvPr/>
+          </p:nvCxnSpPr>
+          <p:spPr>
+            <a:xfrm flipV="1">
+              <a:off x="2638823" y="4298124"/>
+              <a:ext cx="1929017" cy="760240"/>
+            </a:xfrm>
+            <a:prstGeom prst="straightConnector1">
+              <a:avLst/>
+            </a:prstGeom>
+            <a:ln w="28575">
+              <a:tailEnd type="triangle" w="lg" len="med"/>
+            </a:ln>
+          </p:spPr>
+          <p:style>
+            <a:lnRef idx="2">
+              <a:schemeClr val="accent1"/>
+            </a:lnRef>
+            <a:fillRef idx="0">
+              <a:schemeClr val="accent1"/>
+            </a:fillRef>
+            <a:effectRef idx="1">
+              <a:schemeClr val="accent1"/>
+            </a:effectRef>
+            <a:fontRef idx="minor">
+              <a:schemeClr val="tx1"/>
+            </a:fontRef>
+          </p:style>
+        </p:cxnSp>
+        <p:cxnSp>
+          <p:nvCxnSpPr>
+            <p:cNvPr id="81" name="Straight Arrow Connector 80">
+              <a:extLst>
+                <a:ext uri="{FF2B5EF4-FFF2-40B4-BE49-F238E27FC236}">
+                  <a16:creationId xmlns:a16="http://schemas.microsoft.com/office/drawing/2014/main" id="{606B5663-1912-93CC-13BB-07F7110A73C7}"/>
+                </a:ext>
+              </a:extLst>
+            </p:cNvPr>
+            <p:cNvCxnSpPr>
+              <a:cxnSpLocks/>
+              <a:stCxn id="79" idx="3"/>
+              <a:endCxn id="13" idx="1"/>
+            </p:cNvCxnSpPr>
+            <p:nvPr/>
+          </p:nvCxnSpPr>
+          <p:spPr>
+            <a:xfrm flipV="1">
+              <a:off x="3471775" y="4298124"/>
+              <a:ext cx="1096065" cy="1814158"/>
+            </a:xfrm>
+            <a:prstGeom prst="straightConnector1">
+              <a:avLst/>
+            </a:prstGeom>
+            <a:ln w="28575">
+              <a:tailEnd type="triangle" w="lg" len="med"/>
+            </a:ln>
+          </p:spPr>
+          <p:style>
+            <a:lnRef idx="2">
+              <a:schemeClr val="accent1"/>
+            </a:lnRef>
+            <a:fillRef idx="0">
+              <a:schemeClr val="accent1"/>
+            </a:fillRef>
+            <a:effectRef idx="1">
+              <a:schemeClr val="accent1"/>
+            </a:effectRef>
+            <a:fontRef idx="minor">
+              <a:schemeClr val="tx1"/>
+            </a:fontRef>
+          </p:style>
+        </p:cxnSp>
+        <p:sp>
+          <p:nvSpPr>
+            <p:cNvPr id="86" name="TextBox 85">
+              <a:extLst>
+                <a:ext uri="{FF2B5EF4-FFF2-40B4-BE49-F238E27FC236}">
+                  <a16:creationId xmlns:a16="http://schemas.microsoft.com/office/drawing/2014/main" id="{5AD81BE9-0CE7-4AED-F970-9157060BCBEB}"/>
+                </a:ext>
+              </a:extLst>
+            </p:cNvPr>
+            <p:cNvSpPr txBox="1"/>
+            <p:nvPr/>
+          </p:nvSpPr>
+          <p:spPr>
+            <a:xfrm>
+              <a:off x="2348866" y="5199713"/>
+              <a:ext cx="1727238" cy="646331"/>
+            </a:xfrm>
+            <a:prstGeom prst="rect">
+              <a:avLst/>
+            </a:prstGeom>
+            <a:noFill/>
+          </p:spPr>
+          <p:txBody>
+            <a:bodyPr wrap="square" rtlCol="0">
+              <a:spAutoFit/>
+            </a:bodyPr>
+            <a:lstStyle/>
+            <a:p>
+              <a:r>
+                <a:rPr lang="en-US" sz="1200" dirty="0">
+                  <a:solidFill>
+                    <a:schemeClr val="tx1">
+                      <a:lumMod val="50000"/>
+                      <a:lumOff val="50000"/>
+                    </a:schemeClr>
+                  </a:solidFill>
+                  <a:latin typeface="Aptos Light" panose="020B0004020202020204" pitchFamily="34" charset="0"/>
+                </a:rPr>
+                <a:t>FILING TYPE</a:t>
+              </a:r>
+            </a:p>
+            <a:p>
+              <a:r>
+                <a:rPr lang="en-US" sz="1200" dirty="0">
+                  <a:solidFill>
+                    <a:schemeClr val="tx1">
+                      <a:lumMod val="50000"/>
+                      <a:lumOff val="50000"/>
+                    </a:schemeClr>
+                  </a:solidFill>
+                  <a:latin typeface="Aptos Light" panose="020B0004020202020204" pitchFamily="34" charset="0"/>
+                </a:rPr>
+                <a:t>ACTIVITY_STATUS</a:t>
+              </a:r>
+            </a:p>
+            <a:p>
+              <a:r>
+                <a:rPr lang="en-US" sz="1200" dirty="0">
+                  <a:solidFill>
+                    <a:schemeClr val="tx1">
+                      <a:lumMod val="50000"/>
+                      <a:lumOff val="50000"/>
+                    </a:schemeClr>
+                  </a:solidFill>
+                  <a:latin typeface="Aptos Light" panose="020B0004020202020204" pitchFamily="34" charset="0"/>
+                </a:rPr>
+                <a:t>CLOSE_YEAR</a:t>
+              </a:r>
+            </a:p>
+          </p:txBody>
+        </p:sp>
+        <p:sp>
+          <p:nvSpPr>
+            <p:cNvPr id="89" name="TextBox 88">
+              <a:extLst>
+                <a:ext uri="{FF2B5EF4-FFF2-40B4-BE49-F238E27FC236}">
+                  <a16:creationId xmlns:a16="http://schemas.microsoft.com/office/drawing/2014/main" id="{EBFF6943-470E-74E6-373C-4DF858BB088B}"/>
+                </a:ext>
+              </a:extLst>
+            </p:cNvPr>
+            <p:cNvSpPr txBox="1"/>
+            <p:nvPr/>
+          </p:nvSpPr>
+          <p:spPr>
+            <a:xfrm>
+              <a:off x="6172983" y="3077121"/>
+              <a:ext cx="980290" cy="646331"/>
+            </a:xfrm>
+            <a:prstGeom prst="rect">
+              <a:avLst/>
+            </a:prstGeom>
+            <a:noFill/>
+          </p:spPr>
+          <p:txBody>
+            <a:bodyPr wrap="square">
+              <a:spAutoFit/>
+            </a:bodyPr>
+            <a:lstStyle/>
+            <a:p>
+              <a:pPr algn="ctr"/>
+              <a:r>
+                <a:rPr lang="en-US" dirty="0">
+                  <a:solidFill>
+                    <a:schemeClr val="accent2"/>
+                  </a:solidFill>
+                </a:rPr>
+                <a:t>LIFE</a:t>
+              </a:r>
+              <a:br>
+                <a:rPr lang="en-US" dirty="0">
+                  <a:solidFill>
+                    <a:schemeClr val="accent2"/>
+                  </a:solidFill>
+                </a:rPr>
+              </a:br>
+              <a:r>
+                <a:rPr lang="en-US" dirty="0">
+                  <a:solidFill>
+                    <a:schemeClr val="accent2"/>
+                  </a:solidFill>
+                </a:rPr>
+                <a:t>TABLE</a:t>
+              </a:r>
+            </a:p>
+          </p:txBody>
+        </p:sp>
+        <p:cxnSp>
+          <p:nvCxnSpPr>
+            <p:cNvPr id="95" name="Straight Arrow Connector 94">
+              <a:extLst>
+                <a:ext uri="{FF2B5EF4-FFF2-40B4-BE49-F238E27FC236}">
+                  <a16:creationId xmlns:a16="http://schemas.microsoft.com/office/drawing/2014/main" id="{B36105B3-F577-8F17-796D-89A1A81B8AC2}"/>
+                </a:ext>
+              </a:extLst>
+            </p:cNvPr>
+            <p:cNvCxnSpPr>
+              <a:cxnSpLocks/>
+              <a:stCxn id="89" idx="1"/>
+            </p:cNvCxnSpPr>
+            <p:nvPr/>
+          </p:nvCxnSpPr>
+          <p:spPr>
+            <a:xfrm flipH="1">
+              <a:off x="5373667" y="3400287"/>
+              <a:ext cx="799316" cy="687132"/>
+            </a:xfrm>
+            <a:prstGeom prst="straightConnector1">
+              <a:avLst/>
+            </a:prstGeom>
+            <a:ln w="28575">
+              <a:solidFill>
+                <a:schemeClr val="accent2">
+                  <a:lumMod val="75000"/>
+                </a:schemeClr>
+              </a:solidFill>
+              <a:tailEnd type="triangle" w="lg" len="med"/>
+            </a:ln>
+          </p:spPr>
+          <p:style>
+            <a:lnRef idx="2">
+              <a:schemeClr val="accent1"/>
+            </a:lnRef>
+            <a:fillRef idx="0">
+              <a:schemeClr val="accent1"/>
+            </a:fillRef>
+            <a:effectRef idx="1">
+              <a:schemeClr val="accent1"/>
+            </a:effectRef>
+            <a:fontRef idx="minor">
+              <a:schemeClr val="tx1"/>
+            </a:fontRef>
+          </p:style>
+        </p:cxnSp>
+        <p:sp>
+          <p:nvSpPr>
+            <p:cNvPr id="105" name="TextBox 104">
+              <a:extLst>
+                <a:ext uri="{FF2B5EF4-FFF2-40B4-BE49-F238E27FC236}">
+                  <a16:creationId xmlns:a16="http://schemas.microsoft.com/office/drawing/2014/main" id="{8E6BC14E-D028-B251-A765-BA43FA9EE74A}"/>
+                </a:ext>
+              </a:extLst>
+            </p:cNvPr>
+            <p:cNvSpPr txBox="1"/>
+            <p:nvPr/>
+          </p:nvSpPr>
+          <p:spPr>
+            <a:xfrm>
+              <a:off x="1270398" y="2413207"/>
+              <a:ext cx="1727238" cy="1200329"/>
+            </a:xfrm>
+            <a:prstGeom prst="rect">
+              <a:avLst/>
+            </a:prstGeom>
+            <a:noFill/>
+          </p:spPr>
+          <p:txBody>
+            <a:bodyPr wrap="square" rtlCol="0">
+              <a:spAutoFit/>
+            </a:bodyPr>
+            <a:lstStyle/>
+            <a:p>
+              <a:r>
+                <a:rPr lang="en-US" sz="1200" dirty="0">
+                  <a:solidFill>
+                    <a:schemeClr val="tx1">
+                      <a:lumMod val="50000"/>
+                      <a:lumOff val="50000"/>
+                    </a:schemeClr>
+                  </a:solidFill>
+                  <a:latin typeface="Aptos Light" panose="020B0004020202020204" pitchFamily="34" charset="0"/>
+                </a:rPr>
+                <a:t>501c Type</a:t>
+              </a:r>
+            </a:p>
+            <a:p>
+              <a:r>
+                <a:rPr lang="en-US" sz="1200" dirty="0">
+                  <a:solidFill>
+                    <a:schemeClr val="tx1">
+                      <a:lumMod val="50000"/>
+                      <a:lumOff val="50000"/>
+                    </a:schemeClr>
+                  </a:solidFill>
+                  <a:latin typeface="Aptos Light" panose="020B0004020202020204" pitchFamily="34" charset="0"/>
+                </a:rPr>
+                <a:t>Corporate Type</a:t>
+              </a:r>
+            </a:p>
+            <a:p>
+              <a:r>
+                <a:rPr lang="en-US" sz="1200" dirty="0">
+                  <a:solidFill>
+                    <a:schemeClr val="tx1">
+                      <a:lumMod val="50000"/>
+                      <a:lumOff val="50000"/>
+                    </a:schemeClr>
+                  </a:solidFill>
+                  <a:latin typeface="Aptos Light" panose="020B0004020202020204" pitchFamily="34" charset="0"/>
+                </a:rPr>
+                <a:t>Fiscal Year Period</a:t>
+              </a:r>
+            </a:p>
+            <a:p>
+              <a:r>
+                <a:rPr lang="en-US" sz="1200" dirty="0">
+                  <a:solidFill>
+                    <a:schemeClr val="tx1">
+                      <a:lumMod val="50000"/>
+                      <a:lumOff val="50000"/>
+                    </a:schemeClr>
+                  </a:solidFill>
+                  <a:latin typeface="Aptos Light" panose="020B0004020202020204" pitchFamily="34" charset="0"/>
+                </a:rPr>
+                <a:t>Group Info</a:t>
+              </a:r>
+            </a:p>
+            <a:p>
+              <a:r>
+                <a:rPr lang="en-US" sz="1200" dirty="0">
+                  <a:solidFill>
+                    <a:schemeClr val="tx1">
+                      <a:lumMod val="50000"/>
+                      <a:lumOff val="50000"/>
+                    </a:schemeClr>
+                  </a:solidFill>
+                  <a:latin typeface="Aptos Light" panose="020B0004020202020204" pitchFamily="34" charset="0"/>
+                </a:rPr>
+                <a:t>FILING_TYPE</a:t>
+              </a:r>
+            </a:p>
+            <a:p>
+              <a:r>
+                <a:rPr lang="en-US" sz="1200" dirty="0">
+                  <a:solidFill>
+                    <a:schemeClr val="tx1">
+                      <a:lumMod val="50000"/>
+                      <a:lumOff val="50000"/>
+                    </a:schemeClr>
+                  </a:solidFill>
+                  <a:latin typeface="Aptos Light" panose="020B0004020202020204" pitchFamily="34" charset="0"/>
+                </a:rPr>
+                <a:t>ACTIVITY_STATUS </a:t>
+              </a:r>
+            </a:p>
+          </p:txBody>
+        </p:sp>
+        <p:sp>
+          <p:nvSpPr>
+            <p:cNvPr id="106" name="TextBox 105">
+              <a:extLst>
+                <a:ext uri="{FF2B5EF4-FFF2-40B4-BE49-F238E27FC236}">
+                  <a16:creationId xmlns:a16="http://schemas.microsoft.com/office/drawing/2014/main" id="{1BCC4640-6CB6-2010-83F8-BBFA6902C828}"/>
+                </a:ext>
+              </a:extLst>
+            </p:cNvPr>
+            <p:cNvSpPr txBox="1"/>
+            <p:nvPr/>
+          </p:nvSpPr>
+          <p:spPr>
+            <a:xfrm>
+              <a:off x="6775829" y="4315257"/>
+              <a:ext cx="1727238" cy="461665"/>
+            </a:xfrm>
+            <a:prstGeom prst="rect">
+              <a:avLst/>
+            </a:prstGeom>
+            <a:noFill/>
+          </p:spPr>
+          <p:txBody>
+            <a:bodyPr wrap="square" rtlCol="0">
+              <a:spAutoFit/>
+            </a:bodyPr>
+            <a:lstStyle/>
+            <a:p>
+              <a:r>
+                <a:rPr lang="en-US" sz="1200" dirty="0">
+                  <a:solidFill>
+                    <a:schemeClr val="tx1">
+                      <a:lumMod val="50000"/>
+                      <a:lumOff val="50000"/>
+                    </a:schemeClr>
+                  </a:solidFill>
+                  <a:latin typeface="Aptos Light" panose="020B0004020202020204" pitchFamily="34" charset="0"/>
+                </a:rPr>
+                <a:t>FILING TYPE</a:t>
+              </a:r>
+            </a:p>
+            <a:p>
+              <a:r>
+                <a:rPr lang="en-US" sz="1200" dirty="0">
+                  <a:solidFill>
+                    <a:schemeClr val="tx1">
+                      <a:lumMod val="50000"/>
+                      <a:lumOff val="50000"/>
+                    </a:schemeClr>
+                  </a:solidFill>
+                  <a:latin typeface="Aptos Light" panose="020B0004020202020204" pitchFamily="34" charset="0"/>
+                </a:rPr>
+                <a:t>ACTIVITY_STATUS</a:t>
+              </a:r>
+            </a:p>
+          </p:txBody>
+        </p:sp>
+        <p:sp>
+          <p:nvSpPr>
+            <p:cNvPr id="107" name="TextBox 106">
+              <a:extLst>
+                <a:ext uri="{FF2B5EF4-FFF2-40B4-BE49-F238E27FC236}">
+                  <a16:creationId xmlns:a16="http://schemas.microsoft.com/office/drawing/2014/main" id="{DA2929D3-E307-2B61-D753-2488049CF113}"/>
+                </a:ext>
+              </a:extLst>
+            </p:cNvPr>
+            <p:cNvSpPr txBox="1"/>
+            <p:nvPr/>
+          </p:nvSpPr>
+          <p:spPr>
+            <a:xfrm>
+              <a:off x="6274064" y="1391379"/>
+              <a:ext cx="1727238" cy="646331"/>
+            </a:xfrm>
+            <a:prstGeom prst="rect">
+              <a:avLst/>
+            </a:prstGeom>
+            <a:noFill/>
+          </p:spPr>
+          <p:txBody>
+            <a:bodyPr wrap="square" rtlCol="0">
+              <a:spAutoFit/>
+            </a:bodyPr>
+            <a:lstStyle/>
+            <a:p>
+              <a:r>
+                <a:rPr lang="en-US" sz="1200" dirty="0">
+                  <a:solidFill>
+                    <a:schemeClr val="tx1">
+                      <a:lumMod val="50000"/>
+                      <a:lumOff val="50000"/>
+                    </a:schemeClr>
+                  </a:solidFill>
+                  <a:latin typeface="Aptos Light" panose="020B0004020202020204" pitchFamily="34" charset="0"/>
+                </a:rPr>
+                <a:t>NTEE Codes</a:t>
+              </a:r>
+            </a:p>
+            <a:p>
+              <a:r>
+                <a:rPr lang="en-US" sz="1200" dirty="0">
+                  <a:solidFill>
+                    <a:schemeClr val="tx1">
+                      <a:lumMod val="50000"/>
+                      <a:lumOff val="50000"/>
+                    </a:schemeClr>
+                  </a:solidFill>
+                  <a:latin typeface="Aptos Light" panose="020B0004020202020204" pitchFamily="34" charset="0"/>
+                </a:rPr>
+                <a:t>Group Info</a:t>
+              </a:r>
+            </a:p>
+            <a:p>
+              <a:r>
+                <a:rPr lang="en-US" sz="1200" dirty="0">
+                  <a:solidFill>
+                    <a:schemeClr val="tx1">
+                      <a:lumMod val="50000"/>
+                      <a:lumOff val="50000"/>
+                    </a:schemeClr>
+                  </a:solidFill>
+                  <a:latin typeface="Aptos Light" panose="020B0004020202020204" pitchFamily="34" charset="0"/>
+                </a:rPr>
+                <a:t>RULEDATE (earliest)</a:t>
+              </a:r>
+            </a:p>
+          </p:txBody>
+        </p:sp>
+        <p:cxnSp>
+          <p:nvCxnSpPr>
+            <p:cNvPr id="110" name="Straight Arrow Connector 109">
+              <a:extLst>
+                <a:ext uri="{FF2B5EF4-FFF2-40B4-BE49-F238E27FC236}">
+                  <a16:creationId xmlns:a16="http://schemas.microsoft.com/office/drawing/2014/main" id="{AEB9DB2D-362E-63AA-43ED-E8C6176D16E2}"/>
+                </a:ext>
+              </a:extLst>
+            </p:cNvPr>
+            <p:cNvCxnSpPr>
+              <a:cxnSpLocks/>
+              <a:stCxn id="14" idx="0"/>
+              <a:endCxn id="57" idx="2"/>
+            </p:cNvCxnSpPr>
+            <p:nvPr/>
+          </p:nvCxnSpPr>
+          <p:spPr>
+            <a:xfrm flipV="1">
+              <a:off x="8549185" y="3587266"/>
+              <a:ext cx="604723" cy="1420081"/>
+            </a:xfrm>
+            <a:prstGeom prst="straightConnector1">
+              <a:avLst/>
+            </a:prstGeom>
+            <a:ln w="28575">
+              <a:solidFill>
+                <a:schemeClr val="tx1">
+                  <a:lumMod val="50000"/>
+                  <a:lumOff val="50000"/>
+                </a:schemeClr>
+              </a:solidFill>
+              <a:tailEnd type="triangle" w="lg" len="med"/>
+            </a:ln>
+          </p:spPr>
+          <p:style>
+            <a:lnRef idx="2">
+              <a:schemeClr val="accent1"/>
+            </a:lnRef>
+            <a:fillRef idx="0">
+              <a:schemeClr val="accent1"/>
+            </a:fillRef>
+            <a:effectRef idx="1">
+              <a:schemeClr val="accent1"/>
+            </a:effectRef>
+            <a:fontRef idx="minor">
+              <a:schemeClr val="tx1"/>
+            </a:fontRef>
+          </p:style>
+        </p:cxnSp>
+        <p:cxnSp>
+          <p:nvCxnSpPr>
+            <p:cNvPr id="126" name="Straight Arrow Connector 125">
+              <a:extLst>
+                <a:ext uri="{FF2B5EF4-FFF2-40B4-BE49-F238E27FC236}">
+                  <a16:creationId xmlns:a16="http://schemas.microsoft.com/office/drawing/2014/main" id="{E81A14F2-A9A3-7E01-8275-18F11AA33E21}"/>
+                </a:ext>
+              </a:extLst>
+            </p:cNvPr>
+            <p:cNvCxnSpPr>
+              <a:cxnSpLocks/>
+              <a:stCxn id="13" idx="2"/>
+              <a:endCxn id="130" idx="0"/>
+            </p:cNvCxnSpPr>
+            <p:nvPr/>
+          </p:nvCxnSpPr>
+          <p:spPr>
+            <a:xfrm>
+              <a:off x="5263245" y="4482790"/>
+              <a:ext cx="0" cy="1325812"/>
+            </a:xfrm>
+            <a:prstGeom prst="straightConnector1">
+              <a:avLst/>
+            </a:prstGeom>
+            <a:ln w="28575">
+              <a:solidFill>
+                <a:schemeClr val="tx1">
+                  <a:lumMod val="50000"/>
+                  <a:lumOff val="50000"/>
+                </a:schemeClr>
+              </a:solidFill>
+              <a:tailEnd type="triangle" w="lg" len="med"/>
+            </a:ln>
+          </p:spPr>
+          <p:style>
+            <a:lnRef idx="2">
+              <a:schemeClr val="accent1"/>
+            </a:lnRef>
+            <a:fillRef idx="0">
+              <a:schemeClr val="accent1"/>
+            </a:fillRef>
+            <a:effectRef idx="1">
+              <a:schemeClr val="accent1"/>
+            </a:effectRef>
+            <a:fontRef idx="minor">
+              <a:schemeClr val="tx1"/>
+            </a:fontRef>
+          </p:style>
+        </p:cxnSp>
+        <p:sp>
+          <p:nvSpPr>
+            <p:cNvPr id="130" name="TextBox 129">
+              <a:extLst>
+                <a:ext uri="{FF2B5EF4-FFF2-40B4-BE49-F238E27FC236}">
+                  <a16:creationId xmlns:a16="http://schemas.microsoft.com/office/drawing/2014/main" id="{FE12FF9F-7D51-82EA-2F07-EB3CC41592A9}"/>
+                </a:ext>
+              </a:extLst>
+            </p:cNvPr>
+            <p:cNvSpPr txBox="1"/>
+            <p:nvPr/>
+          </p:nvSpPr>
+          <p:spPr>
+            <a:xfrm>
+              <a:off x="4492580" y="5808602"/>
+              <a:ext cx="1541329" cy="369332"/>
+            </a:xfrm>
+            <a:prstGeom prst="rect">
+              <a:avLst/>
+            </a:prstGeom>
+            <a:noFill/>
+          </p:spPr>
+          <p:txBody>
+            <a:bodyPr wrap="square">
+              <a:spAutoFit/>
+            </a:bodyPr>
+            <a:lstStyle/>
+            <a:p>
+              <a:pPr algn="ctr"/>
+              <a:r>
+                <a:rPr lang="en-US" dirty="0">
+                  <a:solidFill>
+                    <a:schemeClr val="tx1">
+                      <a:lumMod val="50000"/>
+                      <a:lumOff val="50000"/>
+                    </a:schemeClr>
+                  </a:solidFill>
+                </a:rPr>
+                <a:t>UNIFIED BMF</a:t>
+              </a:r>
+            </a:p>
+          </p:txBody>
+        </p:sp>
+        <p:sp>
+          <p:nvSpPr>
+            <p:cNvPr id="138" name="TextBox 137">
+              <a:extLst>
+                <a:ext uri="{FF2B5EF4-FFF2-40B4-BE49-F238E27FC236}">
+                  <a16:creationId xmlns:a16="http://schemas.microsoft.com/office/drawing/2014/main" id="{E79C1844-87A6-D24F-FE81-0A1A4F76E445}"/>
+                </a:ext>
+              </a:extLst>
+            </p:cNvPr>
+            <p:cNvSpPr txBox="1"/>
+            <p:nvPr/>
+          </p:nvSpPr>
+          <p:spPr>
+            <a:xfrm>
+              <a:off x="4492580" y="1443670"/>
+              <a:ext cx="1727238" cy="276999"/>
+            </a:xfrm>
+            <a:prstGeom prst="rect">
+              <a:avLst/>
+            </a:prstGeom>
+            <a:noFill/>
+          </p:spPr>
+          <p:txBody>
+            <a:bodyPr wrap="square" rtlCol="0">
+              <a:spAutoFit/>
+            </a:bodyPr>
+            <a:lstStyle/>
+            <a:p>
+              <a:r>
+                <a:rPr lang="en-US" sz="1200" dirty="0">
+                  <a:solidFill>
+                    <a:schemeClr val="tx1">
+                      <a:lumMod val="50000"/>
+                      <a:lumOff val="50000"/>
+                    </a:schemeClr>
+                  </a:solidFill>
+                  <a:latin typeface="Aptos Light" panose="020B0004020202020204" pitchFamily="34" charset="0"/>
+                </a:rPr>
+                <a:t>(reconcile conflicts)</a:t>
+              </a:r>
+            </a:p>
+          </p:txBody>
+        </p:sp>
+        <p:sp>
+          <p:nvSpPr>
+            <p:cNvPr id="139" name="TextBox 138">
+              <a:extLst>
+                <a:ext uri="{FF2B5EF4-FFF2-40B4-BE49-F238E27FC236}">
+                  <a16:creationId xmlns:a16="http://schemas.microsoft.com/office/drawing/2014/main" id="{E88246C7-E610-37D3-AF86-EDA7FE79A11C}"/>
+                </a:ext>
+              </a:extLst>
+            </p:cNvPr>
+            <p:cNvSpPr txBox="1"/>
+            <p:nvPr/>
+          </p:nvSpPr>
+          <p:spPr>
+            <a:xfrm>
+              <a:off x="2487278" y="1422320"/>
+              <a:ext cx="1727238" cy="276999"/>
+            </a:xfrm>
+            <a:prstGeom prst="rect">
+              <a:avLst/>
+            </a:prstGeom>
+            <a:noFill/>
+          </p:spPr>
+          <p:txBody>
+            <a:bodyPr wrap="square" rtlCol="0">
+              <a:spAutoFit/>
+            </a:bodyPr>
+            <a:lstStyle/>
+            <a:p>
+              <a:r>
+                <a:rPr lang="en-US" sz="1200" dirty="0">
+                  <a:solidFill>
+                    <a:schemeClr val="tx1">
+                      <a:lumMod val="50000"/>
+                      <a:lumOff val="50000"/>
+                    </a:schemeClr>
+                  </a:solidFill>
+                  <a:latin typeface="Aptos Light" panose="020B0004020202020204" pitchFamily="34" charset="0"/>
+                </a:rPr>
+                <a:t>(identify changes)</a:t>
+              </a:r>
+            </a:p>
+          </p:txBody>
+        </p:sp>
+      </p:grpSp>
+    </p:spTree>
+    <p:extLst>
+      <p:ext uri="{BB962C8B-B14F-4D97-AF65-F5344CB8AC3E}">
+        <p14:creationId xmlns:p14="http://schemas.microsoft.com/office/powerpoint/2010/main" val="117112895"/>
+      </p:ext>
+    </p:extLst>
+  </p:cSld>
+  <p:clrMapOvr>
+    <a:masterClrMapping/>
+  </p:clrMapOvr>
+</p:sld>
+</file>
+
+<file path=ppt/slides/slide18.xml><?xml version="1.0" encoding="utf-8"?>
+<p:sld xmlns:a="http://schemas.openxmlformats.org/drawingml/2006/main" xmlns:r="http://schemas.openxmlformats.org/officeDocument/2006/relationships" xmlns:p="http://schemas.openxmlformats.org/presentationml/2006/main">
+  <p:cSld>
+    <p:spTree>
+      <p:nvGrpSpPr>
+        <p:cNvPr id="1" name=""/>
+        <p:cNvGrpSpPr/>
+        <p:nvPr/>
+      </p:nvGrpSpPr>
+      <p:grpSpPr>
+        <a:xfrm>
+          <a:off x="0" y="0"/>
+          <a:ext cx="0" cy="0"/>
+          <a:chOff x="0" y="0"/>
+          <a:chExt cx="0" cy="0"/>
+        </a:xfrm>
+      </p:grpSpPr>
+      <p:sp>
+        <p:nvSpPr>
+          <p:cNvPr id="2" name="TextBox 1">
+            <a:extLst>
+              <a:ext uri="{FF2B5EF4-FFF2-40B4-BE49-F238E27FC236}">
+                <a16:creationId xmlns:a16="http://schemas.microsoft.com/office/drawing/2014/main" id="{76C76AE2-7A59-742E-3499-B4A963B06545}"/>
+              </a:ext>
+            </a:extLst>
+          </p:cNvPr>
+          <p:cNvSpPr txBox="1"/>
+          <p:nvPr/>
+        </p:nvSpPr>
+        <p:spPr>
+          <a:xfrm>
+            <a:off x="1257667" y="653648"/>
+            <a:ext cx="6857518" cy="5509200"/>
+          </a:xfrm>
+          <a:prstGeom prst="rect">
+            <a:avLst/>
+          </a:prstGeom>
+          <a:noFill/>
+        </p:spPr>
+        <p:txBody>
+          <a:bodyPr wrap="none" rtlCol="0">
+            <a:spAutoFit/>
+          </a:bodyPr>
+          <a:lstStyle/>
+          <a:p>
+            <a:r>
+              <a:rPr lang="en-US" sz="4000" b="1" dirty="0">
+                <a:solidFill>
+                  <a:schemeClr val="accent2">
+                    <a:lumMod val="75000"/>
+                  </a:schemeClr>
+                </a:solidFill>
+                <a:latin typeface="Oswald" panose="00000500000000000000" pitchFamily="2" charset="0"/>
+              </a:rPr>
+              <a:t>LIFE TABLE</a:t>
+            </a:r>
+          </a:p>
+          <a:p>
+            <a:endParaRPr lang="en-US" sz="2400" b="1" dirty="0">
+              <a:solidFill>
+                <a:schemeClr val="accent1"/>
+              </a:solidFill>
+            </a:endParaRPr>
+          </a:p>
+          <a:p>
+            <a:pPr algn="l">
+              <a:buFont typeface="Arial" panose="020B0604020202020204" pitchFamily="34" charset="0"/>
+              <a:buChar char="•"/>
+            </a:pPr>
+            <a:r>
+              <a:rPr lang="en-US" sz="2400" b="0" i="0" dirty="0">
+                <a:solidFill>
+                  <a:schemeClr val="tx1">
+                    <a:lumMod val="65000"/>
+                    <a:lumOff val="35000"/>
+                  </a:schemeClr>
+                </a:solidFill>
+                <a:effectLst/>
+                <a:latin typeface="-apple-system"/>
+              </a:rPr>
+              <a:t> EIN</a:t>
+            </a:r>
+          </a:p>
+          <a:p>
+            <a:pPr algn="l">
+              <a:buFont typeface="Arial" panose="020B0604020202020204" pitchFamily="34" charset="0"/>
+              <a:buChar char="•"/>
+            </a:pPr>
+            <a:r>
+              <a:rPr lang="en-US" sz="2400" dirty="0">
+                <a:solidFill>
+                  <a:schemeClr val="tx1">
+                    <a:lumMod val="65000"/>
+                    <a:lumOff val="35000"/>
+                  </a:schemeClr>
+                </a:solidFill>
+                <a:latin typeface="-apple-system"/>
+              </a:rPr>
+              <a:t> 501C TYPE</a:t>
+            </a:r>
+          </a:p>
+          <a:p>
+            <a:pPr algn="l">
+              <a:buFont typeface="Arial" panose="020B0604020202020204" pitchFamily="34" charset="0"/>
+              <a:buChar char="•"/>
+            </a:pPr>
+            <a:r>
+              <a:rPr lang="en-US" sz="2400" b="0" i="0" dirty="0">
+                <a:solidFill>
+                  <a:schemeClr val="tx1">
+                    <a:lumMod val="65000"/>
+                    <a:lumOff val="35000"/>
+                  </a:schemeClr>
+                </a:solidFill>
+                <a:effectLst/>
+                <a:latin typeface="-apple-system"/>
+              </a:rPr>
+              <a:t> RULEDATE (earlie</a:t>
+            </a:r>
+            <a:r>
+              <a:rPr lang="en-US" sz="2400" dirty="0">
+                <a:solidFill>
+                  <a:schemeClr val="tx1">
+                    <a:lumMod val="65000"/>
+                    <a:lumOff val="35000"/>
+                  </a:schemeClr>
+                </a:solidFill>
+                <a:latin typeface="-apple-system"/>
+              </a:rPr>
+              <a:t>st available)</a:t>
+            </a:r>
+            <a:endParaRPr lang="en-US" sz="2400" b="0" i="0" dirty="0">
+              <a:solidFill>
+                <a:schemeClr val="tx1">
+                  <a:lumMod val="65000"/>
+                  <a:lumOff val="35000"/>
+                </a:schemeClr>
+              </a:solidFill>
+              <a:effectLst/>
+              <a:latin typeface="-apple-system"/>
+            </a:endParaRPr>
+          </a:p>
+          <a:p>
+            <a:pPr algn="l">
+              <a:buFont typeface="Arial" panose="020B0604020202020204" pitchFamily="34" charset="0"/>
+              <a:buChar char="•"/>
+            </a:pPr>
+            <a:r>
+              <a:rPr lang="en-US" sz="2400" b="0" i="0" dirty="0">
+                <a:solidFill>
+                  <a:schemeClr val="tx1">
+                    <a:lumMod val="65000"/>
+                    <a:lumOff val="35000"/>
+                  </a:schemeClr>
+                </a:solidFill>
+                <a:effectLst/>
+                <a:latin typeface="-apple-system"/>
+              </a:rPr>
+              <a:t> TAXYEAR</a:t>
+            </a:r>
+          </a:p>
+          <a:p>
+            <a:pPr>
+              <a:buFont typeface="Arial" panose="020B0604020202020204" pitchFamily="34" charset="0"/>
+              <a:buChar char="•"/>
+            </a:pPr>
+            <a:r>
+              <a:rPr lang="en-US" sz="2400" dirty="0">
+                <a:solidFill>
+                  <a:schemeClr val="tx1">
+                    <a:lumMod val="65000"/>
+                    <a:lumOff val="35000"/>
+                  </a:schemeClr>
+                </a:solidFill>
+                <a:latin typeface="-apple-system"/>
+              </a:rPr>
+              <a:t> FORM TYPE (990N, 990EZ, 990, 990PF, MISSING)</a:t>
+            </a:r>
+            <a:endParaRPr lang="en-US" sz="2400" b="0" i="0" dirty="0">
+              <a:solidFill>
+                <a:schemeClr val="tx1">
+                  <a:lumMod val="65000"/>
+                  <a:lumOff val="35000"/>
+                </a:schemeClr>
+              </a:solidFill>
+              <a:effectLst/>
+              <a:latin typeface="-apple-system"/>
+            </a:endParaRPr>
+          </a:p>
+          <a:p>
+            <a:pPr algn="l">
+              <a:buFont typeface="Arial" panose="020B0604020202020204" pitchFamily="34" charset="0"/>
+              <a:buChar char="•"/>
+            </a:pPr>
+            <a:r>
+              <a:rPr lang="en-US" sz="2400" dirty="0">
+                <a:solidFill>
+                  <a:schemeClr val="tx1">
+                    <a:lumMod val="65000"/>
+                    <a:lumOff val="35000"/>
+                  </a:schemeClr>
+                </a:solidFill>
+                <a:latin typeface="-apple-system"/>
+              </a:rPr>
+              <a:t> AMMEND_X (check if is an amendment)</a:t>
+            </a:r>
+          </a:p>
+          <a:p>
+            <a:pPr algn="l">
+              <a:buFont typeface="Arial" panose="020B0604020202020204" pitchFamily="34" charset="0"/>
+              <a:buChar char="•"/>
+            </a:pPr>
+            <a:r>
+              <a:rPr lang="en-US" sz="2400" b="0" i="0" dirty="0">
+                <a:solidFill>
+                  <a:schemeClr val="tx1">
+                    <a:lumMod val="65000"/>
+                    <a:lumOff val="35000"/>
+                  </a:schemeClr>
+                </a:solidFill>
+                <a:effectLst/>
+                <a:latin typeface="-apple-system"/>
+              </a:rPr>
+              <a:t> GROUP_X (check if is a group return) </a:t>
+            </a:r>
+          </a:p>
+          <a:p>
+            <a:pPr algn="l">
+              <a:buFont typeface="Arial" panose="020B0604020202020204" pitchFamily="34" charset="0"/>
+              <a:buChar char="•"/>
+            </a:pPr>
+            <a:r>
+              <a:rPr lang="en-US" sz="2400" b="0" i="0" dirty="0">
+                <a:solidFill>
+                  <a:schemeClr val="tx1">
+                    <a:lumMod val="65000"/>
+                    <a:lumOff val="35000"/>
+                  </a:schemeClr>
+                </a:solidFill>
+                <a:effectLst/>
+                <a:latin typeface="-apple-system"/>
+              </a:rPr>
+              <a:t> 990_FIRST_X (check if first)</a:t>
+            </a:r>
+          </a:p>
+          <a:p>
+            <a:pPr algn="l">
+              <a:buFont typeface="Arial" panose="020B0604020202020204" pitchFamily="34" charset="0"/>
+              <a:buChar char="•"/>
+            </a:pPr>
+            <a:r>
+              <a:rPr lang="en-US" sz="2400" b="0" i="0" dirty="0">
+                <a:solidFill>
+                  <a:schemeClr val="tx1">
+                    <a:lumMod val="65000"/>
+                    <a:lumOff val="35000"/>
+                  </a:schemeClr>
+                </a:solidFill>
+                <a:effectLst/>
+                <a:latin typeface="-apple-system"/>
+              </a:rPr>
+              <a:t> 990_LAST_X (check if last on file)</a:t>
+            </a:r>
+          </a:p>
+          <a:p>
+            <a:pPr algn="l">
+              <a:buFont typeface="Arial" panose="020B0604020202020204" pitchFamily="34" charset="0"/>
+              <a:buChar char="•"/>
+            </a:pPr>
+            <a:r>
+              <a:rPr lang="en-US" sz="2400" b="0" i="0" dirty="0">
+                <a:solidFill>
+                  <a:schemeClr val="tx1">
+                    <a:lumMod val="65000"/>
+                    <a:lumOff val="35000"/>
+                  </a:schemeClr>
+                </a:solidFill>
+                <a:effectLst/>
+                <a:latin typeface="-apple-system"/>
+              </a:rPr>
+              <a:t> REVENUE (use $25k for 990N filers, impute missing)</a:t>
+            </a:r>
+          </a:p>
+          <a:p>
+            <a:pPr algn="l">
+              <a:buFont typeface="Arial" panose="020B0604020202020204" pitchFamily="34" charset="0"/>
+              <a:buChar char="•"/>
+            </a:pPr>
+            <a:r>
+              <a:rPr lang="en-US" sz="2400" b="0" i="0" dirty="0">
+                <a:solidFill>
+                  <a:schemeClr val="tx1">
+                    <a:lumMod val="65000"/>
+                    <a:lumOff val="35000"/>
+                  </a:schemeClr>
+                </a:solidFill>
+                <a:effectLst/>
+                <a:latin typeface="-apple-system"/>
+              </a:rPr>
+              <a:t> EXPENSES (use $25k for 990N filers, impute missing)</a:t>
+            </a:r>
+          </a:p>
+          <a:p>
+            <a:pPr algn="l">
+              <a:buFont typeface="Arial" panose="020B0604020202020204" pitchFamily="34" charset="0"/>
+              <a:buChar char="•"/>
+            </a:pPr>
+            <a:r>
+              <a:rPr lang="en-US" sz="2400" dirty="0">
+                <a:solidFill>
+                  <a:schemeClr val="tx1">
+                    <a:lumMod val="65000"/>
+                    <a:lumOff val="35000"/>
+                  </a:schemeClr>
+                </a:solidFill>
+                <a:latin typeface="-apple-system"/>
+              </a:rPr>
+              <a:t> ASSETS (use $0 for 990N filers, impute missing)</a:t>
+            </a:r>
+            <a:endParaRPr lang="en-US" sz="2400" b="0" i="0" dirty="0">
+              <a:solidFill>
+                <a:schemeClr val="tx1">
+                  <a:lumMod val="65000"/>
+                  <a:lumOff val="35000"/>
+                </a:schemeClr>
+              </a:solidFill>
+              <a:effectLst/>
+              <a:latin typeface="-apple-system"/>
+            </a:endParaRPr>
+          </a:p>
+        </p:txBody>
+      </p:sp>
+      <p:sp>
+        <p:nvSpPr>
+          <p:cNvPr id="3" name="TextBox 2">
+            <a:extLst>
+              <a:ext uri="{FF2B5EF4-FFF2-40B4-BE49-F238E27FC236}">
+                <a16:creationId xmlns:a16="http://schemas.microsoft.com/office/drawing/2014/main" id="{BF9747B9-8A07-5C55-A0B5-3412CA601AE1}"/>
+              </a:ext>
+            </a:extLst>
+          </p:cNvPr>
+          <p:cNvSpPr txBox="1"/>
+          <p:nvPr/>
+        </p:nvSpPr>
+        <p:spPr>
+          <a:xfrm>
+            <a:off x="6363223" y="695152"/>
+            <a:ext cx="4709786" cy="1754326"/>
+          </a:xfrm>
+          <a:prstGeom prst="rect">
+            <a:avLst/>
+          </a:prstGeom>
+          <a:noFill/>
+        </p:spPr>
+        <p:txBody>
+          <a:bodyPr wrap="square" rtlCol="0">
+            <a:spAutoFit/>
+          </a:bodyPr>
+          <a:lstStyle/>
+          <a:p>
+            <a:pPr algn="ctr"/>
+            <a:r>
+              <a:rPr lang="en-US" dirty="0"/>
+              <a:t>Stripped down CORE panel used for sampling purposes – shows how many nonprofits are active at each point in time across forms, what data is available (which form they filed), gives start and end points for a nonprofit's “life”, and fills in filing gaps. </a:t>
+            </a:r>
+          </a:p>
+        </p:txBody>
+      </p:sp>
+    </p:spTree>
+    <p:extLst>
+      <p:ext uri="{BB962C8B-B14F-4D97-AF65-F5344CB8AC3E}">
+        <p14:creationId xmlns:p14="http://schemas.microsoft.com/office/powerpoint/2010/main" val="4236163158"/>
       </p:ext>
     </p:extLst>
   </p:cSld>
